--- a/Dokumentacja/prezentacja_sprawozdanie.pptx
+++ b/Dokumentacja/prezentacja_sprawozdanie.pptx
@@ -5,13 +5,17 @@
     <p:sldMasterId id="2147483672" r:id="rId1"/>
   </p:sldMasterIdLst>
   <p:notesMasterIdLst>
-    <p:notesMasterId r:id="rId6"/>
+    <p:notesMasterId r:id="rId10"/>
   </p:notesMasterIdLst>
   <p:sldIdLst>
     <p:sldId id="256" r:id="rId2"/>
     <p:sldId id="257" r:id="rId3"/>
     <p:sldId id="258" r:id="rId4"/>
     <p:sldId id="259" r:id="rId5"/>
+    <p:sldId id="260" r:id="rId6"/>
+    <p:sldId id="261" r:id="rId7"/>
+    <p:sldId id="262" r:id="rId8"/>
+    <p:sldId id="263" r:id="rId9"/>
   </p:sldIdLst>
   <p:sldSz cx="9144000" cy="6858000" type="screen4x3"/>
   <p:notesSz cx="6858000" cy="9144000"/>
@@ -195,7 +199,7 @@
           <a:p>
             <a:fld id="{276F9C06-F346-48AB-9FE8-2C890CABB23A}" type="datetimeFigureOut">
               <a:rPr lang="pl-PL" smtClean="0"/>
-              <a:t>11.05.2017</a:t>
+              <a:t>17.05.2017</a:t>
             </a:fld>
             <a:endParaRPr lang="pl-PL"/>
           </a:p>
@@ -652,7 +656,7 @@
           <a:p>
             <a:fld id="{C6D6AD2A-B395-4591-8551-E45590CDA7A3}" type="datetime1">
               <a:rPr lang="pl-PL" smtClean="0"/>
-              <a:t>11.05.2017</a:t>
+              <a:t>17.05.2017</a:t>
             </a:fld>
             <a:endParaRPr lang="pl-PL"/>
           </a:p>
@@ -887,7 +891,7 @@
           <a:p>
             <a:fld id="{7033813A-C126-486A-91C4-3E17A8B31910}" type="datetime1">
               <a:rPr lang="pl-PL" smtClean="0"/>
-              <a:t>11.05.2017</a:t>
+              <a:t>17.05.2017</a:t>
             </a:fld>
             <a:endParaRPr lang="pl-PL"/>
           </a:p>
@@ -1082,7 +1086,7 @@
           <a:p>
             <a:fld id="{D6852117-7846-49D2-8028-7D3037F12DB6}" type="datetime1">
               <a:rPr lang="pl-PL" smtClean="0"/>
-              <a:t>11.05.2017</a:t>
+              <a:t>17.05.2017</a:t>
             </a:fld>
             <a:endParaRPr lang="pl-PL"/>
           </a:p>
@@ -1263,7 +1267,7 @@
           <a:p>
             <a:fld id="{DEBB8349-9EFE-4CF4-A443-9D73D6C5CDDC}" type="datetime1">
               <a:rPr lang="pl-PL" smtClean="0"/>
-              <a:t>11.05.2017</a:t>
+              <a:t>17.05.2017</a:t>
             </a:fld>
             <a:endParaRPr lang="pl-PL"/>
           </a:p>
@@ -1518,7 +1522,7 @@
           <a:p>
             <a:fld id="{155A78FA-0EB8-40D3-9CDC-E0736B0C4C35}" type="datetime1">
               <a:rPr lang="pl-PL" smtClean="0"/>
-              <a:t>11.05.2017</a:t>
+              <a:t>17.05.2017</a:t>
             </a:fld>
             <a:endParaRPr lang="pl-PL"/>
           </a:p>
@@ -1863,7 +1867,7 @@
           <a:p>
             <a:fld id="{28B319BA-7EF1-4ED5-AF1A-099C54F8F7B4}" type="datetime1">
               <a:rPr lang="pl-PL" smtClean="0"/>
-              <a:t>11.05.2017</a:t>
+              <a:t>17.05.2017</a:t>
             </a:fld>
             <a:endParaRPr lang="pl-PL"/>
           </a:p>
@@ -2308,7 +2312,7 @@
           <a:p>
             <a:fld id="{0B40057B-584C-474C-A081-F65F5E7966C6}" type="datetime1">
               <a:rPr lang="pl-PL" smtClean="0"/>
-              <a:t>11.05.2017</a:t>
+              <a:t>17.05.2017</a:t>
             </a:fld>
             <a:endParaRPr lang="pl-PL"/>
           </a:p>
@@ -2472,7 +2476,7 @@
           <a:p>
             <a:fld id="{5C25B5B1-0ACD-4764-A2A3-0251308FEF1C}" type="datetime1">
               <a:rPr lang="pl-PL" smtClean="0"/>
-              <a:t>11.05.2017</a:t>
+              <a:t>17.05.2017</a:t>
             </a:fld>
             <a:endParaRPr lang="pl-PL"/>
           </a:p>
@@ -2578,7 +2582,7 @@
           <a:p>
             <a:fld id="{A1E66213-6C40-449F-977E-0A6E121EC626}" type="datetime1">
               <a:rPr lang="pl-PL" smtClean="0"/>
-              <a:t>11.05.2017</a:t>
+              <a:t>17.05.2017</a:t>
             </a:fld>
             <a:endParaRPr lang="pl-PL"/>
           </a:p>
@@ -2874,7 +2878,7 @@
           <a:p>
             <a:fld id="{95E477D7-A444-4B68-96AE-1126F450C109}" type="datetime1">
               <a:rPr lang="pl-PL" smtClean="0"/>
-              <a:t>11.05.2017</a:t>
+              <a:t>17.05.2017</a:t>
             </a:fld>
             <a:endParaRPr lang="pl-PL"/>
           </a:p>
@@ -3150,7 +3154,7 @@
           <a:p>
             <a:fld id="{1330AA89-61BC-4543-9C29-7BF2580DF5BB}" type="datetime1">
               <a:rPr lang="pl-PL" smtClean="0"/>
-              <a:t>11.05.2017</a:t>
+              <a:t>17.05.2017</a:t>
             </a:fld>
             <a:endParaRPr lang="pl-PL"/>
           </a:p>
@@ -3501,7 +3505,7 @@
           <a:p>
             <a:fld id="{284D8F3B-99C0-4D59-90E1-0B93D14B583D}" type="datetime1">
               <a:rPr lang="pl-PL" smtClean="0"/>
-              <a:t>11.05.2017</a:t>
+              <a:t>17.05.2017</a:t>
             </a:fld>
             <a:endParaRPr lang="pl-PL"/>
           </a:p>
@@ -3741,14 +3745,6 @@
               </a:rPr>
               <a:t>GRUPA 1A</a:t>
             </a:r>
-            <a:endParaRPr lang="pl-PL" sz="1200" b="1" kern="1200" spc="-30" baseline="0" dirty="0" smtClean="0">
-              <a:solidFill>
-                <a:schemeClr val="bg1"/>
-              </a:solidFill>
-              <a:latin typeface="Verdana" pitchFamily="34" charset="0"/>
-              <a:ea typeface="Verdana" pitchFamily="34" charset="0"/>
-              <a:cs typeface="Verdana" pitchFamily="34" charset="0"/>
-            </a:endParaRPr>
           </a:p>
         </p:txBody>
       </p:sp>
@@ -4258,7 +4254,7 @@
           <a:p>
             <a:fld id="{90F0A293-143E-49F8-AB74-8BE42FB9E430}" type="datetime1">
               <a:rPr lang="pl-PL" smtClean="0"/>
-              <a:t>11.05.2017</a:t>
+              <a:t>17.05.2017</a:t>
             </a:fld>
             <a:endParaRPr lang="pl-PL"/>
           </a:p>
@@ -4372,77 +4368,6 @@
       </p:sp>
       <p:sp>
         <p:nvSpPr>
-          <p:cNvPr id="3" name="Symbol zastępczy zawartości 2"/>
-          <p:cNvSpPr>
-            <a:spLocks noGrp="1"/>
-          </p:cNvSpPr>
-          <p:nvPr>
-            <p:ph idx="1"/>
-          </p:nvPr>
-        </p:nvSpPr>
-        <p:spPr/>
-        <p:txBody>
-          <a:bodyPr/>
-          <a:lstStyle/>
-          <a:p>
-            <a:r>
-              <a:rPr lang="pl-PL" b="1" i="1" dirty="0" smtClean="0"/>
-              <a:t>2017-05-10 09:30 </a:t>
-            </a:r>
-            <a:r>
-              <a:rPr lang="pl-PL" dirty="0" smtClean="0"/>
-              <a:t>– Czteroosobowa grupa podzieliła się pracą nad projektem „Warcaby”. Został wytypowany pierwszy </a:t>
-            </a:r>
-            <a:r>
-              <a:rPr lang="pl-PL" dirty="0" err="1" smtClean="0"/>
-              <a:t>Scrum</a:t>
-            </a:r>
-            <a:r>
-              <a:rPr lang="pl-PL" dirty="0" smtClean="0"/>
-              <a:t> Master – Maciej.</a:t>
-            </a:r>
-          </a:p>
-          <a:p>
-            <a:r>
-              <a:rPr lang="pl-PL" b="1" i="1" dirty="0" smtClean="0"/>
-              <a:t>2017-05-10 18:00 </a:t>
-            </a:r>
-            <a:r>
-              <a:rPr lang="pl-PL" dirty="0" smtClean="0"/>
-              <a:t>– Zostało utworzone repozytorium projektu w serwisie </a:t>
-            </a:r>
-            <a:r>
-              <a:rPr lang="pl-PL" dirty="0" err="1" smtClean="0"/>
-              <a:t>Github</a:t>
-            </a:r>
-            <a:r>
-              <a:rPr lang="pl-PL" dirty="0" smtClean="0"/>
-              <a:t>. Współpracownicy zostali dodani do projektu.</a:t>
-            </a:r>
-          </a:p>
-          <a:p>
-            <a:r>
-              <a:rPr lang="pl-PL" b="1" i="1" dirty="0" smtClean="0"/>
-              <a:t>2017-05-11 23:00 </a:t>
-            </a:r>
-            <a:r>
-              <a:rPr lang="pl-PL" dirty="0" smtClean="0"/>
-              <a:t>– Przepisano notatki dotyczące projektu tworząc </a:t>
-            </a:r>
-            <a:r>
-              <a:rPr lang="pl-PL" dirty="0" err="1" smtClean="0"/>
-              <a:t>backlog</a:t>
-            </a:r>
-            <a:r>
-              <a:rPr lang="pl-PL" dirty="0" smtClean="0"/>
-              <a:t>. Została założona prezentacja, która docelowo ma być sprawozdaniem z projektu.</a:t>
-            </a:r>
-            <a:endParaRPr lang="pl-PL" dirty="0"/>
-          </a:p>
-        </p:txBody>
-      </p:sp>
-      <p:sp>
-        <p:nvSpPr>
           <p:cNvPr id="4" name="Symbol zastępczy daty 3"/>
           <p:cNvSpPr>
             <a:spLocks noGrp="1"/>
@@ -4458,7 +4383,7 @@
           <a:p>
             <a:fld id="{DEBB8349-9EFE-4CF4-A443-9D73D6C5CDDC}" type="datetime1">
               <a:rPr lang="pl-PL" smtClean="0"/>
-              <a:t>11.05.2017</a:t>
+              <a:t>17.05.2017</a:t>
             </a:fld>
             <a:endParaRPr lang="pl-PL"/>
           </a:p>
@@ -4510,6 +4435,70 @@
           </a:p>
         </p:txBody>
       </p:sp>
+      <p:pic>
+        <p:nvPicPr>
+          <p:cNvPr id="1026" name="Picture 2"/>
+          <p:cNvPicPr>
+            <a:picLocks noChangeAspect="1" noChangeArrowheads="1"/>
+          </p:cNvPicPr>
+          <p:nvPr/>
+        </p:nvPicPr>
+        <p:blipFill>
+          <a:blip r:embed="rId2">
+            <a:extLst>
+              <a:ext uri="{28A0092B-C50C-407E-A947-70E740481C1C}">
+                <a14:useLocalDpi xmlns:a14="http://schemas.microsoft.com/office/drawing/2010/main" val="0"/>
+              </a:ext>
+            </a:extLst>
+          </a:blip>
+          <a:srcRect/>
+          <a:stretch>
+            <a:fillRect/>
+          </a:stretch>
+        </p:blipFill>
+        <p:spPr bwMode="auto">
+          <a:xfrm>
+            <a:off x="614363" y="2233613"/>
+            <a:ext cx="7915275" cy="2390775"/>
+          </a:xfrm>
+          <a:prstGeom prst="rect">
+            <a:avLst/>
+          </a:prstGeom>
+          <a:noFill/>
+          <a:ln>
+            <a:noFill/>
+          </a:ln>
+          <a:effectLst/>
+          <a:extLst>
+            <a:ext uri="{909E8E84-426E-40DD-AFC4-6F175D3DCCD1}">
+              <a14:hiddenFill xmlns:a14="http://schemas.microsoft.com/office/drawing/2010/main">
+                <a:solidFill>
+                  <a:schemeClr val="accent1"/>
+                </a:solidFill>
+              </a14:hiddenFill>
+            </a:ext>
+            <a:ext uri="{91240B29-F687-4F45-9708-019B960494DF}">
+              <a14:hiddenLine xmlns:a14="http://schemas.microsoft.com/office/drawing/2010/main" w="9525">
+                <a:solidFill>
+                  <a:schemeClr val="tx1"/>
+                </a:solidFill>
+                <a:miter lim="800000"/>
+                <a:headEnd/>
+                <a:tailEnd/>
+              </a14:hiddenLine>
+            </a:ext>
+            <a:ext uri="{AF507438-7753-43E0-B8FC-AC1667EBCBE1}">
+              <a14:hiddenEffects xmlns:a14="http://schemas.microsoft.com/office/drawing/2010/main">
+                <a:effectLst>
+                  <a:outerShdw dist="35921" dir="2700000" algn="ctr" rotWithShape="0">
+                    <a:schemeClr val="bg2"/>
+                  </a:outerShdw>
+                </a:effectLst>
+              </a14:hiddenEffects>
+            </a:ext>
+          </a:extLst>
+        </p:spPr>
+      </p:pic>
     </p:spTree>
     <p:extLst>
       <p:ext uri="{BB962C8B-B14F-4D97-AF65-F5344CB8AC3E}">
@@ -4563,8 +4552,8 @@
           <a:lstStyle/>
           <a:p>
             <a:r>
-              <a:rPr lang="pl-PL" dirty="0" err="1" smtClean="0"/>
-              <a:t>Backlog</a:t>
+              <a:rPr lang="pl-PL" dirty="0" smtClean="0"/>
+              <a:t>I Sprint</a:t>
             </a:r>
             <a:endParaRPr lang="pl-PL" dirty="0"/>
           </a:p>
@@ -4572,48 +4561,6 @@
       </p:sp>
       <p:sp>
         <p:nvSpPr>
-          <p:cNvPr id="3" name="Symbol zastępczy zawartości 2"/>
-          <p:cNvSpPr>
-            <a:spLocks noGrp="1"/>
-          </p:cNvSpPr>
-          <p:nvPr>
-            <p:ph idx="1"/>
-          </p:nvPr>
-        </p:nvSpPr>
-        <p:spPr/>
-        <p:txBody>
-          <a:bodyPr/>
-          <a:lstStyle/>
-          <a:p>
-            <a:r>
-              <a:rPr lang="pl-PL" b="1" i="1" dirty="0"/>
-              <a:t>2017-05-11 23:10 </a:t>
-            </a:r>
-            <a:r>
-              <a:rPr lang="pl-PL" dirty="0"/>
-              <a:t>- Została podjęta decyzja o używaniu w całym projekcie formatu </a:t>
-            </a:r>
-            <a:r>
-              <a:rPr lang="pl-PL" dirty="0" err="1"/>
-              <a:t>datu</a:t>
-            </a:r>
-            <a:r>
-              <a:rPr lang="pl-PL" dirty="0"/>
-              <a:t> wg. normy ISO 8601 (RRRR-MM-DD </a:t>
-            </a:r>
-            <a:r>
-              <a:rPr lang="pl-PL" dirty="0" err="1"/>
-              <a:t>gg:mm</a:t>
-            </a:r>
-            <a:r>
-              <a:rPr lang="pl-PL" dirty="0"/>
-              <a:t>).</a:t>
-            </a:r>
-          </a:p>
-        </p:txBody>
-      </p:sp>
-      <p:sp>
-        <p:nvSpPr>
           <p:cNvPr id="4" name="Symbol zastępczy daty 3"/>
           <p:cNvSpPr>
             <a:spLocks noGrp="1"/>
@@ -4629,7 +4576,7 @@
           <a:p>
             <a:fld id="{DEBB8349-9EFE-4CF4-A443-9D73D6C5CDDC}" type="datetime1">
               <a:rPr lang="pl-PL" smtClean="0"/>
-              <a:t>11.05.2017</a:t>
+              <a:t>17.05.2017</a:t>
             </a:fld>
             <a:endParaRPr lang="pl-PL"/>
           </a:p>
@@ -4681,10 +4628,895 @@
           </a:p>
         </p:txBody>
       </p:sp>
+      <p:pic>
+        <p:nvPicPr>
+          <p:cNvPr id="2050" name="Picture 2"/>
+          <p:cNvPicPr>
+            <a:picLocks noChangeAspect="1" noChangeArrowheads="1"/>
+          </p:cNvPicPr>
+          <p:nvPr/>
+        </p:nvPicPr>
+        <p:blipFill>
+          <a:blip r:embed="rId2">
+            <a:extLst>
+              <a:ext uri="{28A0092B-C50C-407E-A947-70E740481C1C}">
+                <a14:useLocalDpi xmlns:a14="http://schemas.microsoft.com/office/drawing/2010/main" val="0"/>
+              </a:ext>
+            </a:extLst>
+          </a:blip>
+          <a:srcRect/>
+          <a:stretch>
+            <a:fillRect/>
+          </a:stretch>
+        </p:blipFill>
+        <p:spPr bwMode="auto">
+          <a:xfrm>
+            <a:off x="652463" y="1340768"/>
+            <a:ext cx="7839075" cy="4991653"/>
+          </a:xfrm>
+          <a:prstGeom prst="rect">
+            <a:avLst/>
+          </a:prstGeom>
+          <a:noFill/>
+          <a:ln>
+            <a:noFill/>
+          </a:ln>
+          <a:effectLst/>
+          <a:extLst>
+            <a:ext uri="{909E8E84-426E-40DD-AFC4-6F175D3DCCD1}">
+              <a14:hiddenFill xmlns:a14="http://schemas.microsoft.com/office/drawing/2010/main">
+                <a:solidFill>
+                  <a:schemeClr val="accent1"/>
+                </a:solidFill>
+              </a14:hiddenFill>
+            </a:ext>
+            <a:ext uri="{91240B29-F687-4F45-9708-019B960494DF}">
+              <a14:hiddenLine xmlns:a14="http://schemas.microsoft.com/office/drawing/2010/main" w="9525">
+                <a:solidFill>
+                  <a:schemeClr val="tx1"/>
+                </a:solidFill>
+                <a:miter lim="800000"/>
+                <a:headEnd/>
+                <a:tailEnd/>
+              </a14:hiddenLine>
+            </a:ext>
+            <a:ext uri="{AF507438-7753-43E0-B8FC-AC1667EBCBE1}">
+              <a14:hiddenEffects xmlns:a14="http://schemas.microsoft.com/office/drawing/2010/main">
+                <a:effectLst>
+                  <a:outerShdw dist="35921" dir="2700000" algn="ctr" rotWithShape="0">
+                    <a:schemeClr val="bg2"/>
+                  </a:outerShdw>
+                </a:effectLst>
+              </a14:hiddenEffects>
+            </a:ext>
+          </a:extLst>
+        </p:spPr>
+      </p:pic>
     </p:spTree>
     <p:extLst>
       <p:ext uri="{BB962C8B-B14F-4D97-AF65-F5344CB8AC3E}">
         <p14:creationId xmlns:p14="http://schemas.microsoft.com/office/powerpoint/2010/main" val="2774064168"/>
+      </p:ext>
+    </p:extLst>
+  </p:cSld>
+  <p:clrMapOvr>
+    <a:masterClrMapping/>
+  </p:clrMapOvr>
+  <p:timing>
+    <p:tnLst>
+      <p:par>
+        <p:cTn id="1" dur="indefinite" restart="never" nodeType="tmRoot"/>
+      </p:par>
+    </p:tnLst>
+  </p:timing>
+</p:sld>
+</file>
+
+<file path=ppt/slides/slide5.xml><?xml version="1.0" encoding="utf-8"?>
+<p:sld xmlns:a="http://schemas.openxmlformats.org/drawingml/2006/main" xmlns:r="http://schemas.openxmlformats.org/officeDocument/2006/relationships" xmlns:p="http://schemas.openxmlformats.org/presentationml/2006/main">
+  <p:cSld>
+    <p:spTree>
+      <p:nvGrpSpPr>
+        <p:cNvPr id="1" name=""/>
+        <p:cNvGrpSpPr/>
+        <p:nvPr/>
+      </p:nvGrpSpPr>
+      <p:grpSpPr>
+        <a:xfrm>
+          <a:off x="0" y="0"/>
+          <a:ext cx="0" cy="0"/>
+          <a:chOff x="0" y="0"/>
+          <a:chExt cx="0" cy="0"/>
+        </a:xfrm>
+      </p:grpSpPr>
+      <p:sp>
+        <p:nvSpPr>
+          <p:cNvPr id="2" name="Tytuł 1"/>
+          <p:cNvSpPr>
+            <a:spLocks noGrp="1"/>
+          </p:cNvSpPr>
+          <p:nvPr>
+            <p:ph type="title"/>
+          </p:nvPr>
+        </p:nvSpPr>
+        <p:spPr/>
+        <p:txBody>
+          <a:bodyPr/>
+          <a:lstStyle/>
+          <a:p>
+            <a:r>
+              <a:rPr lang="pl-PL" dirty="0" smtClean="0"/>
+              <a:t>Raporty</a:t>
+            </a:r>
+            <a:endParaRPr lang="pl-PL" dirty="0"/>
+          </a:p>
+        </p:txBody>
+      </p:sp>
+      <p:sp>
+        <p:nvSpPr>
+          <p:cNvPr id="4" name="Symbol zastępczy daty 3"/>
+          <p:cNvSpPr>
+            <a:spLocks noGrp="1"/>
+          </p:cNvSpPr>
+          <p:nvPr>
+            <p:ph type="dt" sz="half" idx="10"/>
+          </p:nvPr>
+        </p:nvSpPr>
+        <p:spPr/>
+        <p:txBody>
+          <a:bodyPr/>
+          <a:lstStyle/>
+          <a:p>
+            <a:fld id="{DEBB8349-9EFE-4CF4-A443-9D73D6C5CDDC}" type="datetime1">
+              <a:rPr lang="pl-PL" smtClean="0"/>
+              <a:t>17.05.2017</a:t>
+            </a:fld>
+            <a:endParaRPr lang="pl-PL"/>
+          </a:p>
+        </p:txBody>
+      </p:sp>
+      <p:sp>
+        <p:nvSpPr>
+          <p:cNvPr id="5" name="Symbol zastępczy stopki 4"/>
+          <p:cNvSpPr>
+            <a:spLocks noGrp="1"/>
+          </p:cNvSpPr>
+          <p:nvPr>
+            <p:ph type="ftr" sz="quarter" idx="11"/>
+          </p:nvPr>
+        </p:nvSpPr>
+        <p:spPr/>
+        <p:txBody>
+          <a:bodyPr/>
+          <a:lstStyle/>
+          <a:p>
+            <a:r>
+              <a:rPr lang="pl-PL" smtClean="0"/>
+              <a:t>Sprawozdanie z projektu INPG</a:t>
+            </a:r>
+            <a:endParaRPr lang="pl-PL"/>
+          </a:p>
+        </p:txBody>
+      </p:sp>
+      <p:sp>
+        <p:nvSpPr>
+          <p:cNvPr id="6" name="Symbol zastępczy numeru slajdu 5"/>
+          <p:cNvSpPr>
+            <a:spLocks noGrp="1"/>
+          </p:cNvSpPr>
+          <p:nvPr>
+            <p:ph type="sldNum" sz="quarter" idx="12"/>
+          </p:nvPr>
+        </p:nvSpPr>
+        <p:spPr/>
+        <p:txBody>
+          <a:bodyPr/>
+          <a:lstStyle/>
+          <a:p>
+            <a:fld id="{7ABA60A5-3177-43D4-9934-32BA489A924D}" type="slidenum">
+              <a:rPr lang="pl-PL" smtClean="0"/>
+              <a:t>5</a:t>
+            </a:fld>
+            <a:endParaRPr lang="pl-PL"/>
+          </a:p>
+        </p:txBody>
+      </p:sp>
+      <p:pic>
+        <p:nvPicPr>
+          <p:cNvPr id="3074" name="Picture 2"/>
+          <p:cNvPicPr>
+            <a:picLocks noChangeAspect="1" noChangeArrowheads="1"/>
+          </p:cNvPicPr>
+          <p:nvPr/>
+        </p:nvPicPr>
+        <p:blipFill>
+          <a:blip r:embed="rId2">
+            <a:extLst>
+              <a:ext uri="{28A0092B-C50C-407E-A947-70E740481C1C}">
+                <a14:useLocalDpi xmlns:a14="http://schemas.microsoft.com/office/drawing/2010/main" val="0"/>
+              </a:ext>
+            </a:extLst>
+          </a:blip>
+          <a:srcRect/>
+          <a:stretch>
+            <a:fillRect/>
+          </a:stretch>
+        </p:blipFill>
+        <p:spPr bwMode="auto">
+          <a:xfrm>
+            <a:off x="838200" y="1340768"/>
+            <a:ext cx="7467600" cy="4622800"/>
+          </a:xfrm>
+          <a:prstGeom prst="rect">
+            <a:avLst/>
+          </a:prstGeom>
+          <a:noFill/>
+          <a:ln>
+            <a:noFill/>
+          </a:ln>
+          <a:effectLst/>
+          <a:extLst>
+            <a:ext uri="{909E8E84-426E-40DD-AFC4-6F175D3DCCD1}">
+              <a14:hiddenFill xmlns:a14="http://schemas.microsoft.com/office/drawing/2010/main">
+                <a:solidFill>
+                  <a:schemeClr val="accent1"/>
+                </a:solidFill>
+              </a14:hiddenFill>
+            </a:ext>
+            <a:ext uri="{91240B29-F687-4F45-9708-019B960494DF}">
+              <a14:hiddenLine xmlns:a14="http://schemas.microsoft.com/office/drawing/2010/main" w="9525">
+                <a:solidFill>
+                  <a:schemeClr val="tx1"/>
+                </a:solidFill>
+                <a:miter lim="800000"/>
+                <a:headEnd/>
+                <a:tailEnd/>
+              </a14:hiddenLine>
+            </a:ext>
+            <a:ext uri="{AF507438-7753-43E0-B8FC-AC1667EBCBE1}">
+              <a14:hiddenEffects xmlns:a14="http://schemas.microsoft.com/office/drawing/2010/main">
+                <a:effectLst>
+                  <a:outerShdw dist="35921" dir="2700000" algn="ctr" rotWithShape="0">
+                    <a:schemeClr val="bg2"/>
+                  </a:outerShdw>
+                </a:effectLst>
+              </a14:hiddenEffects>
+            </a:ext>
+          </a:extLst>
+        </p:spPr>
+      </p:pic>
+    </p:spTree>
+    <p:extLst>
+      <p:ext uri="{BB962C8B-B14F-4D97-AF65-F5344CB8AC3E}">
+        <p14:creationId xmlns:p14="http://schemas.microsoft.com/office/powerpoint/2010/main" val="1524689310"/>
+      </p:ext>
+    </p:extLst>
+  </p:cSld>
+  <p:clrMapOvr>
+    <a:masterClrMapping/>
+  </p:clrMapOvr>
+  <p:timing>
+    <p:tnLst>
+      <p:par>
+        <p:cTn id="1" dur="indefinite" restart="never" nodeType="tmRoot"/>
+      </p:par>
+    </p:tnLst>
+  </p:timing>
+</p:sld>
+</file>
+
+<file path=ppt/slides/slide6.xml><?xml version="1.0" encoding="utf-8"?>
+<p:sld xmlns:a="http://schemas.openxmlformats.org/drawingml/2006/main" xmlns:r="http://schemas.openxmlformats.org/officeDocument/2006/relationships" xmlns:p="http://schemas.openxmlformats.org/presentationml/2006/main">
+  <p:cSld>
+    <p:spTree>
+      <p:nvGrpSpPr>
+        <p:cNvPr id="1" name=""/>
+        <p:cNvGrpSpPr/>
+        <p:nvPr/>
+      </p:nvGrpSpPr>
+      <p:grpSpPr>
+        <a:xfrm>
+          <a:off x="0" y="0"/>
+          <a:ext cx="0" cy="0"/>
+          <a:chOff x="0" y="0"/>
+          <a:chExt cx="0" cy="0"/>
+        </a:xfrm>
+      </p:grpSpPr>
+      <p:sp>
+        <p:nvSpPr>
+          <p:cNvPr id="2" name="Tytuł 1"/>
+          <p:cNvSpPr>
+            <a:spLocks noGrp="1"/>
+          </p:cNvSpPr>
+          <p:nvPr>
+            <p:ph type="title"/>
+          </p:nvPr>
+        </p:nvSpPr>
+        <p:spPr/>
+        <p:txBody>
+          <a:bodyPr/>
+          <a:lstStyle/>
+          <a:p>
+            <a:r>
+              <a:rPr lang="pl-PL" dirty="0" smtClean="0"/>
+              <a:t>Statystyka </a:t>
+            </a:r>
+            <a:r>
+              <a:rPr lang="pl-PL" dirty="0" err="1" smtClean="0"/>
+              <a:t>commitów</a:t>
+            </a:r>
+            <a:endParaRPr lang="pl-PL" dirty="0"/>
+          </a:p>
+        </p:txBody>
+      </p:sp>
+      <p:sp>
+        <p:nvSpPr>
+          <p:cNvPr id="4" name="Symbol zastępczy daty 3"/>
+          <p:cNvSpPr>
+            <a:spLocks noGrp="1"/>
+          </p:cNvSpPr>
+          <p:nvPr>
+            <p:ph type="dt" sz="half" idx="10"/>
+          </p:nvPr>
+        </p:nvSpPr>
+        <p:spPr/>
+        <p:txBody>
+          <a:bodyPr/>
+          <a:lstStyle/>
+          <a:p>
+            <a:fld id="{DEBB8349-9EFE-4CF4-A443-9D73D6C5CDDC}" type="datetime1">
+              <a:rPr lang="pl-PL" smtClean="0"/>
+              <a:t>17.05.2017</a:t>
+            </a:fld>
+            <a:endParaRPr lang="pl-PL"/>
+          </a:p>
+        </p:txBody>
+      </p:sp>
+      <p:sp>
+        <p:nvSpPr>
+          <p:cNvPr id="5" name="Symbol zastępczy stopki 4"/>
+          <p:cNvSpPr>
+            <a:spLocks noGrp="1"/>
+          </p:cNvSpPr>
+          <p:nvPr>
+            <p:ph type="ftr" sz="quarter" idx="11"/>
+          </p:nvPr>
+        </p:nvSpPr>
+        <p:spPr/>
+        <p:txBody>
+          <a:bodyPr/>
+          <a:lstStyle/>
+          <a:p>
+            <a:r>
+              <a:rPr lang="pl-PL" smtClean="0"/>
+              <a:t>Sprawozdanie z projektu INPG</a:t>
+            </a:r>
+            <a:endParaRPr lang="pl-PL"/>
+          </a:p>
+        </p:txBody>
+      </p:sp>
+      <p:sp>
+        <p:nvSpPr>
+          <p:cNvPr id="6" name="Symbol zastępczy numeru slajdu 5"/>
+          <p:cNvSpPr>
+            <a:spLocks noGrp="1"/>
+          </p:cNvSpPr>
+          <p:nvPr>
+            <p:ph type="sldNum" sz="quarter" idx="12"/>
+          </p:nvPr>
+        </p:nvSpPr>
+        <p:spPr/>
+        <p:txBody>
+          <a:bodyPr/>
+          <a:lstStyle/>
+          <a:p>
+            <a:fld id="{7ABA60A5-3177-43D4-9934-32BA489A924D}" type="slidenum">
+              <a:rPr lang="pl-PL" smtClean="0"/>
+              <a:t>6</a:t>
+            </a:fld>
+            <a:endParaRPr lang="pl-PL"/>
+          </a:p>
+        </p:txBody>
+      </p:sp>
+      <p:pic>
+        <p:nvPicPr>
+          <p:cNvPr id="4098" name="Picture 2"/>
+          <p:cNvPicPr>
+            <a:picLocks noChangeAspect="1" noChangeArrowheads="1"/>
+          </p:cNvPicPr>
+          <p:nvPr/>
+        </p:nvPicPr>
+        <p:blipFill>
+          <a:blip r:embed="rId2">
+            <a:extLst>
+              <a:ext uri="{28A0092B-C50C-407E-A947-70E740481C1C}">
+                <a14:useLocalDpi xmlns:a14="http://schemas.microsoft.com/office/drawing/2010/main" val="0"/>
+              </a:ext>
+            </a:extLst>
+          </a:blip>
+          <a:srcRect/>
+          <a:stretch>
+            <a:fillRect/>
+          </a:stretch>
+        </p:blipFill>
+        <p:spPr bwMode="auto">
+          <a:xfrm>
+            <a:off x="587375" y="1692275"/>
+            <a:ext cx="7969250" cy="3473450"/>
+          </a:xfrm>
+          <a:prstGeom prst="rect">
+            <a:avLst/>
+          </a:prstGeom>
+          <a:noFill/>
+          <a:ln>
+            <a:noFill/>
+          </a:ln>
+          <a:effectLst/>
+          <a:extLst>
+            <a:ext uri="{909E8E84-426E-40DD-AFC4-6F175D3DCCD1}">
+              <a14:hiddenFill xmlns:a14="http://schemas.microsoft.com/office/drawing/2010/main">
+                <a:solidFill>
+                  <a:schemeClr val="accent1"/>
+                </a:solidFill>
+              </a14:hiddenFill>
+            </a:ext>
+            <a:ext uri="{91240B29-F687-4F45-9708-019B960494DF}">
+              <a14:hiddenLine xmlns:a14="http://schemas.microsoft.com/office/drawing/2010/main" w="9525">
+                <a:solidFill>
+                  <a:schemeClr val="tx1"/>
+                </a:solidFill>
+                <a:miter lim="800000"/>
+                <a:headEnd/>
+                <a:tailEnd/>
+              </a14:hiddenLine>
+            </a:ext>
+            <a:ext uri="{AF507438-7753-43E0-B8FC-AC1667EBCBE1}">
+              <a14:hiddenEffects xmlns:a14="http://schemas.microsoft.com/office/drawing/2010/main">
+                <a:effectLst>
+                  <a:outerShdw dist="35921" dir="2700000" algn="ctr" rotWithShape="0">
+                    <a:schemeClr val="bg2"/>
+                  </a:outerShdw>
+                </a:effectLst>
+              </a14:hiddenEffects>
+            </a:ext>
+          </a:extLst>
+        </p:spPr>
+      </p:pic>
+    </p:spTree>
+    <p:extLst>
+      <p:ext uri="{BB962C8B-B14F-4D97-AF65-F5344CB8AC3E}">
+        <p14:creationId xmlns:p14="http://schemas.microsoft.com/office/powerpoint/2010/main" val="1948775304"/>
+      </p:ext>
+    </p:extLst>
+  </p:cSld>
+  <p:clrMapOvr>
+    <a:masterClrMapping/>
+  </p:clrMapOvr>
+  <p:timing>
+    <p:tnLst>
+      <p:par>
+        <p:cTn id="1" dur="indefinite" restart="never" nodeType="tmRoot"/>
+      </p:par>
+    </p:tnLst>
+  </p:timing>
+</p:sld>
+</file>
+
+<file path=ppt/slides/slide7.xml><?xml version="1.0" encoding="utf-8"?>
+<p:sld xmlns:a="http://schemas.openxmlformats.org/drawingml/2006/main" xmlns:r="http://schemas.openxmlformats.org/officeDocument/2006/relationships" xmlns:p="http://schemas.openxmlformats.org/presentationml/2006/main">
+  <p:cSld>
+    <p:spTree>
+      <p:nvGrpSpPr>
+        <p:cNvPr id="1" name=""/>
+        <p:cNvGrpSpPr/>
+        <p:nvPr/>
+      </p:nvGrpSpPr>
+      <p:grpSpPr>
+        <a:xfrm>
+          <a:off x="0" y="0"/>
+          <a:ext cx="0" cy="0"/>
+          <a:chOff x="0" y="0"/>
+          <a:chExt cx="0" cy="0"/>
+        </a:xfrm>
+      </p:grpSpPr>
+      <p:sp>
+        <p:nvSpPr>
+          <p:cNvPr id="2" name="Tytuł 1"/>
+          <p:cNvSpPr>
+            <a:spLocks noGrp="1"/>
+          </p:cNvSpPr>
+          <p:nvPr>
+            <p:ph type="title"/>
+          </p:nvPr>
+        </p:nvSpPr>
+        <p:spPr/>
+        <p:txBody>
+          <a:bodyPr/>
+          <a:lstStyle/>
+          <a:p>
+            <a:r>
+              <a:rPr lang="pl-PL" dirty="0" smtClean="0"/>
+              <a:t>Założenie </a:t>
+            </a:r>
+            <a:r>
+              <a:rPr lang="pl-PL" dirty="0" err="1" smtClean="0"/>
+              <a:t>Trello</a:t>
+            </a:r>
+            <a:endParaRPr lang="pl-PL" dirty="0"/>
+          </a:p>
+        </p:txBody>
+      </p:sp>
+      <p:sp>
+        <p:nvSpPr>
+          <p:cNvPr id="4" name="Symbol zastępczy daty 3"/>
+          <p:cNvSpPr>
+            <a:spLocks noGrp="1"/>
+          </p:cNvSpPr>
+          <p:nvPr>
+            <p:ph type="dt" sz="half" idx="10"/>
+          </p:nvPr>
+        </p:nvSpPr>
+        <p:spPr/>
+        <p:txBody>
+          <a:bodyPr/>
+          <a:lstStyle/>
+          <a:p>
+            <a:fld id="{DEBB8349-9EFE-4CF4-A443-9D73D6C5CDDC}" type="datetime1">
+              <a:rPr lang="pl-PL" smtClean="0"/>
+              <a:t>17.05.2017</a:t>
+            </a:fld>
+            <a:endParaRPr lang="pl-PL"/>
+          </a:p>
+        </p:txBody>
+      </p:sp>
+      <p:sp>
+        <p:nvSpPr>
+          <p:cNvPr id="5" name="Symbol zastępczy stopki 4"/>
+          <p:cNvSpPr>
+            <a:spLocks noGrp="1"/>
+          </p:cNvSpPr>
+          <p:nvPr>
+            <p:ph type="ftr" sz="quarter" idx="11"/>
+          </p:nvPr>
+        </p:nvSpPr>
+        <p:spPr/>
+        <p:txBody>
+          <a:bodyPr/>
+          <a:lstStyle/>
+          <a:p>
+            <a:r>
+              <a:rPr lang="pl-PL" smtClean="0"/>
+              <a:t>Sprawozdanie z projektu INPG</a:t>
+            </a:r>
+            <a:endParaRPr lang="pl-PL"/>
+          </a:p>
+        </p:txBody>
+      </p:sp>
+      <p:sp>
+        <p:nvSpPr>
+          <p:cNvPr id="6" name="Symbol zastępczy numeru slajdu 5"/>
+          <p:cNvSpPr>
+            <a:spLocks noGrp="1"/>
+          </p:cNvSpPr>
+          <p:nvPr>
+            <p:ph type="sldNum" sz="quarter" idx="12"/>
+          </p:nvPr>
+        </p:nvSpPr>
+        <p:spPr/>
+        <p:txBody>
+          <a:bodyPr/>
+          <a:lstStyle/>
+          <a:p>
+            <a:fld id="{7ABA60A5-3177-43D4-9934-32BA489A924D}" type="slidenum">
+              <a:rPr lang="pl-PL" smtClean="0"/>
+              <a:t>7</a:t>
+            </a:fld>
+            <a:endParaRPr lang="pl-PL"/>
+          </a:p>
+        </p:txBody>
+      </p:sp>
+      <p:pic>
+        <p:nvPicPr>
+          <p:cNvPr id="5122" name="Picture 2"/>
+          <p:cNvPicPr>
+            <a:picLocks noChangeAspect="1" noChangeArrowheads="1"/>
+          </p:cNvPicPr>
+          <p:nvPr/>
+        </p:nvPicPr>
+        <p:blipFill>
+          <a:blip r:embed="rId2">
+            <a:extLst>
+              <a:ext uri="{28A0092B-C50C-407E-A947-70E740481C1C}">
+                <a14:useLocalDpi xmlns:a14="http://schemas.microsoft.com/office/drawing/2010/main" val="0"/>
+              </a:ext>
+            </a:extLst>
+          </a:blip>
+          <a:srcRect/>
+          <a:stretch>
+            <a:fillRect/>
+          </a:stretch>
+        </p:blipFill>
+        <p:spPr bwMode="auto">
+          <a:xfrm>
+            <a:off x="251520" y="1628800"/>
+            <a:ext cx="8660292" cy="4032448"/>
+          </a:xfrm>
+          <a:prstGeom prst="rect">
+            <a:avLst/>
+          </a:prstGeom>
+          <a:noFill/>
+          <a:ln>
+            <a:noFill/>
+          </a:ln>
+          <a:effectLst/>
+          <a:extLst>
+            <a:ext uri="{909E8E84-426E-40DD-AFC4-6F175D3DCCD1}">
+              <a14:hiddenFill xmlns:a14="http://schemas.microsoft.com/office/drawing/2010/main">
+                <a:solidFill>
+                  <a:schemeClr val="accent1"/>
+                </a:solidFill>
+              </a14:hiddenFill>
+            </a:ext>
+            <a:ext uri="{91240B29-F687-4F45-9708-019B960494DF}">
+              <a14:hiddenLine xmlns:a14="http://schemas.microsoft.com/office/drawing/2010/main" w="9525">
+                <a:solidFill>
+                  <a:schemeClr val="tx1"/>
+                </a:solidFill>
+                <a:miter lim="800000"/>
+                <a:headEnd/>
+                <a:tailEnd/>
+              </a14:hiddenLine>
+            </a:ext>
+            <a:ext uri="{AF507438-7753-43E0-B8FC-AC1667EBCBE1}">
+              <a14:hiddenEffects xmlns:a14="http://schemas.microsoft.com/office/drawing/2010/main">
+                <a:effectLst>
+                  <a:outerShdw dist="35921" dir="2700000" algn="ctr" rotWithShape="0">
+                    <a:schemeClr val="bg2"/>
+                  </a:outerShdw>
+                </a:effectLst>
+              </a14:hiddenEffects>
+            </a:ext>
+          </a:extLst>
+        </p:spPr>
+      </p:pic>
+    </p:spTree>
+    <p:extLst>
+      <p:ext uri="{BB962C8B-B14F-4D97-AF65-F5344CB8AC3E}">
+        <p14:creationId xmlns:p14="http://schemas.microsoft.com/office/powerpoint/2010/main" val="2501508212"/>
+      </p:ext>
+    </p:extLst>
+  </p:cSld>
+  <p:clrMapOvr>
+    <a:masterClrMapping/>
+  </p:clrMapOvr>
+  <p:timing>
+    <p:tnLst>
+      <p:par>
+        <p:cTn id="1" dur="indefinite" restart="never" nodeType="tmRoot"/>
+      </p:par>
+    </p:tnLst>
+  </p:timing>
+</p:sld>
+</file>
+
+<file path=ppt/slides/slide8.xml><?xml version="1.0" encoding="utf-8"?>
+<p:sld xmlns:a="http://schemas.openxmlformats.org/drawingml/2006/main" xmlns:r="http://schemas.openxmlformats.org/officeDocument/2006/relationships" xmlns:p="http://schemas.openxmlformats.org/presentationml/2006/main">
+  <p:cSld>
+    <p:spTree>
+      <p:nvGrpSpPr>
+        <p:cNvPr id="1" name=""/>
+        <p:cNvGrpSpPr/>
+        <p:nvPr/>
+      </p:nvGrpSpPr>
+      <p:grpSpPr>
+        <a:xfrm>
+          <a:off x="0" y="0"/>
+          <a:ext cx="0" cy="0"/>
+          <a:chOff x="0" y="0"/>
+          <a:chExt cx="0" cy="0"/>
+        </a:xfrm>
+      </p:grpSpPr>
+      <p:sp>
+        <p:nvSpPr>
+          <p:cNvPr id="2" name="Tytuł 1"/>
+          <p:cNvSpPr>
+            <a:spLocks noGrp="1"/>
+          </p:cNvSpPr>
+          <p:nvPr>
+            <p:ph type="title"/>
+          </p:nvPr>
+        </p:nvSpPr>
+        <p:spPr/>
+        <p:txBody>
+          <a:bodyPr/>
+          <a:lstStyle/>
+          <a:p>
+            <a:r>
+              <a:rPr lang="pl-PL" dirty="0" smtClean="0"/>
+              <a:t>Instalacja oprogramowania</a:t>
+            </a:r>
+            <a:endParaRPr lang="pl-PL" dirty="0"/>
+          </a:p>
+        </p:txBody>
+      </p:sp>
+      <p:sp>
+        <p:nvSpPr>
+          <p:cNvPr id="4" name="Symbol zastępczy daty 3"/>
+          <p:cNvSpPr>
+            <a:spLocks noGrp="1"/>
+          </p:cNvSpPr>
+          <p:nvPr>
+            <p:ph type="dt" sz="half" idx="10"/>
+          </p:nvPr>
+        </p:nvSpPr>
+        <p:spPr/>
+        <p:txBody>
+          <a:bodyPr/>
+          <a:lstStyle/>
+          <a:p>
+            <a:fld id="{DEBB8349-9EFE-4CF4-A443-9D73D6C5CDDC}" type="datetime1">
+              <a:rPr lang="pl-PL" smtClean="0"/>
+              <a:t>17.05.2017</a:t>
+            </a:fld>
+            <a:endParaRPr lang="pl-PL"/>
+          </a:p>
+        </p:txBody>
+      </p:sp>
+      <p:sp>
+        <p:nvSpPr>
+          <p:cNvPr id="5" name="Symbol zastępczy stopki 4"/>
+          <p:cNvSpPr>
+            <a:spLocks noGrp="1"/>
+          </p:cNvSpPr>
+          <p:nvPr>
+            <p:ph type="ftr" sz="quarter" idx="11"/>
+          </p:nvPr>
+        </p:nvSpPr>
+        <p:spPr/>
+        <p:txBody>
+          <a:bodyPr/>
+          <a:lstStyle/>
+          <a:p>
+            <a:r>
+              <a:rPr lang="pl-PL" smtClean="0"/>
+              <a:t>Sprawozdanie z projektu INPG</a:t>
+            </a:r>
+            <a:endParaRPr lang="pl-PL"/>
+          </a:p>
+        </p:txBody>
+      </p:sp>
+      <p:sp>
+        <p:nvSpPr>
+          <p:cNvPr id="6" name="Symbol zastępczy numeru slajdu 5"/>
+          <p:cNvSpPr>
+            <a:spLocks noGrp="1"/>
+          </p:cNvSpPr>
+          <p:nvPr>
+            <p:ph type="sldNum" sz="quarter" idx="12"/>
+          </p:nvPr>
+        </p:nvSpPr>
+        <p:spPr/>
+        <p:txBody>
+          <a:bodyPr/>
+          <a:lstStyle/>
+          <a:p>
+            <a:fld id="{7ABA60A5-3177-43D4-9934-32BA489A924D}" type="slidenum">
+              <a:rPr lang="pl-PL" smtClean="0"/>
+              <a:t>8</a:t>
+            </a:fld>
+            <a:endParaRPr lang="pl-PL"/>
+          </a:p>
+        </p:txBody>
+      </p:sp>
+      <p:pic>
+        <p:nvPicPr>
+          <p:cNvPr id="6146" name="Picture 2"/>
+          <p:cNvPicPr>
+            <a:picLocks noChangeAspect="1" noChangeArrowheads="1"/>
+          </p:cNvPicPr>
+          <p:nvPr/>
+        </p:nvPicPr>
+        <p:blipFill>
+          <a:blip r:embed="rId2">
+            <a:extLst>
+              <a:ext uri="{28A0092B-C50C-407E-A947-70E740481C1C}">
+                <a14:useLocalDpi xmlns:a14="http://schemas.microsoft.com/office/drawing/2010/main" val="0"/>
+              </a:ext>
+            </a:extLst>
+          </a:blip>
+          <a:srcRect/>
+          <a:stretch>
+            <a:fillRect/>
+          </a:stretch>
+        </p:blipFill>
+        <p:spPr bwMode="auto">
+          <a:xfrm>
+            <a:off x="395536" y="1772816"/>
+            <a:ext cx="6301903" cy="2114409"/>
+          </a:xfrm>
+          <a:prstGeom prst="rect">
+            <a:avLst/>
+          </a:prstGeom>
+          <a:noFill/>
+          <a:ln>
+            <a:noFill/>
+          </a:ln>
+          <a:effectLst/>
+          <a:extLst>
+            <a:ext uri="{909E8E84-426E-40DD-AFC4-6F175D3DCCD1}">
+              <a14:hiddenFill xmlns:a14="http://schemas.microsoft.com/office/drawing/2010/main">
+                <a:solidFill>
+                  <a:schemeClr val="accent1"/>
+                </a:solidFill>
+              </a14:hiddenFill>
+            </a:ext>
+            <a:ext uri="{91240B29-F687-4F45-9708-019B960494DF}">
+              <a14:hiddenLine xmlns:a14="http://schemas.microsoft.com/office/drawing/2010/main" w="9525">
+                <a:solidFill>
+                  <a:schemeClr val="tx1"/>
+                </a:solidFill>
+                <a:miter lim="800000"/>
+                <a:headEnd/>
+                <a:tailEnd/>
+              </a14:hiddenLine>
+            </a:ext>
+            <a:ext uri="{AF507438-7753-43E0-B8FC-AC1667EBCBE1}">
+              <a14:hiddenEffects xmlns:a14="http://schemas.microsoft.com/office/drawing/2010/main">
+                <a:effectLst>
+                  <a:outerShdw dist="35921" dir="2700000" algn="ctr" rotWithShape="0">
+                    <a:schemeClr val="bg2"/>
+                  </a:outerShdw>
+                </a:effectLst>
+              </a14:hiddenEffects>
+            </a:ext>
+          </a:extLst>
+        </p:spPr>
+      </p:pic>
+      <p:pic>
+        <p:nvPicPr>
+          <p:cNvPr id="6148" name="Picture 4" descr="https://scontent-waw1-1.xx.fbcdn.net/v/t35.0-12/18553130_1550892381618967_1180952906_o.png?oh=0a37913b104f46c98619132700ff028c&amp;oe=591ED8D2"/>
+          <p:cNvPicPr>
+            <a:picLocks noChangeAspect="1" noChangeArrowheads="1"/>
+          </p:cNvPicPr>
+          <p:nvPr/>
+        </p:nvPicPr>
+        <p:blipFill>
+          <a:blip r:embed="rId3" cstate="print">
+            <a:extLst>
+              <a:ext uri="{28A0092B-C50C-407E-A947-70E740481C1C}">
+                <a14:useLocalDpi xmlns:a14="http://schemas.microsoft.com/office/drawing/2010/main" val="0"/>
+              </a:ext>
+            </a:extLst>
+          </a:blip>
+          <a:srcRect/>
+          <a:stretch>
+            <a:fillRect/>
+          </a:stretch>
+        </p:blipFill>
+        <p:spPr bwMode="auto">
+          <a:xfrm>
+            <a:off x="3275856" y="2830020"/>
+            <a:ext cx="5472608" cy="3078342"/>
+          </a:xfrm>
+          <a:prstGeom prst="rect">
+            <a:avLst/>
+          </a:prstGeom>
+          <a:noFill/>
+          <a:extLst>
+            <a:ext uri="{909E8E84-426E-40DD-AFC4-6F175D3DCCD1}">
+              <a14:hiddenFill xmlns:a14="http://schemas.microsoft.com/office/drawing/2010/main">
+                <a:solidFill>
+                  <a:srgbClr val="FFFFFF"/>
+                </a:solidFill>
+              </a14:hiddenFill>
+            </a:ext>
+          </a:extLst>
+        </p:spPr>
+      </p:pic>
+    </p:spTree>
+    <p:extLst>
+      <p:ext uri="{BB962C8B-B14F-4D97-AF65-F5344CB8AC3E}">
+        <p14:creationId xmlns:p14="http://schemas.microsoft.com/office/powerpoint/2010/main" val="2505419348"/>
       </p:ext>
     </p:extLst>
   </p:cSld>

--- a/Dokumentacja/prezentacja_sprawozdanie.pptx
+++ b/Dokumentacja/prezentacja_sprawozdanie.pptx
@@ -199,7 +199,8 @@
           <a:p>
             <a:fld id="{276F9C06-F346-48AB-9FE8-2C890CABB23A}" type="datetimeFigureOut">
               <a:rPr lang="pl-PL" smtClean="0"/>
-              <a:t>17.05.2017</a:t>
+              <a:pPr/>
+              <a:t>20.05.2017</a:t>
             </a:fld>
             <a:endParaRPr lang="pl-PL"/>
           </a:p>
@@ -358,6 +359,7 @@
           <a:p>
             <a:fld id="{12A8EBB4-7654-47EC-A140-053323224BFC}" type="slidenum">
               <a:rPr lang="pl-PL" smtClean="0"/>
+              <a:pPr/>
               <a:t>‹#›</a:t>
             </a:fld>
             <a:endParaRPr lang="pl-PL"/>
@@ -367,7 +369,7 @@
     </p:spTree>
     <p:extLst>
       <p:ext uri="{BB962C8B-B14F-4D97-AF65-F5344CB8AC3E}">
-        <p14:creationId xmlns:p14="http://schemas.microsoft.com/office/powerpoint/2010/main" val="300443393"/>
+        <p14:creationId xmlns:p14="http://schemas.microsoft.com/office/powerpoint/2010/main" xmlns="" val="300443393"/>
       </p:ext>
     </p:extLst>
   </p:cSld>
@@ -467,6 +469,88 @@
 </p:notesMaster>
 </file>
 
+<file path=ppt/notesSlides/notesSlide1.xml><?xml version="1.0" encoding="utf-8"?>
+<p:notes xmlns:a="http://schemas.openxmlformats.org/drawingml/2006/main" xmlns:r="http://schemas.openxmlformats.org/officeDocument/2006/relationships" xmlns:p="http://schemas.openxmlformats.org/presentationml/2006/main">
+  <p:cSld>
+    <p:spTree>
+      <p:nvGrpSpPr>
+        <p:cNvPr id="1" name=""/>
+        <p:cNvGrpSpPr/>
+        <p:nvPr/>
+      </p:nvGrpSpPr>
+      <p:grpSpPr>
+        <a:xfrm>
+          <a:off x="0" y="0"/>
+          <a:ext cx="0" cy="0"/>
+          <a:chOff x="0" y="0"/>
+          <a:chExt cx="0" cy="0"/>
+        </a:xfrm>
+      </p:grpSpPr>
+      <p:sp>
+        <p:nvSpPr>
+          <p:cNvPr id="2" name="Symbol zastępczy obrazu slajdu 1"/>
+          <p:cNvSpPr>
+            <a:spLocks noGrp="1" noRot="1" noChangeAspect="1"/>
+          </p:cNvSpPr>
+          <p:nvPr>
+            <p:ph type="sldImg"/>
+          </p:nvPr>
+        </p:nvSpPr>
+        <p:spPr/>
+      </p:sp>
+      <p:sp>
+        <p:nvSpPr>
+          <p:cNvPr id="3" name="Symbol zastępczy notatek 2"/>
+          <p:cNvSpPr>
+            <a:spLocks noGrp="1"/>
+          </p:cNvSpPr>
+          <p:nvPr>
+            <p:ph type="body" idx="1"/>
+          </p:nvPr>
+        </p:nvSpPr>
+        <p:spPr/>
+        <p:txBody>
+          <a:bodyPr>
+            <a:normAutofit/>
+          </a:bodyPr>
+          <a:lstStyle/>
+          <a:p>
+            <a:endParaRPr lang="pl-PL"/>
+          </a:p>
+        </p:txBody>
+      </p:sp>
+      <p:sp>
+        <p:nvSpPr>
+          <p:cNvPr id="4" name="Symbol zastępczy numeru slajdu 3"/>
+          <p:cNvSpPr>
+            <a:spLocks noGrp="1"/>
+          </p:cNvSpPr>
+          <p:nvPr>
+            <p:ph type="sldNum" sz="quarter" idx="10"/>
+          </p:nvPr>
+        </p:nvSpPr>
+        <p:spPr/>
+        <p:txBody>
+          <a:bodyPr/>
+          <a:lstStyle/>
+          <a:p>
+            <a:fld id="{12A8EBB4-7654-47EC-A140-053323224BFC}" type="slidenum">
+              <a:rPr lang="pl-PL" smtClean="0"/>
+              <a:pPr/>
+              <a:t>1</a:t>
+            </a:fld>
+            <a:endParaRPr lang="pl-PL"/>
+          </a:p>
+        </p:txBody>
+      </p:sp>
+    </p:spTree>
+  </p:cSld>
+  <p:clrMapOvr>
+    <a:masterClrMapping/>
+  </p:clrMapOvr>
+</p:notes>
+</file>
+
 <file path=ppt/slideLayouts/slideLayout1.xml><?xml version="1.0" encoding="utf-8"?>
 <p:sldLayout xmlns:a="http://schemas.openxmlformats.org/drawingml/2006/main" xmlns:r="http://schemas.openxmlformats.org/officeDocument/2006/relationships" xmlns:p="http://schemas.openxmlformats.org/presentationml/2006/main" type="title" preserve="1">
   <p:cSld name="Slajd tytułowy">
@@ -656,7 +740,8 @@
           <a:p>
             <a:fld id="{C6D6AD2A-B395-4591-8551-E45590CDA7A3}" type="datetime1">
               <a:rPr lang="pl-PL" smtClean="0"/>
-              <a:t>17.05.2017</a:t>
+              <a:pPr/>
+              <a:t>20.05.2017</a:t>
             </a:fld>
             <a:endParaRPr lang="pl-PL"/>
           </a:p>
@@ -706,6 +791,7 @@
           <a:p>
             <a:fld id="{7ABA60A5-3177-43D4-9934-32BA489A924D}" type="slidenum">
               <a:rPr lang="pl-PL" smtClean="0"/>
+              <a:pPr/>
               <a:t>‹#›</a:t>
             </a:fld>
             <a:endParaRPr lang="pl-PL"/>
@@ -761,7 +847,7 @@
     </p:spTree>
     <p:extLst>
       <p:ext uri="{BB962C8B-B14F-4D97-AF65-F5344CB8AC3E}">
-        <p14:creationId xmlns:p14="http://schemas.microsoft.com/office/powerpoint/2010/main" val="3756253045"/>
+        <p14:creationId xmlns:p14="http://schemas.microsoft.com/office/powerpoint/2010/main" xmlns="" val="3756253045"/>
       </p:ext>
     </p:extLst>
   </p:cSld>
@@ -891,7 +977,8 @@
           <a:p>
             <a:fld id="{7033813A-C126-486A-91C4-3E17A8B31910}" type="datetime1">
               <a:rPr lang="pl-PL" smtClean="0"/>
-              <a:t>17.05.2017</a:t>
+              <a:pPr/>
+              <a:t>20.05.2017</a:t>
             </a:fld>
             <a:endParaRPr lang="pl-PL"/>
           </a:p>
@@ -937,6 +1024,7 @@
           <a:p>
             <a:fld id="{7ABA60A5-3177-43D4-9934-32BA489A924D}" type="slidenum">
               <a:rPr lang="pl-PL" smtClean="0"/>
+              <a:pPr/>
               <a:t>‹#›</a:t>
             </a:fld>
             <a:endParaRPr lang="pl-PL"/>
@@ -946,7 +1034,7 @@
     </p:spTree>
     <p:extLst>
       <p:ext uri="{BB962C8B-B14F-4D97-AF65-F5344CB8AC3E}">
-        <p14:creationId xmlns:p14="http://schemas.microsoft.com/office/powerpoint/2010/main" val="1309881333"/>
+        <p14:creationId xmlns:p14="http://schemas.microsoft.com/office/powerpoint/2010/main" xmlns="" val="1309881333"/>
       </p:ext>
     </p:extLst>
   </p:cSld>
@@ -1086,7 +1174,8 @@
           <a:p>
             <a:fld id="{D6852117-7846-49D2-8028-7D3037F12DB6}" type="datetime1">
               <a:rPr lang="pl-PL" smtClean="0"/>
-              <a:t>17.05.2017</a:t>
+              <a:pPr/>
+              <a:t>20.05.2017</a:t>
             </a:fld>
             <a:endParaRPr lang="pl-PL"/>
           </a:p>
@@ -1132,6 +1221,7 @@
           <a:p>
             <a:fld id="{7ABA60A5-3177-43D4-9934-32BA489A924D}" type="slidenum">
               <a:rPr lang="pl-PL" smtClean="0"/>
+              <a:pPr/>
               <a:t>‹#›</a:t>
             </a:fld>
             <a:endParaRPr lang="pl-PL"/>
@@ -1141,7 +1231,7 @@
     </p:spTree>
     <p:extLst>
       <p:ext uri="{BB962C8B-B14F-4D97-AF65-F5344CB8AC3E}">
-        <p14:creationId xmlns:p14="http://schemas.microsoft.com/office/powerpoint/2010/main" val="329151347"/>
+        <p14:creationId xmlns:p14="http://schemas.microsoft.com/office/powerpoint/2010/main" xmlns="" val="329151347"/>
       </p:ext>
     </p:extLst>
   </p:cSld>
@@ -1267,7 +1357,8 @@
           <a:p>
             <a:fld id="{DEBB8349-9EFE-4CF4-A443-9D73D6C5CDDC}" type="datetime1">
               <a:rPr lang="pl-PL" smtClean="0"/>
-              <a:t>17.05.2017</a:t>
+              <a:pPr/>
+              <a:t>20.05.2017</a:t>
             </a:fld>
             <a:endParaRPr lang="pl-PL"/>
           </a:p>
@@ -1313,6 +1404,7 @@
           <a:p>
             <a:fld id="{7ABA60A5-3177-43D4-9934-32BA489A924D}" type="slidenum">
               <a:rPr lang="pl-PL" smtClean="0"/>
+              <a:pPr/>
               <a:t>‹#›</a:t>
             </a:fld>
             <a:endParaRPr lang="pl-PL"/>
@@ -1322,7 +1414,7 @@
     </p:spTree>
     <p:extLst>
       <p:ext uri="{BB962C8B-B14F-4D97-AF65-F5344CB8AC3E}">
-        <p14:creationId xmlns:p14="http://schemas.microsoft.com/office/powerpoint/2010/main" val="1011440719"/>
+        <p14:creationId xmlns:p14="http://schemas.microsoft.com/office/powerpoint/2010/main" xmlns="" val="1011440719"/>
       </p:ext>
     </p:extLst>
   </p:cSld>
@@ -1522,7 +1614,8 @@
           <a:p>
             <a:fld id="{155A78FA-0EB8-40D3-9CDC-E0736B0C4C35}" type="datetime1">
               <a:rPr lang="pl-PL" smtClean="0"/>
-              <a:t>17.05.2017</a:t>
+              <a:pPr/>
+              <a:t>20.05.2017</a:t>
             </a:fld>
             <a:endParaRPr lang="pl-PL"/>
           </a:p>
@@ -1568,6 +1661,7 @@
           <a:p>
             <a:fld id="{7ABA60A5-3177-43D4-9934-32BA489A924D}" type="slidenum">
               <a:rPr lang="pl-PL" smtClean="0"/>
+              <a:pPr/>
               <a:t>‹#›</a:t>
             </a:fld>
             <a:endParaRPr lang="pl-PL"/>
@@ -1623,7 +1717,7 @@
     </p:spTree>
     <p:extLst>
       <p:ext uri="{BB962C8B-B14F-4D97-AF65-F5344CB8AC3E}">
-        <p14:creationId xmlns:p14="http://schemas.microsoft.com/office/powerpoint/2010/main" val="3200326934"/>
+        <p14:creationId xmlns:p14="http://schemas.microsoft.com/office/powerpoint/2010/main" xmlns="" val="3200326934"/>
       </p:ext>
     </p:extLst>
   </p:cSld>
@@ -1867,7 +1961,8 @@
           <a:p>
             <a:fld id="{28B319BA-7EF1-4ED5-AF1A-099C54F8F7B4}" type="datetime1">
               <a:rPr lang="pl-PL" smtClean="0"/>
-              <a:t>17.05.2017</a:t>
+              <a:pPr/>
+              <a:t>20.05.2017</a:t>
             </a:fld>
             <a:endParaRPr lang="pl-PL"/>
           </a:p>
@@ -1913,6 +2008,7 @@
           <a:p>
             <a:fld id="{7ABA60A5-3177-43D4-9934-32BA489A924D}" type="slidenum">
               <a:rPr lang="pl-PL" smtClean="0"/>
+              <a:pPr/>
               <a:t>‹#›</a:t>
             </a:fld>
             <a:endParaRPr lang="pl-PL"/>
@@ -1922,7 +2018,7 @@
     </p:spTree>
     <p:extLst>
       <p:ext uri="{BB962C8B-B14F-4D97-AF65-F5344CB8AC3E}">
-        <p14:creationId xmlns:p14="http://schemas.microsoft.com/office/powerpoint/2010/main" val="270095441"/>
+        <p14:creationId xmlns:p14="http://schemas.microsoft.com/office/powerpoint/2010/main" xmlns="" val="270095441"/>
       </p:ext>
     </p:extLst>
   </p:cSld>
@@ -2312,7 +2408,8 @@
           <a:p>
             <a:fld id="{0B40057B-584C-474C-A081-F65F5E7966C6}" type="datetime1">
               <a:rPr lang="pl-PL" smtClean="0"/>
-              <a:t>17.05.2017</a:t>
+              <a:pPr/>
+              <a:t>20.05.2017</a:t>
             </a:fld>
             <a:endParaRPr lang="pl-PL"/>
           </a:p>
@@ -2358,6 +2455,7 @@
           <a:p>
             <a:fld id="{7ABA60A5-3177-43D4-9934-32BA489A924D}" type="slidenum">
               <a:rPr lang="pl-PL" smtClean="0"/>
+              <a:pPr/>
               <a:t>‹#›</a:t>
             </a:fld>
             <a:endParaRPr lang="pl-PL"/>
@@ -2402,7 +2500,7 @@
     </p:spTree>
     <p:extLst>
       <p:ext uri="{BB962C8B-B14F-4D97-AF65-F5344CB8AC3E}">
-        <p14:creationId xmlns:p14="http://schemas.microsoft.com/office/powerpoint/2010/main" val="3242026738"/>
+        <p14:creationId xmlns:p14="http://schemas.microsoft.com/office/powerpoint/2010/main" xmlns="" val="3242026738"/>
       </p:ext>
     </p:extLst>
   </p:cSld>
@@ -2476,7 +2574,8 @@
           <a:p>
             <a:fld id="{5C25B5B1-0ACD-4764-A2A3-0251308FEF1C}" type="datetime1">
               <a:rPr lang="pl-PL" smtClean="0"/>
-              <a:t>17.05.2017</a:t>
+              <a:pPr/>
+              <a:t>20.05.2017</a:t>
             </a:fld>
             <a:endParaRPr lang="pl-PL"/>
           </a:p>
@@ -2522,6 +2621,7 @@
           <a:p>
             <a:fld id="{7ABA60A5-3177-43D4-9934-32BA489A924D}" type="slidenum">
               <a:rPr lang="pl-PL" smtClean="0"/>
+              <a:pPr/>
               <a:t>‹#›</a:t>
             </a:fld>
             <a:endParaRPr lang="pl-PL"/>
@@ -2531,7 +2631,7 @@
     </p:spTree>
     <p:extLst>
       <p:ext uri="{BB962C8B-B14F-4D97-AF65-F5344CB8AC3E}">
-        <p14:creationId xmlns:p14="http://schemas.microsoft.com/office/powerpoint/2010/main" val="2047916407"/>
+        <p14:creationId xmlns:p14="http://schemas.microsoft.com/office/powerpoint/2010/main" xmlns="" val="2047916407"/>
       </p:ext>
     </p:extLst>
   </p:cSld>
@@ -2582,7 +2682,8 @@
           <a:p>
             <a:fld id="{A1E66213-6C40-449F-977E-0A6E121EC626}" type="datetime1">
               <a:rPr lang="pl-PL" smtClean="0"/>
-              <a:t>17.05.2017</a:t>
+              <a:pPr/>
+              <a:t>20.05.2017</a:t>
             </a:fld>
             <a:endParaRPr lang="pl-PL"/>
           </a:p>
@@ -2628,6 +2729,7 @@
           <a:p>
             <a:fld id="{7ABA60A5-3177-43D4-9934-32BA489A924D}" type="slidenum">
               <a:rPr lang="pl-PL" smtClean="0"/>
+              <a:pPr/>
               <a:t>‹#›</a:t>
             </a:fld>
             <a:endParaRPr lang="pl-PL"/>
@@ -2637,7 +2739,7 @@
     </p:spTree>
     <p:extLst>
       <p:ext uri="{BB962C8B-B14F-4D97-AF65-F5344CB8AC3E}">
-        <p14:creationId xmlns:p14="http://schemas.microsoft.com/office/powerpoint/2010/main" val="672770679"/>
+        <p14:creationId xmlns:p14="http://schemas.microsoft.com/office/powerpoint/2010/main" xmlns="" val="672770679"/>
       </p:ext>
     </p:extLst>
   </p:cSld>
@@ -2878,7 +2980,8 @@
           <a:p>
             <a:fld id="{95E477D7-A444-4B68-96AE-1126F450C109}" type="datetime1">
               <a:rPr lang="pl-PL" smtClean="0"/>
-              <a:t>17.05.2017</a:t>
+              <a:pPr/>
+              <a:t>20.05.2017</a:t>
             </a:fld>
             <a:endParaRPr lang="pl-PL"/>
           </a:p>
@@ -2924,6 +3027,7 @@
           <a:p>
             <a:fld id="{7ABA60A5-3177-43D4-9934-32BA489A924D}" type="slidenum">
               <a:rPr lang="pl-PL" smtClean="0"/>
+              <a:pPr/>
               <a:t>‹#›</a:t>
             </a:fld>
             <a:endParaRPr lang="pl-PL"/>
@@ -2933,7 +3037,7 @@
     </p:spTree>
     <p:extLst>
       <p:ext uri="{BB962C8B-B14F-4D97-AF65-F5344CB8AC3E}">
-        <p14:creationId xmlns:p14="http://schemas.microsoft.com/office/powerpoint/2010/main" val="1397882822"/>
+        <p14:creationId xmlns:p14="http://schemas.microsoft.com/office/powerpoint/2010/main" xmlns="" val="1397882822"/>
       </p:ext>
     </p:extLst>
   </p:cSld>
@@ -3154,7 +3258,8 @@
           <a:p>
             <a:fld id="{1330AA89-61BC-4543-9C29-7BF2580DF5BB}" type="datetime1">
               <a:rPr lang="pl-PL" smtClean="0"/>
-              <a:t>17.05.2017</a:t>
+              <a:pPr/>
+              <a:t>20.05.2017</a:t>
             </a:fld>
             <a:endParaRPr lang="pl-PL"/>
           </a:p>
@@ -3200,6 +3305,7 @@
           <a:p>
             <a:fld id="{7ABA60A5-3177-43D4-9934-32BA489A924D}" type="slidenum">
               <a:rPr lang="pl-PL" smtClean="0"/>
+              <a:pPr/>
               <a:t>‹#›</a:t>
             </a:fld>
             <a:endParaRPr lang="pl-PL"/>
@@ -3209,7 +3315,7 @@
     </p:spTree>
     <p:extLst>
       <p:ext uri="{BB962C8B-B14F-4D97-AF65-F5344CB8AC3E}">
-        <p14:creationId xmlns:p14="http://schemas.microsoft.com/office/powerpoint/2010/main" val="1944213113"/>
+        <p14:creationId xmlns:p14="http://schemas.microsoft.com/office/powerpoint/2010/main" xmlns="" val="1944213113"/>
       </p:ext>
     </p:extLst>
   </p:cSld>
@@ -3505,7 +3611,8 @@
           <a:p>
             <a:fld id="{284D8F3B-99C0-4D59-90E1-0B93D14B583D}" type="datetime1">
               <a:rPr lang="pl-PL" smtClean="0"/>
-              <a:t>17.05.2017</a:t>
+              <a:pPr/>
+              <a:t>20.05.2017</a:t>
             </a:fld>
             <a:endParaRPr lang="pl-PL"/>
           </a:p>
@@ -3589,6 +3696,7 @@
           <a:p>
             <a:fld id="{7ABA60A5-3177-43D4-9934-32BA489A924D}" type="slidenum">
               <a:rPr lang="pl-PL" smtClean="0"/>
+              <a:pPr/>
               <a:t>‹#›</a:t>
             </a:fld>
             <a:endParaRPr lang="pl-PL"/>
@@ -3607,7 +3715,7 @@
           <a:blip r:embed="rId13" cstate="print">
             <a:extLst>
               <a:ext uri="{28A0092B-C50C-407E-A947-70E740481C1C}">
-                <a14:useLocalDpi xmlns:a14="http://schemas.microsoft.com/office/drawing/2010/main" val="0"/>
+                <a14:useLocalDpi xmlns:a14="http://schemas.microsoft.com/office/drawing/2010/main" xmlns="" val="0"/>
               </a:ext>
             </a:extLst>
           </a:blip>
@@ -3637,7 +3745,7 @@
           <a:blip r:embed="rId14" cstate="print">
             <a:extLst>
               <a:ext uri="{28A0092B-C50C-407E-A947-70E740481C1C}">
-                <a14:useLocalDpi xmlns:a14="http://schemas.microsoft.com/office/drawing/2010/main" val="0"/>
+                <a14:useLocalDpi xmlns:a14="http://schemas.microsoft.com/office/drawing/2010/main" xmlns="" val="0"/>
               </a:ext>
             </a:extLst>
           </a:blip>
@@ -3751,7 +3859,7 @@
     </p:spTree>
     <p:extLst>
       <p:ext uri="{BB962C8B-B14F-4D97-AF65-F5344CB8AC3E}">
-        <p14:creationId xmlns:p14="http://schemas.microsoft.com/office/powerpoint/2010/main" val="468329777"/>
+        <p14:creationId xmlns:p14="http://schemas.microsoft.com/office/powerpoint/2010/main" xmlns="" val="468329777"/>
       </p:ext>
     </p:extLst>
   </p:cSld>
@@ -4161,7 +4269,7 @@
     </p:spTree>
     <p:extLst>
       <p:ext uri="{BB962C8B-B14F-4D97-AF65-F5344CB8AC3E}">
-        <p14:creationId xmlns:p14="http://schemas.microsoft.com/office/powerpoint/2010/main" val="1354103417"/>
+        <p14:creationId xmlns:p14="http://schemas.microsoft.com/office/powerpoint/2010/main" xmlns="" val="1354103417"/>
       </p:ext>
     </p:extLst>
   </p:cSld>
@@ -4254,7 +4362,8 @@
           <a:p>
             <a:fld id="{90F0A293-143E-49F8-AB74-8BE42FB9E430}" type="datetime1">
               <a:rPr lang="pl-PL" smtClean="0"/>
-              <a:t>17.05.2017</a:t>
+              <a:pPr/>
+              <a:t>20.05.2017</a:t>
             </a:fld>
             <a:endParaRPr lang="pl-PL"/>
           </a:p>
@@ -4300,6 +4409,7 @@
           <a:p>
             <a:fld id="{7ABA60A5-3177-43D4-9934-32BA489A924D}" type="slidenum">
               <a:rPr lang="pl-PL" smtClean="0"/>
+              <a:pPr/>
               <a:t>2</a:t>
             </a:fld>
             <a:endParaRPr lang="pl-PL"/>
@@ -4309,7 +4419,7 @@
     </p:spTree>
     <p:extLst>
       <p:ext uri="{BB962C8B-B14F-4D97-AF65-F5344CB8AC3E}">
-        <p14:creationId xmlns:p14="http://schemas.microsoft.com/office/powerpoint/2010/main" val="1679218770"/>
+        <p14:creationId xmlns:p14="http://schemas.microsoft.com/office/powerpoint/2010/main" xmlns="" val="1679218770"/>
       </p:ext>
     </p:extLst>
   </p:cSld>
@@ -4360,7 +4470,7 @@
           <a:p>
             <a:r>
               <a:rPr lang="pl-PL" dirty="0" err="1" smtClean="0"/>
-              <a:t>Backlog</a:t>
+              <a:t>Newsletter</a:t>
             </a:r>
             <a:endParaRPr lang="pl-PL" dirty="0"/>
           </a:p>
@@ -4383,7 +4493,8 @@
           <a:p>
             <a:fld id="{DEBB8349-9EFE-4CF4-A443-9D73D6C5CDDC}" type="datetime1">
               <a:rPr lang="pl-PL" smtClean="0"/>
-              <a:t>17.05.2017</a:t>
+              <a:pPr/>
+              <a:t>20.05.2017</a:t>
             </a:fld>
             <a:endParaRPr lang="pl-PL"/>
           </a:p>
@@ -4429,6 +4540,7 @@
           <a:p>
             <a:fld id="{7ABA60A5-3177-43D4-9934-32BA489A924D}" type="slidenum">
               <a:rPr lang="pl-PL" smtClean="0"/>
+              <a:pPr/>
               <a:t>3</a:t>
             </a:fld>
             <a:endParaRPr lang="pl-PL"/>
@@ -4447,7 +4559,7 @@
           <a:blip r:embed="rId2">
             <a:extLst>
               <a:ext uri="{28A0092B-C50C-407E-A947-70E740481C1C}">
-                <a14:useLocalDpi xmlns:a14="http://schemas.microsoft.com/office/drawing/2010/main" val="0"/>
+                <a14:useLocalDpi xmlns:a14="http://schemas.microsoft.com/office/drawing/2010/main" xmlns="" val="0"/>
               </a:ext>
             </a:extLst>
           </a:blip>
@@ -4471,14 +4583,14 @@
           <a:effectLst/>
           <a:extLst>
             <a:ext uri="{909E8E84-426E-40DD-AFC4-6F175D3DCCD1}">
-              <a14:hiddenFill xmlns:a14="http://schemas.microsoft.com/office/drawing/2010/main">
+              <a14:hiddenFill xmlns:a14="http://schemas.microsoft.com/office/drawing/2010/main" xmlns="">
                 <a:solidFill>
                   <a:schemeClr val="accent1"/>
                 </a:solidFill>
               </a14:hiddenFill>
             </a:ext>
             <a:ext uri="{91240B29-F687-4F45-9708-019B960494DF}">
-              <a14:hiddenLine xmlns:a14="http://schemas.microsoft.com/office/drawing/2010/main" w="9525">
+              <a14:hiddenLine xmlns:a14="http://schemas.microsoft.com/office/drawing/2010/main" xmlns="" w="9525">
                 <a:solidFill>
                   <a:schemeClr val="tx1"/>
                 </a:solidFill>
@@ -4488,7 +4600,7 @@
               </a14:hiddenLine>
             </a:ext>
             <a:ext uri="{AF507438-7753-43E0-B8FC-AC1667EBCBE1}">
-              <a14:hiddenEffects xmlns:a14="http://schemas.microsoft.com/office/drawing/2010/main">
+              <a14:hiddenEffects xmlns:a14="http://schemas.microsoft.com/office/drawing/2010/main" xmlns="">
                 <a:effectLst>
                   <a:outerShdw dist="35921" dir="2700000" algn="ctr" rotWithShape="0">
                     <a:schemeClr val="bg2"/>
@@ -4502,7 +4614,7 @@
     </p:spTree>
     <p:extLst>
       <p:ext uri="{BB962C8B-B14F-4D97-AF65-F5344CB8AC3E}">
-        <p14:creationId xmlns:p14="http://schemas.microsoft.com/office/powerpoint/2010/main" val="982657965"/>
+        <p14:creationId xmlns:p14="http://schemas.microsoft.com/office/powerpoint/2010/main" xmlns="" val="982657965"/>
       </p:ext>
     </p:extLst>
   </p:cSld>
@@ -4576,7 +4688,8 @@
           <a:p>
             <a:fld id="{DEBB8349-9EFE-4CF4-A443-9D73D6C5CDDC}" type="datetime1">
               <a:rPr lang="pl-PL" smtClean="0"/>
-              <a:t>17.05.2017</a:t>
+              <a:pPr/>
+              <a:t>20.05.2017</a:t>
             </a:fld>
             <a:endParaRPr lang="pl-PL"/>
           </a:p>
@@ -4622,6 +4735,7 @@
           <a:p>
             <a:fld id="{7ABA60A5-3177-43D4-9934-32BA489A924D}" type="slidenum">
               <a:rPr lang="pl-PL" smtClean="0"/>
+              <a:pPr/>
               <a:t>4</a:t>
             </a:fld>
             <a:endParaRPr lang="pl-PL"/>
@@ -4640,7 +4754,7 @@
           <a:blip r:embed="rId2">
             <a:extLst>
               <a:ext uri="{28A0092B-C50C-407E-A947-70E740481C1C}">
-                <a14:useLocalDpi xmlns:a14="http://schemas.microsoft.com/office/drawing/2010/main" val="0"/>
+                <a14:useLocalDpi xmlns:a14="http://schemas.microsoft.com/office/drawing/2010/main" xmlns="" val="0"/>
               </a:ext>
             </a:extLst>
           </a:blip>
@@ -4664,14 +4778,14 @@
           <a:effectLst/>
           <a:extLst>
             <a:ext uri="{909E8E84-426E-40DD-AFC4-6F175D3DCCD1}">
-              <a14:hiddenFill xmlns:a14="http://schemas.microsoft.com/office/drawing/2010/main">
+              <a14:hiddenFill xmlns:a14="http://schemas.microsoft.com/office/drawing/2010/main" xmlns="">
                 <a:solidFill>
                   <a:schemeClr val="accent1"/>
                 </a:solidFill>
               </a14:hiddenFill>
             </a:ext>
             <a:ext uri="{91240B29-F687-4F45-9708-019B960494DF}">
-              <a14:hiddenLine xmlns:a14="http://schemas.microsoft.com/office/drawing/2010/main" w="9525">
+              <a14:hiddenLine xmlns:a14="http://schemas.microsoft.com/office/drawing/2010/main" xmlns="" w="9525">
                 <a:solidFill>
                   <a:schemeClr val="tx1"/>
                 </a:solidFill>
@@ -4681,7 +4795,7 @@
               </a14:hiddenLine>
             </a:ext>
             <a:ext uri="{AF507438-7753-43E0-B8FC-AC1667EBCBE1}">
-              <a14:hiddenEffects xmlns:a14="http://schemas.microsoft.com/office/drawing/2010/main">
+              <a14:hiddenEffects xmlns:a14="http://schemas.microsoft.com/office/drawing/2010/main" xmlns="">
                 <a:effectLst>
                   <a:outerShdw dist="35921" dir="2700000" algn="ctr" rotWithShape="0">
                     <a:schemeClr val="bg2"/>
@@ -4695,7 +4809,7 @@
     </p:spTree>
     <p:extLst>
       <p:ext uri="{BB962C8B-B14F-4D97-AF65-F5344CB8AC3E}">
-        <p14:creationId xmlns:p14="http://schemas.microsoft.com/office/powerpoint/2010/main" val="2774064168"/>
+        <p14:creationId xmlns:p14="http://schemas.microsoft.com/office/powerpoint/2010/main" xmlns="" val="2774064168"/>
       </p:ext>
     </p:extLst>
   </p:cSld>
@@ -4769,7 +4883,8 @@
           <a:p>
             <a:fld id="{DEBB8349-9EFE-4CF4-A443-9D73D6C5CDDC}" type="datetime1">
               <a:rPr lang="pl-PL" smtClean="0"/>
-              <a:t>17.05.2017</a:t>
+              <a:pPr/>
+              <a:t>20.05.2017</a:t>
             </a:fld>
             <a:endParaRPr lang="pl-PL"/>
           </a:p>
@@ -4815,6 +4930,7 @@
           <a:p>
             <a:fld id="{7ABA60A5-3177-43D4-9934-32BA489A924D}" type="slidenum">
               <a:rPr lang="pl-PL" smtClean="0"/>
+              <a:pPr/>
               <a:t>5</a:t>
             </a:fld>
             <a:endParaRPr lang="pl-PL"/>
@@ -4833,7 +4949,7 @@
           <a:blip r:embed="rId2">
             <a:extLst>
               <a:ext uri="{28A0092B-C50C-407E-A947-70E740481C1C}">
-                <a14:useLocalDpi xmlns:a14="http://schemas.microsoft.com/office/drawing/2010/main" val="0"/>
+                <a14:useLocalDpi xmlns:a14="http://schemas.microsoft.com/office/drawing/2010/main" xmlns="" val="0"/>
               </a:ext>
             </a:extLst>
           </a:blip>
@@ -4857,14 +4973,14 @@
           <a:effectLst/>
           <a:extLst>
             <a:ext uri="{909E8E84-426E-40DD-AFC4-6F175D3DCCD1}">
-              <a14:hiddenFill xmlns:a14="http://schemas.microsoft.com/office/drawing/2010/main">
+              <a14:hiddenFill xmlns:a14="http://schemas.microsoft.com/office/drawing/2010/main" xmlns="">
                 <a:solidFill>
                   <a:schemeClr val="accent1"/>
                 </a:solidFill>
               </a14:hiddenFill>
             </a:ext>
             <a:ext uri="{91240B29-F687-4F45-9708-019B960494DF}">
-              <a14:hiddenLine xmlns:a14="http://schemas.microsoft.com/office/drawing/2010/main" w="9525">
+              <a14:hiddenLine xmlns:a14="http://schemas.microsoft.com/office/drawing/2010/main" xmlns="" w="9525">
                 <a:solidFill>
                   <a:schemeClr val="tx1"/>
                 </a:solidFill>
@@ -4874,7 +4990,7 @@
               </a14:hiddenLine>
             </a:ext>
             <a:ext uri="{AF507438-7753-43E0-B8FC-AC1667EBCBE1}">
-              <a14:hiddenEffects xmlns:a14="http://schemas.microsoft.com/office/drawing/2010/main">
+              <a14:hiddenEffects xmlns:a14="http://schemas.microsoft.com/office/drawing/2010/main" xmlns="">
                 <a:effectLst>
                   <a:outerShdw dist="35921" dir="2700000" algn="ctr" rotWithShape="0">
                     <a:schemeClr val="bg2"/>
@@ -4888,7 +5004,7 @@
     </p:spTree>
     <p:extLst>
       <p:ext uri="{BB962C8B-B14F-4D97-AF65-F5344CB8AC3E}">
-        <p14:creationId xmlns:p14="http://schemas.microsoft.com/office/powerpoint/2010/main" val="1524689310"/>
+        <p14:creationId xmlns:p14="http://schemas.microsoft.com/office/powerpoint/2010/main" xmlns="" val="1524689310"/>
       </p:ext>
     </p:extLst>
   </p:cSld>
@@ -4966,7 +5082,8 @@
           <a:p>
             <a:fld id="{DEBB8349-9EFE-4CF4-A443-9D73D6C5CDDC}" type="datetime1">
               <a:rPr lang="pl-PL" smtClean="0"/>
-              <a:t>17.05.2017</a:t>
+              <a:pPr/>
+              <a:t>20.05.2017</a:t>
             </a:fld>
             <a:endParaRPr lang="pl-PL"/>
           </a:p>
@@ -5012,6 +5129,7 @@
           <a:p>
             <a:fld id="{7ABA60A5-3177-43D4-9934-32BA489A924D}" type="slidenum">
               <a:rPr lang="pl-PL" smtClean="0"/>
+              <a:pPr/>
               <a:t>6</a:t>
             </a:fld>
             <a:endParaRPr lang="pl-PL"/>
@@ -5030,7 +5148,7 @@
           <a:blip r:embed="rId2">
             <a:extLst>
               <a:ext uri="{28A0092B-C50C-407E-A947-70E740481C1C}">
-                <a14:useLocalDpi xmlns:a14="http://schemas.microsoft.com/office/drawing/2010/main" val="0"/>
+                <a14:useLocalDpi xmlns:a14="http://schemas.microsoft.com/office/drawing/2010/main" xmlns="" val="0"/>
               </a:ext>
             </a:extLst>
           </a:blip>
@@ -5054,14 +5172,14 @@
           <a:effectLst/>
           <a:extLst>
             <a:ext uri="{909E8E84-426E-40DD-AFC4-6F175D3DCCD1}">
-              <a14:hiddenFill xmlns:a14="http://schemas.microsoft.com/office/drawing/2010/main">
+              <a14:hiddenFill xmlns:a14="http://schemas.microsoft.com/office/drawing/2010/main" xmlns="">
                 <a:solidFill>
                   <a:schemeClr val="accent1"/>
                 </a:solidFill>
               </a14:hiddenFill>
             </a:ext>
             <a:ext uri="{91240B29-F687-4F45-9708-019B960494DF}">
-              <a14:hiddenLine xmlns:a14="http://schemas.microsoft.com/office/drawing/2010/main" w="9525">
+              <a14:hiddenLine xmlns:a14="http://schemas.microsoft.com/office/drawing/2010/main" xmlns="" w="9525">
                 <a:solidFill>
                   <a:schemeClr val="tx1"/>
                 </a:solidFill>
@@ -5071,7 +5189,7 @@
               </a14:hiddenLine>
             </a:ext>
             <a:ext uri="{AF507438-7753-43E0-B8FC-AC1667EBCBE1}">
-              <a14:hiddenEffects xmlns:a14="http://schemas.microsoft.com/office/drawing/2010/main">
+              <a14:hiddenEffects xmlns:a14="http://schemas.microsoft.com/office/drawing/2010/main" xmlns="">
                 <a:effectLst>
                   <a:outerShdw dist="35921" dir="2700000" algn="ctr" rotWithShape="0">
                     <a:schemeClr val="bg2"/>
@@ -5085,7 +5203,7 @@
     </p:spTree>
     <p:extLst>
       <p:ext uri="{BB962C8B-B14F-4D97-AF65-F5344CB8AC3E}">
-        <p14:creationId xmlns:p14="http://schemas.microsoft.com/office/powerpoint/2010/main" val="1948775304"/>
+        <p14:creationId xmlns:p14="http://schemas.microsoft.com/office/powerpoint/2010/main" xmlns="" val="1948775304"/>
       </p:ext>
     </p:extLst>
   </p:cSld>
@@ -5163,7 +5281,8 @@
           <a:p>
             <a:fld id="{DEBB8349-9EFE-4CF4-A443-9D73D6C5CDDC}" type="datetime1">
               <a:rPr lang="pl-PL" smtClean="0"/>
-              <a:t>17.05.2017</a:t>
+              <a:pPr/>
+              <a:t>20.05.2017</a:t>
             </a:fld>
             <a:endParaRPr lang="pl-PL"/>
           </a:p>
@@ -5209,6 +5328,7 @@
           <a:p>
             <a:fld id="{7ABA60A5-3177-43D4-9934-32BA489A924D}" type="slidenum">
               <a:rPr lang="pl-PL" smtClean="0"/>
+              <a:pPr/>
               <a:t>7</a:t>
             </a:fld>
             <a:endParaRPr lang="pl-PL"/>
@@ -5227,7 +5347,7 @@
           <a:blip r:embed="rId2">
             <a:extLst>
               <a:ext uri="{28A0092B-C50C-407E-A947-70E740481C1C}">
-                <a14:useLocalDpi xmlns:a14="http://schemas.microsoft.com/office/drawing/2010/main" val="0"/>
+                <a14:useLocalDpi xmlns:a14="http://schemas.microsoft.com/office/drawing/2010/main" xmlns="" val="0"/>
               </a:ext>
             </a:extLst>
           </a:blip>
@@ -5251,14 +5371,14 @@
           <a:effectLst/>
           <a:extLst>
             <a:ext uri="{909E8E84-426E-40DD-AFC4-6F175D3DCCD1}">
-              <a14:hiddenFill xmlns:a14="http://schemas.microsoft.com/office/drawing/2010/main">
+              <a14:hiddenFill xmlns:a14="http://schemas.microsoft.com/office/drawing/2010/main" xmlns="">
                 <a:solidFill>
                   <a:schemeClr val="accent1"/>
                 </a:solidFill>
               </a14:hiddenFill>
             </a:ext>
             <a:ext uri="{91240B29-F687-4F45-9708-019B960494DF}">
-              <a14:hiddenLine xmlns:a14="http://schemas.microsoft.com/office/drawing/2010/main" w="9525">
+              <a14:hiddenLine xmlns:a14="http://schemas.microsoft.com/office/drawing/2010/main" xmlns="" w="9525">
                 <a:solidFill>
                   <a:schemeClr val="tx1"/>
                 </a:solidFill>
@@ -5268,7 +5388,7 @@
               </a14:hiddenLine>
             </a:ext>
             <a:ext uri="{AF507438-7753-43E0-B8FC-AC1667EBCBE1}">
-              <a14:hiddenEffects xmlns:a14="http://schemas.microsoft.com/office/drawing/2010/main">
+              <a14:hiddenEffects xmlns:a14="http://schemas.microsoft.com/office/drawing/2010/main" xmlns="">
                 <a:effectLst>
                   <a:outerShdw dist="35921" dir="2700000" algn="ctr" rotWithShape="0">
                     <a:schemeClr val="bg2"/>
@@ -5282,7 +5402,7 @@
     </p:spTree>
     <p:extLst>
       <p:ext uri="{BB962C8B-B14F-4D97-AF65-F5344CB8AC3E}">
-        <p14:creationId xmlns:p14="http://schemas.microsoft.com/office/powerpoint/2010/main" val="2501508212"/>
+        <p14:creationId xmlns:p14="http://schemas.microsoft.com/office/powerpoint/2010/main" xmlns="" val="2501508212"/>
       </p:ext>
     </p:extLst>
   </p:cSld>
@@ -5356,7 +5476,8 @@
           <a:p>
             <a:fld id="{DEBB8349-9EFE-4CF4-A443-9D73D6C5CDDC}" type="datetime1">
               <a:rPr lang="pl-PL" smtClean="0"/>
-              <a:t>17.05.2017</a:t>
+              <a:pPr/>
+              <a:t>20.05.2017</a:t>
             </a:fld>
             <a:endParaRPr lang="pl-PL"/>
           </a:p>
@@ -5402,6 +5523,7 @@
           <a:p>
             <a:fld id="{7ABA60A5-3177-43D4-9934-32BA489A924D}" type="slidenum">
               <a:rPr lang="pl-PL" smtClean="0"/>
+              <a:pPr/>
               <a:t>8</a:t>
             </a:fld>
             <a:endParaRPr lang="pl-PL"/>
@@ -5420,7 +5542,7 @@
           <a:blip r:embed="rId2">
             <a:extLst>
               <a:ext uri="{28A0092B-C50C-407E-A947-70E740481C1C}">
-                <a14:useLocalDpi xmlns:a14="http://schemas.microsoft.com/office/drawing/2010/main" val="0"/>
+                <a14:useLocalDpi xmlns:a14="http://schemas.microsoft.com/office/drawing/2010/main" xmlns="" val="0"/>
               </a:ext>
             </a:extLst>
           </a:blip>
@@ -5444,14 +5566,14 @@
           <a:effectLst/>
           <a:extLst>
             <a:ext uri="{909E8E84-426E-40DD-AFC4-6F175D3DCCD1}">
-              <a14:hiddenFill xmlns:a14="http://schemas.microsoft.com/office/drawing/2010/main">
+              <a14:hiddenFill xmlns:a14="http://schemas.microsoft.com/office/drawing/2010/main" xmlns="">
                 <a:solidFill>
                   <a:schemeClr val="accent1"/>
                 </a:solidFill>
               </a14:hiddenFill>
             </a:ext>
             <a:ext uri="{91240B29-F687-4F45-9708-019B960494DF}">
-              <a14:hiddenLine xmlns:a14="http://schemas.microsoft.com/office/drawing/2010/main" w="9525">
+              <a14:hiddenLine xmlns:a14="http://schemas.microsoft.com/office/drawing/2010/main" xmlns="" w="9525">
                 <a:solidFill>
                   <a:schemeClr val="tx1"/>
                 </a:solidFill>
@@ -5461,7 +5583,7 @@
               </a14:hiddenLine>
             </a:ext>
             <a:ext uri="{AF507438-7753-43E0-B8FC-AC1667EBCBE1}">
-              <a14:hiddenEffects xmlns:a14="http://schemas.microsoft.com/office/drawing/2010/main">
+              <a14:hiddenEffects xmlns:a14="http://schemas.microsoft.com/office/drawing/2010/main" xmlns="">
                 <a:effectLst>
                   <a:outerShdw dist="35921" dir="2700000" algn="ctr" rotWithShape="0">
                     <a:schemeClr val="bg2"/>
@@ -5484,7 +5606,7 @@
           <a:blip r:embed="rId3" cstate="print">
             <a:extLst>
               <a:ext uri="{28A0092B-C50C-407E-A947-70E740481C1C}">
-                <a14:useLocalDpi xmlns:a14="http://schemas.microsoft.com/office/drawing/2010/main" val="0"/>
+                <a14:useLocalDpi xmlns:a14="http://schemas.microsoft.com/office/drawing/2010/main" xmlns="" val="0"/>
               </a:ext>
             </a:extLst>
           </a:blip>
@@ -5504,7 +5626,7 @@
           <a:noFill/>
           <a:extLst>
             <a:ext uri="{909E8E84-426E-40DD-AFC4-6F175D3DCCD1}">
-              <a14:hiddenFill xmlns:a14="http://schemas.microsoft.com/office/drawing/2010/main">
+              <a14:hiddenFill xmlns:a14="http://schemas.microsoft.com/office/drawing/2010/main" xmlns="">
                 <a:solidFill>
                   <a:srgbClr val="FFFFFF"/>
                 </a:solidFill>
@@ -5516,7 +5638,7 @@
     </p:spTree>
     <p:extLst>
       <p:ext uri="{BB962C8B-B14F-4D97-AF65-F5344CB8AC3E}">
-        <p14:creationId xmlns:p14="http://schemas.microsoft.com/office/powerpoint/2010/main" val="2505419348"/>
+        <p14:creationId xmlns:p14="http://schemas.microsoft.com/office/powerpoint/2010/main" xmlns="" val="2505419348"/>
       </p:ext>
     </p:extLst>
   </p:cSld>

--- a/Dokumentacja/prezentacja_sprawozdanie.pptx
+++ b/Dokumentacja/prezentacja_sprawozdanie.pptx
@@ -5,17 +5,21 @@
     <p:sldMasterId id="2147483672" r:id="rId1"/>
   </p:sldMasterIdLst>
   <p:notesMasterIdLst>
-    <p:notesMasterId r:id="rId10"/>
+    <p:notesMasterId r:id="rId14"/>
   </p:notesMasterIdLst>
   <p:sldIdLst>
     <p:sldId id="256" r:id="rId2"/>
     <p:sldId id="257" r:id="rId3"/>
-    <p:sldId id="258" r:id="rId4"/>
-    <p:sldId id="259" r:id="rId5"/>
-    <p:sldId id="260" r:id="rId6"/>
-    <p:sldId id="261" r:id="rId7"/>
-    <p:sldId id="262" r:id="rId8"/>
-    <p:sldId id="263" r:id="rId9"/>
+    <p:sldId id="264" r:id="rId4"/>
+    <p:sldId id="265" r:id="rId5"/>
+    <p:sldId id="266" r:id="rId6"/>
+    <p:sldId id="267" r:id="rId7"/>
+    <p:sldId id="258" r:id="rId8"/>
+    <p:sldId id="259" r:id="rId9"/>
+    <p:sldId id="260" r:id="rId10"/>
+    <p:sldId id="261" r:id="rId11"/>
+    <p:sldId id="262" r:id="rId12"/>
+    <p:sldId id="263" r:id="rId13"/>
   </p:sldIdLst>
   <p:sldSz cx="9144000" cy="6858000" type="screen4x3"/>
   <p:notesSz cx="6858000" cy="9144000"/>
@@ -200,7 +204,7 @@
             <a:fld id="{276F9C06-F346-48AB-9FE8-2C890CABB23A}" type="datetimeFigureOut">
               <a:rPr lang="pl-PL" smtClean="0"/>
               <a:pPr/>
-              <a:t>20.05.2017</a:t>
+              <a:t>23.05.2017</a:t>
             </a:fld>
             <a:endParaRPr lang="pl-PL"/>
           </a:p>
@@ -369,7 +373,7 @@
     </p:spTree>
     <p:extLst>
       <p:ext uri="{BB962C8B-B14F-4D97-AF65-F5344CB8AC3E}">
-        <p14:creationId xmlns:p14="http://schemas.microsoft.com/office/powerpoint/2010/main" xmlns="" val="300443393"/>
+        <p14:creationId xmlns="" xmlns:p14="http://schemas.microsoft.com/office/powerpoint/2010/main" val="300443393"/>
       </p:ext>
     </p:extLst>
   </p:cSld>
@@ -741,7 +745,7 @@
             <a:fld id="{C6D6AD2A-B395-4591-8551-E45590CDA7A3}" type="datetime1">
               <a:rPr lang="pl-PL" smtClean="0"/>
               <a:pPr/>
-              <a:t>20.05.2017</a:t>
+              <a:t>23.05.2017</a:t>
             </a:fld>
             <a:endParaRPr lang="pl-PL"/>
           </a:p>
@@ -847,7 +851,7 @@
     </p:spTree>
     <p:extLst>
       <p:ext uri="{BB962C8B-B14F-4D97-AF65-F5344CB8AC3E}">
-        <p14:creationId xmlns:p14="http://schemas.microsoft.com/office/powerpoint/2010/main" xmlns="" val="3756253045"/>
+        <p14:creationId xmlns="" xmlns:p14="http://schemas.microsoft.com/office/powerpoint/2010/main" val="3756253045"/>
       </p:ext>
     </p:extLst>
   </p:cSld>
@@ -978,7 +982,7 @@
             <a:fld id="{7033813A-C126-486A-91C4-3E17A8B31910}" type="datetime1">
               <a:rPr lang="pl-PL" smtClean="0"/>
               <a:pPr/>
-              <a:t>20.05.2017</a:t>
+              <a:t>23.05.2017</a:t>
             </a:fld>
             <a:endParaRPr lang="pl-PL"/>
           </a:p>
@@ -1034,7 +1038,7 @@
     </p:spTree>
     <p:extLst>
       <p:ext uri="{BB962C8B-B14F-4D97-AF65-F5344CB8AC3E}">
-        <p14:creationId xmlns:p14="http://schemas.microsoft.com/office/powerpoint/2010/main" xmlns="" val="1309881333"/>
+        <p14:creationId xmlns="" xmlns:p14="http://schemas.microsoft.com/office/powerpoint/2010/main" val="1309881333"/>
       </p:ext>
     </p:extLst>
   </p:cSld>
@@ -1175,7 +1179,7 @@
             <a:fld id="{D6852117-7846-49D2-8028-7D3037F12DB6}" type="datetime1">
               <a:rPr lang="pl-PL" smtClean="0"/>
               <a:pPr/>
-              <a:t>20.05.2017</a:t>
+              <a:t>23.05.2017</a:t>
             </a:fld>
             <a:endParaRPr lang="pl-PL"/>
           </a:p>
@@ -1231,7 +1235,7 @@
     </p:spTree>
     <p:extLst>
       <p:ext uri="{BB962C8B-B14F-4D97-AF65-F5344CB8AC3E}">
-        <p14:creationId xmlns:p14="http://schemas.microsoft.com/office/powerpoint/2010/main" xmlns="" val="329151347"/>
+        <p14:creationId xmlns="" xmlns:p14="http://schemas.microsoft.com/office/powerpoint/2010/main" val="329151347"/>
       </p:ext>
     </p:extLst>
   </p:cSld>
@@ -1358,7 +1362,7 @@
             <a:fld id="{DEBB8349-9EFE-4CF4-A443-9D73D6C5CDDC}" type="datetime1">
               <a:rPr lang="pl-PL" smtClean="0"/>
               <a:pPr/>
-              <a:t>20.05.2017</a:t>
+              <a:t>23.05.2017</a:t>
             </a:fld>
             <a:endParaRPr lang="pl-PL"/>
           </a:p>
@@ -1414,7 +1418,7 @@
     </p:spTree>
     <p:extLst>
       <p:ext uri="{BB962C8B-B14F-4D97-AF65-F5344CB8AC3E}">
-        <p14:creationId xmlns:p14="http://schemas.microsoft.com/office/powerpoint/2010/main" xmlns="" val="1011440719"/>
+        <p14:creationId xmlns="" xmlns:p14="http://schemas.microsoft.com/office/powerpoint/2010/main" val="1011440719"/>
       </p:ext>
     </p:extLst>
   </p:cSld>
@@ -1615,7 +1619,7 @@
             <a:fld id="{155A78FA-0EB8-40D3-9CDC-E0736B0C4C35}" type="datetime1">
               <a:rPr lang="pl-PL" smtClean="0"/>
               <a:pPr/>
-              <a:t>20.05.2017</a:t>
+              <a:t>23.05.2017</a:t>
             </a:fld>
             <a:endParaRPr lang="pl-PL"/>
           </a:p>
@@ -1717,7 +1721,7 @@
     </p:spTree>
     <p:extLst>
       <p:ext uri="{BB962C8B-B14F-4D97-AF65-F5344CB8AC3E}">
-        <p14:creationId xmlns:p14="http://schemas.microsoft.com/office/powerpoint/2010/main" xmlns="" val="3200326934"/>
+        <p14:creationId xmlns="" xmlns:p14="http://schemas.microsoft.com/office/powerpoint/2010/main" val="3200326934"/>
       </p:ext>
     </p:extLst>
   </p:cSld>
@@ -1962,7 +1966,7 @@
             <a:fld id="{28B319BA-7EF1-4ED5-AF1A-099C54F8F7B4}" type="datetime1">
               <a:rPr lang="pl-PL" smtClean="0"/>
               <a:pPr/>
-              <a:t>20.05.2017</a:t>
+              <a:t>23.05.2017</a:t>
             </a:fld>
             <a:endParaRPr lang="pl-PL"/>
           </a:p>
@@ -2018,7 +2022,7 @@
     </p:spTree>
     <p:extLst>
       <p:ext uri="{BB962C8B-B14F-4D97-AF65-F5344CB8AC3E}">
-        <p14:creationId xmlns:p14="http://schemas.microsoft.com/office/powerpoint/2010/main" xmlns="" val="270095441"/>
+        <p14:creationId xmlns="" xmlns:p14="http://schemas.microsoft.com/office/powerpoint/2010/main" val="270095441"/>
       </p:ext>
     </p:extLst>
   </p:cSld>
@@ -2409,7 +2413,7 @@
             <a:fld id="{0B40057B-584C-474C-A081-F65F5E7966C6}" type="datetime1">
               <a:rPr lang="pl-PL" smtClean="0"/>
               <a:pPr/>
-              <a:t>20.05.2017</a:t>
+              <a:t>23.05.2017</a:t>
             </a:fld>
             <a:endParaRPr lang="pl-PL"/>
           </a:p>
@@ -2500,7 +2504,7 @@
     </p:spTree>
     <p:extLst>
       <p:ext uri="{BB962C8B-B14F-4D97-AF65-F5344CB8AC3E}">
-        <p14:creationId xmlns:p14="http://schemas.microsoft.com/office/powerpoint/2010/main" xmlns="" val="3242026738"/>
+        <p14:creationId xmlns="" xmlns:p14="http://schemas.microsoft.com/office/powerpoint/2010/main" val="3242026738"/>
       </p:ext>
     </p:extLst>
   </p:cSld>
@@ -2575,7 +2579,7 @@
             <a:fld id="{5C25B5B1-0ACD-4764-A2A3-0251308FEF1C}" type="datetime1">
               <a:rPr lang="pl-PL" smtClean="0"/>
               <a:pPr/>
-              <a:t>20.05.2017</a:t>
+              <a:t>23.05.2017</a:t>
             </a:fld>
             <a:endParaRPr lang="pl-PL"/>
           </a:p>
@@ -2631,7 +2635,7 @@
     </p:spTree>
     <p:extLst>
       <p:ext uri="{BB962C8B-B14F-4D97-AF65-F5344CB8AC3E}">
-        <p14:creationId xmlns:p14="http://schemas.microsoft.com/office/powerpoint/2010/main" xmlns="" val="2047916407"/>
+        <p14:creationId xmlns="" xmlns:p14="http://schemas.microsoft.com/office/powerpoint/2010/main" val="2047916407"/>
       </p:ext>
     </p:extLst>
   </p:cSld>
@@ -2683,7 +2687,7 @@
             <a:fld id="{A1E66213-6C40-449F-977E-0A6E121EC626}" type="datetime1">
               <a:rPr lang="pl-PL" smtClean="0"/>
               <a:pPr/>
-              <a:t>20.05.2017</a:t>
+              <a:t>23.05.2017</a:t>
             </a:fld>
             <a:endParaRPr lang="pl-PL"/>
           </a:p>
@@ -2739,7 +2743,7 @@
     </p:spTree>
     <p:extLst>
       <p:ext uri="{BB962C8B-B14F-4D97-AF65-F5344CB8AC3E}">
-        <p14:creationId xmlns:p14="http://schemas.microsoft.com/office/powerpoint/2010/main" xmlns="" val="672770679"/>
+        <p14:creationId xmlns="" xmlns:p14="http://schemas.microsoft.com/office/powerpoint/2010/main" val="672770679"/>
       </p:ext>
     </p:extLst>
   </p:cSld>
@@ -2981,7 +2985,7 @@
             <a:fld id="{95E477D7-A444-4B68-96AE-1126F450C109}" type="datetime1">
               <a:rPr lang="pl-PL" smtClean="0"/>
               <a:pPr/>
-              <a:t>20.05.2017</a:t>
+              <a:t>23.05.2017</a:t>
             </a:fld>
             <a:endParaRPr lang="pl-PL"/>
           </a:p>
@@ -3037,7 +3041,7 @@
     </p:spTree>
     <p:extLst>
       <p:ext uri="{BB962C8B-B14F-4D97-AF65-F5344CB8AC3E}">
-        <p14:creationId xmlns:p14="http://schemas.microsoft.com/office/powerpoint/2010/main" xmlns="" val="1397882822"/>
+        <p14:creationId xmlns="" xmlns:p14="http://schemas.microsoft.com/office/powerpoint/2010/main" val="1397882822"/>
       </p:ext>
     </p:extLst>
   </p:cSld>
@@ -3259,7 +3263,7 @@
             <a:fld id="{1330AA89-61BC-4543-9C29-7BF2580DF5BB}" type="datetime1">
               <a:rPr lang="pl-PL" smtClean="0"/>
               <a:pPr/>
-              <a:t>20.05.2017</a:t>
+              <a:t>23.05.2017</a:t>
             </a:fld>
             <a:endParaRPr lang="pl-PL"/>
           </a:p>
@@ -3315,7 +3319,7 @@
     </p:spTree>
     <p:extLst>
       <p:ext uri="{BB962C8B-B14F-4D97-AF65-F5344CB8AC3E}">
-        <p14:creationId xmlns:p14="http://schemas.microsoft.com/office/powerpoint/2010/main" xmlns="" val="1944213113"/>
+        <p14:creationId xmlns="" xmlns:p14="http://schemas.microsoft.com/office/powerpoint/2010/main" val="1944213113"/>
       </p:ext>
     </p:extLst>
   </p:cSld>
@@ -3612,7 +3616,7 @@
             <a:fld id="{284D8F3B-99C0-4D59-90E1-0B93D14B583D}" type="datetime1">
               <a:rPr lang="pl-PL" smtClean="0"/>
               <a:pPr/>
-              <a:t>20.05.2017</a:t>
+              <a:t>23.05.2017</a:t>
             </a:fld>
             <a:endParaRPr lang="pl-PL"/>
           </a:p>
@@ -3715,7 +3719,7 @@
           <a:blip r:embed="rId13" cstate="print">
             <a:extLst>
               <a:ext uri="{28A0092B-C50C-407E-A947-70E740481C1C}">
-                <a14:useLocalDpi xmlns:a14="http://schemas.microsoft.com/office/drawing/2010/main" xmlns="" val="0"/>
+                <a14:useLocalDpi xmlns="" xmlns:a14="http://schemas.microsoft.com/office/drawing/2010/main" val="0"/>
               </a:ext>
             </a:extLst>
           </a:blip>
@@ -3745,7 +3749,7 @@
           <a:blip r:embed="rId14" cstate="print">
             <a:extLst>
               <a:ext uri="{28A0092B-C50C-407E-A947-70E740481C1C}">
-                <a14:useLocalDpi xmlns:a14="http://schemas.microsoft.com/office/drawing/2010/main" xmlns="" val="0"/>
+                <a14:useLocalDpi xmlns="" xmlns:a14="http://schemas.microsoft.com/office/drawing/2010/main" val="0"/>
               </a:ext>
             </a:extLst>
           </a:blip>
@@ -3859,7 +3863,7 @@
     </p:spTree>
     <p:extLst>
       <p:ext uri="{BB962C8B-B14F-4D97-AF65-F5344CB8AC3E}">
-        <p14:creationId xmlns:p14="http://schemas.microsoft.com/office/powerpoint/2010/main" xmlns="" val="468329777"/>
+        <p14:creationId xmlns="" xmlns:p14="http://schemas.microsoft.com/office/powerpoint/2010/main" val="468329777"/>
       </p:ext>
     </p:extLst>
   </p:cSld>
@@ -4269,7 +4273,641 @@
     </p:spTree>
     <p:extLst>
       <p:ext uri="{BB962C8B-B14F-4D97-AF65-F5344CB8AC3E}">
-        <p14:creationId xmlns:p14="http://schemas.microsoft.com/office/powerpoint/2010/main" xmlns="" val="1354103417"/>
+        <p14:creationId xmlns="" xmlns:p14="http://schemas.microsoft.com/office/powerpoint/2010/main" val="1354103417"/>
+      </p:ext>
+    </p:extLst>
+  </p:cSld>
+  <p:clrMapOvr>
+    <a:masterClrMapping/>
+  </p:clrMapOvr>
+  <p:timing>
+    <p:tnLst>
+      <p:par>
+        <p:cTn id="1" dur="indefinite" restart="never" nodeType="tmRoot"/>
+      </p:par>
+    </p:tnLst>
+  </p:timing>
+</p:sld>
+</file>
+
+<file path=ppt/slides/slide10.xml><?xml version="1.0" encoding="utf-8"?>
+<p:sld xmlns:a="http://schemas.openxmlformats.org/drawingml/2006/main" xmlns:r="http://schemas.openxmlformats.org/officeDocument/2006/relationships" xmlns:p="http://schemas.openxmlformats.org/presentationml/2006/main">
+  <p:cSld>
+    <p:spTree>
+      <p:nvGrpSpPr>
+        <p:cNvPr id="1" name=""/>
+        <p:cNvGrpSpPr/>
+        <p:nvPr/>
+      </p:nvGrpSpPr>
+      <p:grpSpPr>
+        <a:xfrm>
+          <a:off x="0" y="0"/>
+          <a:ext cx="0" cy="0"/>
+          <a:chOff x="0" y="0"/>
+          <a:chExt cx="0" cy="0"/>
+        </a:xfrm>
+      </p:grpSpPr>
+      <p:sp>
+        <p:nvSpPr>
+          <p:cNvPr id="2" name="Tytuł 1"/>
+          <p:cNvSpPr>
+            <a:spLocks noGrp="1"/>
+          </p:cNvSpPr>
+          <p:nvPr>
+            <p:ph type="title"/>
+          </p:nvPr>
+        </p:nvSpPr>
+        <p:spPr/>
+        <p:txBody>
+          <a:bodyPr/>
+          <a:lstStyle/>
+          <a:p>
+            <a:r>
+              <a:rPr lang="pl-PL" dirty="0" smtClean="0"/>
+              <a:t>Statystyka </a:t>
+            </a:r>
+            <a:r>
+              <a:rPr lang="pl-PL" dirty="0" err="1" smtClean="0"/>
+              <a:t>commitów</a:t>
+            </a:r>
+            <a:endParaRPr lang="pl-PL" dirty="0"/>
+          </a:p>
+        </p:txBody>
+      </p:sp>
+      <p:sp>
+        <p:nvSpPr>
+          <p:cNvPr id="4" name="Symbol zastępczy daty 3"/>
+          <p:cNvSpPr>
+            <a:spLocks noGrp="1"/>
+          </p:cNvSpPr>
+          <p:nvPr>
+            <p:ph type="dt" sz="half" idx="10"/>
+          </p:nvPr>
+        </p:nvSpPr>
+        <p:spPr/>
+        <p:txBody>
+          <a:bodyPr/>
+          <a:lstStyle/>
+          <a:p>
+            <a:fld id="{DEBB8349-9EFE-4CF4-A443-9D73D6C5CDDC}" type="datetime1">
+              <a:rPr lang="pl-PL" smtClean="0"/>
+              <a:pPr/>
+              <a:t>23.05.2017</a:t>
+            </a:fld>
+            <a:endParaRPr lang="pl-PL"/>
+          </a:p>
+        </p:txBody>
+      </p:sp>
+      <p:sp>
+        <p:nvSpPr>
+          <p:cNvPr id="5" name="Symbol zastępczy stopki 4"/>
+          <p:cNvSpPr>
+            <a:spLocks noGrp="1"/>
+          </p:cNvSpPr>
+          <p:nvPr>
+            <p:ph type="ftr" sz="quarter" idx="11"/>
+          </p:nvPr>
+        </p:nvSpPr>
+        <p:spPr/>
+        <p:txBody>
+          <a:bodyPr/>
+          <a:lstStyle/>
+          <a:p>
+            <a:r>
+              <a:rPr lang="pl-PL" smtClean="0"/>
+              <a:t>Sprawozdanie z projektu INPG</a:t>
+            </a:r>
+            <a:endParaRPr lang="pl-PL"/>
+          </a:p>
+        </p:txBody>
+      </p:sp>
+      <p:sp>
+        <p:nvSpPr>
+          <p:cNvPr id="6" name="Symbol zastępczy numeru slajdu 5"/>
+          <p:cNvSpPr>
+            <a:spLocks noGrp="1"/>
+          </p:cNvSpPr>
+          <p:nvPr>
+            <p:ph type="sldNum" sz="quarter" idx="12"/>
+          </p:nvPr>
+        </p:nvSpPr>
+        <p:spPr/>
+        <p:txBody>
+          <a:bodyPr/>
+          <a:lstStyle/>
+          <a:p>
+            <a:fld id="{7ABA60A5-3177-43D4-9934-32BA489A924D}" type="slidenum">
+              <a:rPr lang="pl-PL" smtClean="0"/>
+              <a:pPr/>
+              <a:t>10</a:t>
+            </a:fld>
+            <a:endParaRPr lang="pl-PL"/>
+          </a:p>
+        </p:txBody>
+      </p:sp>
+      <p:pic>
+        <p:nvPicPr>
+          <p:cNvPr id="4098" name="Picture 2"/>
+          <p:cNvPicPr>
+            <a:picLocks noChangeAspect="1" noChangeArrowheads="1"/>
+          </p:cNvPicPr>
+          <p:nvPr/>
+        </p:nvPicPr>
+        <p:blipFill>
+          <a:blip r:embed="rId2">
+            <a:extLst>
+              <a:ext uri="{28A0092B-C50C-407E-A947-70E740481C1C}">
+                <a14:useLocalDpi xmlns="" xmlns:a14="http://schemas.microsoft.com/office/drawing/2010/main" val="0"/>
+              </a:ext>
+            </a:extLst>
+          </a:blip>
+          <a:srcRect/>
+          <a:stretch>
+            <a:fillRect/>
+          </a:stretch>
+        </p:blipFill>
+        <p:spPr bwMode="auto">
+          <a:xfrm>
+            <a:off x="587375" y="1692275"/>
+            <a:ext cx="7969250" cy="3473450"/>
+          </a:xfrm>
+          <a:prstGeom prst="rect">
+            <a:avLst/>
+          </a:prstGeom>
+          <a:noFill/>
+          <a:ln>
+            <a:noFill/>
+          </a:ln>
+          <a:effectLst/>
+          <a:extLst>
+            <a:ext uri="{909E8E84-426E-40DD-AFC4-6F175D3DCCD1}">
+              <a14:hiddenFill xmlns="" xmlns:a14="http://schemas.microsoft.com/office/drawing/2010/main">
+                <a:solidFill>
+                  <a:schemeClr val="accent1"/>
+                </a:solidFill>
+              </a14:hiddenFill>
+            </a:ext>
+            <a:ext uri="{91240B29-F687-4F45-9708-019B960494DF}">
+              <a14:hiddenLine xmlns="" xmlns:a14="http://schemas.microsoft.com/office/drawing/2010/main" w="9525">
+                <a:solidFill>
+                  <a:schemeClr val="tx1"/>
+                </a:solidFill>
+                <a:miter lim="800000"/>
+                <a:headEnd/>
+                <a:tailEnd/>
+              </a14:hiddenLine>
+            </a:ext>
+            <a:ext uri="{AF507438-7753-43E0-B8FC-AC1667EBCBE1}">
+              <a14:hiddenEffects xmlns="" xmlns:a14="http://schemas.microsoft.com/office/drawing/2010/main">
+                <a:effectLst>
+                  <a:outerShdw dist="35921" dir="2700000" algn="ctr" rotWithShape="0">
+                    <a:schemeClr val="bg2"/>
+                  </a:outerShdw>
+                </a:effectLst>
+              </a14:hiddenEffects>
+            </a:ext>
+          </a:extLst>
+        </p:spPr>
+      </p:pic>
+    </p:spTree>
+    <p:extLst>
+      <p:ext uri="{BB962C8B-B14F-4D97-AF65-F5344CB8AC3E}">
+        <p14:creationId xmlns="" xmlns:p14="http://schemas.microsoft.com/office/powerpoint/2010/main" val="1948775304"/>
+      </p:ext>
+    </p:extLst>
+  </p:cSld>
+  <p:clrMapOvr>
+    <a:masterClrMapping/>
+  </p:clrMapOvr>
+  <p:timing>
+    <p:tnLst>
+      <p:par>
+        <p:cTn id="1" dur="indefinite" restart="never" nodeType="tmRoot"/>
+      </p:par>
+    </p:tnLst>
+  </p:timing>
+</p:sld>
+</file>
+
+<file path=ppt/slides/slide11.xml><?xml version="1.0" encoding="utf-8"?>
+<p:sld xmlns:a="http://schemas.openxmlformats.org/drawingml/2006/main" xmlns:r="http://schemas.openxmlformats.org/officeDocument/2006/relationships" xmlns:p="http://schemas.openxmlformats.org/presentationml/2006/main">
+  <p:cSld>
+    <p:spTree>
+      <p:nvGrpSpPr>
+        <p:cNvPr id="1" name=""/>
+        <p:cNvGrpSpPr/>
+        <p:nvPr/>
+      </p:nvGrpSpPr>
+      <p:grpSpPr>
+        <a:xfrm>
+          <a:off x="0" y="0"/>
+          <a:ext cx="0" cy="0"/>
+          <a:chOff x="0" y="0"/>
+          <a:chExt cx="0" cy="0"/>
+        </a:xfrm>
+      </p:grpSpPr>
+      <p:sp>
+        <p:nvSpPr>
+          <p:cNvPr id="2" name="Tytuł 1"/>
+          <p:cNvSpPr>
+            <a:spLocks noGrp="1"/>
+          </p:cNvSpPr>
+          <p:nvPr>
+            <p:ph type="title"/>
+          </p:nvPr>
+        </p:nvSpPr>
+        <p:spPr/>
+        <p:txBody>
+          <a:bodyPr/>
+          <a:lstStyle/>
+          <a:p>
+            <a:r>
+              <a:rPr lang="pl-PL" dirty="0" smtClean="0"/>
+              <a:t>Założenie </a:t>
+            </a:r>
+            <a:r>
+              <a:rPr lang="pl-PL" dirty="0" err="1" smtClean="0"/>
+              <a:t>Trello</a:t>
+            </a:r>
+            <a:endParaRPr lang="pl-PL" dirty="0"/>
+          </a:p>
+        </p:txBody>
+      </p:sp>
+      <p:sp>
+        <p:nvSpPr>
+          <p:cNvPr id="4" name="Symbol zastępczy daty 3"/>
+          <p:cNvSpPr>
+            <a:spLocks noGrp="1"/>
+          </p:cNvSpPr>
+          <p:nvPr>
+            <p:ph type="dt" sz="half" idx="10"/>
+          </p:nvPr>
+        </p:nvSpPr>
+        <p:spPr/>
+        <p:txBody>
+          <a:bodyPr/>
+          <a:lstStyle/>
+          <a:p>
+            <a:fld id="{DEBB8349-9EFE-4CF4-A443-9D73D6C5CDDC}" type="datetime1">
+              <a:rPr lang="pl-PL" smtClean="0"/>
+              <a:pPr/>
+              <a:t>23.05.2017</a:t>
+            </a:fld>
+            <a:endParaRPr lang="pl-PL"/>
+          </a:p>
+        </p:txBody>
+      </p:sp>
+      <p:sp>
+        <p:nvSpPr>
+          <p:cNvPr id="5" name="Symbol zastępczy stopki 4"/>
+          <p:cNvSpPr>
+            <a:spLocks noGrp="1"/>
+          </p:cNvSpPr>
+          <p:nvPr>
+            <p:ph type="ftr" sz="quarter" idx="11"/>
+          </p:nvPr>
+        </p:nvSpPr>
+        <p:spPr/>
+        <p:txBody>
+          <a:bodyPr/>
+          <a:lstStyle/>
+          <a:p>
+            <a:r>
+              <a:rPr lang="pl-PL" smtClean="0"/>
+              <a:t>Sprawozdanie z projektu INPG</a:t>
+            </a:r>
+            <a:endParaRPr lang="pl-PL"/>
+          </a:p>
+        </p:txBody>
+      </p:sp>
+      <p:sp>
+        <p:nvSpPr>
+          <p:cNvPr id="6" name="Symbol zastępczy numeru slajdu 5"/>
+          <p:cNvSpPr>
+            <a:spLocks noGrp="1"/>
+          </p:cNvSpPr>
+          <p:nvPr>
+            <p:ph type="sldNum" sz="quarter" idx="12"/>
+          </p:nvPr>
+        </p:nvSpPr>
+        <p:spPr/>
+        <p:txBody>
+          <a:bodyPr/>
+          <a:lstStyle/>
+          <a:p>
+            <a:fld id="{7ABA60A5-3177-43D4-9934-32BA489A924D}" type="slidenum">
+              <a:rPr lang="pl-PL" smtClean="0"/>
+              <a:pPr/>
+              <a:t>11</a:t>
+            </a:fld>
+            <a:endParaRPr lang="pl-PL"/>
+          </a:p>
+        </p:txBody>
+      </p:sp>
+      <p:pic>
+        <p:nvPicPr>
+          <p:cNvPr id="5122" name="Picture 2"/>
+          <p:cNvPicPr>
+            <a:picLocks noChangeAspect="1" noChangeArrowheads="1"/>
+          </p:cNvPicPr>
+          <p:nvPr/>
+        </p:nvPicPr>
+        <p:blipFill>
+          <a:blip r:embed="rId2">
+            <a:extLst>
+              <a:ext uri="{28A0092B-C50C-407E-A947-70E740481C1C}">
+                <a14:useLocalDpi xmlns="" xmlns:a14="http://schemas.microsoft.com/office/drawing/2010/main" val="0"/>
+              </a:ext>
+            </a:extLst>
+          </a:blip>
+          <a:srcRect/>
+          <a:stretch>
+            <a:fillRect/>
+          </a:stretch>
+        </p:blipFill>
+        <p:spPr bwMode="auto">
+          <a:xfrm>
+            <a:off x="251520" y="1628800"/>
+            <a:ext cx="8660292" cy="4032448"/>
+          </a:xfrm>
+          <a:prstGeom prst="rect">
+            <a:avLst/>
+          </a:prstGeom>
+          <a:noFill/>
+          <a:ln>
+            <a:noFill/>
+          </a:ln>
+          <a:effectLst/>
+          <a:extLst>
+            <a:ext uri="{909E8E84-426E-40DD-AFC4-6F175D3DCCD1}">
+              <a14:hiddenFill xmlns="" xmlns:a14="http://schemas.microsoft.com/office/drawing/2010/main">
+                <a:solidFill>
+                  <a:schemeClr val="accent1"/>
+                </a:solidFill>
+              </a14:hiddenFill>
+            </a:ext>
+            <a:ext uri="{91240B29-F687-4F45-9708-019B960494DF}">
+              <a14:hiddenLine xmlns="" xmlns:a14="http://schemas.microsoft.com/office/drawing/2010/main" w="9525">
+                <a:solidFill>
+                  <a:schemeClr val="tx1"/>
+                </a:solidFill>
+                <a:miter lim="800000"/>
+                <a:headEnd/>
+                <a:tailEnd/>
+              </a14:hiddenLine>
+            </a:ext>
+            <a:ext uri="{AF507438-7753-43E0-B8FC-AC1667EBCBE1}">
+              <a14:hiddenEffects xmlns="" xmlns:a14="http://schemas.microsoft.com/office/drawing/2010/main">
+                <a:effectLst>
+                  <a:outerShdw dist="35921" dir="2700000" algn="ctr" rotWithShape="0">
+                    <a:schemeClr val="bg2"/>
+                  </a:outerShdw>
+                </a:effectLst>
+              </a14:hiddenEffects>
+            </a:ext>
+          </a:extLst>
+        </p:spPr>
+      </p:pic>
+    </p:spTree>
+    <p:extLst>
+      <p:ext uri="{BB962C8B-B14F-4D97-AF65-F5344CB8AC3E}">
+        <p14:creationId xmlns="" xmlns:p14="http://schemas.microsoft.com/office/powerpoint/2010/main" val="2501508212"/>
+      </p:ext>
+    </p:extLst>
+  </p:cSld>
+  <p:clrMapOvr>
+    <a:masterClrMapping/>
+  </p:clrMapOvr>
+  <p:timing>
+    <p:tnLst>
+      <p:par>
+        <p:cTn id="1" dur="indefinite" restart="never" nodeType="tmRoot"/>
+      </p:par>
+    </p:tnLst>
+  </p:timing>
+</p:sld>
+</file>
+
+<file path=ppt/slides/slide12.xml><?xml version="1.0" encoding="utf-8"?>
+<p:sld xmlns:a="http://schemas.openxmlformats.org/drawingml/2006/main" xmlns:r="http://schemas.openxmlformats.org/officeDocument/2006/relationships" xmlns:p="http://schemas.openxmlformats.org/presentationml/2006/main">
+  <p:cSld>
+    <p:spTree>
+      <p:nvGrpSpPr>
+        <p:cNvPr id="1" name=""/>
+        <p:cNvGrpSpPr/>
+        <p:nvPr/>
+      </p:nvGrpSpPr>
+      <p:grpSpPr>
+        <a:xfrm>
+          <a:off x="0" y="0"/>
+          <a:ext cx="0" cy="0"/>
+          <a:chOff x="0" y="0"/>
+          <a:chExt cx="0" cy="0"/>
+        </a:xfrm>
+      </p:grpSpPr>
+      <p:sp>
+        <p:nvSpPr>
+          <p:cNvPr id="2" name="Tytuł 1"/>
+          <p:cNvSpPr>
+            <a:spLocks noGrp="1"/>
+          </p:cNvSpPr>
+          <p:nvPr>
+            <p:ph type="title"/>
+          </p:nvPr>
+        </p:nvSpPr>
+        <p:spPr/>
+        <p:txBody>
+          <a:bodyPr/>
+          <a:lstStyle/>
+          <a:p>
+            <a:r>
+              <a:rPr lang="pl-PL" dirty="0" smtClean="0"/>
+              <a:t>Instalacja oprogramowania</a:t>
+            </a:r>
+            <a:endParaRPr lang="pl-PL" dirty="0"/>
+          </a:p>
+        </p:txBody>
+      </p:sp>
+      <p:sp>
+        <p:nvSpPr>
+          <p:cNvPr id="4" name="Symbol zastępczy daty 3"/>
+          <p:cNvSpPr>
+            <a:spLocks noGrp="1"/>
+          </p:cNvSpPr>
+          <p:nvPr>
+            <p:ph type="dt" sz="half" idx="10"/>
+          </p:nvPr>
+        </p:nvSpPr>
+        <p:spPr/>
+        <p:txBody>
+          <a:bodyPr/>
+          <a:lstStyle/>
+          <a:p>
+            <a:fld id="{DEBB8349-9EFE-4CF4-A443-9D73D6C5CDDC}" type="datetime1">
+              <a:rPr lang="pl-PL" smtClean="0"/>
+              <a:pPr/>
+              <a:t>23.05.2017</a:t>
+            </a:fld>
+            <a:endParaRPr lang="pl-PL"/>
+          </a:p>
+        </p:txBody>
+      </p:sp>
+      <p:sp>
+        <p:nvSpPr>
+          <p:cNvPr id="5" name="Symbol zastępczy stopki 4"/>
+          <p:cNvSpPr>
+            <a:spLocks noGrp="1"/>
+          </p:cNvSpPr>
+          <p:nvPr>
+            <p:ph type="ftr" sz="quarter" idx="11"/>
+          </p:nvPr>
+        </p:nvSpPr>
+        <p:spPr/>
+        <p:txBody>
+          <a:bodyPr/>
+          <a:lstStyle/>
+          <a:p>
+            <a:r>
+              <a:rPr lang="pl-PL" smtClean="0"/>
+              <a:t>Sprawozdanie z projektu INPG</a:t>
+            </a:r>
+            <a:endParaRPr lang="pl-PL"/>
+          </a:p>
+        </p:txBody>
+      </p:sp>
+      <p:sp>
+        <p:nvSpPr>
+          <p:cNvPr id="6" name="Symbol zastępczy numeru slajdu 5"/>
+          <p:cNvSpPr>
+            <a:spLocks noGrp="1"/>
+          </p:cNvSpPr>
+          <p:nvPr>
+            <p:ph type="sldNum" sz="quarter" idx="12"/>
+          </p:nvPr>
+        </p:nvSpPr>
+        <p:spPr/>
+        <p:txBody>
+          <a:bodyPr/>
+          <a:lstStyle/>
+          <a:p>
+            <a:fld id="{7ABA60A5-3177-43D4-9934-32BA489A924D}" type="slidenum">
+              <a:rPr lang="pl-PL" smtClean="0"/>
+              <a:pPr/>
+              <a:t>12</a:t>
+            </a:fld>
+            <a:endParaRPr lang="pl-PL"/>
+          </a:p>
+        </p:txBody>
+      </p:sp>
+      <p:pic>
+        <p:nvPicPr>
+          <p:cNvPr id="6146" name="Picture 2"/>
+          <p:cNvPicPr>
+            <a:picLocks noChangeAspect="1" noChangeArrowheads="1"/>
+          </p:cNvPicPr>
+          <p:nvPr/>
+        </p:nvPicPr>
+        <p:blipFill>
+          <a:blip r:embed="rId2">
+            <a:extLst>
+              <a:ext uri="{28A0092B-C50C-407E-A947-70E740481C1C}">
+                <a14:useLocalDpi xmlns="" xmlns:a14="http://schemas.microsoft.com/office/drawing/2010/main" val="0"/>
+              </a:ext>
+            </a:extLst>
+          </a:blip>
+          <a:srcRect/>
+          <a:stretch>
+            <a:fillRect/>
+          </a:stretch>
+        </p:blipFill>
+        <p:spPr bwMode="auto">
+          <a:xfrm>
+            <a:off x="395536" y="1772816"/>
+            <a:ext cx="6301903" cy="2114409"/>
+          </a:xfrm>
+          <a:prstGeom prst="rect">
+            <a:avLst/>
+          </a:prstGeom>
+          <a:noFill/>
+          <a:ln>
+            <a:noFill/>
+          </a:ln>
+          <a:effectLst/>
+          <a:extLst>
+            <a:ext uri="{909E8E84-426E-40DD-AFC4-6F175D3DCCD1}">
+              <a14:hiddenFill xmlns="" xmlns:a14="http://schemas.microsoft.com/office/drawing/2010/main">
+                <a:solidFill>
+                  <a:schemeClr val="accent1"/>
+                </a:solidFill>
+              </a14:hiddenFill>
+            </a:ext>
+            <a:ext uri="{91240B29-F687-4F45-9708-019B960494DF}">
+              <a14:hiddenLine xmlns="" xmlns:a14="http://schemas.microsoft.com/office/drawing/2010/main" w="9525">
+                <a:solidFill>
+                  <a:schemeClr val="tx1"/>
+                </a:solidFill>
+                <a:miter lim="800000"/>
+                <a:headEnd/>
+                <a:tailEnd/>
+              </a14:hiddenLine>
+            </a:ext>
+            <a:ext uri="{AF507438-7753-43E0-B8FC-AC1667EBCBE1}">
+              <a14:hiddenEffects xmlns="" xmlns:a14="http://schemas.microsoft.com/office/drawing/2010/main">
+                <a:effectLst>
+                  <a:outerShdw dist="35921" dir="2700000" algn="ctr" rotWithShape="0">
+                    <a:schemeClr val="bg2"/>
+                  </a:outerShdw>
+                </a:effectLst>
+              </a14:hiddenEffects>
+            </a:ext>
+          </a:extLst>
+        </p:spPr>
+      </p:pic>
+      <p:pic>
+        <p:nvPicPr>
+          <p:cNvPr id="6148" name="Picture 4" descr="https://scontent-waw1-1.xx.fbcdn.net/v/t35.0-12/18553130_1550892381618967_1180952906_o.png?oh=0a37913b104f46c98619132700ff028c&amp;oe=591ED8D2"/>
+          <p:cNvPicPr>
+            <a:picLocks noChangeAspect="1" noChangeArrowheads="1"/>
+          </p:cNvPicPr>
+          <p:nvPr/>
+        </p:nvPicPr>
+        <p:blipFill>
+          <a:blip r:embed="rId3" cstate="print">
+            <a:extLst>
+              <a:ext uri="{28A0092B-C50C-407E-A947-70E740481C1C}">
+                <a14:useLocalDpi xmlns="" xmlns:a14="http://schemas.microsoft.com/office/drawing/2010/main" val="0"/>
+              </a:ext>
+            </a:extLst>
+          </a:blip>
+          <a:srcRect/>
+          <a:stretch>
+            <a:fillRect/>
+          </a:stretch>
+        </p:blipFill>
+        <p:spPr bwMode="auto">
+          <a:xfrm>
+            <a:off x="3275856" y="2830020"/>
+            <a:ext cx="5472608" cy="3078342"/>
+          </a:xfrm>
+          <a:prstGeom prst="rect">
+            <a:avLst/>
+          </a:prstGeom>
+          <a:noFill/>
+          <a:extLst>
+            <a:ext uri="{909E8E84-426E-40DD-AFC4-6F175D3DCCD1}">
+              <a14:hiddenFill xmlns="" xmlns:a14="http://schemas.microsoft.com/office/drawing/2010/main">
+                <a:solidFill>
+                  <a:srgbClr val="FFFFFF"/>
+                </a:solidFill>
+              </a14:hiddenFill>
+            </a:ext>
+          </a:extLst>
+        </p:spPr>
+      </p:pic>
+    </p:spTree>
+    <p:extLst>
+      <p:ext uri="{BB962C8B-B14F-4D97-AF65-F5344CB8AC3E}">
+        <p14:creationId xmlns="" xmlns:p14="http://schemas.microsoft.com/office/powerpoint/2010/main" val="2505419348"/>
       </p:ext>
     </p:extLst>
   </p:cSld>
@@ -4363,7 +5001,7 @@
             <a:fld id="{90F0A293-143E-49F8-AB74-8BE42FB9E430}" type="datetime1">
               <a:rPr lang="pl-PL" smtClean="0"/>
               <a:pPr/>
-              <a:t>20.05.2017</a:t>
+              <a:t>23.05.2017</a:t>
             </a:fld>
             <a:endParaRPr lang="pl-PL"/>
           </a:p>
@@ -4419,7 +5057,7 @@
     </p:spTree>
     <p:extLst>
       <p:ext uri="{BB962C8B-B14F-4D97-AF65-F5344CB8AC3E}">
-        <p14:creationId xmlns:p14="http://schemas.microsoft.com/office/powerpoint/2010/main" xmlns="" val="1679218770"/>
+        <p14:creationId xmlns="" xmlns:p14="http://schemas.microsoft.com/office/powerpoint/2010/main" val="1679218770"/>
       </p:ext>
     </p:extLst>
   </p:cSld>
@@ -4465,12 +5103,14 @@
         </p:nvSpPr>
         <p:spPr/>
         <p:txBody>
-          <a:bodyPr/>
-          <a:lstStyle/>
-          <a:p>
-            <a:r>
-              <a:rPr lang="pl-PL" dirty="0" err="1" smtClean="0"/>
-              <a:t>Newsletter</a:t>
+          <a:bodyPr>
+            <a:normAutofit fontScale="90000"/>
+          </a:bodyPr>
+          <a:lstStyle/>
+          <a:p>
+            <a:r>
+              <a:rPr lang="pl-PL" dirty="0" smtClean="0"/>
+              <a:t>Na początek kilka słów o tym czym jest SCRUM</a:t>
             </a:r>
             <a:endParaRPr lang="pl-PL" dirty="0"/>
           </a:p>
@@ -4494,7 +5134,7 @@
             <a:fld id="{DEBB8349-9EFE-4CF4-A443-9D73D6C5CDDC}" type="datetime1">
               <a:rPr lang="pl-PL" smtClean="0"/>
               <a:pPr/>
-              <a:t>20.05.2017</a:t>
+              <a:t>23.05.2017</a:t>
             </a:fld>
             <a:endParaRPr lang="pl-PL"/>
           </a:p>
@@ -4542,6 +5182,674 @@
               <a:rPr lang="pl-PL" smtClean="0"/>
               <a:pPr/>
               <a:t>3</a:t>
+            </a:fld>
+            <a:endParaRPr lang="pl-PL"/>
+          </a:p>
+        </p:txBody>
+      </p:sp>
+      <p:pic>
+        <p:nvPicPr>
+          <p:cNvPr id="1026" name="Picture 2"/>
+          <p:cNvPicPr>
+            <a:picLocks noGrp="1" noChangeAspect="1" noChangeArrowheads="1"/>
+          </p:cNvPicPr>
+          <p:nvPr>
+            <p:ph idx="1"/>
+          </p:nvPr>
+        </p:nvPicPr>
+        <p:blipFill>
+          <a:blip r:embed="rId2"/>
+          <a:srcRect/>
+          <a:stretch>
+            <a:fillRect/>
+          </a:stretch>
+        </p:blipFill>
+        <p:spPr bwMode="auto">
+          <a:xfrm>
+            <a:off x="2928926" y="1571612"/>
+            <a:ext cx="3786201" cy="4591982"/>
+          </a:xfrm>
+          <a:prstGeom prst="rect">
+            <a:avLst/>
+          </a:prstGeom>
+          <a:noFill/>
+          <a:ln w="9525">
+            <a:noFill/>
+            <a:miter lim="800000"/>
+            <a:headEnd/>
+            <a:tailEnd/>
+          </a:ln>
+          <a:effectLst/>
+        </p:spPr>
+      </p:pic>
+    </p:spTree>
+  </p:cSld>
+  <p:clrMapOvr>
+    <a:masterClrMapping/>
+  </p:clrMapOvr>
+</p:sld>
+</file>
+
+<file path=ppt/slides/slide4.xml><?xml version="1.0" encoding="utf-8"?>
+<p:sld xmlns:a="http://schemas.openxmlformats.org/drawingml/2006/main" xmlns:r="http://schemas.openxmlformats.org/officeDocument/2006/relationships" xmlns:p="http://schemas.openxmlformats.org/presentationml/2006/main">
+  <p:cSld>
+    <p:spTree>
+      <p:nvGrpSpPr>
+        <p:cNvPr id="1" name=""/>
+        <p:cNvGrpSpPr/>
+        <p:nvPr/>
+      </p:nvGrpSpPr>
+      <p:grpSpPr>
+        <a:xfrm>
+          <a:off x="0" y="0"/>
+          <a:ext cx="0" cy="0"/>
+          <a:chOff x="0" y="0"/>
+          <a:chExt cx="0" cy="0"/>
+        </a:xfrm>
+      </p:grpSpPr>
+      <p:sp>
+        <p:nvSpPr>
+          <p:cNvPr id="2" name="Tytuł 1"/>
+          <p:cNvSpPr>
+            <a:spLocks noGrp="1"/>
+          </p:cNvSpPr>
+          <p:nvPr>
+            <p:ph type="title"/>
+          </p:nvPr>
+        </p:nvSpPr>
+        <p:spPr/>
+        <p:txBody>
+          <a:bodyPr/>
+          <a:lstStyle/>
+          <a:p>
+            <a:endParaRPr lang="pl-PL"/>
+          </a:p>
+        </p:txBody>
+      </p:sp>
+      <p:sp>
+        <p:nvSpPr>
+          <p:cNvPr id="3" name="Symbol zastępczy zawartości 2"/>
+          <p:cNvSpPr>
+            <a:spLocks noGrp="1"/>
+          </p:cNvSpPr>
+          <p:nvPr>
+            <p:ph idx="1"/>
+          </p:nvPr>
+        </p:nvSpPr>
+        <p:spPr/>
+        <p:txBody>
+          <a:bodyPr>
+            <a:normAutofit/>
+          </a:bodyPr>
+          <a:lstStyle/>
+          <a:p>
+            <a:pPr algn="ctr"/>
+            <a:r>
+              <a:rPr lang="pl-PL" sz="5400" dirty="0" smtClean="0"/>
+              <a:t>Przejrzystość</a:t>
+            </a:r>
+          </a:p>
+          <a:p>
+            <a:pPr algn="ctr"/>
+            <a:r>
+              <a:rPr lang="pl-PL" sz="5400" dirty="0" smtClean="0"/>
+              <a:t>Inspekcja </a:t>
+            </a:r>
+          </a:p>
+          <a:p>
+            <a:pPr algn="ctr"/>
+            <a:r>
+              <a:rPr lang="pl-PL" sz="5400" dirty="0" smtClean="0"/>
+              <a:t>Adaptacja</a:t>
+            </a:r>
+            <a:endParaRPr lang="pl-PL" sz="5400" dirty="0"/>
+          </a:p>
+        </p:txBody>
+      </p:sp>
+      <p:sp>
+        <p:nvSpPr>
+          <p:cNvPr id="4" name="Symbol zastępczy daty 3"/>
+          <p:cNvSpPr>
+            <a:spLocks noGrp="1"/>
+          </p:cNvSpPr>
+          <p:nvPr>
+            <p:ph type="dt" sz="half" idx="10"/>
+          </p:nvPr>
+        </p:nvSpPr>
+        <p:spPr/>
+        <p:txBody>
+          <a:bodyPr/>
+          <a:lstStyle/>
+          <a:p>
+            <a:fld id="{DEBB8349-9EFE-4CF4-A443-9D73D6C5CDDC}" type="datetime1">
+              <a:rPr lang="pl-PL" smtClean="0"/>
+              <a:pPr/>
+              <a:t>23.05.2017</a:t>
+            </a:fld>
+            <a:endParaRPr lang="pl-PL"/>
+          </a:p>
+        </p:txBody>
+      </p:sp>
+      <p:sp>
+        <p:nvSpPr>
+          <p:cNvPr id="5" name="Symbol zastępczy stopki 4"/>
+          <p:cNvSpPr>
+            <a:spLocks noGrp="1"/>
+          </p:cNvSpPr>
+          <p:nvPr>
+            <p:ph type="ftr" sz="quarter" idx="11"/>
+          </p:nvPr>
+        </p:nvSpPr>
+        <p:spPr/>
+        <p:txBody>
+          <a:bodyPr/>
+          <a:lstStyle/>
+          <a:p>
+            <a:r>
+              <a:rPr lang="pl-PL" smtClean="0"/>
+              <a:t>Sprawozdanie z projektu INPG</a:t>
+            </a:r>
+            <a:endParaRPr lang="pl-PL"/>
+          </a:p>
+        </p:txBody>
+      </p:sp>
+      <p:sp>
+        <p:nvSpPr>
+          <p:cNvPr id="6" name="Symbol zastępczy numeru slajdu 5"/>
+          <p:cNvSpPr>
+            <a:spLocks noGrp="1"/>
+          </p:cNvSpPr>
+          <p:nvPr>
+            <p:ph type="sldNum" sz="quarter" idx="12"/>
+          </p:nvPr>
+        </p:nvSpPr>
+        <p:spPr/>
+        <p:txBody>
+          <a:bodyPr/>
+          <a:lstStyle/>
+          <a:p>
+            <a:fld id="{7ABA60A5-3177-43D4-9934-32BA489A924D}" type="slidenum">
+              <a:rPr lang="pl-PL" smtClean="0"/>
+              <a:pPr/>
+              <a:t>4</a:t>
+            </a:fld>
+            <a:endParaRPr lang="pl-PL"/>
+          </a:p>
+        </p:txBody>
+      </p:sp>
+    </p:spTree>
+  </p:cSld>
+  <p:clrMapOvr>
+    <a:masterClrMapping/>
+  </p:clrMapOvr>
+</p:sld>
+</file>
+
+<file path=ppt/slides/slide5.xml><?xml version="1.0" encoding="utf-8"?>
+<p:sld xmlns:a="http://schemas.openxmlformats.org/drawingml/2006/main" xmlns:r="http://schemas.openxmlformats.org/officeDocument/2006/relationships" xmlns:p="http://schemas.openxmlformats.org/presentationml/2006/main">
+  <p:cSld>
+    <p:spTree>
+      <p:nvGrpSpPr>
+        <p:cNvPr id="1" name=""/>
+        <p:cNvGrpSpPr/>
+        <p:nvPr/>
+      </p:nvGrpSpPr>
+      <p:grpSpPr>
+        <a:xfrm>
+          <a:off x="0" y="0"/>
+          <a:ext cx="0" cy="0"/>
+          <a:chOff x="0" y="0"/>
+          <a:chExt cx="0" cy="0"/>
+        </a:xfrm>
+      </p:grpSpPr>
+      <p:sp>
+        <p:nvSpPr>
+          <p:cNvPr id="2" name="Tytuł 1"/>
+          <p:cNvSpPr>
+            <a:spLocks noGrp="1"/>
+          </p:cNvSpPr>
+          <p:nvPr>
+            <p:ph type="title"/>
+          </p:nvPr>
+        </p:nvSpPr>
+        <p:spPr/>
+        <p:txBody>
+          <a:bodyPr/>
+          <a:lstStyle/>
+          <a:p>
+            <a:endParaRPr lang="pl-PL"/>
+          </a:p>
+        </p:txBody>
+      </p:sp>
+      <p:sp>
+        <p:nvSpPr>
+          <p:cNvPr id="3" name="Symbol zastępczy zawartości 2"/>
+          <p:cNvSpPr>
+            <a:spLocks noGrp="1"/>
+          </p:cNvSpPr>
+          <p:nvPr>
+            <p:ph idx="1"/>
+          </p:nvPr>
+        </p:nvSpPr>
+        <p:spPr>
+          <a:xfrm>
+            <a:off x="428596" y="428604"/>
+            <a:ext cx="8258204" cy="5697559"/>
+          </a:xfrm>
+        </p:spPr>
+        <p:txBody>
+          <a:bodyPr/>
+          <a:lstStyle/>
+          <a:p>
+            <a:pPr algn="ctr">
+              <a:buNone/>
+            </a:pPr>
+            <a:endParaRPr lang="pl-PL" dirty="0" smtClean="0"/>
+          </a:p>
+          <a:p>
+            <a:pPr algn="ctr">
+              <a:buNone/>
+            </a:pPr>
+            <a:r>
+              <a:rPr lang="pl-PL" dirty="0" smtClean="0"/>
+              <a:t>Zespół </a:t>
+            </a:r>
+            <a:r>
+              <a:rPr lang="pl-PL" dirty="0" err="1" smtClean="0"/>
+              <a:t>Scrumowy</a:t>
+            </a:r>
+            <a:endParaRPr lang="pl-PL" dirty="0" smtClean="0"/>
+          </a:p>
+          <a:p>
+            <a:pPr algn="ctr"/>
+            <a:r>
+              <a:rPr lang="pl-PL" dirty="0" smtClean="0"/>
+              <a:t>Właściciel Produktu</a:t>
+            </a:r>
+          </a:p>
+          <a:p>
+            <a:pPr algn="ctr"/>
+            <a:r>
+              <a:rPr lang="pl-PL" dirty="0" smtClean="0"/>
+              <a:t>Zespół Deweloperski</a:t>
+            </a:r>
+          </a:p>
+          <a:p>
+            <a:pPr algn="ctr"/>
+            <a:r>
+              <a:rPr lang="pl-PL" dirty="0" err="1" smtClean="0"/>
+              <a:t>Scrum</a:t>
+            </a:r>
+            <a:r>
+              <a:rPr lang="pl-PL" dirty="0" smtClean="0"/>
+              <a:t> Master</a:t>
+            </a:r>
+          </a:p>
+          <a:p>
+            <a:pPr algn="ctr">
+              <a:buNone/>
+            </a:pPr>
+            <a:endParaRPr lang="pl-PL" dirty="0" smtClean="0"/>
+          </a:p>
+          <a:p>
+            <a:pPr algn="ctr">
+              <a:buNone/>
+            </a:pPr>
+            <a:r>
+              <a:rPr lang="pl-PL" dirty="0" smtClean="0"/>
+              <a:t>Inne pojęcia</a:t>
+            </a:r>
+          </a:p>
+          <a:p>
+            <a:pPr algn="ctr"/>
+            <a:r>
+              <a:rPr lang="pl-PL" dirty="0" smtClean="0"/>
+              <a:t>Sprint</a:t>
+            </a:r>
+          </a:p>
+          <a:p>
+            <a:pPr algn="ctr"/>
+            <a:r>
+              <a:rPr lang="pl-PL" dirty="0" err="1" smtClean="0"/>
+              <a:t>Backlog</a:t>
+            </a:r>
+            <a:r>
+              <a:rPr lang="pl-PL" dirty="0" smtClean="0"/>
+              <a:t> Produktu</a:t>
+            </a:r>
+          </a:p>
+          <a:p>
+            <a:pPr algn="ctr"/>
+            <a:r>
+              <a:rPr lang="pl-PL" dirty="0" smtClean="0"/>
+              <a:t>Definicja ukończenia</a:t>
+            </a:r>
+          </a:p>
+          <a:p>
+            <a:pPr algn="ctr"/>
+            <a:endParaRPr lang="pl-PL" dirty="0"/>
+          </a:p>
+        </p:txBody>
+      </p:sp>
+      <p:sp>
+        <p:nvSpPr>
+          <p:cNvPr id="4" name="Symbol zastępczy daty 3"/>
+          <p:cNvSpPr>
+            <a:spLocks noGrp="1"/>
+          </p:cNvSpPr>
+          <p:nvPr>
+            <p:ph type="dt" sz="half" idx="10"/>
+          </p:nvPr>
+        </p:nvSpPr>
+        <p:spPr/>
+        <p:txBody>
+          <a:bodyPr/>
+          <a:lstStyle/>
+          <a:p>
+            <a:fld id="{DEBB8349-9EFE-4CF4-A443-9D73D6C5CDDC}" type="datetime1">
+              <a:rPr lang="pl-PL" smtClean="0"/>
+              <a:pPr/>
+              <a:t>23.05.2017</a:t>
+            </a:fld>
+            <a:endParaRPr lang="pl-PL"/>
+          </a:p>
+        </p:txBody>
+      </p:sp>
+      <p:sp>
+        <p:nvSpPr>
+          <p:cNvPr id="5" name="Symbol zastępczy stopki 4"/>
+          <p:cNvSpPr>
+            <a:spLocks noGrp="1"/>
+          </p:cNvSpPr>
+          <p:nvPr>
+            <p:ph type="ftr" sz="quarter" idx="11"/>
+          </p:nvPr>
+        </p:nvSpPr>
+        <p:spPr/>
+        <p:txBody>
+          <a:bodyPr/>
+          <a:lstStyle/>
+          <a:p>
+            <a:r>
+              <a:rPr lang="pl-PL" smtClean="0"/>
+              <a:t>Sprawozdanie z projektu INPG</a:t>
+            </a:r>
+            <a:endParaRPr lang="pl-PL"/>
+          </a:p>
+        </p:txBody>
+      </p:sp>
+      <p:sp>
+        <p:nvSpPr>
+          <p:cNvPr id="6" name="Symbol zastępczy numeru slajdu 5"/>
+          <p:cNvSpPr>
+            <a:spLocks noGrp="1"/>
+          </p:cNvSpPr>
+          <p:nvPr>
+            <p:ph type="sldNum" sz="quarter" idx="12"/>
+          </p:nvPr>
+        </p:nvSpPr>
+        <p:spPr/>
+        <p:txBody>
+          <a:bodyPr/>
+          <a:lstStyle/>
+          <a:p>
+            <a:fld id="{7ABA60A5-3177-43D4-9934-32BA489A924D}" type="slidenum">
+              <a:rPr lang="pl-PL" smtClean="0"/>
+              <a:pPr/>
+              <a:t>5</a:t>
+            </a:fld>
+            <a:endParaRPr lang="pl-PL"/>
+          </a:p>
+        </p:txBody>
+      </p:sp>
+    </p:spTree>
+  </p:cSld>
+  <p:clrMapOvr>
+    <a:masterClrMapping/>
+  </p:clrMapOvr>
+</p:sld>
+</file>
+
+<file path=ppt/slides/slide6.xml><?xml version="1.0" encoding="utf-8"?>
+<p:sld xmlns:a="http://schemas.openxmlformats.org/drawingml/2006/main" xmlns:r="http://schemas.openxmlformats.org/officeDocument/2006/relationships" xmlns:p="http://schemas.openxmlformats.org/presentationml/2006/main">
+  <p:cSld>
+    <p:spTree>
+      <p:nvGrpSpPr>
+        <p:cNvPr id="1" name=""/>
+        <p:cNvGrpSpPr/>
+        <p:nvPr/>
+      </p:nvGrpSpPr>
+      <p:grpSpPr>
+        <a:xfrm>
+          <a:off x="0" y="0"/>
+          <a:ext cx="0" cy="0"/>
+          <a:chOff x="0" y="0"/>
+          <a:chExt cx="0" cy="0"/>
+        </a:xfrm>
+      </p:grpSpPr>
+      <p:sp>
+        <p:nvSpPr>
+          <p:cNvPr id="2" name="Tytuł 1"/>
+          <p:cNvSpPr>
+            <a:spLocks noGrp="1"/>
+          </p:cNvSpPr>
+          <p:nvPr>
+            <p:ph type="title"/>
+          </p:nvPr>
+        </p:nvSpPr>
+        <p:spPr/>
+        <p:txBody>
+          <a:bodyPr/>
+          <a:lstStyle/>
+          <a:p>
+            <a:endParaRPr lang="pl-PL"/>
+          </a:p>
+        </p:txBody>
+      </p:sp>
+      <p:sp>
+        <p:nvSpPr>
+          <p:cNvPr id="3" name="Symbol zastępczy zawartości 2"/>
+          <p:cNvSpPr>
+            <a:spLocks noGrp="1"/>
+          </p:cNvSpPr>
+          <p:nvPr>
+            <p:ph idx="1"/>
+          </p:nvPr>
+        </p:nvSpPr>
+        <p:spPr/>
+        <p:txBody>
+          <a:bodyPr/>
+          <a:lstStyle/>
+          <a:p>
+            <a:endParaRPr lang="pl-PL"/>
+          </a:p>
+        </p:txBody>
+      </p:sp>
+      <p:sp>
+        <p:nvSpPr>
+          <p:cNvPr id="4" name="Symbol zastępczy daty 3"/>
+          <p:cNvSpPr>
+            <a:spLocks noGrp="1"/>
+          </p:cNvSpPr>
+          <p:nvPr>
+            <p:ph type="dt" sz="half" idx="10"/>
+          </p:nvPr>
+        </p:nvSpPr>
+        <p:spPr/>
+        <p:txBody>
+          <a:bodyPr/>
+          <a:lstStyle/>
+          <a:p>
+            <a:fld id="{DEBB8349-9EFE-4CF4-A443-9D73D6C5CDDC}" type="datetime1">
+              <a:rPr lang="pl-PL" smtClean="0"/>
+              <a:pPr/>
+              <a:t>23.05.2017</a:t>
+            </a:fld>
+            <a:endParaRPr lang="pl-PL"/>
+          </a:p>
+        </p:txBody>
+      </p:sp>
+      <p:sp>
+        <p:nvSpPr>
+          <p:cNvPr id="5" name="Symbol zastępczy stopki 4"/>
+          <p:cNvSpPr>
+            <a:spLocks noGrp="1"/>
+          </p:cNvSpPr>
+          <p:nvPr>
+            <p:ph type="ftr" sz="quarter" idx="11"/>
+          </p:nvPr>
+        </p:nvSpPr>
+        <p:spPr/>
+        <p:txBody>
+          <a:bodyPr/>
+          <a:lstStyle/>
+          <a:p>
+            <a:r>
+              <a:rPr lang="pl-PL" smtClean="0"/>
+              <a:t>Sprawozdanie z projektu INPG</a:t>
+            </a:r>
+            <a:endParaRPr lang="pl-PL"/>
+          </a:p>
+        </p:txBody>
+      </p:sp>
+      <p:sp>
+        <p:nvSpPr>
+          <p:cNvPr id="6" name="Symbol zastępczy numeru slajdu 5"/>
+          <p:cNvSpPr>
+            <a:spLocks noGrp="1"/>
+          </p:cNvSpPr>
+          <p:nvPr>
+            <p:ph type="sldNum" sz="quarter" idx="12"/>
+          </p:nvPr>
+        </p:nvSpPr>
+        <p:spPr/>
+        <p:txBody>
+          <a:bodyPr/>
+          <a:lstStyle/>
+          <a:p>
+            <a:fld id="{7ABA60A5-3177-43D4-9934-32BA489A924D}" type="slidenum">
+              <a:rPr lang="pl-PL" smtClean="0"/>
+              <a:pPr/>
+              <a:t>6</a:t>
+            </a:fld>
+            <a:endParaRPr lang="pl-PL"/>
+          </a:p>
+        </p:txBody>
+      </p:sp>
+    </p:spTree>
+  </p:cSld>
+  <p:clrMapOvr>
+    <a:masterClrMapping/>
+  </p:clrMapOvr>
+</p:sld>
+</file>
+
+<file path=ppt/slides/slide7.xml><?xml version="1.0" encoding="utf-8"?>
+<p:sld xmlns:a="http://schemas.openxmlformats.org/drawingml/2006/main" xmlns:r="http://schemas.openxmlformats.org/officeDocument/2006/relationships" xmlns:p="http://schemas.openxmlformats.org/presentationml/2006/main">
+  <p:cSld>
+    <p:spTree>
+      <p:nvGrpSpPr>
+        <p:cNvPr id="1" name=""/>
+        <p:cNvGrpSpPr/>
+        <p:nvPr/>
+      </p:nvGrpSpPr>
+      <p:grpSpPr>
+        <a:xfrm>
+          <a:off x="0" y="0"/>
+          <a:ext cx="0" cy="0"/>
+          <a:chOff x="0" y="0"/>
+          <a:chExt cx="0" cy="0"/>
+        </a:xfrm>
+      </p:grpSpPr>
+      <p:sp>
+        <p:nvSpPr>
+          <p:cNvPr id="2" name="Tytuł 1"/>
+          <p:cNvSpPr>
+            <a:spLocks noGrp="1"/>
+          </p:cNvSpPr>
+          <p:nvPr>
+            <p:ph type="title"/>
+          </p:nvPr>
+        </p:nvSpPr>
+        <p:spPr/>
+        <p:txBody>
+          <a:bodyPr/>
+          <a:lstStyle/>
+          <a:p>
+            <a:r>
+              <a:rPr lang="pl-PL" dirty="0" err="1" smtClean="0"/>
+              <a:t>Backlog</a:t>
+            </a:r>
+            <a:endParaRPr lang="pl-PL" dirty="0"/>
+          </a:p>
+        </p:txBody>
+      </p:sp>
+      <p:sp>
+        <p:nvSpPr>
+          <p:cNvPr id="4" name="Symbol zastępczy daty 3"/>
+          <p:cNvSpPr>
+            <a:spLocks noGrp="1"/>
+          </p:cNvSpPr>
+          <p:nvPr>
+            <p:ph type="dt" sz="half" idx="10"/>
+          </p:nvPr>
+        </p:nvSpPr>
+        <p:spPr/>
+        <p:txBody>
+          <a:bodyPr/>
+          <a:lstStyle/>
+          <a:p>
+            <a:fld id="{DEBB8349-9EFE-4CF4-A443-9D73D6C5CDDC}" type="datetime1">
+              <a:rPr lang="pl-PL" smtClean="0"/>
+              <a:pPr/>
+              <a:t>23.05.2017</a:t>
+            </a:fld>
+            <a:endParaRPr lang="pl-PL"/>
+          </a:p>
+        </p:txBody>
+      </p:sp>
+      <p:sp>
+        <p:nvSpPr>
+          <p:cNvPr id="5" name="Symbol zastępczy stopki 4"/>
+          <p:cNvSpPr>
+            <a:spLocks noGrp="1"/>
+          </p:cNvSpPr>
+          <p:nvPr>
+            <p:ph type="ftr" sz="quarter" idx="11"/>
+          </p:nvPr>
+        </p:nvSpPr>
+        <p:spPr/>
+        <p:txBody>
+          <a:bodyPr/>
+          <a:lstStyle/>
+          <a:p>
+            <a:r>
+              <a:rPr lang="pl-PL" smtClean="0"/>
+              <a:t>Sprawozdanie z projektu INPG</a:t>
+            </a:r>
+            <a:endParaRPr lang="pl-PL"/>
+          </a:p>
+        </p:txBody>
+      </p:sp>
+      <p:sp>
+        <p:nvSpPr>
+          <p:cNvPr id="6" name="Symbol zastępczy numeru slajdu 5"/>
+          <p:cNvSpPr>
+            <a:spLocks noGrp="1"/>
+          </p:cNvSpPr>
+          <p:nvPr>
+            <p:ph type="sldNum" sz="quarter" idx="12"/>
+          </p:nvPr>
+        </p:nvSpPr>
+        <p:spPr/>
+        <p:txBody>
+          <a:bodyPr/>
+          <a:lstStyle/>
+          <a:p>
+            <a:fld id="{7ABA60A5-3177-43D4-9934-32BA489A924D}" type="slidenum">
+              <a:rPr lang="pl-PL" smtClean="0"/>
+              <a:pPr/>
+              <a:t>7</a:t>
             </a:fld>
             <a:endParaRPr lang="pl-PL"/>
           </a:p>
@@ -4559,7 +5867,7 @@
           <a:blip r:embed="rId2">
             <a:extLst>
               <a:ext uri="{28A0092B-C50C-407E-A947-70E740481C1C}">
-                <a14:useLocalDpi xmlns:a14="http://schemas.microsoft.com/office/drawing/2010/main" xmlns="" val="0"/>
+                <a14:useLocalDpi xmlns="" xmlns:a14="http://schemas.microsoft.com/office/drawing/2010/main" val="0"/>
               </a:ext>
             </a:extLst>
           </a:blip>
@@ -4583,14 +5891,14 @@
           <a:effectLst/>
           <a:extLst>
             <a:ext uri="{909E8E84-426E-40DD-AFC4-6F175D3DCCD1}">
-              <a14:hiddenFill xmlns:a14="http://schemas.microsoft.com/office/drawing/2010/main" xmlns="">
+              <a14:hiddenFill xmlns="" xmlns:a14="http://schemas.microsoft.com/office/drawing/2010/main">
                 <a:solidFill>
                   <a:schemeClr val="accent1"/>
                 </a:solidFill>
               </a14:hiddenFill>
             </a:ext>
             <a:ext uri="{91240B29-F687-4F45-9708-019B960494DF}">
-              <a14:hiddenLine xmlns:a14="http://schemas.microsoft.com/office/drawing/2010/main" xmlns="" w="9525">
+              <a14:hiddenLine xmlns="" xmlns:a14="http://schemas.microsoft.com/office/drawing/2010/main" w="9525">
                 <a:solidFill>
                   <a:schemeClr val="tx1"/>
                 </a:solidFill>
@@ -4600,7 +5908,7 @@
               </a14:hiddenLine>
             </a:ext>
             <a:ext uri="{AF507438-7753-43E0-B8FC-AC1667EBCBE1}">
-              <a14:hiddenEffects xmlns:a14="http://schemas.microsoft.com/office/drawing/2010/main" xmlns="">
+              <a14:hiddenEffects xmlns="" xmlns:a14="http://schemas.microsoft.com/office/drawing/2010/main">
                 <a:effectLst>
                   <a:outerShdw dist="35921" dir="2700000" algn="ctr" rotWithShape="0">
                     <a:schemeClr val="bg2"/>
@@ -4614,795 +5922,7 @@
     </p:spTree>
     <p:extLst>
       <p:ext uri="{BB962C8B-B14F-4D97-AF65-F5344CB8AC3E}">
-        <p14:creationId xmlns:p14="http://schemas.microsoft.com/office/powerpoint/2010/main" xmlns="" val="982657965"/>
-      </p:ext>
-    </p:extLst>
-  </p:cSld>
-  <p:clrMapOvr>
-    <a:masterClrMapping/>
-  </p:clrMapOvr>
-  <p:timing>
-    <p:tnLst>
-      <p:par>
-        <p:cTn id="1" dur="indefinite" restart="never" nodeType="tmRoot"/>
-      </p:par>
-    </p:tnLst>
-  </p:timing>
-</p:sld>
-</file>
-
-<file path=ppt/slides/slide4.xml><?xml version="1.0" encoding="utf-8"?>
-<p:sld xmlns:a="http://schemas.openxmlformats.org/drawingml/2006/main" xmlns:r="http://schemas.openxmlformats.org/officeDocument/2006/relationships" xmlns:p="http://schemas.openxmlformats.org/presentationml/2006/main">
-  <p:cSld>
-    <p:spTree>
-      <p:nvGrpSpPr>
-        <p:cNvPr id="1" name=""/>
-        <p:cNvGrpSpPr/>
-        <p:nvPr/>
-      </p:nvGrpSpPr>
-      <p:grpSpPr>
-        <a:xfrm>
-          <a:off x="0" y="0"/>
-          <a:ext cx="0" cy="0"/>
-          <a:chOff x="0" y="0"/>
-          <a:chExt cx="0" cy="0"/>
-        </a:xfrm>
-      </p:grpSpPr>
-      <p:sp>
-        <p:nvSpPr>
-          <p:cNvPr id="2" name="Tytuł 1"/>
-          <p:cNvSpPr>
-            <a:spLocks noGrp="1"/>
-          </p:cNvSpPr>
-          <p:nvPr>
-            <p:ph type="title"/>
-          </p:nvPr>
-        </p:nvSpPr>
-        <p:spPr/>
-        <p:txBody>
-          <a:bodyPr/>
-          <a:lstStyle/>
-          <a:p>
-            <a:r>
-              <a:rPr lang="pl-PL" dirty="0" smtClean="0"/>
-              <a:t>I Sprint</a:t>
-            </a:r>
-            <a:endParaRPr lang="pl-PL" dirty="0"/>
-          </a:p>
-        </p:txBody>
-      </p:sp>
-      <p:sp>
-        <p:nvSpPr>
-          <p:cNvPr id="4" name="Symbol zastępczy daty 3"/>
-          <p:cNvSpPr>
-            <a:spLocks noGrp="1"/>
-          </p:cNvSpPr>
-          <p:nvPr>
-            <p:ph type="dt" sz="half" idx="10"/>
-          </p:nvPr>
-        </p:nvSpPr>
-        <p:spPr/>
-        <p:txBody>
-          <a:bodyPr/>
-          <a:lstStyle/>
-          <a:p>
-            <a:fld id="{DEBB8349-9EFE-4CF4-A443-9D73D6C5CDDC}" type="datetime1">
-              <a:rPr lang="pl-PL" smtClean="0"/>
-              <a:pPr/>
-              <a:t>20.05.2017</a:t>
-            </a:fld>
-            <a:endParaRPr lang="pl-PL"/>
-          </a:p>
-        </p:txBody>
-      </p:sp>
-      <p:sp>
-        <p:nvSpPr>
-          <p:cNvPr id="5" name="Symbol zastępczy stopki 4"/>
-          <p:cNvSpPr>
-            <a:spLocks noGrp="1"/>
-          </p:cNvSpPr>
-          <p:nvPr>
-            <p:ph type="ftr" sz="quarter" idx="11"/>
-          </p:nvPr>
-        </p:nvSpPr>
-        <p:spPr/>
-        <p:txBody>
-          <a:bodyPr/>
-          <a:lstStyle/>
-          <a:p>
-            <a:r>
-              <a:rPr lang="pl-PL" smtClean="0"/>
-              <a:t>Sprawozdanie z projektu INPG</a:t>
-            </a:r>
-            <a:endParaRPr lang="pl-PL"/>
-          </a:p>
-        </p:txBody>
-      </p:sp>
-      <p:sp>
-        <p:nvSpPr>
-          <p:cNvPr id="6" name="Symbol zastępczy numeru slajdu 5"/>
-          <p:cNvSpPr>
-            <a:spLocks noGrp="1"/>
-          </p:cNvSpPr>
-          <p:nvPr>
-            <p:ph type="sldNum" sz="quarter" idx="12"/>
-          </p:nvPr>
-        </p:nvSpPr>
-        <p:spPr/>
-        <p:txBody>
-          <a:bodyPr/>
-          <a:lstStyle/>
-          <a:p>
-            <a:fld id="{7ABA60A5-3177-43D4-9934-32BA489A924D}" type="slidenum">
-              <a:rPr lang="pl-PL" smtClean="0"/>
-              <a:pPr/>
-              <a:t>4</a:t>
-            </a:fld>
-            <a:endParaRPr lang="pl-PL"/>
-          </a:p>
-        </p:txBody>
-      </p:sp>
-      <p:pic>
-        <p:nvPicPr>
-          <p:cNvPr id="2050" name="Picture 2"/>
-          <p:cNvPicPr>
-            <a:picLocks noChangeAspect="1" noChangeArrowheads="1"/>
-          </p:cNvPicPr>
-          <p:nvPr/>
-        </p:nvPicPr>
-        <p:blipFill>
-          <a:blip r:embed="rId2">
-            <a:extLst>
-              <a:ext uri="{28A0092B-C50C-407E-A947-70E740481C1C}">
-                <a14:useLocalDpi xmlns:a14="http://schemas.microsoft.com/office/drawing/2010/main" xmlns="" val="0"/>
-              </a:ext>
-            </a:extLst>
-          </a:blip>
-          <a:srcRect/>
-          <a:stretch>
-            <a:fillRect/>
-          </a:stretch>
-        </p:blipFill>
-        <p:spPr bwMode="auto">
-          <a:xfrm>
-            <a:off x="652463" y="1340768"/>
-            <a:ext cx="7839075" cy="4991653"/>
-          </a:xfrm>
-          <a:prstGeom prst="rect">
-            <a:avLst/>
-          </a:prstGeom>
-          <a:noFill/>
-          <a:ln>
-            <a:noFill/>
-          </a:ln>
-          <a:effectLst/>
-          <a:extLst>
-            <a:ext uri="{909E8E84-426E-40DD-AFC4-6F175D3DCCD1}">
-              <a14:hiddenFill xmlns:a14="http://schemas.microsoft.com/office/drawing/2010/main" xmlns="">
-                <a:solidFill>
-                  <a:schemeClr val="accent1"/>
-                </a:solidFill>
-              </a14:hiddenFill>
-            </a:ext>
-            <a:ext uri="{91240B29-F687-4F45-9708-019B960494DF}">
-              <a14:hiddenLine xmlns:a14="http://schemas.microsoft.com/office/drawing/2010/main" xmlns="" w="9525">
-                <a:solidFill>
-                  <a:schemeClr val="tx1"/>
-                </a:solidFill>
-                <a:miter lim="800000"/>
-                <a:headEnd/>
-                <a:tailEnd/>
-              </a14:hiddenLine>
-            </a:ext>
-            <a:ext uri="{AF507438-7753-43E0-B8FC-AC1667EBCBE1}">
-              <a14:hiddenEffects xmlns:a14="http://schemas.microsoft.com/office/drawing/2010/main" xmlns="">
-                <a:effectLst>
-                  <a:outerShdw dist="35921" dir="2700000" algn="ctr" rotWithShape="0">
-                    <a:schemeClr val="bg2"/>
-                  </a:outerShdw>
-                </a:effectLst>
-              </a14:hiddenEffects>
-            </a:ext>
-          </a:extLst>
-        </p:spPr>
-      </p:pic>
-    </p:spTree>
-    <p:extLst>
-      <p:ext uri="{BB962C8B-B14F-4D97-AF65-F5344CB8AC3E}">
-        <p14:creationId xmlns:p14="http://schemas.microsoft.com/office/powerpoint/2010/main" xmlns="" val="2774064168"/>
-      </p:ext>
-    </p:extLst>
-  </p:cSld>
-  <p:clrMapOvr>
-    <a:masterClrMapping/>
-  </p:clrMapOvr>
-  <p:timing>
-    <p:tnLst>
-      <p:par>
-        <p:cTn id="1" dur="indefinite" restart="never" nodeType="tmRoot"/>
-      </p:par>
-    </p:tnLst>
-  </p:timing>
-</p:sld>
-</file>
-
-<file path=ppt/slides/slide5.xml><?xml version="1.0" encoding="utf-8"?>
-<p:sld xmlns:a="http://schemas.openxmlformats.org/drawingml/2006/main" xmlns:r="http://schemas.openxmlformats.org/officeDocument/2006/relationships" xmlns:p="http://schemas.openxmlformats.org/presentationml/2006/main">
-  <p:cSld>
-    <p:spTree>
-      <p:nvGrpSpPr>
-        <p:cNvPr id="1" name=""/>
-        <p:cNvGrpSpPr/>
-        <p:nvPr/>
-      </p:nvGrpSpPr>
-      <p:grpSpPr>
-        <a:xfrm>
-          <a:off x="0" y="0"/>
-          <a:ext cx="0" cy="0"/>
-          <a:chOff x="0" y="0"/>
-          <a:chExt cx="0" cy="0"/>
-        </a:xfrm>
-      </p:grpSpPr>
-      <p:sp>
-        <p:nvSpPr>
-          <p:cNvPr id="2" name="Tytuł 1"/>
-          <p:cNvSpPr>
-            <a:spLocks noGrp="1"/>
-          </p:cNvSpPr>
-          <p:nvPr>
-            <p:ph type="title"/>
-          </p:nvPr>
-        </p:nvSpPr>
-        <p:spPr/>
-        <p:txBody>
-          <a:bodyPr/>
-          <a:lstStyle/>
-          <a:p>
-            <a:r>
-              <a:rPr lang="pl-PL" dirty="0" smtClean="0"/>
-              <a:t>Raporty</a:t>
-            </a:r>
-            <a:endParaRPr lang="pl-PL" dirty="0"/>
-          </a:p>
-        </p:txBody>
-      </p:sp>
-      <p:sp>
-        <p:nvSpPr>
-          <p:cNvPr id="4" name="Symbol zastępczy daty 3"/>
-          <p:cNvSpPr>
-            <a:spLocks noGrp="1"/>
-          </p:cNvSpPr>
-          <p:nvPr>
-            <p:ph type="dt" sz="half" idx="10"/>
-          </p:nvPr>
-        </p:nvSpPr>
-        <p:spPr/>
-        <p:txBody>
-          <a:bodyPr/>
-          <a:lstStyle/>
-          <a:p>
-            <a:fld id="{DEBB8349-9EFE-4CF4-A443-9D73D6C5CDDC}" type="datetime1">
-              <a:rPr lang="pl-PL" smtClean="0"/>
-              <a:pPr/>
-              <a:t>20.05.2017</a:t>
-            </a:fld>
-            <a:endParaRPr lang="pl-PL"/>
-          </a:p>
-        </p:txBody>
-      </p:sp>
-      <p:sp>
-        <p:nvSpPr>
-          <p:cNvPr id="5" name="Symbol zastępczy stopki 4"/>
-          <p:cNvSpPr>
-            <a:spLocks noGrp="1"/>
-          </p:cNvSpPr>
-          <p:nvPr>
-            <p:ph type="ftr" sz="quarter" idx="11"/>
-          </p:nvPr>
-        </p:nvSpPr>
-        <p:spPr/>
-        <p:txBody>
-          <a:bodyPr/>
-          <a:lstStyle/>
-          <a:p>
-            <a:r>
-              <a:rPr lang="pl-PL" smtClean="0"/>
-              <a:t>Sprawozdanie z projektu INPG</a:t>
-            </a:r>
-            <a:endParaRPr lang="pl-PL"/>
-          </a:p>
-        </p:txBody>
-      </p:sp>
-      <p:sp>
-        <p:nvSpPr>
-          <p:cNvPr id="6" name="Symbol zastępczy numeru slajdu 5"/>
-          <p:cNvSpPr>
-            <a:spLocks noGrp="1"/>
-          </p:cNvSpPr>
-          <p:nvPr>
-            <p:ph type="sldNum" sz="quarter" idx="12"/>
-          </p:nvPr>
-        </p:nvSpPr>
-        <p:spPr/>
-        <p:txBody>
-          <a:bodyPr/>
-          <a:lstStyle/>
-          <a:p>
-            <a:fld id="{7ABA60A5-3177-43D4-9934-32BA489A924D}" type="slidenum">
-              <a:rPr lang="pl-PL" smtClean="0"/>
-              <a:pPr/>
-              <a:t>5</a:t>
-            </a:fld>
-            <a:endParaRPr lang="pl-PL"/>
-          </a:p>
-        </p:txBody>
-      </p:sp>
-      <p:pic>
-        <p:nvPicPr>
-          <p:cNvPr id="3074" name="Picture 2"/>
-          <p:cNvPicPr>
-            <a:picLocks noChangeAspect="1" noChangeArrowheads="1"/>
-          </p:cNvPicPr>
-          <p:nvPr/>
-        </p:nvPicPr>
-        <p:blipFill>
-          <a:blip r:embed="rId2">
-            <a:extLst>
-              <a:ext uri="{28A0092B-C50C-407E-A947-70E740481C1C}">
-                <a14:useLocalDpi xmlns:a14="http://schemas.microsoft.com/office/drawing/2010/main" xmlns="" val="0"/>
-              </a:ext>
-            </a:extLst>
-          </a:blip>
-          <a:srcRect/>
-          <a:stretch>
-            <a:fillRect/>
-          </a:stretch>
-        </p:blipFill>
-        <p:spPr bwMode="auto">
-          <a:xfrm>
-            <a:off x="838200" y="1340768"/>
-            <a:ext cx="7467600" cy="4622800"/>
-          </a:xfrm>
-          <a:prstGeom prst="rect">
-            <a:avLst/>
-          </a:prstGeom>
-          <a:noFill/>
-          <a:ln>
-            <a:noFill/>
-          </a:ln>
-          <a:effectLst/>
-          <a:extLst>
-            <a:ext uri="{909E8E84-426E-40DD-AFC4-6F175D3DCCD1}">
-              <a14:hiddenFill xmlns:a14="http://schemas.microsoft.com/office/drawing/2010/main" xmlns="">
-                <a:solidFill>
-                  <a:schemeClr val="accent1"/>
-                </a:solidFill>
-              </a14:hiddenFill>
-            </a:ext>
-            <a:ext uri="{91240B29-F687-4F45-9708-019B960494DF}">
-              <a14:hiddenLine xmlns:a14="http://schemas.microsoft.com/office/drawing/2010/main" xmlns="" w="9525">
-                <a:solidFill>
-                  <a:schemeClr val="tx1"/>
-                </a:solidFill>
-                <a:miter lim="800000"/>
-                <a:headEnd/>
-                <a:tailEnd/>
-              </a14:hiddenLine>
-            </a:ext>
-            <a:ext uri="{AF507438-7753-43E0-B8FC-AC1667EBCBE1}">
-              <a14:hiddenEffects xmlns:a14="http://schemas.microsoft.com/office/drawing/2010/main" xmlns="">
-                <a:effectLst>
-                  <a:outerShdw dist="35921" dir="2700000" algn="ctr" rotWithShape="0">
-                    <a:schemeClr val="bg2"/>
-                  </a:outerShdw>
-                </a:effectLst>
-              </a14:hiddenEffects>
-            </a:ext>
-          </a:extLst>
-        </p:spPr>
-      </p:pic>
-    </p:spTree>
-    <p:extLst>
-      <p:ext uri="{BB962C8B-B14F-4D97-AF65-F5344CB8AC3E}">
-        <p14:creationId xmlns:p14="http://schemas.microsoft.com/office/powerpoint/2010/main" xmlns="" val="1524689310"/>
-      </p:ext>
-    </p:extLst>
-  </p:cSld>
-  <p:clrMapOvr>
-    <a:masterClrMapping/>
-  </p:clrMapOvr>
-  <p:timing>
-    <p:tnLst>
-      <p:par>
-        <p:cTn id="1" dur="indefinite" restart="never" nodeType="tmRoot"/>
-      </p:par>
-    </p:tnLst>
-  </p:timing>
-</p:sld>
-</file>
-
-<file path=ppt/slides/slide6.xml><?xml version="1.0" encoding="utf-8"?>
-<p:sld xmlns:a="http://schemas.openxmlformats.org/drawingml/2006/main" xmlns:r="http://schemas.openxmlformats.org/officeDocument/2006/relationships" xmlns:p="http://schemas.openxmlformats.org/presentationml/2006/main">
-  <p:cSld>
-    <p:spTree>
-      <p:nvGrpSpPr>
-        <p:cNvPr id="1" name=""/>
-        <p:cNvGrpSpPr/>
-        <p:nvPr/>
-      </p:nvGrpSpPr>
-      <p:grpSpPr>
-        <a:xfrm>
-          <a:off x="0" y="0"/>
-          <a:ext cx="0" cy="0"/>
-          <a:chOff x="0" y="0"/>
-          <a:chExt cx="0" cy="0"/>
-        </a:xfrm>
-      </p:grpSpPr>
-      <p:sp>
-        <p:nvSpPr>
-          <p:cNvPr id="2" name="Tytuł 1"/>
-          <p:cNvSpPr>
-            <a:spLocks noGrp="1"/>
-          </p:cNvSpPr>
-          <p:nvPr>
-            <p:ph type="title"/>
-          </p:nvPr>
-        </p:nvSpPr>
-        <p:spPr/>
-        <p:txBody>
-          <a:bodyPr/>
-          <a:lstStyle/>
-          <a:p>
-            <a:r>
-              <a:rPr lang="pl-PL" dirty="0" smtClean="0"/>
-              <a:t>Statystyka </a:t>
-            </a:r>
-            <a:r>
-              <a:rPr lang="pl-PL" dirty="0" err="1" smtClean="0"/>
-              <a:t>commitów</a:t>
-            </a:r>
-            <a:endParaRPr lang="pl-PL" dirty="0"/>
-          </a:p>
-        </p:txBody>
-      </p:sp>
-      <p:sp>
-        <p:nvSpPr>
-          <p:cNvPr id="4" name="Symbol zastępczy daty 3"/>
-          <p:cNvSpPr>
-            <a:spLocks noGrp="1"/>
-          </p:cNvSpPr>
-          <p:nvPr>
-            <p:ph type="dt" sz="half" idx="10"/>
-          </p:nvPr>
-        </p:nvSpPr>
-        <p:spPr/>
-        <p:txBody>
-          <a:bodyPr/>
-          <a:lstStyle/>
-          <a:p>
-            <a:fld id="{DEBB8349-9EFE-4CF4-A443-9D73D6C5CDDC}" type="datetime1">
-              <a:rPr lang="pl-PL" smtClean="0"/>
-              <a:pPr/>
-              <a:t>20.05.2017</a:t>
-            </a:fld>
-            <a:endParaRPr lang="pl-PL"/>
-          </a:p>
-        </p:txBody>
-      </p:sp>
-      <p:sp>
-        <p:nvSpPr>
-          <p:cNvPr id="5" name="Symbol zastępczy stopki 4"/>
-          <p:cNvSpPr>
-            <a:spLocks noGrp="1"/>
-          </p:cNvSpPr>
-          <p:nvPr>
-            <p:ph type="ftr" sz="quarter" idx="11"/>
-          </p:nvPr>
-        </p:nvSpPr>
-        <p:spPr/>
-        <p:txBody>
-          <a:bodyPr/>
-          <a:lstStyle/>
-          <a:p>
-            <a:r>
-              <a:rPr lang="pl-PL" smtClean="0"/>
-              <a:t>Sprawozdanie z projektu INPG</a:t>
-            </a:r>
-            <a:endParaRPr lang="pl-PL"/>
-          </a:p>
-        </p:txBody>
-      </p:sp>
-      <p:sp>
-        <p:nvSpPr>
-          <p:cNvPr id="6" name="Symbol zastępczy numeru slajdu 5"/>
-          <p:cNvSpPr>
-            <a:spLocks noGrp="1"/>
-          </p:cNvSpPr>
-          <p:nvPr>
-            <p:ph type="sldNum" sz="quarter" idx="12"/>
-          </p:nvPr>
-        </p:nvSpPr>
-        <p:spPr/>
-        <p:txBody>
-          <a:bodyPr/>
-          <a:lstStyle/>
-          <a:p>
-            <a:fld id="{7ABA60A5-3177-43D4-9934-32BA489A924D}" type="slidenum">
-              <a:rPr lang="pl-PL" smtClean="0"/>
-              <a:pPr/>
-              <a:t>6</a:t>
-            </a:fld>
-            <a:endParaRPr lang="pl-PL"/>
-          </a:p>
-        </p:txBody>
-      </p:sp>
-      <p:pic>
-        <p:nvPicPr>
-          <p:cNvPr id="4098" name="Picture 2"/>
-          <p:cNvPicPr>
-            <a:picLocks noChangeAspect="1" noChangeArrowheads="1"/>
-          </p:cNvPicPr>
-          <p:nvPr/>
-        </p:nvPicPr>
-        <p:blipFill>
-          <a:blip r:embed="rId2">
-            <a:extLst>
-              <a:ext uri="{28A0092B-C50C-407E-A947-70E740481C1C}">
-                <a14:useLocalDpi xmlns:a14="http://schemas.microsoft.com/office/drawing/2010/main" xmlns="" val="0"/>
-              </a:ext>
-            </a:extLst>
-          </a:blip>
-          <a:srcRect/>
-          <a:stretch>
-            <a:fillRect/>
-          </a:stretch>
-        </p:blipFill>
-        <p:spPr bwMode="auto">
-          <a:xfrm>
-            <a:off x="587375" y="1692275"/>
-            <a:ext cx="7969250" cy="3473450"/>
-          </a:xfrm>
-          <a:prstGeom prst="rect">
-            <a:avLst/>
-          </a:prstGeom>
-          <a:noFill/>
-          <a:ln>
-            <a:noFill/>
-          </a:ln>
-          <a:effectLst/>
-          <a:extLst>
-            <a:ext uri="{909E8E84-426E-40DD-AFC4-6F175D3DCCD1}">
-              <a14:hiddenFill xmlns:a14="http://schemas.microsoft.com/office/drawing/2010/main" xmlns="">
-                <a:solidFill>
-                  <a:schemeClr val="accent1"/>
-                </a:solidFill>
-              </a14:hiddenFill>
-            </a:ext>
-            <a:ext uri="{91240B29-F687-4F45-9708-019B960494DF}">
-              <a14:hiddenLine xmlns:a14="http://schemas.microsoft.com/office/drawing/2010/main" xmlns="" w="9525">
-                <a:solidFill>
-                  <a:schemeClr val="tx1"/>
-                </a:solidFill>
-                <a:miter lim="800000"/>
-                <a:headEnd/>
-                <a:tailEnd/>
-              </a14:hiddenLine>
-            </a:ext>
-            <a:ext uri="{AF507438-7753-43E0-B8FC-AC1667EBCBE1}">
-              <a14:hiddenEffects xmlns:a14="http://schemas.microsoft.com/office/drawing/2010/main" xmlns="">
-                <a:effectLst>
-                  <a:outerShdw dist="35921" dir="2700000" algn="ctr" rotWithShape="0">
-                    <a:schemeClr val="bg2"/>
-                  </a:outerShdw>
-                </a:effectLst>
-              </a14:hiddenEffects>
-            </a:ext>
-          </a:extLst>
-        </p:spPr>
-      </p:pic>
-    </p:spTree>
-    <p:extLst>
-      <p:ext uri="{BB962C8B-B14F-4D97-AF65-F5344CB8AC3E}">
-        <p14:creationId xmlns:p14="http://schemas.microsoft.com/office/powerpoint/2010/main" xmlns="" val="1948775304"/>
-      </p:ext>
-    </p:extLst>
-  </p:cSld>
-  <p:clrMapOvr>
-    <a:masterClrMapping/>
-  </p:clrMapOvr>
-  <p:timing>
-    <p:tnLst>
-      <p:par>
-        <p:cTn id="1" dur="indefinite" restart="never" nodeType="tmRoot"/>
-      </p:par>
-    </p:tnLst>
-  </p:timing>
-</p:sld>
-</file>
-
-<file path=ppt/slides/slide7.xml><?xml version="1.0" encoding="utf-8"?>
-<p:sld xmlns:a="http://schemas.openxmlformats.org/drawingml/2006/main" xmlns:r="http://schemas.openxmlformats.org/officeDocument/2006/relationships" xmlns:p="http://schemas.openxmlformats.org/presentationml/2006/main">
-  <p:cSld>
-    <p:spTree>
-      <p:nvGrpSpPr>
-        <p:cNvPr id="1" name=""/>
-        <p:cNvGrpSpPr/>
-        <p:nvPr/>
-      </p:nvGrpSpPr>
-      <p:grpSpPr>
-        <a:xfrm>
-          <a:off x="0" y="0"/>
-          <a:ext cx="0" cy="0"/>
-          <a:chOff x="0" y="0"/>
-          <a:chExt cx="0" cy="0"/>
-        </a:xfrm>
-      </p:grpSpPr>
-      <p:sp>
-        <p:nvSpPr>
-          <p:cNvPr id="2" name="Tytuł 1"/>
-          <p:cNvSpPr>
-            <a:spLocks noGrp="1"/>
-          </p:cNvSpPr>
-          <p:nvPr>
-            <p:ph type="title"/>
-          </p:nvPr>
-        </p:nvSpPr>
-        <p:spPr/>
-        <p:txBody>
-          <a:bodyPr/>
-          <a:lstStyle/>
-          <a:p>
-            <a:r>
-              <a:rPr lang="pl-PL" dirty="0" smtClean="0"/>
-              <a:t>Założenie </a:t>
-            </a:r>
-            <a:r>
-              <a:rPr lang="pl-PL" dirty="0" err="1" smtClean="0"/>
-              <a:t>Trello</a:t>
-            </a:r>
-            <a:endParaRPr lang="pl-PL" dirty="0"/>
-          </a:p>
-        </p:txBody>
-      </p:sp>
-      <p:sp>
-        <p:nvSpPr>
-          <p:cNvPr id="4" name="Symbol zastępczy daty 3"/>
-          <p:cNvSpPr>
-            <a:spLocks noGrp="1"/>
-          </p:cNvSpPr>
-          <p:nvPr>
-            <p:ph type="dt" sz="half" idx="10"/>
-          </p:nvPr>
-        </p:nvSpPr>
-        <p:spPr/>
-        <p:txBody>
-          <a:bodyPr/>
-          <a:lstStyle/>
-          <a:p>
-            <a:fld id="{DEBB8349-9EFE-4CF4-A443-9D73D6C5CDDC}" type="datetime1">
-              <a:rPr lang="pl-PL" smtClean="0"/>
-              <a:pPr/>
-              <a:t>20.05.2017</a:t>
-            </a:fld>
-            <a:endParaRPr lang="pl-PL"/>
-          </a:p>
-        </p:txBody>
-      </p:sp>
-      <p:sp>
-        <p:nvSpPr>
-          <p:cNvPr id="5" name="Symbol zastępczy stopki 4"/>
-          <p:cNvSpPr>
-            <a:spLocks noGrp="1"/>
-          </p:cNvSpPr>
-          <p:nvPr>
-            <p:ph type="ftr" sz="quarter" idx="11"/>
-          </p:nvPr>
-        </p:nvSpPr>
-        <p:spPr/>
-        <p:txBody>
-          <a:bodyPr/>
-          <a:lstStyle/>
-          <a:p>
-            <a:r>
-              <a:rPr lang="pl-PL" smtClean="0"/>
-              <a:t>Sprawozdanie z projektu INPG</a:t>
-            </a:r>
-            <a:endParaRPr lang="pl-PL"/>
-          </a:p>
-        </p:txBody>
-      </p:sp>
-      <p:sp>
-        <p:nvSpPr>
-          <p:cNvPr id="6" name="Symbol zastępczy numeru slajdu 5"/>
-          <p:cNvSpPr>
-            <a:spLocks noGrp="1"/>
-          </p:cNvSpPr>
-          <p:nvPr>
-            <p:ph type="sldNum" sz="quarter" idx="12"/>
-          </p:nvPr>
-        </p:nvSpPr>
-        <p:spPr/>
-        <p:txBody>
-          <a:bodyPr/>
-          <a:lstStyle/>
-          <a:p>
-            <a:fld id="{7ABA60A5-3177-43D4-9934-32BA489A924D}" type="slidenum">
-              <a:rPr lang="pl-PL" smtClean="0"/>
-              <a:pPr/>
-              <a:t>7</a:t>
-            </a:fld>
-            <a:endParaRPr lang="pl-PL"/>
-          </a:p>
-        </p:txBody>
-      </p:sp>
-      <p:pic>
-        <p:nvPicPr>
-          <p:cNvPr id="5122" name="Picture 2"/>
-          <p:cNvPicPr>
-            <a:picLocks noChangeAspect="1" noChangeArrowheads="1"/>
-          </p:cNvPicPr>
-          <p:nvPr/>
-        </p:nvPicPr>
-        <p:blipFill>
-          <a:blip r:embed="rId2">
-            <a:extLst>
-              <a:ext uri="{28A0092B-C50C-407E-A947-70E740481C1C}">
-                <a14:useLocalDpi xmlns:a14="http://schemas.microsoft.com/office/drawing/2010/main" xmlns="" val="0"/>
-              </a:ext>
-            </a:extLst>
-          </a:blip>
-          <a:srcRect/>
-          <a:stretch>
-            <a:fillRect/>
-          </a:stretch>
-        </p:blipFill>
-        <p:spPr bwMode="auto">
-          <a:xfrm>
-            <a:off x="251520" y="1628800"/>
-            <a:ext cx="8660292" cy="4032448"/>
-          </a:xfrm>
-          <a:prstGeom prst="rect">
-            <a:avLst/>
-          </a:prstGeom>
-          <a:noFill/>
-          <a:ln>
-            <a:noFill/>
-          </a:ln>
-          <a:effectLst/>
-          <a:extLst>
-            <a:ext uri="{909E8E84-426E-40DD-AFC4-6F175D3DCCD1}">
-              <a14:hiddenFill xmlns:a14="http://schemas.microsoft.com/office/drawing/2010/main" xmlns="">
-                <a:solidFill>
-                  <a:schemeClr val="accent1"/>
-                </a:solidFill>
-              </a14:hiddenFill>
-            </a:ext>
-            <a:ext uri="{91240B29-F687-4F45-9708-019B960494DF}">
-              <a14:hiddenLine xmlns:a14="http://schemas.microsoft.com/office/drawing/2010/main" xmlns="" w="9525">
-                <a:solidFill>
-                  <a:schemeClr val="tx1"/>
-                </a:solidFill>
-                <a:miter lim="800000"/>
-                <a:headEnd/>
-                <a:tailEnd/>
-              </a14:hiddenLine>
-            </a:ext>
-            <a:ext uri="{AF507438-7753-43E0-B8FC-AC1667EBCBE1}">
-              <a14:hiddenEffects xmlns:a14="http://schemas.microsoft.com/office/drawing/2010/main" xmlns="">
-                <a:effectLst>
-                  <a:outerShdw dist="35921" dir="2700000" algn="ctr" rotWithShape="0">
-                    <a:schemeClr val="bg2"/>
-                  </a:outerShdw>
-                </a:effectLst>
-              </a14:hiddenEffects>
-            </a:ext>
-          </a:extLst>
-        </p:spPr>
-      </p:pic>
-    </p:spTree>
-    <p:extLst>
-      <p:ext uri="{BB962C8B-B14F-4D97-AF65-F5344CB8AC3E}">
-        <p14:creationId xmlns:p14="http://schemas.microsoft.com/office/powerpoint/2010/main" xmlns="" val="2501508212"/>
+        <p14:creationId xmlns="" xmlns:p14="http://schemas.microsoft.com/office/powerpoint/2010/main" val="982657965"/>
       </p:ext>
     </p:extLst>
   </p:cSld>
@@ -5453,7 +5973,7 @@
           <a:p>
             <a:r>
               <a:rPr lang="pl-PL" dirty="0" smtClean="0"/>
-              <a:t>Instalacja oprogramowania</a:t>
+              <a:t>I Sprint</a:t>
             </a:r>
             <a:endParaRPr lang="pl-PL" dirty="0"/>
           </a:p>
@@ -5477,7 +5997,7 @@
             <a:fld id="{DEBB8349-9EFE-4CF4-A443-9D73D6C5CDDC}" type="datetime1">
               <a:rPr lang="pl-PL" smtClean="0"/>
               <a:pPr/>
-              <a:t>20.05.2017</a:t>
+              <a:t>23.05.2017</a:t>
             </a:fld>
             <a:endParaRPr lang="pl-PL"/>
           </a:p>
@@ -5532,7 +6052,7 @@
       </p:sp>
       <p:pic>
         <p:nvPicPr>
-          <p:cNvPr id="6146" name="Picture 2"/>
+          <p:cNvPr id="2050" name="Picture 2"/>
           <p:cNvPicPr>
             <a:picLocks noChangeAspect="1" noChangeArrowheads="1"/>
           </p:cNvPicPr>
@@ -5542,7 +6062,7 @@
           <a:blip r:embed="rId2">
             <a:extLst>
               <a:ext uri="{28A0092B-C50C-407E-A947-70E740481C1C}">
-                <a14:useLocalDpi xmlns:a14="http://schemas.microsoft.com/office/drawing/2010/main" xmlns="" val="0"/>
+                <a14:useLocalDpi xmlns="" xmlns:a14="http://schemas.microsoft.com/office/drawing/2010/main" val="0"/>
               </a:ext>
             </a:extLst>
           </a:blip>
@@ -5553,8 +6073,8 @@
         </p:blipFill>
         <p:spPr bwMode="auto">
           <a:xfrm>
-            <a:off x="395536" y="1772816"/>
-            <a:ext cx="6301903" cy="2114409"/>
+            <a:off x="652463" y="1340768"/>
+            <a:ext cx="7839075" cy="4991653"/>
           </a:xfrm>
           <a:prstGeom prst="rect">
             <a:avLst/>
@@ -5566,14 +6086,14 @@
           <a:effectLst/>
           <a:extLst>
             <a:ext uri="{909E8E84-426E-40DD-AFC4-6F175D3DCCD1}">
-              <a14:hiddenFill xmlns:a14="http://schemas.microsoft.com/office/drawing/2010/main" xmlns="">
+              <a14:hiddenFill xmlns="" xmlns:a14="http://schemas.microsoft.com/office/drawing/2010/main">
                 <a:solidFill>
                   <a:schemeClr val="accent1"/>
                 </a:solidFill>
               </a14:hiddenFill>
             </a:ext>
             <a:ext uri="{91240B29-F687-4F45-9708-019B960494DF}">
-              <a14:hiddenLine xmlns:a14="http://schemas.microsoft.com/office/drawing/2010/main" xmlns="" w="9525">
+              <a14:hiddenLine xmlns="" xmlns:a14="http://schemas.microsoft.com/office/drawing/2010/main" w="9525">
                 <a:solidFill>
                   <a:schemeClr val="tx1"/>
                 </a:solidFill>
@@ -5583,7 +6103,7 @@
               </a14:hiddenLine>
             </a:ext>
             <a:ext uri="{AF507438-7753-43E0-B8FC-AC1667EBCBE1}">
-              <a14:hiddenEffects xmlns:a14="http://schemas.microsoft.com/office/drawing/2010/main" xmlns="">
+              <a14:hiddenEffects xmlns="" xmlns:a14="http://schemas.microsoft.com/office/drawing/2010/main">
                 <a:effectLst>
                   <a:outerShdw dist="35921" dir="2700000" algn="ctr" rotWithShape="0">
                     <a:schemeClr val="bg2"/>
@@ -5594,19 +6114,150 @@
           </a:extLst>
         </p:spPr>
       </p:pic>
+    </p:spTree>
+    <p:extLst>
+      <p:ext uri="{BB962C8B-B14F-4D97-AF65-F5344CB8AC3E}">
+        <p14:creationId xmlns="" xmlns:p14="http://schemas.microsoft.com/office/powerpoint/2010/main" val="2774064168"/>
+      </p:ext>
+    </p:extLst>
+  </p:cSld>
+  <p:clrMapOvr>
+    <a:masterClrMapping/>
+  </p:clrMapOvr>
+  <p:timing>
+    <p:tnLst>
+      <p:par>
+        <p:cTn id="1" dur="indefinite" restart="never" nodeType="tmRoot"/>
+      </p:par>
+    </p:tnLst>
+  </p:timing>
+</p:sld>
+</file>
+
+<file path=ppt/slides/slide9.xml><?xml version="1.0" encoding="utf-8"?>
+<p:sld xmlns:a="http://schemas.openxmlformats.org/drawingml/2006/main" xmlns:r="http://schemas.openxmlformats.org/officeDocument/2006/relationships" xmlns:p="http://schemas.openxmlformats.org/presentationml/2006/main">
+  <p:cSld>
+    <p:spTree>
+      <p:nvGrpSpPr>
+        <p:cNvPr id="1" name=""/>
+        <p:cNvGrpSpPr/>
+        <p:nvPr/>
+      </p:nvGrpSpPr>
+      <p:grpSpPr>
+        <a:xfrm>
+          <a:off x="0" y="0"/>
+          <a:ext cx="0" cy="0"/>
+          <a:chOff x="0" y="0"/>
+          <a:chExt cx="0" cy="0"/>
+        </a:xfrm>
+      </p:grpSpPr>
+      <p:sp>
+        <p:nvSpPr>
+          <p:cNvPr id="2" name="Tytuł 1"/>
+          <p:cNvSpPr>
+            <a:spLocks noGrp="1"/>
+          </p:cNvSpPr>
+          <p:nvPr>
+            <p:ph type="title"/>
+          </p:nvPr>
+        </p:nvSpPr>
+        <p:spPr/>
+        <p:txBody>
+          <a:bodyPr/>
+          <a:lstStyle/>
+          <a:p>
+            <a:r>
+              <a:rPr lang="pl-PL" dirty="0" smtClean="0"/>
+              <a:t>Raporty</a:t>
+            </a:r>
+            <a:endParaRPr lang="pl-PL" dirty="0"/>
+          </a:p>
+        </p:txBody>
+      </p:sp>
+      <p:sp>
+        <p:nvSpPr>
+          <p:cNvPr id="4" name="Symbol zastępczy daty 3"/>
+          <p:cNvSpPr>
+            <a:spLocks noGrp="1"/>
+          </p:cNvSpPr>
+          <p:nvPr>
+            <p:ph type="dt" sz="half" idx="10"/>
+          </p:nvPr>
+        </p:nvSpPr>
+        <p:spPr/>
+        <p:txBody>
+          <a:bodyPr/>
+          <a:lstStyle/>
+          <a:p>
+            <a:fld id="{DEBB8349-9EFE-4CF4-A443-9D73D6C5CDDC}" type="datetime1">
+              <a:rPr lang="pl-PL" smtClean="0"/>
+              <a:pPr/>
+              <a:t>23.05.2017</a:t>
+            </a:fld>
+            <a:endParaRPr lang="pl-PL"/>
+          </a:p>
+        </p:txBody>
+      </p:sp>
+      <p:sp>
+        <p:nvSpPr>
+          <p:cNvPr id="5" name="Symbol zastępczy stopki 4"/>
+          <p:cNvSpPr>
+            <a:spLocks noGrp="1"/>
+          </p:cNvSpPr>
+          <p:nvPr>
+            <p:ph type="ftr" sz="quarter" idx="11"/>
+          </p:nvPr>
+        </p:nvSpPr>
+        <p:spPr/>
+        <p:txBody>
+          <a:bodyPr/>
+          <a:lstStyle/>
+          <a:p>
+            <a:r>
+              <a:rPr lang="pl-PL" smtClean="0"/>
+              <a:t>Sprawozdanie z projektu INPG</a:t>
+            </a:r>
+            <a:endParaRPr lang="pl-PL"/>
+          </a:p>
+        </p:txBody>
+      </p:sp>
+      <p:sp>
+        <p:nvSpPr>
+          <p:cNvPr id="6" name="Symbol zastępczy numeru slajdu 5"/>
+          <p:cNvSpPr>
+            <a:spLocks noGrp="1"/>
+          </p:cNvSpPr>
+          <p:nvPr>
+            <p:ph type="sldNum" sz="quarter" idx="12"/>
+          </p:nvPr>
+        </p:nvSpPr>
+        <p:spPr/>
+        <p:txBody>
+          <a:bodyPr/>
+          <a:lstStyle/>
+          <a:p>
+            <a:fld id="{7ABA60A5-3177-43D4-9934-32BA489A924D}" type="slidenum">
+              <a:rPr lang="pl-PL" smtClean="0"/>
+              <a:pPr/>
+              <a:t>9</a:t>
+            </a:fld>
+            <a:endParaRPr lang="pl-PL"/>
+          </a:p>
+        </p:txBody>
+      </p:sp>
       <p:pic>
         <p:nvPicPr>
-          <p:cNvPr id="6148" name="Picture 4" descr="https://scontent-waw1-1.xx.fbcdn.net/v/t35.0-12/18553130_1550892381618967_1180952906_o.png?oh=0a37913b104f46c98619132700ff028c&amp;oe=591ED8D2"/>
+          <p:cNvPr id="3074" name="Picture 2"/>
           <p:cNvPicPr>
             <a:picLocks noChangeAspect="1" noChangeArrowheads="1"/>
           </p:cNvPicPr>
           <p:nvPr/>
         </p:nvPicPr>
         <p:blipFill>
-          <a:blip r:embed="rId3" cstate="print">
+          <a:blip r:embed="rId2">
             <a:extLst>
               <a:ext uri="{28A0092B-C50C-407E-A947-70E740481C1C}">
-                <a14:useLocalDpi xmlns:a14="http://schemas.microsoft.com/office/drawing/2010/main" xmlns="" val="0"/>
+                <a14:useLocalDpi xmlns="" xmlns:a14="http://schemas.microsoft.com/office/drawing/2010/main" val="0"/>
               </a:ext>
             </a:extLst>
           </a:blip>
@@ -5617,20 +6268,43 @@
         </p:blipFill>
         <p:spPr bwMode="auto">
           <a:xfrm>
-            <a:off x="3275856" y="2830020"/>
-            <a:ext cx="5472608" cy="3078342"/>
+            <a:off x="838200" y="1340768"/>
+            <a:ext cx="7467600" cy="4622800"/>
           </a:xfrm>
           <a:prstGeom prst="rect">
             <a:avLst/>
           </a:prstGeom>
           <a:noFill/>
+          <a:ln>
+            <a:noFill/>
+          </a:ln>
+          <a:effectLst/>
           <a:extLst>
             <a:ext uri="{909E8E84-426E-40DD-AFC4-6F175D3DCCD1}">
-              <a14:hiddenFill xmlns:a14="http://schemas.microsoft.com/office/drawing/2010/main" xmlns="">
+              <a14:hiddenFill xmlns="" xmlns:a14="http://schemas.microsoft.com/office/drawing/2010/main">
                 <a:solidFill>
-                  <a:srgbClr val="FFFFFF"/>
+                  <a:schemeClr val="accent1"/>
                 </a:solidFill>
               </a14:hiddenFill>
+            </a:ext>
+            <a:ext uri="{91240B29-F687-4F45-9708-019B960494DF}">
+              <a14:hiddenLine xmlns="" xmlns:a14="http://schemas.microsoft.com/office/drawing/2010/main" w="9525">
+                <a:solidFill>
+                  <a:schemeClr val="tx1"/>
+                </a:solidFill>
+                <a:miter lim="800000"/>
+                <a:headEnd/>
+                <a:tailEnd/>
+              </a14:hiddenLine>
+            </a:ext>
+            <a:ext uri="{AF507438-7753-43E0-B8FC-AC1667EBCBE1}">
+              <a14:hiddenEffects xmlns="" xmlns:a14="http://schemas.microsoft.com/office/drawing/2010/main">
+                <a:effectLst>
+                  <a:outerShdw dist="35921" dir="2700000" algn="ctr" rotWithShape="0">
+                    <a:schemeClr val="bg2"/>
+                  </a:outerShdw>
+                </a:effectLst>
+              </a14:hiddenEffects>
             </a:ext>
           </a:extLst>
         </p:spPr>
@@ -5638,7 +6312,7 @@
     </p:spTree>
     <p:extLst>
       <p:ext uri="{BB962C8B-B14F-4D97-AF65-F5344CB8AC3E}">
-        <p14:creationId xmlns:p14="http://schemas.microsoft.com/office/powerpoint/2010/main" xmlns="" val="2505419348"/>
+        <p14:creationId xmlns="" xmlns:p14="http://schemas.microsoft.com/office/powerpoint/2010/main" val="1524689310"/>
       </p:ext>
     </p:extLst>
   </p:cSld>

--- a/Dokumentacja/prezentacja_sprawozdanie.pptx
+++ b/Dokumentacja/prezentacja_sprawozdanie.pptx
@@ -5,7 +5,7 @@
     <p:sldMasterId id="2147483672" r:id="rId1"/>
   </p:sldMasterIdLst>
   <p:notesMasterIdLst>
-    <p:notesMasterId r:id="rId14"/>
+    <p:notesMasterId r:id="rId15"/>
   </p:notesMasterIdLst>
   <p:sldIdLst>
     <p:sldId id="256" r:id="rId2"/>
@@ -13,13 +13,14 @@
     <p:sldId id="264" r:id="rId4"/>
     <p:sldId id="265" r:id="rId5"/>
     <p:sldId id="266" r:id="rId6"/>
-    <p:sldId id="267" r:id="rId7"/>
-    <p:sldId id="258" r:id="rId8"/>
-    <p:sldId id="259" r:id="rId9"/>
-    <p:sldId id="260" r:id="rId10"/>
-    <p:sldId id="261" r:id="rId11"/>
-    <p:sldId id="262" r:id="rId12"/>
-    <p:sldId id="263" r:id="rId13"/>
+    <p:sldId id="258" r:id="rId7"/>
+    <p:sldId id="259" r:id="rId8"/>
+    <p:sldId id="260" r:id="rId9"/>
+    <p:sldId id="261" r:id="rId10"/>
+    <p:sldId id="262" r:id="rId11"/>
+    <p:sldId id="263" r:id="rId12"/>
+    <p:sldId id="268" r:id="rId13"/>
+    <p:sldId id="269" r:id="rId14"/>
   </p:sldIdLst>
   <p:sldSz cx="9144000" cy="6858000" type="screen4x3"/>
   <p:notesSz cx="6858000" cy="9144000"/>
@@ -204,7 +205,7 @@
             <a:fld id="{276F9C06-F346-48AB-9FE8-2C890CABB23A}" type="datetimeFigureOut">
               <a:rPr lang="pl-PL" smtClean="0"/>
               <a:pPr/>
-              <a:t>23.05.2017</a:t>
+              <a:t>30.05.2017</a:t>
             </a:fld>
             <a:endParaRPr lang="pl-PL"/>
           </a:p>
@@ -373,7 +374,7 @@
     </p:spTree>
     <p:extLst>
       <p:ext uri="{BB962C8B-B14F-4D97-AF65-F5344CB8AC3E}">
-        <p14:creationId xmlns="" xmlns:p14="http://schemas.microsoft.com/office/powerpoint/2010/main" val="300443393"/>
+        <p14:creationId xmlns:p14="http://schemas.microsoft.com/office/powerpoint/2010/main" xmlns="" val="300443393"/>
       </p:ext>
     </p:extLst>
   </p:cSld>
@@ -745,7 +746,7 @@
             <a:fld id="{C6D6AD2A-B395-4591-8551-E45590CDA7A3}" type="datetime1">
               <a:rPr lang="pl-PL" smtClean="0"/>
               <a:pPr/>
-              <a:t>23.05.2017</a:t>
+              <a:t>30.05.2017</a:t>
             </a:fld>
             <a:endParaRPr lang="pl-PL"/>
           </a:p>
@@ -851,7 +852,7 @@
     </p:spTree>
     <p:extLst>
       <p:ext uri="{BB962C8B-B14F-4D97-AF65-F5344CB8AC3E}">
-        <p14:creationId xmlns="" xmlns:p14="http://schemas.microsoft.com/office/powerpoint/2010/main" val="3756253045"/>
+        <p14:creationId xmlns:p14="http://schemas.microsoft.com/office/powerpoint/2010/main" xmlns="" val="3756253045"/>
       </p:ext>
     </p:extLst>
   </p:cSld>
@@ -982,7 +983,7 @@
             <a:fld id="{7033813A-C126-486A-91C4-3E17A8B31910}" type="datetime1">
               <a:rPr lang="pl-PL" smtClean="0"/>
               <a:pPr/>
-              <a:t>23.05.2017</a:t>
+              <a:t>30.05.2017</a:t>
             </a:fld>
             <a:endParaRPr lang="pl-PL"/>
           </a:p>
@@ -1038,7 +1039,7 @@
     </p:spTree>
     <p:extLst>
       <p:ext uri="{BB962C8B-B14F-4D97-AF65-F5344CB8AC3E}">
-        <p14:creationId xmlns="" xmlns:p14="http://schemas.microsoft.com/office/powerpoint/2010/main" val="1309881333"/>
+        <p14:creationId xmlns:p14="http://schemas.microsoft.com/office/powerpoint/2010/main" xmlns="" val="1309881333"/>
       </p:ext>
     </p:extLst>
   </p:cSld>
@@ -1179,7 +1180,7 @@
             <a:fld id="{D6852117-7846-49D2-8028-7D3037F12DB6}" type="datetime1">
               <a:rPr lang="pl-PL" smtClean="0"/>
               <a:pPr/>
-              <a:t>23.05.2017</a:t>
+              <a:t>30.05.2017</a:t>
             </a:fld>
             <a:endParaRPr lang="pl-PL"/>
           </a:p>
@@ -1235,7 +1236,7 @@
     </p:spTree>
     <p:extLst>
       <p:ext uri="{BB962C8B-B14F-4D97-AF65-F5344CB8AC3E}">
-        <p14:creationId xmlns="" xmlns:p14="http://schemas.microsoft.com/office/powerpoint/2010/main" val="329151347"/>
+        <p14:creationId xmlns:p14="http://schemas.microsoft.com/office/powerpoint/2010/main" xmlns="" val="329151347"/>
       </p:ext>
     </p:extLst>
   </p:cSld>
@@ -1362,7 +1363,7 @@
             <a:fld id="{DEBB8349-9EFE-4CF4-A443-9D73D6C5CDDC}" type="datetime1">
               <a:rPr lang="pl-PL" smtClean="0"/>
               <a:pPr/>
-              <a:t>23.05.2017</a:t>
+              <a:t>30.05.2017</a:t>
             </a:fld>
             <a:endParaRPr lang="pl-PL"/>
           </a:p>
@@ -1418,7 +1419,7 @@
     </p:spTree>
     <p:extLst>
       <p:ext uri="{BB962C8B-B14F-4D97-AF65-F5344CB8AC3E}">
-        <p14:creationId xmlns="" xmlns:p14="http://schemas.microsoft.com/office/powerpoint/2010/main" val="1011440719"/>
+        <p14:creationId xmlns:p14="http://schemas.microsoft.com/office/powerpoint/2010/main" xmlns="" val="1011440719"/>
       </p:ext>
     </p:extLst>
   </p:cSld>
@@ -1619,7 +1620,7 @@
             <a:fld id="{155A78FA-0EB8-40D3-9CDC-E0736B0C4C35}" type="datetime1">
               <a:rPr lang="pl-PL" smtClean="0"/>
               <a:pPr/>
-              <a:t>23.05.2017</a:t>
+              <a:t>30.05.2017</a:t>
             </a:fld>
             <a:endParaRPr lang="pl-PL"/>
           </a:p>
@@ -1721,7 +1722,7 @@
     </p:spTree>
     <p:extLst>
       <p:ext uri="{BB962C8B-B14F-4D97-AF65-F5344CB8AC3E}">
-        <p14:creationId xmlns="" xmlns:p14="http://schemas.microsoft.com/office/powerpoint/2010/main" val="3200326934"/>
+        <p14:creationId xmlns:p14="http://schemas.microsoft.com/office/powerpoint/2010/main" xmlns="" val="3200326934"/>
       </p:ext>
     </p:extLst>
   </p:cSld>
@@ -1966,7 +1967,7 @@
             <a:fld id="{28B319BA-7EF1-4ED5-AF1A-099C54F8F7B4}" type="datetime1">
               <a:rPr lang="pl-PL" smtClean="0"/>
               <a:pPr/>
-              <a:t>23.05.2017</a:t>
+              <a:t>30.05.2017</a:t>
             </a:fld>
             <a:endParaRPr lang="pl-PL"/>
           </a:p>
@@ -2022,7 +2023,7 @@
     </p:spTree>
     <p:extLst>
       <p:ext uri="{BB962C8B-B14F-4D97-AF65-F5344CB8AC3E}">
-        <p14:creationId xmlns="" xmlns:p14="http://schemas.microsoft.com/office/powerpoint/2010/main" val="270095441"/>
+        <p14:creationId xmlns:p14="http://schemas.microsoft.com/office/powerpoint/2010/main" xmlns="" val="270095441"/>
       </p:ext>
     </p:extLst>
   </p:cSld>
@@ -2413,7 +2414,7 @@
             <a:fld id="{0B40057B-584C-474C-A081-F65F5E7966C6}" type="datetime1">
               <a:rPr lang="pl-PL" smtClean="0"/>
               <a:pPr/>
-              <a:t>23.05.2017</a:t>
+              <a:t>30.05.2017</a:t>
             </a:fld>
             <a:endParaRPr lang="pl-PL"/>
           </a:p>
@@ -2504,7 +2505,7 @@
     </p:spTree>
     <p:extLst>
       <p:ext uri="{BB962C8B-B14F-4D97-AF65-F5344CB8AC3E}">
-        <p14:creationId xmlns="" xmlns:p14="http://schemas.microsoft.com/office/powerpoint/2010/main" val="3242026738"/>
+        <p14:creationId xmlns:p14="http://schemas.microsoft.com/office/powerpoint/2010/main" xmlns="" val="3242026738"/>
       </p:ext>
     </p:extLst>
   </p:cSld>
@@ -2579,7 +2580,7 @@
             <a:fld id="{5C25B5B1-0ACD-4764-A2A3-0251308FEF1C}" type="datetime1">
               <a:rPr lang="pl-PL" smtClean="0"/>
               <a:pPr/>
-              <a:t>23.05.2017</a:t>
+              <a:t>30.05.2017</a:t>
             </a:fld>
             <a:endParaRPr lang="pl-PL"/>
           </a:p>
@@ -2635,7 +2636,7 @@
     </p:spTree>
     <p:extLst>
       <p:ext uri="{BB962C8B-B14F-4D97-AF65-F5344CB8AC3E}">
-        <p14:creationId xmlns="" xmlns:p14="http://schemas.microsoft.com/office/powerpoint/2010/main" val="2047916407"/>
+        <p14:creationId xmlns:p14="http://schemas.microsoft.com/office/powerpoint/2010/main" xmlns="" val="2047916407"/>
       </p:ext>
     </p:extLst>
   </p:cSld>
@@ -2687,7 +2688,7 @@
             <a:fld id="{A1E66213-6C40-449F-977E-0A6E121EC626}" type="datetime1">
               <a:rPr lang="pl-PL" smtClean="0"/>
               <a:pPr/>
-              <a:t>23.05.2017</a:t>
+              <a:t>30.05.2017</a:t>
             </a:fld>
             <a:endParaRPr lang="pl-PL"/>
           </a:p>
@@ -2743,7 +2744,7 @@
     </p:spTree>
     <p:extLst>
       <p:ext uri="{BB962C8B-B14F-4D97-AF65-F5344CB8AC3E}">
-        <p14:creationId xmlns="" xmlns:p14="http://schemas.microsoft.com/office/powerpoint/2010/main" val="672770679"/>
+        <p14:creationId xmlns:p14="http://schemas.microsoft.com/office/powerpoint/2010/main" xmlns="" val="672770679"/>
       </p:ext>
     </p:extLst>
   </p:cSld>
@@ -2985,7 +2986,7 @@
             <a:fld id="{95E477D7-A444-4B68-96AE-1126F450C109}" type="datetime1">
               <a:rPr lang="pl-PL" smtClean="0"/>
               <a:pPr/>
-              <a:t>23.05.2017</a:t>
+              <a:t>30.05.2017</a:t>
             </a:fld>
             <a:endParaRPr lang="pl-PL"/>
           </a:p>
@@ -3041,7 +3042,7 @@
     </p:spTree>
     <p:extLst>
       <p:ext uri="{BB962C8B-B14F-4D97-AF65-F5344CB8AC3E}">
-        <p14:creationId xmlns="" xmlns:p14="http://schemas.microsoft.com/office/powerpoint/2010/main" val="1397882822"/>
+        <p14:creationId xmlns:p14="http://schemas.microsoft.com/office/powerpoint/2010/main" xmlns="" val="1397882822"/>
       </p:ext>
     </p:extLst>
   </p:cSld>
@@ -3263,7 +3264,7 @@
             <a:fld id="{1330AA89-61BC-4543-9C29-7BF2580DF5BB}" type="datetime1">
               <a:rPr lang="pl-PL" smtClean="0"/>
               <a:pPr/>
-              <a:t>23.05.2017</a:t>
+              <a:t>30.05.2017</a:t>
             </a:fld>
             <a:endParaRPr lang="pl-PL"/>
           </a:p>
@@ -3319,7 +3320,7 @@
     </p:spTree>
     <p:extLst>
       <p:ext uri="{BB962C8B-B14F-4D97-AF65-F5344CB8AC3E}">
-        <p14:creationId xmlns="" xmlns:p14="http://schemas.microsoft.com/office/powerpoint/2010/main" val="1944213113"/>
+        <p14:creationId xmlns:p14="http://schemas.microsoft.com/office/powerpoint/2010/main" xmlns="" val="1944213113"/>
       </p:ext>
     </p:extLst>
   </p:cSld>
@@ -3616,7 +3617,7 @@
             <a:fld id="{284D8F3B-99C0-4D59-90E1-0B93D14B583D}" type="datetime1">
               <a:rPr lang="pl-PL" smtClean="0"/>
               <a:pPr/>
-              <a:t>23.05.2017</a:t>
+              <a:t>30.05.2017</a:t>
             </a:fld>
             <a:endParaRPr lang="pl-PL"/>
           </a:p>
@@ -3719,7 +3720,7 @@
           <a:blip r:embed="rId13" cstate="print">
             <a:extLst>
               <a:ext uri="{28A0092B-C50C-407E-A947-70E740481C1C}">
-                <a14:useLocalDpi xmlns="" xmlns:a14="http://schemas.microsoft.com/office/drawing/2010/main" val="0"/>
+                <a14:useLocalDpi xmlns:a14="http://schemas.microsoft.com/office/drawing/2010/main" xmlns="" val="0"/>
               </a:ext>
             </a:extLst>
           </a:blip>
@@ -3749,7 +3750,7 @@
           <a:blip r:embed="rId14" cstate="print">
             <a:extLst>
               <a:ext uri="{28A0092B-C50C-407E-A947-70E740481C1C}">
-                <a14:useLocalDpi xmlns="" xmlns:a14="http://schemas.microsoft.com/office/drawing/2010/main" val="0"/>
+                <a14:useLocalDpi xmlns:a14="http://schemas.microsoft.com/office/drawing/2010/main" xmlns="" val="0"/>
               </a:ext>
             </a:extLst>
           </a:blip>
@@ -3863,7 +3864,7 @@
     </p:spTree>
     <p:extLst>
       <p:ext uri="{BB962C8B-B14F-4D97-AF65-F5344CB8AC3E}">
-        <p14:creationId xmlns="" xmlns:p14="http://schemas.microsoft.com/office/powerpoint/2010/main" val="468329777"/>
+        <p14:creationId xmlns:p14="http://schemas.microsoft.com/office/powerpoint/2010/main" xmlns="" val="468329777"/>
       </p:ext>
     </p:extLst>
   </p:cSld>
@@ -4273,7 +4274,7 @@
     </p:spTree>
     <p:extLst>
       <p:ext uri="{BB962C8B-B14F-4D97-AF65-F5344CB8AC3E}">
-        <p14:creationId xmlns="" xmlns:p14="http://schemas.microsoft.com/office/powerpoint/2010/main" val="1354103417"/>
+        <p14:creationId xmlns:p14="http://schemas.microsoft.com/office/powerpoint/2010/main" xmlns="" val="1354103417"/>
       </p:ext>
     </p:extLst>
   </p:cSld>
@@ -4324,11 +4325,11 @@
           <a:p>
             <a:r>
               <a:rPr lang="pl-PL" dirty="0" smtClean="0"/>
-              <a:t>Statystyka </a:t>
+              <a:t>Założenie </a:t>
             </a:r>
             <a:r>
               <a:rPr lang="pl-PL" dirty="0" err="1" smtClean="0"/>
-              <a:t>commitów</a:t>
+              <a:t>Trello</a:t>
             </a:r>
             <a:endParaRPr lang="pl-PL" dirty="0"/>
           </a:p>
@@ -4352,7 +4353,7 @@
             <a:fld id="{DEBB8349-9EFE-4CF4-A443-9D73D6C5CDDC}" type="datetime1">
               <a:rPr lang="pl-PL" smtClean="0"/>
               <a:pPr/>
-              <a:t>23.05.2017</a:t>
+              <a:t>30.05.2017</a:t>
             </a:fld>
             <a:endParaRPr lang="pl-PL"/>
           </a:p>
@@ -4407,7 +4408,7 @@
       </p:sp>
       <p:pic>
         <p:nvPicPr>
-          <p:cNvPr id="4098" name="Picture 2"/>
+          <p:cNvPr id="5122" name="Picture 2"/>
           <p:cNvPicPr>
             <a:picLocks noChangeAspect="1" noChangeArrowheads="1"/>
           </p:cNvPicPr>
@@ -4417,7 +4418,7 @@
           <a:blip r:embed="rId2">
             <a:extLst>
               <a:ext uri="{28A0092B-C50C-407E-A947-70E740481C1C}">
-                <a14:useLocalDpi xmlns="" xmlns:a14="http://schemas.microsoft.com/office/drawing/2010/main" val="0"/>
+                <a14:useLocalDpi xmlns:a14="http://schemas.microsoft.com/office/drawing/2010/main" xmlns="" val="0"/>
               </a:ext>
             </a:extLst>
           </a:blip>
@@ -4428,8 +4429,8 @@
         </p:blipFill>
         <p:spPr bwMode="auto">
           <a:xfrm>
-            <a:off x="587375" y="1692275"/>
-            <a:ext cx="7969250" cy="3473450"/>
+            <a:off x="251520" y="1628800"/>
+            <a:ext cx="8660292" cy="4032448"/>
           </a:xfrm>
           <a:prstGeom prst="rect">
             <a:avLst/>
@@ -4441,14 +4442,14 @@
           <a:effectLst/>
           <a:extLst>
             <a:ext uri="{909E8E84-426E-40DD-AFC4-6F175D3DCCD1}">
-              <a14:hiddenFill xmlns="" xmlns:a14="http://schemas.microsoft.com/office/drawing/2010/main">
+              <a14:hiddenFill xmlns:a14="http://schemas.microsoft.com/office/drawing/2010/main" xmlns="">
                 <a:solidFill>
                   <a:schemeClr val="accent1"/>
                 </a:solidFill>
               </a14:hiddenFill>
             </a:ext>
             <a:ext uri="{91240B29-F687-4F45-9708-019B960494DF}">
-              <a14:hiddenLine xmlns="" xmlns:a14="http://schemas.microsoft.com/office/drawing/2010/main" w="9525">
+              <a14:hiddenLine xmlns:a14="http://schemas.microsoft.com/office/drawing/2010/main" xmlns="" w="9525">
                 <a:solidFill>
                   <a:schemeClr val="tx1"/>
                 </a:solidFill>
@@ -4458,7 +4459,7 @@
               </a14:hiddenLine>
             </a:ext>
             <a:ext uri="{AF507438-7753-43E0-B8FC-AC1667EBCBE1}">
-              <a14:hiddenEffects xmlns="" xmlns:a14="http://schemas.microsoft.com/office/drawing/2010/main">
+              <a14:hiddenEffects xmlns:a14="http://schemas.microsoft.com/office/drawing/2010/main" xmlns="">
                 <a:effectLst>
                   <a:outerShdw dist="35921" dir="2700000" algn="ctr" rotWithShape="0">
                     <a:schemeClr val="bg2"/>
@@ -4472,7 +4473,7 @@
     </p:spTree>
     <p:extLst>
       <p:ext uri="{BB962C8B-B14F-4D97-AF65-F5344CB8AC3E}">
-        <p14:creationId xmlns="" xmlns:p14="http://schemas.microsoft.com/office/powerpoint/2010/main" val="1948775304"/>
+        <p14:creationId xmlns:p14="http://schemas.microsoft.com/office/powerpoint/2010/main" xmlns="" val="2501508212"/>
       </p:ext>
     </p:extLst>
   </p:cSld>
@@ -4523,11 +4524,7 @@
           <a:p>
             <a:r>
               <a:rPr lang="pl-PL" dirty="0" smtClean="0"/>
-              <a:t>Założenie </a:t>
-            </a:r>
-            <a:r>
-              <a:rPr lang="pl-PL" dirty="0" err="1" smtClean="0"/>
-              <a:t>Trello</a:t>
+              <a:t>Instalacja oprogramowania</a:t>
             </a:r>
             <a:endParaRPr lang="pl-PL" dirty="0"/>
           </a:p>
@@ -4551,7 +4548,7 @@
             <a:fld id="{DEBB8349-9EFE-4CF4-A443-9D73D6C5CDDC}" type="datetime1">
               <a:rPr lang="pl-PL" smtClean="0"/>
               <a:pPr/>
-              <a:t>23.05.2017</a:t>
+              <a:t>30.05.2017</a:t>
             </a:fld>
             <a:endParaRPr lang="pl-PL"/>
           </a:p>
@@ -4606,7 +4603,7 @@
       </p:sp>
       <p:pic>
         <p:nvPicPr>
-          <p:cNvPr id="5122" name="Picture 2"/>
+          <p:cNvPr id="6146" name="Picture 2"/>
           <p:cNvPicPr>
             <a:picLocks noChangeAspect="1" noChangeArrowheads="1"/>
           </p:cNvPicPr>
@@ -4616,7 +4613,7 @@
           <a:blip r:embed="rId2">
             <a:extLst>
               <a:ext uri="{28A0092B-C50C-407E-A947-70E740481C1C}">
-                <a14:useLocalDpi xmlns="" xmlns:a14="http://schemas.microsoft.com/office/drawing/2010/main" val="0"/>
+                <a14:useLocalDpi xmlns:a14="http://schemas.microsoft.com/office/drawing/2010/main" xmlns="" val="0"/>
               </a:ext>
             </a:extLst>
           </a:blip>
@@ -4627,8 +4624,8 @@
         </p:blipFill>
         <p:spPr bwMode="auto">
           <a:xfrm>
-            <a:off x="251520" y="1628800"/>
-            <a:ext cx="8660292" cy="4032448"/>
+            <a:off x="395536" y="1772816"/>
+            <a:ext cx="6301903" cy="2114409"/>
           </a:xfrm>
           <a:prstGeom prst="rect">
             <a:avLst/>
@@ -4640,14 +4637,14 @@
           <a:effectLst/>
           <a:extLst>
             <a:ext uri="{909E8E84-426E-40DD-AFC4-6F175D3DCCD1}">
-              <a14:hiddenFill xmlns="" xmlns:a14="http://schemas.microsoft.com/office/drawing/2010/main">
+              <a14:hiddenFill xmlns:a14="http://schemas.microsoft.com/office/drawing/2010/main" xmlns="">
                 <a:solidFill>
                   <a:schemeClr val="accent1"/>
                 </a:solidFill>
               </a14:hiddenFill>
             </a:ext>
             <a:ext uri="{91240B29-F687-4F45-9708-019B960494DF}">
-              <a14:hiddenLine xmlns="" xmlns:a14="http://schemas.microsoft.com/office/drawing/2010/main" w="9525">
+              <a14:hiddenLine xmlns:a14="http://schemas.microsoft.com/office/drawing/2010/main" xmlns="" w="9525">
                 <a:solidFill>
                   <a:schemeClr val="tx1"/>
                 </a:solidFill>
@@ -4657,7 +4654,7 @@
               </a14:hiddenLine>
             </a:ext>
             <a:ext uri="{AF507438-7753-43E0-B8FC-AC1667EBCBE1}">
-              <a14:hiddenEffects xmlns="" xmlns:a14="http://schemas.microsoft.com/office/drawing/2010/main">
+              <a14:hiddenEffects xmlns:a14="http://schemas.microsoft.com/office/drawing/2010/main" xmlns="">
                 <a:effectLst>
                   <a:outerShdw dist="35921" dir="2700000" algn="ctr" rotWithShape="0">
                     <a:schemeClr val="bg2"/>
@@ -4668,10 +4665,84 @@
           </a:extLst>
         </p:spPr>
       </p:pic>
+      <p:pic>
+        <p:nvPicPr>
+          <p:cNvPr id="6148" name="Picture 4" descr="https://scontent-waw1-1.xx.fbcdn.net/v/t35.0-12/18553130_1550892381618967_1180952906_o.png?oh=0a37913b104f46c98619132700ff028c&amp;oe=591ED8D2"/>
+          <p:cNvPicPr>
+            <a:picLocks noChangeAspect="1" noChangeArrowheads="1"/>
+          </p:cNvPicPr>
+          <p:nvPr/>
+        </p:nvPicPr>
+        <p:blipFill>
+          <a:blip r:embed="rId3" cstate="print">
+            <a:extLst>
+              <a:ext uri="{28A0092B-C50C-407E-A947-70E740481C1C}">
+                <a14:useLocalDpi xmlns:a14="http://schemas.microsoft.com/office/drawing/2010/main" xmlns="" val="0"/>
+              </a:ext>
+            </a:extLst>
+          </a:blip>
+          <a:srcRect/>
+          <a:stretch>
+            <a:fillRect/>
+          </a:stretch>
+        </p:blipFill>
+        <p:spPr bwMode="auto">
+          <a:xfrm>
+            <a:off x="3275856" y="2830020"/>
+            <a:ext cx="5472608" cy="3078342"/>
+          </a:xfrm>
+          <a:prstGeom prst="rect">
+            <a:avLst/>
+          </a:prstGeom>
+          <a:noFill/>
+          <a:extLst>
+            <a:ext uri="{909E8E84-426E-40DD-AFC4-6F175D3DCCD1}">
+              <a14:hiddenFill xmlns:a14="http://schemas.microsoft.com/office/drawing/2010/main" xmlns="">
+                <a:solidFill>
+                  <a:srgbClr val="FFFFFF"/>
+                </a:solidFill>
+              </a14:hiddenFill>
+            </a:ext>
+          </a:extLst>
+        </p:spPr>
+      </p:pic>
+      <p:pic>
+        <p:nvPicPr>
+          <p:cNvPr id="2050" name="Picture 2"/>
+          <p:cNvPicPr>
+            <a:picLocks noChangeAspect="1" noChangeArrowheads="1"/>
+          </p:cNvPicPr>
+          <p:nvPr/>
+        </p:nvPicPr>
+        <p:blipFill>
+          <a:blip r:embed="rId4"/>
+          <a:srcRect/>
+          <a:stretch>
+            <a:fillRect/>
+          </a:stretch>
+        </p:blipFill>
+        <p:spPr bwMode="auto">
+          <a:xfrm>
+            <a:off x="1142976" y="4286256"/>
+            <a:ext cx="1314450" cy="1162050"/>
+          </a:xfrm>
+          <a:prstGeom prst="rect">
+            <a:avLst/>
+          </a:prstGeom>
+          <a:noFill/>
+          <a:ln w="9525">
+            <a:noFill/>
+            <a:miter lim="800000"/>
+            <a:headEnd/>
+            <a:tailEnd/>
+          </a:ln>
+          <a:effectLst/>
+        </p:spPr>
+      </p:pic>
     </p:spTree>
     <p:extLst>
       <p:ext uri="{BB962C8B-B14F-4D97-AF65-F5344CB8AC3E}">
-        <p14:creationId xmlns="" xmlns:p14="http://schemas.microsoft.com/office/powerpoint/2010/main" val="2501508212"/>
+        <p14:creationId xmlns:p14="http://schemas.microsoft.com/office/powerpoint/2010/main" xmlns="" val="2505419348"/>
       </p:ext>
     </p:extLst>
   </p:cSld>
@@ -4717,12 +4788,18 @@
         </p:nvSpPr>
         <p:spPr/>
         <p:txBody>
-          <a:bodyPr/>
-          <a:lstStyle/>
-          <a:p>
+          <a:bodyPr>
+            <a:normAutofit fontScale="90000"/>
+          </a:bodyPr>
+          <a:lstStyle/>
+          <a:p>
+            <a:r>
+              <a:rPr lang="pl-PL" dirty="0" err="1" smtClean="0"/>
+              <a:t>Trello</a:t>
+            </a:r>
             <a:r>
               <a:rPr lang="pl-PL" dirty="0" smtClean="0"/>
-              <a:t>Instalacja oprogramowania</a:t>
+              <a:t> okazało się być bardzo pomocne w pracy.</a:t>
             </a:r>
             <a:endParaRPr lang="pl-PL" dirty="0"/>
           </a:p>
@@ -4746,7 +4823,7 @@
             <a:fld id="{DEBB8349-9EFE-4CF4-A443-9D73D6C5CDDC}" type="datetime1">
               <a:rPr lang="pl-PL" smtClean="0"/>
               <a:pPr/>
-              <a:t>23.05.2017</a:t>
+              <a:t>30.05.2017</a:t>
             </a:fld>
             <a:endParaRPr lang="pl-PL"/>
           </a:p>
@@ -4801,20 +4878,16 @@
       </p:sp>
       <p:pic>
         <p:nvPicPr>
-          <p:cNvPr id="6146" name="Picture 2"/>
+          <p:cNvPr id="1026" name="Picture 2"/>
           <p:cNvPicPr>
-            <a:picLocks noChangeAspect="1" noChangeArrowheads="1"/>
+            <a:picLocks noGrp="1" noChangeAspect="1" noChangeArrowheads="1"/>
           </p:cNvPicPr>
-          <p:nvPr/>
+          <p:nvPr>
+            <p:ph idx="1"/>
+          </p:nvPr>
         </p:nvPicPr>
         <p:blipFill>
-          <a:blip r:embed="rId2">
-            <a:extLst>
-              <a:ext uri="{28A0092B-C50C-407E-A947-70E740481C1C}">
-                <a14:useLocalDpi xmlns="" xmlns:a14="http://schemas.microsoft.com/office/drawing/2010/main" val="0"/>
-              </a:ext>
-            </a:extLst>
-          </a:blip>
+          <a:blip r:embed="rId2"/>
           <a:srcRect/>
           <a:stretch>
             <a:fillRect/>
@@ -4822,63 +4895,155 @@
         </p:blipFill>
         <p:spPr bwMode="auto">
           <a:xfrm>
-            <a:off x="395536" y="1772816"/>
-            <a:ext cx="6301903" cy="2114409"/>
+            <a:off x="127890" y="1714488"/>
+            <a:ext cx="8558910" cy="4138167"/>
           </a:xfrm>
           <a:prstGeom prst="rect">
             <a:avLst/>
           </a:prstGeom>
           <a:noFill/>
-          <a:ln>
+          <a:ln w="9525">
             <a:noFill/>
+            <a:miter lim="800000"/>
+            <a:headEnd/>
+            <a:tailEnd/>
           </a:ln>
           <a:effectLst/>
-          <a:extLst>
-            <a:ext uri="{909E8E84-426E-40DD-AFC4-6F175D3DCCD1}">
-              <a14:hiddenFill xmlns="" xmlns:a14="http://schemas.microsoft.com/office/drawing/2010/main">
-                <a:solidFill>
-                  <a:schemeClr val="accent1"/>
-                </a:solidFill>
-              </a14:hiddenFill>
-            </a:ext>
-            <a:ext uri="{91240B29-F687-4F45-9708-019B960494DF}">
-              <a14:hiddenLine xmlns="" xmlns:a14="http://schemas.microsoft.com/office/drawing/2010/main" w="9525">
-                <a:solidFill>
-                  <a:schemeClr val="tx1"/>
-                </a:solidFill>
-                <a:miter lim="800000"/>
-                <a:headEnd/>
-                <a:tailEnd/>
-              </a14:hiddenLine>
-            </a:ext>
-            <a:ext uri="{AF507438-7753-43E0-B8FC-AC1667EBCBE1}">
-              <a14:hiddenEffects xmlns="" xmlns:a14="http://schemas.microsoft.com/office/drawing/2010/main">
-                <a:effectLst>
-                  <a:outerShdw dist="35921" dir="2700000" algn="ctr" rotWithShape="0">
-                    <a:schemeClr val="bg2"/>
-                  </a:outerShdw>
-                </a:effectLst>
-              </a14:hiddenEffects>
-            </a:ext>
-          </a:extLst>
         </p:spPr>
       </p:pic>
+    </p:spTree>
+  </p:cSld>
+  <p:clrMapOvr>
+    <a:masterClrMapping/>
+  </p:clrMapOvr>
+</p:sld>
+</file>
+
+<file path=ppt/slides/slide13.xml><?xml version="1.0" encoding="utf-8"?>
+<p:sld xmlns:a="http://schemas.openxmlformats.org/drawingml/2006/main" xmlns:r="http://schemas.openxmlformats.org/officeDocument/2006/relationships" xmlns:p="http://schemas.openxmlformats.org/presentationml/2006/main">
+  <p:cSld>
+    <p:spTree>
+      <p:nvGrpSpPr>
+        <p:cNvPr id="1" name=""/>
+        <p:cNvGrpSpPr/>
+        <p:nvPr/>
+      </p:nvGrpSpPr>
+      <p:grpSpPr>
+        <a:xfrm>
+          <a:off x="0" y="0"/>
+          <a:ext cx="0" cy="0"/>
+          <a:chOff x="0" y="0"/>
+          <a:chExt cx="0" cy="0"/>
+        </a:xfrm>
+      </p:grpSpPr>
+      <p:sp>
+        <p:nvSpPr>
+          <p:cNvPr id="2" name="Tytuł 1"/>
+          <p:cNvSpPr>
+            <a:spLocks noGrp="1"/>
+          </p:cNvSpPr>
+          <p:nvPr>
+            <p:ph type="title"/>
+          </p:nvPr>
+        </p:nvSpPr>
+        <p:spPr/>
+        <p:txBody>
+          <a:bodyPr>
+            <a:normAutofit fontScale="90000"/>
+          </a:bodyPr>
+          <a:lstStyle/>
+          <a:p>
+            <a:r>
+              <a:rPr lang="pl-PL" dirty="0" smtClean="0"/>
+              <a:t>Repozytorium stale się rozrastało i aktualizowało</a:t>
+            </a:r>
+            <a:endParaRPr lang="pl-PL" dirty="0"/>
+          </a:p>
+        </p:txBody>
+      </p:sp>
+      <p:sp>
+        <p:nvSpPr>
+          <p:cNvPr id="4" name="Symbol zastępczy daty 3"/>
+          <p:cNvSpPr>
+            <a:spLocks noGrp="1"/>
+          </p:cNvSpPr>
+          <p:nvPr>
+            <p:ph type="dt" sz="half" idx="10"/>
+          </p:nvPr>
+        </p:nvSpPr>
+        <p:spPr/>
+        <p:txBody>
+          <a:bodyPr/>
+          <a:lstStyle/>
+          <a:p>
+            <a:fld id="{DEBB8349-9EFE-4CF4-A443-9D73D6C5CDDC}" type="datetime1">
+              <a:rPr lang="pl-PL" smtClean="0"/>
+              <a:pPr/>
+              <a:t>30.05.2017</a:t>
+            </a:fld>
+            <a:endParaRPr lang="pl-PL"/>
+          </a:p>
+        </p:txBody>
+      </p:sp>
+      <p:sp>
+        <p:nvSpPr>
+          <p:cNvPr id="5" name="Symbol zastępczy stopki 4"/>
+          <p:cNvSpPr>
+            <a:spLocks noGrp="1"/>
+          </p:cNvSpPr>
+          <p:nvPr>
+            <p:ph type="ftr" sz="quarter" idx="11"/>
+          </p:nvPr>
+        </p:nvSpPr>
+        <p:spPr/>
+        <p:txBody>
+          <a:bodyPr/>
+          <a:lstStyle/>
+          <a:p>
+            <a:r>
+              <a:rPr lang="pl-PL" smtClean="0"/>
+              <a:t>Sprawozdanie z projektu INPG</a:t>
+            </a:r>
+            <a:endParaRPr lang="pl-PL"/>
+          </a:p>
+        </p:txBody>
+      </p:sp>
+      <p:sp>
+        <p:nvSpPr>
+          <p:cNvPr id="6" name="Symbol zastępczy numeru slajdu 5"/>
+          <p:cNvSpPr>
+            <a:spLocks noGrp="1"/>
+          </p:cNvSpPr>
+          <p:nvPr>
+            <p:ph type="sldNum" sz="quarter" idx="12"/>
+          </p:nvPr>
+        </p:nvSpPr>
+        <p:spPr/>
+        <p:txBody>
+          <a:bodyPr/>
+          <a:lstStyle/>
+          <a:p>
+            <a:fld id="{7ABA60A5-3177-43D4-9934-32BA489A924D}" type="slidenum">
+              <a:rPr lang="pl-PL" smtClean="0"/>
+              <a:pPr/>
+              <a:t>13</a:t>
+            </a:fld>
+            <a:endParaRPr lang="pl-PL"/>
+          </a:p>
+        </p:txBody>
+      </p:sp>
       <p:pic>
         <p:nvPicPr>
-          <p:cNvPr id="6148" name="Picture 4" descr="https://scontent-waw1-1.xx.fbcdn.net/v/t35.0-12/18553130_1550892381618967_1180952906_o.png?oh=0a37913b104f46c98619132700ff028c&amp;oe=591ED8D2"/>
+          <p:cNvPr id="3074" name="Picture 2"/>
           <p:cNvPicPr>
-            <a:picLocks noChangeAspect="1" noChangeArrowheads="1"/>
+            <a:picLocks noGrp="1" noChangeAspect="1" noChangeArrowheads="1"/>
           </p:cNvPicPr>
-          <p:nvPr/>
+          <p:nvPr>
+            <p:ph idx="1"/>
+          </p:nvPr>
         </p:nvPicPr>
         <p:blipFill>
-          <a:blip r:embed="rId3" cstate="print">
-            <a:extLst>
-              <a:ext uri="{28A0092B-C50C-407E-A947-70E740481C1C}">
-                <a14:useLocalDpi xmlns="" xmlns:a14="http://schemas.microsoft.com/office/drawing/2010/main" val="0"/>
-              </a:ext>
-            </a:extLst>
-          </a:blip>
+          <a:blip r:embed="rId2"/>
           <a:srcRect/>
           <a:stretch>
             <a:fillRect/>
@@ -4886,41 +5051,27 @@
         </p:blipFill>
         <p:spPr bwMode="auto">
           <a:xfrm>
-            <a:off x="3275856" y="2830020"/>
-            <a:ext cx="5472608" cy="3078342"/>
+            <a:off x="457200" y="1937984"/>
+            <a:ext cx="8229600" cy="3850395"/>
           </a:xfrm>
           <a:prstGeom prst="rect">
             <a:avLst/>
           </a:prstGeom>
           <a:noFill/>
-          <a:extLst>
-            <a:ext uri="{909E8E84-426E-40DD-AFC4-6F175D3DCCD1}">
-              <a14:hiddenFill xmlns="" xmlns:a14="http://schemas.microsoft.com/office/drawing/2010/main">
-                <a:solidFill>
-                  <a:srgbClr val="FFFFFF"/>
-                </a:solidFill>
-              </a14:hiddenFill>
-            </a:ext>
-          </a:extLst>
+          <a:ln w="9525">
+            <a:noFill/>
+            <a:miter lim="800000"/>
+            <a:headEnd/>
+            <a:tailEnd/>
+          </a:ln>
+          <a:effectLst/>
         </p:spPr>
       </p:pic>
     </p:spTree>
-    <p:extLst>
-      <p:ext uri="{BB962C8B-B14F-4D97-AF65-F5344CB8AC3E}">
-        <p14:creationId xmlns="" xmlns:p14="http://schemas.microsoft.com/office/powerpoint/2010/main" val="2505419348"/>
-      </p:ext>
-    </p:extLst>
   </p:cSld>
   <p:clrMapOvr>
     <a:masterClrMapping/>
   </p:clrMapOvr>
-  <p:timing>
-    <p:tnLst>
-      <p:par>
-        <p:cTn id="1" dur="indefinite" restart="never" nodeType="tmRoot"/>
-      </p:par>
-    </p:tnLst>
-  </p:timing>
 </p:sld>
 </file>
 
@@ -5001,7 +5152,7 @@
             <a:fld id="{90F0A293-143E-49F8-AB74-8BE42FB9E430}" type="datetime1">
               <a:rPr lang="pl-PL" smtClean="0"/>
               <a:pPr/>
-              <a:t>23.05.2017</a:t>
+              <a:t>30.05.2017</a:t>
             </a:fld>
             <a:endParaRPr lang="pl-PL"/>
           </a:p>
@@ -5057,7 +5208,7 @@
     </p:spTree>
     <p:extLst>
       <p:ext uri="{BB962C8B-B14F-4D97-AF65-F5344CB8AC3E}">
-        <p14:creationId xmlns="" xmlns:p14="http://schemas.microsoft.com/office/powerpoint/2010/main" val="1679218770"/>
+        <p14:creationId xmlns:p14="http://schemas.microsoft.com/office/powerpoint/2010/main" xmlns="" val="1679218770"/>
       </p:ext>
     </p:extLst>
   </p:cSld>
@@ -5134,7 +5285,7 @@
             <a:fld id="{DEBB8349-9EFE-4CF4-A443-9D73D6C5CDDC}" type="datetime1">
               <a:rPr lang="pl-PL" smtClean="0"/>
               <a:pPr/>
-              <a:t>23.05.2017</a:t>
+              <a:t>30.05.2017</a:t>
             </a:fld>
             <a:endParaRPr lang="pl-PL"/>
           </a:p>
@@ -5324,7 +5475,7 @@
             <a:fld id="{DEBB8349-9EFE-4CF4-A443-9D73D6C5CDDC}" type="datetime1">
               <a:rPr lang="pl-PL" smtClean="0"/>
               <a:pPr/>
-              <a:t>23.05.2017</a:t>
+              <a:t>30.05.2017</a:t>
             </a:fld>
             <a:endParaRPr lang="pl-PL"/>
           </a:p>
@@ -5549,7 +5700,7 @@
             <a:fld id="{DEBB8349-9EFE-4CF4-A443-9D73D6C5CDDC}" type="datetime1">
               <a:rPr lang="pl-PL" smtClean="0"/>
               <a:pPr/>
-              <a:t>23.05.2017</a:t>
+              <a:t>30.05.2017</a:t>
             </a:fld>
             <a:endParaRPr lang="pl-PL"/>
           </a:p>
@@ -5642,26 +5793,11 @@
           <a:bodyPr/>
           <a:lstStyle/>
           <a:p>
-            <a:endParaRPr lang="pl-PL"/>
-          </a:p>
-        </p:txBody>
-      </p:sp>
-      <p:sp>
-        <p:nvSpPr>
-          <p:cNvPr id="3" name="Symbol zastępczy zawartości 2"/>
-          <p:cNvSpPr>
-            <a:spLocks noGrp="1"/>
-          </p:cNvSpPr>
-          <p:nvPr>
-            <p:ph idx="1"/>
-          </p:nvPr>
-        </p:nvSpPr>
-        <p:spPr/>
-        <p:txBody>
-          <a:bodyPr/>
-          <a:lstStyle/>
-          <a:p>
-            <a:endParaRPr lang="pl-PL"/>
+            <a:r>
+              <a:rPr lang="pl-PL" dirty="0" err="1" smtClean="0"/>
+              <a:t>Backlog</a:t>
+            </a:r>
+            <a:endParaRPr lang="pl-PL" dirty="0"/>
           </a:p>
         </p:txBody>
       </p:sp>
@@ -5683,7 +5819,7 @@
             <a:fld id="{DEBB8349-9EFE-4CF4-A443-9D73D6C5CDDC}" type="datetime1">
               <a:rPr lang="pl-PL" smtClean="0"/>
               <a:pPr/>
-              <a:t>23.05.2017</a:t>
+              <a:t>30.05.2017</a:t>
             </a:fld>
             <a:endParaRPr lang="pl-PL"/>
           </a:p>
@@ -5731,125 +5867,6 @@
               <a:rPr lang="pl-PL" smtClean="0"/>
               <a:pPr/>
               <a:t>6</a:t>
-            </a:fld>
-            <a:endParaRPr lang="pl-PL"/>
-          </a:p>
-        </p:txBody>
-      </p:sp>
-    </p:spTree>
-  </p:cSld>
-  <p:clrMapOvr>
-    <a:masterClrMapping/>
-  </p:clrMapOvr>
-</p:sld>
-</file>
-
-<file path=ppt/slides/slide7.xml><?xml version="1.0" encoding="utf-8"?>
-<p:sld xmlns:a="http://schemas.openxmlformats.org/drawingml/2006/main" xmlns:r="http://schemas.openxmlformats.org/officeDocument/2006/relationships" xmlns:p="http://schemas.openxmlformats.org/presentationml/2006/main">
-  <p:cSld>
-    <p:spTree>
-      <p:nvGrpSpPr>
-        <p:cNvPr id="1" name=""/>
-        <p:cNvGrpSpPr/>
-        <p:nvPr/>
-      </p:nvGrpSpPr>
-      <p:grpSpPr>
-        <a:xfrm>
-          <a:off x="0" y="0"/>
-          <a:ext cx="0" cy="0"/>
-          <a:chOff x="0" y="0"/>
-          <a:chExt cx="0" cy="0"/>
-        </a:xfrm>
-      </p:grpSpPr>
-      <p:sp>
-        <p:nvSpPr>
-          <p:cNvPr id="2" name="Tytuł 1"/>
-          <p:cNvSpPr>
-            <a:spLocks noGrp="1"/>
-          </p:cNvSpPr>
-          <p:nvPr>
-            <p:ph type="title"/>
-          </p:nvPr>
-        </p:nvSpPr>
-        <p:spPr/>
-        <p:txBody>
-          <a:bodyPr/>
-          <a:lstStyle/>
-          <a:p>
-            <a:r>
-              <a:rPr lang="pl-PL" dirty="0" err="1" smtClean="0"/>
-              <a:t>Backlog</a:t>
-            </a:r>
-            <a:endParaRPr lang="pl-PL" dirty="0"/>
-          </a:p>
-        </p:txBody>
-      </p:sp>
-      <p:sp>
-        <p:nvSpPr>
-          <p:cNvPr id="4" name="Symbol zastępczy daty 3"/>
-          <p:cNvSpPr>
-            <a:spLocks noGrp="1"/>
-          </p:cNvSpPr>
-          <p:nvPr>
-            <p:ph type="dt" sz="half" idx="10"/>
-          </p:nvPr>
-        </p:nvSpPr>
-        <p:spPr/>
-        <p:txBody>
-          <a:bodyPr/>
-          <a:lstStyle/>
-          <a:p>
-            <a:fld id="{DEBB8349-9EFE-4CF4-A443-9D73D6C5CDDC}" type="datetime1">
-              <a:rPr lang="pl-PL" smtClean="0"/>
-              <a:pPr/>
-              <a:t>23.05.2017</a:t>
-            </a:fld>
-            <a:endParaRPr lang="pl-PL"/>
-          </a:p>
-        </p:txBody>
-      </p:sp>
-      <p:sp>
-        <p:nvSpPr>
-          <p:cNvPr id="5" name="Symbol zastępczy stopki 4"/>
-          <p:cNvSpPr>
-            <a:spLocks noGrp="1"/>
-          </p:cNvSpPr>
-          <p:nvPr>
-            <p:ph type="ftr" sz="quarter" idx="11"/>
-          </p:nvPr>
-        </p:nvSpPr>
-        <p:spPr/>
-        <p:txBody>
-          <a:bodyPr/>
-          <a:lstStyle/>
-          <a:p>
-            <a:r>
-              <a:rPr lang="pl-PL" smtClean="0"/>
-              <a:t>Sprawozdanie z projektu INPG</a:t>
-            </a:r>
-            <a:endParaRPr lang="pl-PL"/>
-          </a:p>
-        </p:txBody>
-      </p:sp>
-      <p:sp>
-        <p:nvSpPr>
-          <p:cNvPr id="6" name="Symbol zastępczy numeru slajdu 5"/>
-          <p:cNvSpPr>
-            <a:spLocks noGrp="1"/>
-          </p:cNvSpPr>
-          <p:nvPr>
-            <p:ph type="sldNum" sz="quarter" idx="12"/>
-          </p:nvPr>
-        </p:nvSpPr>
-        <p:spPr/>
-        <p:txBody>
-          <a:bodyPr/>
-          <a:lstStyle/>
-          <a:p>
-            <a:fld id="{7ABA60A5-3177-43D4-9934-32BA489A924D}" type="slidenum">
-              <a:rPr lang="pl-PL" smtClean="0"/>
-              <a:pPr/>
-              <a:t>7</a:t>
             </a:fld>
             <a:endParaRPr lang="pl-PL"/>
           </a:p>
@@ -5867,7 +5884,7 @@
           <a:blip r:embed="rId2">
             <a:extLst>
               <a:ext uri="{28A0092B-C50C-407E-A947-70E740481C1C}">
-                <a14:useLocalDpi xmlns="" xmlns:a14="http://schemas.microsoft.com/office/drawing/2010/main" val="0"/>
+                <a14:useLocalDpi xmlns:a14="http://schemas.microsoft.com/office/drawing/2010/main" xmlns="" val="0"/>
               </a:ext>
             </a:extLst>
           </a:blip>
@@ -5891,14 +5908,14 @@
           <a:effectLst/>
           <a:extLst>
             <a:ext uri="{909E8E84-426E-40DD-AFC4-6F175D3DCCD1}">
-              <a14:hiddenFill xmlns="" xmlns:a14="http://schemas.microsoft.com/office/drawing/2010/main">
+              <a14:hiddenFill xmlns:a14="http://schemas.microsoft.com/office/drawing/2010/main" xmlns="">
                 <a:solidFill>
                   <a:schemeClr val="accent1"/>
                 </a:solidFill>
               </a14:hiddenFill>
             </a:ext>
             <a:ext uri="{91240B29-F687-4F45-9708-019B960494DF}">
-              <a14:hiddenLine xmlns="" xmlns:a14="http://schemas.microsoft.com/office/drawing/2010/main" w="9525">
+              <a14:hiddenLine xmlns:a14="http://schemas.microsoft.com/office/drawing/2010/main" xmlns="" w="9525">
                 <a:solidFill>
                   <a:schemeClr val="tx1"/>
                 </a:solidFill>
@@ -5908,7 +5925,7 @@
               </a14:hiddenLine>
             </a:ext>
             <a:ext uri="{AF507438-7753-43E0-B8FC-AC1667EBCBE1}">
-              <a14:hiddenEffects xmlns="" xmlns:a14="http://schemas.microsoft.com/office/drawing/2010/main">
+              <a14:hiddenEffects xmlns:a14="http://schemas.microsoft.com/office/drawing/2010/main" xmlns="">
                 <a:effectLst>
                   <a:outerShdw dist="35921" dir="2700000" algn="ctr" rotWithShape="0">
                     <a:schemeClr val="bg2"/>
@@ -5922,7 +5939,202 @@
     </p:spTree>
     <p:extLst>
       <p:ext uri="{BB962C8B-B14F-4D97-AF65-F5344CB8AC3E}">
-        <p14:creationId xmlns="" xmlns:p14="http://schemas.microsoft.com/office/powerpoint/2010/main" val="982657965"/>
+        <p14:creationId xmlns:p14="http://schemas.microsoft.com/office/powerpoint/2010/main" xmlns="" val="982657965"/>
+      </p:ext>
+    </p:extLst>
+  </p:cSld>
+  <p:clrMapOvr>
+    <a:masterClrMapping/>
+  </p:clrMapOvr>
+  <p:timing>
+    <p:tnLst>
+      <p:par>
+        <p:cTn id="1" dur="indefinite" restart="never" nodeType="tmRoot"/>
+      </p:par>
+    </p:tnLst>
+  </p:timing>
+</p:sld>
+</file>
+
+<file path=ppt/slides/slide7.xml><?xml version="1.0" encoding="utf-8"?>
+<p:sld xmlns:a="http://schemas.openxmlformats.org/drawingml/2006/main" xmlns:r="http://schemas.openxmlformats.org/officeDocument/2006/relationships" xmlns:p="http://schemas.openxmlformats.org/presentationml/2006/main">
+  <p:cSld>
+    <p:spTree>
+      <p:nvGrpSpPr>
+        <p:cNvPr id="1" name=""/>
+        <p:cNvGrpSpPr/>
+        <p:nvPr/>
+      </p:nvGrpSpPr>
+      <p:grpSpPr>
+        <a:xfrm>
+          <a:off x="0" y="0"/>
+          <a:ext cx="0" cy="0"/>
+          <a:chOff x="0" y="0"/>
+          <a:chExt cx="0" cy="0"/>
+        </a:xfrm>
+      </p:grpSpPr>
+      <p:sp>
+        <p:nvSpPr>
+          <p:cNvPr id="2" name="Tytuł 1"/>
+          <p:cNvSpPr>
+            <a:spLocks noGrp="1"/>
+          </p:cNvSpPr>
+          <p:nvPr>
+            <p:ph type="title"/>
+          </p:nvPr>
+        </p:nvSpPr>
+        <p:spPr/>
+        <p:txBody>
+          <a:bodyPr/>
+          <a:lstStyle/>
+          <a:p>
+            <a:r>
+              <a:rPr lang="pl-PL" dirty="0" smtClean="0"/>
+              <a:t>I Sprint</a:t>
+            </a:r>
+            <a:endParaRPr lang="pl-PL" dirty="0"/>
+          </a:p>
+        </p:txBody>
+      </p:sp>
+      <p:sp>
+        <p:nvSpPr>
+          <p:cNvPr id="4" name="Symbol zastępczy daty 3"/>
+          <p:cNvSpPr>
+            <a:spLocks noGrp="1"/>
+          </p:cNvSpPr>
+          <p:nvPr>
+            <p:ph type="dt" sz="half" idx="10"/>
+          </p:nvPr>
+        </p:nvSpPr>
+        <p:spPr/>
+        <p:txBody>
+          <a:bodyPr/>
+          <a:lstStyle/>
+          <a:p>
+            <a:fld id="{DEBB8349-9EFE-4CF4-A443-9D73D6C5CDDC}" type="datetime1">
+              <a:rPr lang="pl-PL" smtClean="0"/>
+              <a:pPr/>
+              <a:t>30.05.2017</a:t>
+            </a:fld>
+            <a:endParaRPr lang="pl-PL"/>
+          </a:p>
+        </p:txBody>
+      </p:sp>
+      <p:sp>
+        <p:nvSpPr>
+          <p:cNvPr id="5" name="Symbol zastępczy stopki 4"/>
+          <p:cNvSpPr>
+            <a:spLocks noGrp="1"/>
+          </p:cNvSpPr>
+          <p:nvPr>
+            <p:ph type="ftr" sz="quarter" idx="11"/>
+          </p:nvPr>
+        </p:nvSpPr>
+        <p:spPr/>
+        <p:txBody>
+          <a:bodyPr/>
+          <a:lstStyle/>
+          <a:p>
+            <a:r>
+              <a:rPr lang="pl-PL" smtClean="0"/>
+              <a:t>Sprawozdanie z projektu INPG</a:t>
+            </a:r>
+            <a:endParaRPr lang="pl-PL"/>
+          </a:p>
+        </p:txBody>
+      </p:sp>
+      <p:sp>
+        <p:nvSpPr>
+          <p:cNvPr id="6" name="Symbol zastępczy numeru slajdu 5"/>
+          <p:cNvSpPr>
+            <a:spLocks noGrp="1"/>
+          </p:cNvSpPr>
+          <p:nvPr>
+            <p:ph type="sldNum" sz="quarter" idx="12"/>
+          </p:nvPr>
+        </p:nvSpPr>
+        <p:spPr/>
+        <p:txBody>
+          <a:bodyPr/>
+          <a:lstStyle/>
+          <a:p>
+            <a:fld id="{7ABA60A5-3177-43D4-9934-32BA489A924D}" type="slidenum">
+              <a:rPr lang="pl-PL" smtClean="0"/>
+              <a:pPr/>
+              <a:t>7</a:t>
+            </a:fld>
+            <a:endParaRPr lang="pl-PL"/>
+          </a:p>
+        </p:txBody>
+      </p:sp>
+      <p:pic>
+        <p:nvPicPr>
+          <p:cNvPr id="2050" name="Picture 2"/>
+          <p:cNvPicPr>
+            <a:picLocks noChangeAspect="1" noChangeArrowheads="1"/>
+          </p:cNvPicPr>
+          <p:nvPr/>
+        </p:nvPicPr>
+        <p:blipFill>
+          <a:blip r:embed="rId2">
+            <a:extLst>
+              <a:ext uri="{28A0092B-C50C-407E-A947-70E740481C1C}">
+                <a14:useLocalDpi xmlns:a14="http://schemas.microsoft.com/office/drawing/2010/main" xmlns="" val="0"/>
+              </a:ext>
+            </a:extLst>
+          </a:blip>
+          <a:srcRect/>
+          <a:stretch>
+            <a:fillRect/>
+          </a:stretch>
+        </p:blipFill>
+        <p:spPr bwMode="auto">
+          <a:xfrm>
+            <a:off x="652463" y="1340768"/>
+            <a:ext cx="7839075" cy="4991653"/>
+          </a:xfrm>
+          <a:prstGeom prst="rect">
+            <a:avLst/>
+          </a:prstGeom>
+          <a:noFill/>
+          <a:ln>
+            <a:noFill/>
+          </a:ln>
+          <a:effectLst/>
+          <a:extLst>
+            <a:ext uri="{909E8E84-426E-40DD-AFC4-6F175D3DCCD1}">
+              <a14:hiddenFill xmlns:a14="http://schemas.microsoft.com/office/drawing/2010/main" xmlns="">
+                <a:solidFill>
+                  <a:schemeClr val="accent1"/>
+                </a:solidFill>
+              </a14:hiddenFill>
+            </a:ext>
+            <a:ext uri="{91240B29-F687-4F45-9708-019B960494DF}">
+              <a14:hiddenLine xmlns:a14="http://schemas.microsoft.com/office/drawing/2010/main" xmlns="" w="9525">
+                <a:solidFill>
+                  <a:schemeClr val="tx1"/>
+                </a:solidFill>
+                <a:miter lim="800000"/>
+                <a:headEnd/>
+                <a:tailEnd/>
+              </a14:hiddenLine>
+            </a:ext>
+            <a:ext uri="{AF507438-7753-43E0-B8FC-AC1667EBCBE1}">
+              <a14:hiddenEffects xmlns:a14="http://schemas.microsoft.com/office/drawing/2010/main" xmlns="">
+                <a:effectLst>
+                  <a:outerShdw dist="35921" dir="2700000" algn="ctr" rotWithShape="0">
+                    <a:schemeClr val="bg2"/>
+                  </a:outerShdw>
+                </a:effectLst>
+              </a14:hiddenEffects>
+            </a:ext>
+          </a:extLst>
+        </p:spPr>
+      </p:pic>
+    </p:spTree>
+    <p:extLst>
+      <p:ext uri="{BB962C8B-B14F-4D97-AF65-F5344CB8AC3E}">
+        <p14:creationId xmlns:p14="http://schemas.microsoft.com/office/powerpoint/2010/main" xmlns="" val="2774064168"/>
       </p:ext>
     </p:extLst>
   </p:cSld>
@@ -5973,7 +6185,7 @@
           <a:p>
             <a:r>
               <a:rPr lang="pl-PL" dirty="0" smtClean="0"/>
-              <a:t>I Sprint</a:t>
+              <a:t>Raporty</a:t>
             </a:r>
             <a:endParaRPr lang="pl-PL" dirty="0"/>
           </a:p>
@@ -5997,7 +6209,7 @@
             <a:fld id="{DEBB8349-9EFE-4CF4-A443-9D73D6C5CDDC}" type="datetime1">
               <a:rPr lang="pl-PL" smtClean="0"/>
               <a:pPr/>
-              <a:t>23.05.2017</a:t>
+              <a:t>30.05.2017</a:t>
             </a:fld>
             <a:endParaRPr lang="pl-PL"/>
           </a:p>
@@ -6052,7 +6264,7 @@
       </p:sp>
       <p:pic>
         <p:nvPicPr>
-          <p:cNvPr id="2050" name="Picture 2"/>
+          <p:cNvPr id="3074" name="Picture 2"/>
           <p:cNvPicPr>
             <a:picLocks noChangeAspect="1" noChangeArrowheads="1"/>
           </p:cNvPicPr>
@@ -6062,7 +6274,7 @@
           <a:blip r:embed="rId2">
             <a:extLst>
               <a:ext uri="{28A0092B-C50C-407E-A947-70E740481C1C}">
-                <a14:useLocalDpi xmlns="" xmlns:a14="http://schemas.microsoft.com/office/drawing/2010/main" val="0"/>
+                <a14:useLocalDpi xmlns:a14="http://schemas.microsoft.com/office/drawing/2010/main" xmlns="" val="0"/>
               </a:ext>
             </a:extLst>
           </a:blip>
@@ -6073,8 +6285,8 @@
         </p:blipFill>
         <p:spPr bwMode="auto">
           <a:xfrm>
-            <a:off x="652463" y="1340768"/>
-            <a:ext cx="7839075" cy="4991653"/>
+            <a:off x="838200" y="1340768"/>
+            <a:ext cx="7467600" cy="4622800"/>
           </a:xfrm>
           <a:prstGeom prst="rect">
             <a:avLst/>
@@ -6086,14 +6298,14 @@
           <a:effectLst/>
           <a:extLst>
             <a:ext uri="{909E8E84-426E-40DD-AFC4-6F175D3DCCD1}">
-              <a14:hiddenFill xmlns="" xmlns:a14="http://schemas.microsoft.com/office/drawing/2010/main">
+              <a14:hiddenFill xmlns:a14="http://schemas.microsoft.com/office/drawing/2010/main" xmlns="">
                 <a:solidFill>
                   <a:schemeClr val="accent1"/>
                 </a:solidFill>
               </a14:hiddenFill>
             </a:ext>
             <a:ext uri="{91240B29-F687-4F45-9708-019B960494DF}">
-              <a14:hiddenLine xmlns="" xmlns:a14="http://schemas.microsoft.com/office/drawing/2010/main" w="9525">
+              <a14:hiddenLine xmlns:a14="http://schemas.microsoft.com/office/drawing/2010/main" xmlns="" w="9525">
                 <a:solidFill>
                   <a:schemeClr val="tx1"/>
                 </a:solidFill>
@@ -6103,7 +6315,7 @@
               </a14:hiddenLine>
             </a:ext>
             <a:ext uri="{AF507438-7753-43E0-B8FC-AC1667EBCBE1}">
-              <a14:hiddenEffects xmlns="" xmlns:a14="http://schemas.microsoft.com/office/drawing/2010/main">
+              <a14:hiddenEffects xmlns:a14="http://schemas.microsoft.com/office/drawing/2010/main" xmlns="">
                 <a:effectLst>
                   <a:outerShdw dist="35921" dir="2700000" algn="ctr" rotWithShape="0">
                     <a:schemeClr val="bg2"/>
@@ -6117,7 +6329,7 @@
     </p:spTree>
     <p:extLst>
       <p:ext uri="{BB962C8B-B14F-4D97-AF65-F5344CB8AC3E}">
-        <p14:creationId xmlns="" xmlns:p14="http://schemas.microsoft.com/office/powerpoint/2010/main" val="2774064168"/>
+        <p14:creationId xmlns:p14="http://schemas.microsoft.com/office/powerpoint/2010/main" xmlns="" val="1524689310"/>
       </p:ext>
     </p:extLst>
   </p:cSld>
@@ -6168,7 +6380,11 @@
           <a:p>
             <a:r>
               <a:rPr lang="pl-PL" dirty="0" smtClean="0"/>
-              <a:t>Raporty</a:t>
+              <a:t>Statystyka </a:t>
+            </a:r>
+            <a:r>
+              <a:rPr lang="pl-PL" dirty="0" err="1" smtClean="0"/>
+              <a:t>commitów</a:t>
             </a:r>
             <a:endParaRPr lang="pl-PL" dirty="0"/>
           </a:p>
@@ -6192,7 +6408,7 @@
             <a:fld id="{DEBB8349-9EFE-4CF4-A443-9D73D6C5CDDC}" type="datetime1">
               <a:rPr lang="pl-PL" smtClean="0"/>
               <a:pPr/>
-              <a:t>23.05.2017</a:t>
+              <a:t>30.05.2017</a:t>
             </a:fld>
             <a:endParaRPr lang="pl-PL"/>
           </a:p>
@@ -6247,7 +6463,7 @@
       </p:sp>
       <p:pic>
         <p:nvPicPr>
-          <p:cNvPr id="3074" name="Picture 2"/>
+          <p:cNvPr id="4098" name="Picture 2"/>
           <p:cNvPicPr>
             <a:picLocks noChangeAspect="1" noChangeArrowheads="1"/>
           </p:cNvPicPr>
@@ -6257,7 +6473,7 @@
           <a:blip r:embed="rId2">
             <a:extLst>
               <a:ext uri="{28A0092B-C50C-407E-A947-70E740481C1C}">
-                <a14:useLocalDpi xmlns="" xmlns:a14="http://schemas.microsoft.com/office/drawing/2010/main" val="0"/>
+                <a14:useLocalDpi xmlns:a14="http://schemas.microsoft.com/office/drawing/2010/main" xmlns="" val="0"/>
               </a:ext>
             </a:extLst>
           </a:blip>
@@ -6268,8 +6484,8 @@
         </p:blipFill>
         <p:spPr bwMode="auto">
           <a:xfrm>
-            <a:off x="838200" y="1340768"/>
-            <a:ext cx="7467600" cy="4622800"/>
+            <a:off x="587375" y="1692275"/>
+            <a:ext cx="7969250" cy="3473450"/>
           </a:xfrm>
           <a:prstGeom prst="rect">
             <a:avLst/>
@@ -6281,14 +6497,14 @@
           <a:effectLst/>
           <a:extLst>
             <a:ext uri="{909E8E84-426E-40DD-AFC4-6F175D3DCCD1}">
-              <a14:hiddenFill xmlns="" xmlns:a14="http://schemas.microsoft.com/office/drawing/2010/main">
+              <a14:hiddenFill xmlns:a14="http://schemas.microsoft.com/office/drawing/2010/main" xmlns="">
                 <a:solidFill>
                   <a:schemeClr val="accent1"/>
                 </a:solidFill>
               </a14:hiddenFill>
             </a:ext>
             <a:ext uri="{91240B29-F687-4F45-9708-019B960494DF}">
-              <a14:hiddenLine xmlns="" xmlns:a14="http://schemas.microsoft.com/office/drawing/2010/main" w="9525">
+              <a14:hiddenLine xmlns:a14="http://schemas.microsoft.com/office/drawing/2010/main" xmlns="" w="9525">
                 <a:solidFill>
                   <a:schemeClr val="tx1"/>
                 </a:solidFill>
@@ -6298,7 +6514,7 @@
               </a14:hiddenLine>
             </a:ext>
             <a:ext uri="{AF507438-7753-43E0-B8FC-AC1667EBCBE1}">
-              <a14:hiddenEffects xmlns="" xmlns:a14="http://schemas.microsoft.com/office/drawing/2010/main">
+              <a14:hiddenEffects xmlns:a14="http://schemas.microsoft.com/office/drawing/2010/main" xmlns="">
                 <a:effectLst>
                   <a:outerShdw dist="35921" dir="2700000" algn="ctr" rotWithShape="0">
                     <a:schemeClr val="bg2"/>
@@ -6312,7 +6528,7 @@
     </p:spTree>
     <p:extLst>
       <p:ext uri="{BB962C8B-B14F-4D97-AF65-F5344CB8AC3E}">
-        <p14:creationId xmlns="" xmlns:p14="http://schemas.microsoft.com/office/powerpoint/2010/main" val="1524689310"/>
+        <p14:creationId xmlns:p14="http://schemas.microsoft.com/office/powerpoint/2010/main" xmlns="" val="1948775304"/>
       </p:ext>
     </p:extLst>
   </p:cSld>

--- a/Dokumentacja/prezentacja_sprawozdanie.pptx
+++ b/Dokumentacja/prezentacja_sprawozdanie.pptx
@@ -5,7 +5,7 @@
     <p:sldMasterId id="2147483672" r:id="rId1"/>
   </p:sldMasterIdLst>
   <p:notesMasterIdLst>
-    <p:notesMasterId r:id="rId15"/>
+    <p:notesMasterId r:id="rId20"/>
   </p:notesMasterIdLst>
   <p:sldIdLst>
     <p:sldId id="256" r:id="rId2"/>
@@ -15,12 +15,17 @@
     <p:sldId id="266" r:id="rId6"/>
     <p:sldId id="258" r:id="rId7"/>
     <p:sldId id="259" r:id="rId8"/>
-    <p:sldId id="260" r:id="rId9"/>
-    <p:sldId id="261" r:id="rId10"/>
-    <p:sldId id="262" r:id="rId11"/>
-    <p:sldId id="263" r:id="rId12"/>
-    <p:sldId id="268" r:id="rId13"/>
-    <p:sldId id="269" r:id="rId14"/>
+    <p:sldId id="271" r:id="rId9"/>
+    <p:sldId id="272" r:id="rId10"/>
+    <p:sldId id="260" r:id="rId11"/>
+    <p:sldId id="261" r:id="rId12"/>
+    <p:sldId id="262" r:id="rId13"/>
+    <p:sldId id="263" r:id="rId14"/>
+    <p:sldId id="268" r:id="rId15"/>
+    <p:sldId id="269" r:id="rId16"/>
+    <p:sldId id="270" r:id="rId17"/>
+    <p:sldId id="273" r:id="rId18"/>
+    <p:sldId id="274" r:id="rId19"/>
   </p:sldIdLst>
   <p:sldSz cx="9144000" cy="6858000" type="screen4x3"/>
   <p:notesSz cx="6858000" cy="9144000"/>
@@ -205,7 +210,7 @@
             <a:fld id="{276F9C06-F346-48AB-9FE8-2C890CABB23A}" type="datetimeFigureOut">
               <a:rPr lang="pl-PL" smtClean="0"/>
               <a:pPr/>
-              <a:t>30.05.2017</a:t>
+              <a:t>2017-05-31</a:t>
             </a:fld>
             <a:endParaRPr lang="pl-PL"/>
           </a:p>
@@ -746,7 +751,7 @@
             <a:fld id="{C6D6AD2A-B395-4591-8551-E45590CDA7A3}" type="datetime1">
               <a:rPr lang="pl-PL" smtClean="0"/>
               <a:pPr/>
-              <a:t>30.05.2017</a:t>
+              <a:t>2017-05-31</a:t>
             </a:fld>
             <a:endParaRPr lang="pl-PL"/>
           </a:p>
@@ -983,7 +988,7 @@
             <a:fld id="{7033813A-C126-486A-91C4-3E17A8B31910}" type="datetime1">
               <a:rPr lang="pl-PL" smtClean="0"/>
               <a:pPr/>
-              <a:t>30.05.2017</a:t>
+              <a:t>2017-05-31</a:t>
             </a:fld>
             <a:endParaRPr lang="pl-PL"/>
           </a:p>
@@ -1180,7 +1185,7 @@
             <a:fld id="{D6852117-7846-49D2-8028-7D3037F12DB6}" type="datetime1">
               <a:rPr lang="pl-PL" smtClean="0"/>
               <a:pPr/>
-              <a:t>30.05.2017</a:t>
+              <a:t>2017-05-31</a:t>
             </a:fld>
             <a:endParaRPr lang="pl-PL"/>
           </a:p>
@@ -1363,7 +1368,7 @@
             <a:fld id="{DEBB8349-9EFE-4CF4-A443-9D73D6C5CDDC}" type="datetime1">
               <a:rPr lang="pl-PL" smtClean="0"/>
               <a:pPr/>
-              <a:t>30.05.2017</a:t>
+              <a:t>2017-05-31</a:t>
             </a:fld>
             <a:endParaRPr lang="pl-PL"/>
           </a:p>
@@ -1620,7 +1625,7 @@
             <a:fld id="{155A78FA-0EB8-40D3-9CDC-E0736B0C4C35}" type="datetime1">
               <a:rPr lang="pl-PL" smtClean="0"/>
               <a:pPr/>
-              <a:t>30.05.2017</a:t>
+              <a:t>2017-05-31</a:t>
             </a:fld>
             <a:endParaRPr lang="pl-PL"/>
           </a:p>
@@ -1967,7 +1972,7 @@
             <a:fld id="{28B319BA-7EF1-4ED5-AF1A-099C54F8F7B4}" type="datetime1">
               <a:rPr lang="pl-PL" smtClean="0"/>
               <a:pPr/>
-              <a:t>30.05.2017</a:t>
+              <a:t>2017-05-31</a:t>
             </a:fld>
             <a:endParaRPr lang="pl-PL"/>
           </a:p>
@@ -2414,7 +2419,7 @@
             <a:fld id="{0B40057B-584C-474C-A081-F65F5E7966C6}" type="datetime1">
               <a:rPr lang="pl-PL" smtClean="0"/>
               <a:pPr/>
-              <a:t>30.05.2017</a:t>
+              <a:t>2017-05-31</a:t>
             </a:fld>
             <a:endParaRPr lang="pl-PL"/>
           </a:p>
@@ -2580,7 +2585,7 @@
             <a:fld id="{5C25B5B1-0ACD-4764-A2A3-0251308FEF1C}" type="datetime1">
               <a:rPr lang="pl-PL" smtClean="0"/>
               <a:pPr/>
-              <a:t>30.05.2017</a:t>
+              <a:t>2017-05-31</a:t>
             </a:fld>
             <a:endParaRPr lang="pl-PL"/>
           </a:p>
@@ -2688,7 +2693,7 @@
             <a:fld id="{A1E66213-6C40-449F-977E-0A6E121EC626}" type="datetime1">
               <a:rPr lang="pl-PL" smtClean="0"/>
               <a:pPr/>
-              <a:t>30.05.2017</a:t>
+              <a:t>2017-05-31</a:t>
             </a:fld>
             <a:endParaRPr lang="pl-PL"/>
           </a:p>
@@ -2986,7 +2991,7 @@
             <a:fld id="{95E477D7-A444-4B68-96AE-1126F450C109}" type="datetime1">
               <a:rPr lang="pl-PL" smtClean="0"/>
               <a:pPr/>
-              <a:t>30.05.2017</a:t>
+              <a:t>2017-05-31</a:t>
             </a:fld>
             <a:endParaRPr lang="pl-PL"/>
           </a:p>
@@ -3264,7 +3269,7 @@
             <a:fld id="{1330AA89-61BC-4543-9C29-7BF2580DF5BB}" type="datetime1">
               <a:rPr lang="pl-PL" smtClean="0"/>
               <a:pPr/>
-              <a:t>30.05.2017</a:t>
+              <a:t>2017-05-31</a:t>
             </a:fld>
             <a:endParaRPr lang="pl-PL"/>
           </a:p>
@@ -3617,7 +3622,7 @@
             <a:fld id="{284D8F3B-99C0-4D59-90E1-0B93D14B583D}" type="datetime1">
               <a:rPr lang="pl-PL" smtClean="0"/>
               <a:pPr/>
-              <a:t>30.05.2017</a:t>
+              <a:t>2017-05-31</a:t>
             </a:fld>
             <a:endParaRPr lang="pl-PL"/>
           </a:p>
@@ -4325,6 +4330,400 @@
           <a:p>
             <a:r>
               <a:rPr lang="pl-PL" dirty="0" smtClean="0"/>
+              <a:t>Raporty</a:t>
+            </a:r>
+            <a:endParaRPr lang="pl-PL" dirty="0"/>
+          </a:p>
+        </p:txBody>
+      </p:sp>
+      <p:sp>
+        <p:nvSpPr>
+          <p:cNvPr id="4" name="Symbol zastępczy daty 3"/>
+          <p:cNvSpPr>
+            <a:spLocks noGrp="1"/>
+          </p:cNvSpPr>
+          <p:nvPr>
+            <p:ph type="dt" sz="half" idx="10"/>
+          </p:nvPr>
+        </p:nvSpPr>
+        <p:spPr/>
+        <p:txBody>
+          <a:bodyPr/>
+          <a:lstStyle/>
+          <a:p>
+            <a:fld id="{DEBB8349-9EFE-4CF4-A443-9D73D6C5CDDC}" type="datetime1">
+              <a:rPr lang="pl-PL" smtClean="0"/>
+              <a:pPr/>
+              <a:t>2017-05-31</a:t>
+            </a:fld>
+            <a:endParaRPr lang="pl-PL"/>
+          </a:p>
+        </p:txBody>
+      </p:sp>
+      <p:sp>
+        <p:nvSpPr>
+          <p:cNvPr id="5" name="Symbol zastępczy stopki 4"/>
+          <p:cNvSpPr>
+            <a:spLocks noGrp="1"/>
+          </p:cNvSpPr>
+          <p:nvPr>
+            <p:ph type="ftr" sz="quarter" idx="11"/>
+          </p:nvPr>
+        </p:nvSpPr>
+        <p:spPr/>
+        <p:txBody>
+          <a:bodyPr/>
+          <a:lstStyle/>
+          <a:p>
+            <a:r>
+              <a:rPr lang="pl-PL" smtClean="0"/>
+              <a:t>Sprawozdanie z projektu INPG</a:t>
+            </a:r>
+            <a:endParaRPr lang="pl-PL"/>
+          </a:p>
+        </p:txBody>
+      </p:sp>
+      <p:sp>
+        <p:nvSpPr>
+          <p:cNvPr id="6" name="Symbol zastępczy numeru slajdu 5"/>
+          <p:cNvSpPr>
+            <a:spLocks noGrp="1"/>
+          </p:cNvSpPr>
+          <p:nvPr>
+            <p:ph type="sldNum" sz="quarter" idx="12"/>
+          </p:nvPr>
+        </p:nvSpPr>
+        <p:spPr/>
+        <p:txBody>
+          <a:bodyPr/>
+          <a:lstStyle/>
+          <a:p>
+            <a:fld id="{7ABA60A5-3177-43D4-9934-32BA489A924D}" type="slidenum">
+              <a:rPr lang="pl-PL" smtClean="0"/>
+              <a:pPr/>
+              <a:t>10</a:t>
+            </a:fld>
+            <a:endParaRPr lang="pl-PL"/>
+          </a:p>
+        </p:txBody>
+      </p:sp>
+      <p:pic>
+        <p:nvPicPr>
+          <p:cNvPr id="3074" name="Picture 2"/>
+          <p:cNvPicPr>
+            <a:picLocks noChangeAspect="1" noChangeArrowheads="1"/>
+          </p:cNvPicPr>
+          <p:nvPr/>
+        </p:nvPicPr>
+        <p:blipFill>
+          <a:blip r:embed="rId2">
+            <a:extLst>
+              <a:ext uri="{28A0092B-C50C-407E-A947-70E740481C1C}">
+                <a14:useLocalDpi xmlns:a14="http://schemas.microsoft.com/office/drawing/2010/main" xmlns="" val="0"/>
+              </a:ext>
+            </a:extLst>
+          </a:blip>
+          <a:srcRect/>
+          <a:stretch>
+            <a:fillRect/>
+          </a:stretch>
+        </p:blipFill>
+        <p:spPr bwMode="auto">
+          <a:xfrm>
+            <a:off x="838200" y="1340768"/>
+            <a:ext cx="7467600" cy="4622800"/>
+          </a:xfrm>
+          <a:prstGeom prst="rect">
+            <a:avLst/>
+          </a:prstGeom>
+          <a:noFill/>
+          <a:ln>
+            <a:noFill/>
+          </a:ln>
+          <a:effectLst/>
+          <a:extLst>
+            <a:ext uri="{909E8E84-426E-40DD-AFC4-6F175D3DCCD1}">
+              <a14:hiddenFill xmlns:a14="http://schemas.microsoft.com/office/drawing/2010/main" xmlns="">
+                <a:solidFill>
+                  <a:schemeClr val="accent1"/>
+                </a:solidFill>
+              </a14:hiddenFill>
+            </a:ext>
+            <a:ext uri="{91240B29-F687-4F45-9708-019B960494DF}">
+              <a14:hiddenLine xmlns:a14="http://schemas.microsoft.com/office/drawing/2010/main" xmlns="" w="9525">
+                <a:solidFill>
+                  <a:schemeClr val="tx1"/>
+                </a:solidFill>
+                <a:miter lim="800000"/>
+                <a:headEnd/>
+                <a:tailEnd/>
+              </a14:hiddenLine>
+            </a:ext>
+            <a:ext uri="{AF507438-7753-43E0-B8FC-AC1667EBCBE1}">
+              <a14:hiddenEffects xmlns:a14="http://schemas.microsoft.com/office/drawing/2010/main" xmlns="">
+                <a:effectLst>
+                  <a:outerShdw dist="35921" dir="2700000" algn="ctr" rotWithShape="0">
+                    <a:schemeClr val="bg2"/>
+                  </a:outerShdw>
+                </a:effectLst>
+              </a14:hiddenEffects>
+            </a:ext>
+          </a:extLst>
+        </p:spPr>
+      </p:pic>
+    </p:spTree>
+    <p:extLst>
+      <p:ext uri="{BB962C8B-B14F-4D97-AF65-F5344CB8AC3E}">
+        <p14:creationId xmlns:p14="http://schemas.microsoft.com/office/powerpoint/2010/main" xmlns="" val="1524689310"/>
+      </p:ext>
+    </p:extLst>
+  </p:cSld>
+  <p:clrMapOvr>
+    <a:masterClrMapping/>
+  </p:clrMapOvr>
+  <p:timing>
+    <p:tnLst>
+      <p:par>
+        <p:cTn id="1" dur="indefinite" restart="never" nodeType="tmRoot"/>
+      </p:par>
+    </p:tnLst>
+  </p:timing>
+</p:sld>
+</file>
+
+<file path=ppt/slides/slide11.xml><?xml version="1.0" encoding="utf-8"?>
+<p:sld xmlns:a="http://schemas.openxmlformats.org/drawingml/2006/main" xmlns:r="http://schemas.openxmlformats.org/officeDocument/2006/relationships" xmlns:p="http://schemas.openxmlformats.org/presentationml/2006/main">
+  <p:cSld>
+    <p:spTree>
+      <p:nvGrpSpPr>
+        <p:cNvPr id="1" name=""/>
+        <p:cNvGrpSpPr/>
+        <p:nvPr/>
+      </p:nvGrpSpPr>
+      <p:grpSpPr>
+        <a:xfrm>
+          <a:off x="0" y="0"/>
+          <a:ext cx="0" cy="0"/>
+          <a:chOff x="0" y="0"/>
+          <a:chExt cx="0" cy="0"/>
+        </a:xfrm>
+      </p:grpSpPr>
+      <p:sp>
+        <p:nvSpPr>
+          <p:cNvPr id="2" name="Tytuł 1"/>
+          <p:cNvSpPr>
+            <a:spLocks noGrp="1"/>
+          </p:cNvSpPr>
+          <p:nvPr>
+            <p:ph type="title"/>
+          </p:nvPr>
+        </p:nvSpPr>
+        <p:spPr/>
+        <p:txBody>
+          <a:bodyPr/>
+          <a:lstStyle/>
+          <a:p>
+            <a:r>
+              <a:rPr lang="pl-PL" dirty="0" smtClean="0"/>
+              <a:t>Statystyka </a:t>
+            </a:r>
+            <a:r>
+              <a:rPr lang="pl-PL" dirty="0" err="1" smtClean="0"/>
+              <a:t>commitów</a:t>
+            </a:r>
+            <a:endParaRPr lang="pl-PL" dirty="0"/>
+          </a:p>
+        </p:txBody>
+      </p:sp>
+      <p:sp>
+        <p:nvSpPr>
+          <p:cNvPr id="4" name="Symbol zastępczy daty 3"/>
+          <p:cNvSpPr>
+            <a:spLocks noGrp="1"/>
+          </p:cNvSpPr>
+          <p:nvPr>
+            <p:ph type="dt" sz="half" idx="10"/>
+          </p:nvPr>
+        </p:nvSpPr>
+        <p:spPr/>
+        <p:txBody>
+          <a:bodyPr/>
+          <a:lstStyle/>
+          <a:p>
+            <a:fld id="{DEBB8349-9EFE-4CF4-A443-9D73D6C5CDDC}" type="datetime1">
+              <a:rPr lang="pl-PL" smtClean="0"/>
+              <a:pPr/>
+              <a:t>2017-05-31</a:t>
+            </a:fld>
+            <a:endParaRPr lang="pl-PL"/>
+          </a:p>
+        </p:txBody>
+      </p:sp>
+      <p:sp>
+        <p:nvSpPr>
+          <p:cNvPr id="5" name="Symbol zastępczy stopki 4"/>
+          <p:cNvSpPr>
+            <a:spLocks noGrp="1"/>
+          </p:cNvSpPr>
+          <p:nvPr>
+            <p:ph type="ftr" sz="quarter" idx="11"/>
+          </p:nvPr>
+        </p:nvSpPr>
+        <p:spPr/>
+        <p:txBody>
+          <a:bodyPr/>
+          <a:lstStyle/>
+          <a:p>
+            <a:r>
+              <a:rPr lang="pl-PL" smtClean="0"/>
+              <a:t>Sprawozdanie z projektu INPG</a:t>
+            </a:r>
+            <a:endParaRPr lang="pl-PL"/>
+          </a:p>
+        </p:txBody>
+      </p:sp>
+      <p:sp>
+        <p:nvSpPr>
+          <p:cNvPr id="6" name="Symbol zastępczy numeru slajdu 5"/>
+          <p:cNvSpPr>
+            <a:spLocks noGrp="1"/>
+          </p:cNvSpPr>
+          <p:nvPr>
+            <p:ph type="sldNum" sz="quarter" idx="12"/>
+          </p:nvPr>
+        </p:nvSpPr>
+        <p:spPr/>
+        <p:txBody>
+          <a:bodyPr/>
+          <a:lstStyle/>
+          <a:p>
+            <a:fld id="{7ABA60A5-3177-43D4-9934-32BA489A924D}" type="slidenum">
+              <a:rPr lang="pl-PL" smtClean="0"/>
+              <a:pPr/>
+              <a:t>11</a:t>
+            </a:fld>
+            <a:endParaRPr lang="pl-PL"/>
+          </a:p>
+        </p:txBody>
+      </p:sp>
+      <p:pic>
+        <p:nvPicPr>
+          <p:cNvPr id="4098" name="Picture 2"/>
+          <p:cNvPicPr>
+            <a:picLocks noChangeAspect="1" noChangeArrowheads="1"/>
+          </p:cNvPicPr>
+          <p:nvPr/>
+        </p:nvPicPr>
+        <p:blipFill>
+          <a:blip r:embed="rId2">
+            <a:extLst>
+              <a:ext uri="{28A0092B-C50C-407E-A947-70E740481C1C}">
+                <a14:useLocalDpi xmlns:a14="http://schemas.microsoft.com/office/drawing/2010/main" xmlns="" val="0"/>
+              </a:ext>
+            </a:extLst>
+          </a:blip>
+          <a:srcRect/>
+          <a:stretch>
+            <a:fillRect/>
+          </a:stretch>
+        </p:blipFill>
+        <p:spPr bwMode="auto">
+          <a:xfrm>
+            <a:off x="587375" y="1692275"/>
+            <a:ext cx="7969250" cy="3473450"/>
+          </a:xfrm>
+          <a:prstGeom prst="rect">
+            <a:avLst/>
+          </a:prstGeom>
+          <a:noFill/>
+          <a:ln>
+            <a:noFill/>
+          </a:ln>
+          <a:effectLst/>
+          <a:extLst>
+            <a:ext uri="{909E8E84-426E-40DD-AFC4-6F175D3DCCD1}">
+              <a14:hiddenFill xmlns:a14="http://schemas.microsoft.com/office/drawing/2010/main" xmlns="">
+                <a:solidFill>
+                  <a:schemeClr val="accent1"/>
+                </a:solidFill>
+              </a14:hiddenFill>
+            </a:ext>
+            <a:ext uri="{91240B29-F687-4F45-9708-019B960494DF}">
+              <a14:hiddenLine xmlns:a14="http://schemas.microsoft.com/office/drawing/2010/main" xmlns="" w="9525">
+                <a:solidFill>
+                  <a:schemeClr val="tx1"/>
+                </a:solidFill>
+                <a:miter lim="800000"/>
+                <a:headEnd/>
+                <a:tailEnd/>
+              </a14:hiddenLine>
+            </a:ext>
+            <a:ext uri="{AF507438-7753-43E0-B8FC-AC1667EBCBE1}">
+              <a14:hiddenEffects xmlns:a14="http://schemas.microsoft.com/office/drawing/2010/main" xmlns="">
+                <a:effectLst>
+                  <a:outerShdw dist="35921" dir="2700000" algn="ctr" rotWithShape="0">
+                    <a:schemeClr val="bg2"/>
+                  </a:outerShdw>
+                </a:effectLst>
+              </a14:hiddenEffects>
+            </a:ext>
+          </a:extLst>
+        </p:spPr>
+      </p:pic>
+    </p:spTree>
+    <p:extLst>
+      <p:ext uri="{BB962C8B-B14F-4D97-AF65-F5344CB8AC3E}">
+        <p14:creationId xmlns:p14="http://schemas.microsoft.com/office/powerpoint/2010/main" xmlns="" val="1948775304"/>
+      </p:ext>
+    </p:extLst>
+  </p:cSld>
+  <p:clrMapOvr>
+    <a:masterClrMapping/>
+  </p:clrMapOvr>
+  <p:timing>
+    <p:tnLst>
+      <p:par>
+        <p:cTn id="1" dur="indefinite" restart="never" nodeType="tmRoot"/>
+      </p:par>
+    </p:tnLst>
+  </p:timing>
+</p:sld>
+</file>
+
+<file path=ppt/slides/slide12.xml><?xml version="1.0" encoding="utf-8"?>
+<p:sld xmlns:a="http://schemas.openxmlformats.org/drawingml/2006/main" xmlns:r="http://schemas.openxmlformats.org/officeDocument/2006/relationships" xmlns:p="http://schemas.openxmlformats.org/presentationml/2006/main">
+  <p:cSld>
+    <p:spTree>
+      <p:nvGrpSpPr>
+        <p:cNvPr id="1" name=""/>
+        <p:cNvGrpSpPr/>
+        <p:nvPr/>
+      </p:nvGrpSpPr>
+      <p:grpSpPr>
+        <a:xfrm>
+          <a:off x="0" y="0"/>
+          <a:ext cx="0" cy="0"/>
+          <a:chOff x="0" y="0"/>
+          <a:chExt cx="0" cy="0"/>
+        </a:xfrm>
+      </p:grpSpPr>
+      <p:sp>
+        <p:nvSpPr>
+          <p:cNvPr id="2" name="Tytuł 1"/>
+          <p:cNvSpPr>
+            <a:spLocks noGrp="1"/>
+          </p:cNvSpPr>
+          <p:nvPr>
+            <p:ph type="title"/>
+          </p:nvPr>
+        </p:nvSpPr>
+        <p:spPr/>
+        <p:txBody>
+          <a:bodyPr/>
+          <a:lstStyle/>
+          <a:p>
+            <a:r>
+              <a:rPr lang="pl-PL" dirty="0" smtClean="0"/>
               <a:t>Założenie </a:t>
             </a:r>
             <a:r>
@@ -4353,7 +4752,7 @@
             <a:fld id="{DEBB8349-9EFE-4CF4-A443-9D73D6C5CDDC}" type="datetime1">
               <a:rPr lang="pl-PL" smtClean="0"/>
               <a:pPr/>
-              <a:t>30.05.2017</a:t>
+              <a:t>2017-05-31</a:t>
             </a:fld>
             <a:endParaRPr lang="pl-PL"/>
           </a:p>
@@ -4400,7 +4799,7 @@
             <a:fld id="{7ABA60A5-3177-43D4-9934-32BA489A924D}" type="slidenum">
               <a:rPr lang="pl-PL" smtClean="0"/>
               <a:pPr/>
-              <a:t>10</a:t>
+              <a:t>12</a:t>
             </a:fld>
             <a:endParaRPr lang="pl-PL"/>
           </a:p>
@@ -4490,7 +4889,7 @@
 </p:sld>
 </file>
 
-<file path=ppt/slides/slide11.xml><?xml version="1.0" encoding="utf-8"?>
+<file path=ppt/slides/slide13.xml><?xml version="1.0" encoding="utf-8"?>
 <p:sld xmlns:a="http://schemas.openxmlformats.org/drawingml/2006/main" xmlns:r="http://schemas.openxmlformats.org/officeDocument/2006/relationships" xmlns:p="http://schemas.openxmlformats.org/presentationml/2006/main">
   <p:cSld>
     <p:spTree>
@@ -4548,7 +4947,7 @@
             <a:fld id="{DEBB8349-9EFE-4CF4-A443-9D73D6C5CDDC}" type="datetime1">
               <a:rPr lang="pl-PL" smtClean="0"/>
               <a:pPr/>
-              <a:t>30.05.2017</a:t>
+              <a:t>2017-05-31</a:t>
             </a:fld>
             <a:endParaRPr lang="pl-PL"/>
           </a:p>
@@ -4595,7 +4994,7 @@
             <a:fld id="{7ABA60A5-3177-43D4-9934-32BA489A924D}" type="slidenum">
               <a:rPr lang="pl-PL" smtClean="0"/>
               <a:pPr/>
-              <a:t>11</a:t>
+              <a:t>13</a:t>
             </a:fld>
             <a:endParaRPr lang="pl-PL"/>
           </a:p>
@@ -4759,7 +5158,7 @@
 </p:sld>
 </file>
 
-<file path=ppt/slides/slide12.xml><?xml version="1.0" encoding="utf-8"?>
+<file path=ppt/slides/slide14.xml><?xml version="1.0" encoding="utf-8"?>
 <p:sld xmlns:a="http://schemas.openxmlformats.org/drawingml/2006/main" xmlns:r="http://schemas.openxmlformats.org/officeDocument/2006/relationships" xmlns:p="http://schemas.openxmlformats.org/presentationml/2006/main">
   <p:cSld>
     <p:spTree>
@@ -4823,7 +5222,7 @@
             <a:fld id="{DEBB8349-9EFE-4CF4-A443-9D73D6C5CDDC}" type="datetime1">
               <a:rPr lang="pl-PL" smtClean="0"/>
               <a:pPr/>
-              <a:t>30.05.2017</a:t>
+              <a:t>2017-05-31</a:t>
             </a:fld>
             <a:endParaRPr lang="pl-PL"/>
           </a:p>
@@ -4870,7 +5269,7 @@
             <a:fld id="{7ABA60A5-3177-43D4-9934-32BA489A924D}" type="slidenum">
               <a:rPr lang="pl-PL" smtClean="0"/>
               <a:pPr/>
-              <a:t>12</a:t>
+              <a:t>14</a:t>
             </a:fld>
             <a:endParaRPr lang="pl-PL"/>
           </a:p>
@@ -4919,7 +5318,7 @@
 </p:sld>
 </file>
 
-<file path=ppt/slides/slide13.xml><?xml version="1.0" encoding="utf-8"?>
+<file path=ppt/slides/slide15.xml><?xml version="1.0" encoding="utf-8"?>
 <p:sld xmlns:a="http://schemas.openxmlformats.org/drawingml/2006/main" xmlns:r="http://schemas.openxmlformats.org/officeDocument/2006/relationships" xmlns:p="http://schemas.openxmlformats.org/presentationml/2006/main">
   <p:cSld>
     <p:spTree>
@@ -4979,7 +5378,7 @@
             <a:fld id="{DEBB8349-9EFE-4CF4-A443-9D73D6C5CDDC}" type="datetime1">
               <a:rPr lang="pl-PL" smtClean="0"/>
               <a:pPr/>
-              <a:t>30.05.2017</a:t>
+              <a:t>2017-05-31</a:t>
             </a:fld>
             <a:endParaRPr lang="pl-PL"/>
           </a:p>
@@ -5026,7 +5425,7 @@
             <a:fld id="{7ABA60A5-3177-43D4-9934-32BA489A924D}" type="slidenum">
               <a:rPr lang="pl-PL" smtClean="0"/>
               <a:pPr/>
-              <a:t>13</a:t>
+              <a:t>15</a:t>
             </a:fld>
             <a:endParaRPr lang="pl-PL"/>
           </a:p>
@@ -5053,6 +5452,540 @@
           <a:xfrm>
             <a:off x="457200" y="1937984"/>
             <a:ext cx="8229600" cy="3850395"/>
+          </a:xfrm>
+          <a:prstGeom prst="rect">
+            <a:avLst/>
+          </a:prstGeom>
+          <a:noFill/>
+          <a:ln w="9525">
+            <a:noFill/>
+            <a:miter lim="800000"/>
+            <a:headEnd/>
+            <a:tailEnd/>
+          </a:ln>
+          <a:effectLst/>
+        </p:spPr>
+      </p:pic>
+    </p:spTree>
+  </p:cSld>
+  <p:clrMapOvr>
+    <a:masterClrMapping/>
+  </p:clrMapOvr>
+</p:sld>
+</file>
+
+<file path=ppt/slides/slide16.xml><?xml version="1.0" encoding="utf-8"?>
+<p:sld xmlns:a="http://schemas.openxmlformats.org/drawingml/2006/main" xmlns:r="http://schemas.openxmlformats.org/officeDocument/2006/relationships" xmlns:p="http://schemas.openxmlformats.org/presentationml/2006/main">
+  <p:cSld>
+    <p:spTree>
+      <p:nvGrpSpPr>
+        <p:cNvPr id="1" name=""/>
+        <p:cNvGrpSpPr/>
+        <p:nvPr/>
+      </p:nvGrpSpPr>
+      <p:grpSpPr>
+        <a:xfrm>
+          <a:off x="0" y="0"/>
+          <a:ext cx="0" cy="0"/>
+          <a:chOff x="0" y="0"/>
+          <a:chExt cx="0" cy="0"/>
+        </a:xfrm>
+      </p:grpSpPr>
+      <p:sp>
+        <p:nvSpPr>
+          <p:cNvPr id="2" name="Tytuł 1"/>
+          <p:cNvSpPr>
+            <a:spLocks noGrp="1"/>
+          </p:cNvSpPr>
+          <p:nvPr>
+            <p:ph type="title"/>
+          </p:nvPr>
+        </p:nvSpPr>
+        <p:spPr/>
+        <p:txBody>
+          <a:bodyPr/>
+          <a:lstStyle/>
+          <a:p>
+            <a:r>
+              <a:rPr lang="pl-PL" dirty="0" smtClean="0"/>
+              <a:t>Podsumowanie</a:t>
+            </a:r>
+            <a:endParaRPr lang="pl-PL" dirty="0"/>
+          </a:p>
+        </p:txBody>
+      </p:sp>
+      <p:sp>
+        <p:nvSpPr>
+          <p:cNvPr id="3" name="Symbol zastępczy zawartości 2"/>
+          <p:cNvSpPr>
+            <a:spLocks noGrp="1"/>
+          </p:cNvSpPr>
+          <p:nvPr>
+            <p:ph idx="1"/>
+          </p:nvPr>
+        </p:nvSpPr>
+        <p:spPr/>
+        <p:txBody>
+          <a:bodyPr/>
+          <a:lstStyle/>
+          <a:p>
+            <a:r>
+              <a:rPr lang="pl-PL" dirty="0" smtClean="0"/>
+              <a:t>Liczba </a:t>
+            </a:r>
+            <a:r>
+              <a:rPr lang="pl-PL" dirty="0" err="1" smtClean="0"/>
+              <a:t>commitów</a:t>
+            </a:r>
+            <a:r>
+              <a:rPr lang="pl-PL" dirty="0" smtClean="0"/>
+              <a:t> – ok. 100</a:t>
+            </a:r>
+            <a:endParaRPr lang="pl-PL" dirty="0"/>
+          </a:p>
+        </p:txBody>
+      </p:sp>
+      <p:sp>
+        <p:nvSpPr>
+          <p:cNvPr id="4" name="Symbol zastępczy daty 3"/>
+          <p:cNvSpPr>
+            <a:spLocks noGrp="1"/>
+          </p:cNvSpPr>
+          <p:nvPr>
+            <p:ph type="dt" sz="half" idx="10"/>
+          </p:nvPr>
+        </p:nvSpPr>
+        <p:spPr/>
+        <p:txBody>
+          <a:bodyPr/>
+          <a:lstStyle/>
+          <a:p>
+            <a:fld id="{DEBB8349-9EFE-4CF4-A443-9D73D6C5CDDC}" type="datetime1">
+              <a:rPr lang="pl-PL" smtClean="0"/>
+              <a:pPr/>
+              <a:t>2017-05-31</a:t>
+            </a:fld>
+            <a:endParaRPr lang="pl-PL"/>
+          </a:p>
+        </p:txBody>
+      </p:sp>
+      <p:sp>
+        <p:nvSpPr>
+          <p:cNvPr id="5" name="Symbol zastępczy stopki 4"/>
+          <p:cNvSpPr>
+            <a:spLocks noGrp="1"/>
+          </p:cNvSpPr>
+          <p:nvPr>
+            <p:ph type="ftr" sz="quarter" idx="11"/>
+          </p:nvPr>
+        </p:nvSpPr>
+        <p:spPr/>
+        <p:txBody>
+          <a:bodyPr/>
+          <a:lstStyle/>
+          <a:p>
+            <a:r>
+              <a:rPr lang="pl-PL" smtClean="0"/>
+              <a:t>Sprawozdanie z projektu INPG</a:t>
+            </a:r>
+            <a:endParaRPr lang="pl-PL"/>
+          </a:p>
+        </p:txBody>
+      </p:sp>
+      <p:sp>
+        <p:nvSpPr>
+          <p:cNvPr id="6" name="Symbol zastępczy numeru slajdu 5"/>
+          <p:cNvSpPr>
+            <a:spLocks noGrp="1"/>
+          </p:cNvSpPr>
+          <p:nvPr>
+            <p:ph type="sldNum" sz="quarter" idx="12"/>
+          </p:nvPr>
+        </p:nvSpPr>
+        <p:spPr/>
+        <p:txBody>
+          <a:bodyPr/>
+          <a:lstStyle/>
+          <a:p>
+            <a:fld id="{7ABA60A5-3177-43D4-9934-32BA489A924D}" type="slidenum">
+              <a:rPr lang="pl-PL" smtClean="0"/>
+              <a:pPr/>
+              <a:t>16</a:t>
+            </a:fld>
+            <a:endParaRPr lang="pl-PL"/>
+          </a:p>
+        </p:txBody>
+      </p:sp>
+      <p:pic>
+        <p:nvPicPr>
+          <p:cNvPr id="3073" name="Picture 1"/>
+          <p:cNvPicPr>
+            <a:picLocks noChangeAspect="1" noChangeArrowheads="1"/>
+          </p:cNvPicPr>
+          <p:nvPr/>
+        </p:nvPicPr>
+        <p:blipFill>
+          <a:blip r:embed="rId2"/>
+          <a:srcRect l="9334" t="8789" r="18949" b="54101"/>
+          <a:stretch>
+            <a:fillRect/>
+          </a:stretch>
+        </p:blipFill>
+        <p:spPr bwMode="auto">
+          <a:xfrm>
+            <a:off x="357157" y="3071810"/>
+            <a:ext cx="8523417" cy="2479638"/>
+          </a:xfrm>
+          <a:prstGeom prst="rect">
+            <a:avLst/>
+          </a:prstGeom>
+          <a:noFill/>
+          <a:ln w="9525">
+            <a:noFill/>
+            <a:miter lim="800000"/>
+            <a:headEnd/>
+            <a:tailEnd/>
+          </a:ln>
+          <a:effectLst/>
+        </p:spPr>
+      </p:pic>
+    </p:spTree>
+  </p:cSld>
+  <p:clrMapOvr>
+    <a:masterClrMapping/>
+  </p:clrMapOvr>
+</p:sld>
+</file>
+
+<file path=ppt/slides/slide17.xml><?xml version="1.0" encoding="utf-8"?>
+<p:sld xmlns:a="http://schemas.openxmlformats.org/drawingml/2006/main" xmlns:r="http://schemas.openxmlformats.org/officeDocument/2006/relationships" xmlns:p="http://schemas.openxmlformats.org/presentationml/2006/main">
+  <p:cSld>
+    <p:spTree>
+      <p:nvGrpSpPr>
+        <p:cNvPr id="1" name=""/>
+        <p:cNvGrpSpPr/>
+        <p:nvPr/>
+      </p:nvGrpSpPr>
+      <p:grpSpPr>
+        <a:xfrm>
+          <a:off x="0" y="0"/>
+          <a:ext cx="0" cy="0"/>
+          <a:chOff x="0" y="0"/>
+          <a:chExt cx="0" cy="0"/>
+        </a:xfrm>
+      </p:grpSpPr>
+      <p:sp>
+        <p:nvSpPr>
+          <p:cNvPr id="2" name="Tytuł 1"/>
+          <p:cNvSpPr>
+            <a:spLocks noGrp="1"/>
+          </p:cNvSpPr>
+          <p:nvPr>
+            <p:ph type="title"/>
+          </p:nvPr>
+        </p:nvSpPr>
+        <p:spPr/>
+        <p:txBody>
+          <a:bodyPr/>
+          <a:lstStyle/>
+          <a:p>
+            <a:endParaRPr lang="pl-PL" dirty="0"/>
+          </a:p>
+        </p:txBody>
+      </p:sp>
+      <p:sp>
+        <p:nvSpPr>
+          <p:cNvPr id="3" name="Symbol zastępczy zawartości 2"/>
+          <p:cNvSpPr>
+            <a:spLocks noGrp="1"/>
+          </p:cNvSpPr>
+          <p:nvPr>
+            <p:ph idx="1"/>
+          </p:nvPr>
+        </p:nvSpPr>
+        <p:spPr>
+          <a:xfrm>
+            <a:off x="457200" y="714356"/>
+            <a:ext cx="8229600" cy="5411807"/>
+          </a:xfrm>
+        </p:spPr>
+        <p:txBody>
+          <a:bodyPr/>
+          <a:lstStyle/>
+          <a:p>
+            <a:r>
+              <a:rPr lang="pl-PL" dirty="0" smtClean="0"/>
+              <a:t>Staraliśmy się regularnie pracować </a:t>
+            </a:r>
+            <a:endParaRPr lang="pl-PL" dirty="0"/>
+          </a:p>
+        </p:txBody>
+      </p:sp>
+      <p:sp>
+        <p:nvSpPr>
+          <p:cNvPr id="4" name="Symbol zastępczy daty 3"/>
+          <p:cNvSpPr>
+            <a:spLocks noGrp="1"/>
+          </p:cNvSpPr>
+          <p:nvPr>
+            <p:ph type="dt" sz="half" idx="10"/>
+          </p:nvPr>
+        </p:nvSpPr>
+        <p:spPr/>
+        <p:txBody>
+          <a:bodyPr/>
+          <a:lstStyle/>
+          <a:p>
+            <a:fld id="{DEBB8349-9EFE-4CF4-A443-9D73D6C5CDDC}" type="datetime1">
+              <a:rPr lang="pl-PL" smtClean="0"/>
+              <a:pPr/>
+              <a:t>2017-05-31</a:t>
+            </a:fld>
+            <a:endParaRPr lang="pl-PL"/>
+          </a:p>
+        </p:txBody>
+      </p:sp>
+      <p:sp>
+        <p:nvSpPr>
+          <p:cNvPr id="5" name="Symbol zastępczy stopki 4"/>
+          <p:cNvSpPr>
+            <a:spLocks noGrp="1"/>
+          </p:cNvSpPr>
+          <p:nvPr>
+            <p:ph type="ftr" sz="quarter" idx="11"/>
+          </p:nvPr>
+        </p:nvSpPr>
+        <p:spPr/>
+        <p:txBody>
+          <a:bodyPr/>
+          <a:lstStyle/>
+          <a:p>
+            <a:r>
+              <a:rPr lang="pl-PL" smtClean="0"/>
+              <a:t>Sprawozdanie z projektu INPG</a:t>
+            </a:r>
+            <a:endParaRPr lang="pl-PL"/>
+          </a:p>
+        </p:txBody>
+      </p:sp>
+      <p:sp>
+        <p:nvSpPr>
+          <p:cNvPr id="6" name="Symbol zastępczy numeru slajdu 5"/>
+          <p:cNvSpPr>
+            <a:spLocks noGrp="1"/>
+          </p:cNvSpPr>
+          <p:nvPr>
+            <p:ph type="sldNum" sz="quarter" idx="12"/>
+          </p:nvPr>
+        </p:nvSpPr>
+        <p:spPr/>
+        <p:txBody>
+          <a:bodyPr/>
+          <a:lstStyle/>
+          <a:p>
+            <a:fld id="{7ABA60A5-3177-43D4-9934-32BA489A924D}" type="slidenum">
+              <a:rPr lang="pl-PL" smtClean="0"/>
+              <a:pPr/>
+              <a:t>17</a:t>
+            </a:fld>
+            <a:endParaRPr lang="pl-PL"/>
+          </a:p>
+        </p:txBody>
+      </p:sp>
+      <p:pic>
+        <p:nvPicPr>
+          <p:cNvPr id="31746" name="Picture 2"/>
+          <p:cNvPicPr>
+            <a:picLocks noChangeAspect="1" noChangeArrowheads="1"/>
+          </p:cNvPicPr>
+          <p:nvPr/>
+        </p:nvPicPr>
+        <p:blipFill>
+          <a:blip r:embed="rId2"/>
+          <a:srcRect l="10981" t="43945" r="11603" b="15039"/>
+          <a:stretch>
+            <a:fillRect/>
+          </a:stretch>
+        </p:blipFill>
+        <p:spPr bwMode="auto">
+          <a:xfrm>
+            <a:off x="214282" y="2357430"/>
+            <a:ext cx="8643998" cy="2574808"/>
+          </a:xfrm>
+          <a:prstGeom prst="rect">
+            <a:avLst/>
+          </a:prstGeom>
+          <a:noFill/>
+          <a:ln w="9525">
+            <a:noFill/>
+            <a:miter lim="800000"/>
+            <a:headEnd/>
+            <a:tailEnd/>
+          </a:ln>
+          <a:effectLst/>
+        </p:spPr>
+      </p:pic>
+    </p:spTree>
+  </p:cSld>
+  <p:clrMapOvr>
+    <a:masterClrMapping/>
+  </p:clrMapOvr>
+</p:sld>
+</file>
+
+<file path=ppt/slides/slide18.xml><?xml version="1.0" encoding="utf-8"?>
+<p:sld xmlns:a="http://schemas.openxmlformats.org/drawingml/2006/main" xmlns:r="http://schemas.openxmlformats.org/officeDocument/2006/relationships" xmlns:p="http://schemas.openxmlformats.org/presentationml/2006/main">
+  <p:cSld>
+    <p:spTree>
+      <p:nvGrpSpPr>
+        <p:cNvPr id="1" name=""/>
+        <p:cNvGrpSpPr/>
+        <p:nvPr/>
+      </p:nvGrpSpPr>
+      <p:grpSpPr>
+        <a:xfrm>
+          <a:off x="0" y="0"/>
+          <a:ext cx="0" cy="0"/>
+          <a:chOff x="0" y="0"/>
+          <a:chExt cx="0" cy="0"/>
+        </a:xfrm>
+      </p:grpSpPr>
+      <p:sp>
+        <p:nvSpPr>
+          <p:cNvPr id="2" name="Tytuł 1"/>
+          <p:cNvSpPr>
+            <a:spLocks noGrp="1"/>
+          </p:cNvSpPr>
+          <p:nvPr>
+            <p:ph type="title"/>
+          </p:nvPr>
+        </p:nvSpPr>
+        <p:spPr/>
+        <p:txBody>
+          <a:bodyPr/>
+          <a:lstStyle/>
+          <a:p>
+            <a:r>
+              <a:rPr lang="pl-PL" dirty="0" smtClean="0"/>
+              <a:t>Repozytorium </a:t>
+            </a:r>
+            <a:r>
+              <a:rPr lang="pl-PL" dirty="0" err="1" smtClean="0"/>
+              <a:t>GitHub</a:t>
+            </a:r>
+            <a:endParaRPr lang="pl-PL" dirty="0"/>
+          </a:p>
+        </p:txBody>
+      </p:sp>
+      <p:sp>
+        <p:nvSpPr>
+          <p:cNvPr id="3" name="Symbol zastępczy zawartości 2"/>
+          <p:cNvSpPr>
+            <a:spLocks noGrp="1"/>
+          </p:cNvSpPr>
+          <p:nvPr>
+            <p:ph idx="1"/>
+          </p:nvPr>
+        </p:nvSpPr>
+        <p:spPr/>
+        <p:txBody>
+          <a:bodyPr/>
+          <a:lstStyle/>
+          <a:p>
+            <a:endParaRPr lang="pl-PL" dirty="0"/>
+          </a:p>
+        </p:txBody>
+      </p:sp>
+      <p:sp>
+        <p:nvSpPr>
+          <p:cNvPr id="4" name="Symbol zastępczy daty 3"/>
+          <p:cNvSpPr>
+            <a:spLocks noGrp="1"/>
+          </p:cNvSpPr>
+          <p:nvPr>
+            <p:ph type="dt" sz="half" idx="10"/>
+          </p:nvPr>
+        </p:nvSpPr>
+        <p:spPr/>
+        <p:txBody>
+          <a:bodyPr/>
+          <a:lstStyle/>
+          <a:p>
+            <a:fld id="{DEBB8349-9EFE-4CF4-A443-9D73D6C5CDDC}" type="datetime1">
+              <a:rPr lang="pl-PL" smtClean="0"/>
+              <a:pPr/>
+              <a:t>2017-05-31</a:t>
+            </a:fld>
+            <a:endParaRPr lang="pl-PL"/>
+          </a:p>
+        </p:txBody>
+      </p:sp>
+      <p:sp>
+        <p:nvSpPr>
+          <p:cNvPr id="5" name="Symbol zastępczy stopki 4"/>
+          <p:cNvSpPr>
+            <a:spLocks noGrp="1"/>
+          </p:cNvSpPr>
+          <p:nvPr>
+            <p:ph type="ftr" sz="quarter" idx="11"/>
+          </p:nvPr>
+        </p:nvSpPr>
+        <p:spPr/>
+        <p:txBody>
+          <a:bodyPr/>
+          <a:lstStyle/>
+          <a:p>
+            <a:r>
+              <a:rPr lang="pl-PL" smtClean="0"/>
+              <a:t>Sprawozdanie z projektu INPG</a:t>
+            </a:r>
+            <a:endParaRPr lang="pl-PL"/>
+          </a:p>
+        </p:txBody>
+      </p:sp>
+      <p:sp>
+        <p:nvSpPr>
+          <p:cNvPr id="6" name="Symbol zastępczy numeru slajdu 5"/>
+          <p:cNvSpPr>
+            <a:spLocks noGrp="1"/>
+          </p:cNvSpPr>
+          <p:nvPr>
+            <p:ph type="sldNum" sz="quarter" idx="12"/>
+          </p:nvPr>
+        </p:nvSpPr>
+        <p:spPr/>
+        <p:txBody>
+          <a:bodyPr/>
+          <a:lstStyle/>
+          <a:p>
+            <a:fld id="{7ABA60A5-3177-43D4-9934-32BA489A924D}" type="slidenum">
+              <a:rPr lang="pl-PL" smtClean="0"/>
+              <a:pPr/>
+              <a:t>18</a:t>
+            </a:fld>
+            <a:endParaRPr lang="pl-PL"/>
+          </a:p>
+        </p:txBody>
+      </p:sp>
+      <p:pic>
+        <p:nvPicPr>
+          <p:cNvPr id="1026" name="Picture 2"/>
+          <p:cNvPicPr>
+            <a:picLocks noChangeAspect="1" noChangeArrowheads="1"/>
+          </p:cNvPicPr>
+          <p:nvPr/>
+        </p:nvPicPr>
+        <p:blipFill>
+          <a:blip r:embed="rId2"/>
+          <a:srcRect l="9334" t="9765" r="11054" b="6250"/>
+          <a:stretch>
+            <a:fillRect/>
+          </a:stretch>
+        </p:blipFill>
+        <p:spPr bwMode="auto">
+          <a:xfrm>
+            <a:off x="263292" y="1285861"/>
+            <a:ext cx="8666426" cy="5072098"/>
           </a:xfrm>
           <a:prstGeom prst="rect">
             <a:avLst/>
@@ -5152,7 +6085,7 @@
             <a:fld id="{90F0A293-143E-49F8-AB74-8BE42FB9E430}" type="datetime1">
               <a:rPr lang="pl-PL" smtClean="0"/>
               <a:pPr/>
-              <a:t>30.05.2017</a:t>
+              <a:t>2017-05-31</a:t>
             </a:fld>
             <a:endParaRPr lang="pl-PL"/>
           </a:p>
@@ -5285,7 +6218,7 @@
             <a:fld id="{DEBB8349-9EFE-4CF4-A443-9D73D6C5CDDC}" type="datetime1">
               <a:rPr lang="pl-PL" smtClean="0"/>
               <a:pPr/>
-              <a:t>30.05.2017</a:t>
+              <a:t>2017-05-31</a:t>
             </a:fld>
             <a:endParaRPr lang="pl-PL"/>
           </a:p>
@@ -5475,7 +6408,7 @@
             <a:fld id="{DEBB8349-9EFE-4CF4-A443-9D73D6C5CDDC}" type="datetime1">
               <a:rPr lang="pl-PL" smtClean="0"/>
               <a:pPr/>
-              <a:t>30.05.2017</a:t>
+              <a:t>2017-05-31</a:t>
             </a:fld>
             <a:endParaRPr lang="pl-PL"/>
           </a:p>
@@ -5700,7 +6633,7 @@
             <a:fld id="{DEBB8349-9EFE-4CF4-A443-9D73D6C5CDDC}" type="datetime1">
               <a:rPr lang="pl-PL" smtClean="0"/>
               <a:pPr/>
-              <a:t>30.05.2017</a:t>
+              <a:t>2017-05-31</a:t>
             </a:fld>
             <a:endParaRPr lang="pl-PL"/>
           </a:p>
@@ -5819,7 +6752,7 @@
             <a:fld id="{DEBB8349-9EFE-4CF4-A443-9D73D6C5CDDC}" type="datetime1">
               <a:rPr lang="pl-PL" smtClean="0"/>
               <a:pPr/>
-              <a:t>30.05.2017</a:t>
+              <a:t>2017-05-31</a:t>
             </a:fld>
             <a:endParaRPr lang="pl-PL"/>
           </a:p>
@@ -6014,7 +6947,7 @@
             <a:fld id="{DEBB8349-9EFE-4CF4-A443-9D73D6C5CDDC}" type="datetime1">
               <a:rPr lang="pl-PL" smtClean="0"/>
               <a:pPr/>
-              <a:t>30.05.2017</a:t>
+              <a:t>2017-05-31</a:t>
             </a:fld>
             <a:endParaRPr lang="pl-PL"/>
           </a:p>
@@ -6185,12 +7118,3220 @@
           <a:p>
             <a:r>
               <a:rPr lang="pl-PL" dirty="0" smtClean="0"/>
-              <a:t>Raporty</a:t>
+              <a:t>II Sprint</a:t>
             </a:r>
             <a:endParaRPr lang="pl-PL" dirty="0"/>
           </a:p>
         </p:txBody>
       </p:sp>
+      <p:graphicFrame>
+        <p:nvGraphicFramePr>
+          <p:cNvPr id="7" name="Symbol zastępczy zawartości 6"/>
+          <p:cNvGraphicFramePr>
+            <a:graphicFrameLocks noGrp="1"/>
+          </p:cNvGraphicFramePr>
+          <p:nvPr>
+            <p:ph idx="1"/>
+          </p:nvPr>
+        </p:nvGraphicFramePr>
+        <p:xfrm>
+          <a:off x="1000100" y="1520306"/>
+          <a:ext cx="7143800" cy="4653794"/>
+        </p:xfrm>
+        <a:graphic>
+          <a:graphicData uri="http://schemas.openxmlformats.org/drawingml/2006/table">
+            <a:tbl>
+              <a:tblPr/>
+              <a:tblGrid>
+                <a:gridCol w="1071733"/>
+                <a:gridCol w="989192"/>
+                <a:gridCol w="705537"/>
+                <a:gridCol w="528660"/>
+                <a:gridCol w="681953"/>
+                <a:gridCol w="714707"/>
+                <a:gridCol w="1636425"/>
+                <a:gridCol w="815593"/>
+              </a:tblGrid>
+              <a:tr h="304252">
+                <a:tc gridSpan="8">
+                  <a:txBody>
+                    <a:bodyPr/>
+                    <a:lstStyle/>
+                    <a:p>
+                      <a:pPr algn="ctr">
+                        <a:lnSpc>
+                          <a:spcPct val="115000"/>
+                        </a:lnSpc>
+                        <a:spcAft>
+                          <a:spcPts val="0"/>
+                        </a:spcAft>
+                      </a:pPr>
+                      <a:r>
+                        <a:rPr lang="pl-PL" sz="1000">
+                          <a:solidFill>
+                            <a:srgbClr val="00000A"/>
+                          </a:solidFill>
+                          <a:latin typeface="Calibri"/>
+                          <a:ea typeface="Calibri"/>
+                          <a:cs typeface="Times New Roman"/>
+                        </a:rPr>
+                        <a:t>II SPRINT SCRUM MASTER: ALEKSANDRA DĄBROWSKA</a:t>
+                      </a:r>
+                      <a:endParaRPr lang="pl-PL" sz="1000">
+                        <a:solidFill>
+                          <a:srgbClr val="00000A"/>
+                        </a:solidFill>
+                        <a:latin typeface="Calibri"/>
+                        <a:ea typeface="Times New Roman"/>
+                        <a:cs typeface="Times New Roman"/>
+                      </a:endParaRPr>
+                    </a:p>
+                  </a:txBody>
+                  <a:tcPr marL="57291" marR="60072" marT="0" marB="0">
+                    <a:lnL w="12700" cap="flat" cmpd="sng" algn="ctr">
+                      <a:solidFill>
+                        <a:srgbClr val="000000"/>
+                      </a:solidFill>
+                      <a:prstDash val="solid"/>
+                      <a:round/>
+                      <a:headEnd type="none" w="med" len="med"/>
+                      <a:tailEnd type="none" w="med" len="med"/>
+                    </a:lnL>
+                    <a:lnR w="12700" cap="flat" cmpd="sng" algn="ctr">
+                      <a:solidFill>
+                        <a:srgbClr val="000000"/>
+                      </a:solidFill>
+                      <a:prstDash val="solid"/>
+                      <a:round/>
+                      <a:headEnd type="none" w="med" len="med"/>
+                      <a:tailEnd type="none" w="med" len="med"/>
+                    </a:lnR>
+                    <a:lnT w="12700" cap="flat" cmpd="sng" algn="ctr">
+                      <a:solidFill>
+                        <a:srgbClr val="000000"/>
+                      </a:solidFill>
+                      <a:prstDash val="solid"/>
+                      <a:round/>
+                      <a:headEnd type="none" w="med" len="med"/>
+                      <a:tailEnd type="none" w="med" len="med"/>
+                    </a:lnT>
+                    <a:lnB w="12700" cap="flat" cmpd="sng" algn="ctr">
+                      <a:solidFill>
+                        <a:srgbClr val="000000"/>
+                      </a:solidFill>
+                      <a:prstDash val="solid"/>
+                      <a:round/>
+                      <a:headEnd type="none" w="med" len="med"/>
+                      <a:tailEnd type="none" w="med" len="med"/>
+                    </a:lnB>
+                    <a:solidFill>
+                      <a:srgbClr val="D99594"/>
+                    </a:solidFill>
+                  </a:tcPr>
+                </a:tc>
+                <a:tc hMerge="1">
+                  <a:txBody>
+                    <a:bodyPr/>
+                    <a:lstStyle/>
+                    <a:p>
+                      <a:endParaRPr lang="pl-PL"/>
+                    </a:p>
+                  </a:txBody>
+                  <a:tcPr/>
+                </a:tc>
+                <a:tc hMerge="1">
+                  <a:txBody>
+                    <a:bodyPr/>
+                    <a:lstStyle/>
+                    <a:p>
+                      <a:endParaRPr lang="pl-PL"/>
+                    </a:p>
+                  </a:txBody>
+                  <a:tcPr/>
+                </a:tc>
+                <a:tc hMerge="1">
+                  <a:txBody>
+                    <a:bodyPr/>
+                    <a:lstStyle/>
+                    <a:p>
+                      <a:endParaRPr lang="pl-PL"/>
+                    </a:p>
+                  </a:txBody>
+                  <a:tcPr/>
+                </a:tc>
+                <a:tc hMerge="1">
+                  <a:txBody>
+                    <a:bodyPr/>
+                    <a:lstStyle/>
+                    <a:p>
+                      <a:endParaRPr lang="pl-PL"/>
+                    </a:p>
+                  </a:txBody>
+                  <a:tcPr/>
+                </a:tc>
+                <a:tc hMerge="1">
+                  <a:txBody>
+                    <a:bodyPr/>
+                    <a:lstStyle/>
+                    <a:p>
+                      <a:endParaRPr lang="pl-PL"/>
+                    </a:p>
+                  </a:txBody>
+                  <a:tcPr/>
+                </a:tc>
+                <a:tc hMerge="1">
+                  <a:txBody>
+                    <a:bodyPr/>
+                    <a:lstStyle/>
+                    <a:p>
+                      <a:endParaRPr lang="pl-PL"/>
+                    </a:p>
+                  </a:txBody>
+                  <a:tcPr/>
+                </a:tc>
+                <a:tc hMerge="1">
+                  <a:txBody>
+                    <a:bodyPr/>
+                    <a:lstStyle/>
+                    <a:p>
+                      <a:endParaRPr lang="pl-PL"/>
+                    </a:p>
+                  </a:txBody>
+                  <a:tcPr/>
+                </a:tc>
+              </a:tr>
+              <a:tr h="337737">
+                <a:tc>
+                  <a:txBody>
+                    <a:bodyPr/>
+                    <a:lstStyle/>
+                    <a:p>
+                      <a:pPr algn="ctr">
+                        <a:lnSpc>
+                          <a:spcPct val="115000"/>
+                        </a:lnSpc>
+                        <a:spcAft>
+                          <a:spcPts val="0"/>
+                        </a:spcAft>
+                      </a:pPr>
+                      <a:r>
+                        <a:rPr lang="pl-PL" sz="1000">
+                          <a:solidFill>
+                            <a:srgbClr val="00000A"/>
+                          </a:solidFill>
+                          <a:latin typeface="Calibri"/>
+                          <a:ea typeface="Calibri"/>
+                          <a:cs typeface="Times New Roman"/>
+                        </a:rPr>
+                        <a:t>Nazwa</a:t>
+                      </a:r>
+                      <a:endParaRPr lang="pl-PL" sz="1000">
+                        <a:solidFill>
+                          <a:srgbClr val="00000A"/>
+                        </a:solidFill>
+                        <a:latin typeface="Calibri"/>
+                        <a:ea typeface="Times New Roman"/>
+                        <a:cs typeface="Times New Roman"/>
+                      </a:endParaRPr>
+                    </a:p>
+                  </a:txBody>
+                  <a:tcPr marL="57291" marR="60072" marT="0" marB="0">
+                    <a:lnL w="12700" cap="flat" cmpd="sng" algn="ctr">
+                      <a:solidFill>
+                        <a:srgbClr val="000000"/>
+                      </a:solidFill>
+                      <a:prstDash val="solid"/>
+                      <a:round/>
+                      <a:headEnd type="none" w="med" len="med"/>
+                      <a:tailEnd type="none" w="med" len="med"/>
+                    </a:lnL>
+                    <a:lnR w="12700" cap="flat" cmpd="sng" algn="ctr">
+                      <a:solidFill>
+                        <a:srgbClr val="000000"/>
+                      </a:solidFill>
+                      <a:prstDash val="solid"/>
+                      <a:round/>
+                      <a:headEnd type="none" w="med" len="med"/>
+                      <a:tailEnd type="none" w="med" len="med"/>
+                    </a:lnR>
+                    <a:lnT w="12700" cap="flat" cmpd="sng" algn="ctr">
+                      <a:solidFill>
+                        <a:srgbClr val="000000"/>
+                      </a:solidFill>
+                      <a:prstDash val="solid"/>
+                      <a:round/>
+                      <a:headEnd type="none" w="med" len="med"/>
+                      <a:tailEnd type="none" w="med" len="med"/>
+                    </a:lnT>
+                    <a:lnB w="12700" cap="flat" cmpd="sng" algn="ctr">
+                      <a:solidFill>
+                        <a:srgbClr val="000000"/>
+                      </a:solidFill>
+                      <a:prstDash val="solid"/>
+                      <a:round/>
+                      <a:headEnd type="none" w="med" len="med"/>
+                      <a:tailEnd type="none" w="med" len="med"/>
+                    </a:lnB>
+                    <a:solidFill>
+                      <a:srgbClr val="C2D69B"/>
+                    </a:solidFill>
+                  </a:tcPr>
+                </a:tc>
+                <a:tc>
+                  <a:txBody>
+                    <a:bodyPr/>
+                    <a:lstStyle/>
+                    <a:p>
+                      <a:pPr algn="ctr">
+                        <a:lnSpc>
+                          <a:spcPct val="115000"/>
+                        </a:lnSpc>
+                        <a:spcAft>
+                          <a:spcPts val="0"/>
+                        </a:spcAft>
+                      </a:pPr>
+                      <a:r>
+                        <a:rPr lang="pl-PL" sz="1000">
+                          <a:solidFill>
+                            <a:srgbClr val="00000A"/>
+                          </a:solidFill>
+                          <a:latin typeface="Calibri"/>
+                          <a:ea typeface="Calibri"/>
+                          <a:cs typeface="Times New Roman"/>
+                        </a:rPr>
+                        <a:t>Wykonawca</a:t>
+                      </a:r>
+                      <a:endParaRPr lang="pl-PL" sz="1000">
+                        <a:solidFill>
+                          <a:srgbClr val="00000A"/>
+                        </a:solidFill>
+                        <a:latin typeface="Calibri"/>
+                        <a:ea typeface="Times New Roman"/>
+                        <a:cs typeface="Times New Roman"/>
+                      </a:endParaRPr>
+                    </a:p>
+                  </a:txBody>
+                  <a:tcPr marL="57291" marR="60072" marT="0" marB="0">
+                    <a:lnL w="12700" cap="flat" cmpd="sng" algn="ctr">
+                      <a:solidFill>
+                        <a:srgbClr val="000000"/>
+                      </a:solidFill>
+                      <a:prstDash val="solid"/>
+                      <a:round/>
+                      <a:headEnd type="none" w="med" len="med"/>
+                      <a:tailEnd type="none" w="med" len="med"/>
+                    </a:lnL>
+                    <a:lnR w="12700" cap="flat" cmpd="sng" algn="ctr">
+                      <a:solidFill>
+                        <a:srgbClr val="000000"/>
+                      </a:solidFill>
+                      <a:prstDash val="solid"/>
+                      <a:round/>
+                      <a:headEnd type="none" w="med" len="med"/>
+                      <a:tailEnd type="none" w="med" len="med"/>
+                    </a:lnR>
+                    <a:lnT w="12700" cap="flat" cmpd="sng" algn="ctr">
+                      <a:solidFill>
+                        <a:srgbClr val="000000"/>
+                      </a:solidFill>
+                      <a:prstDash val="solid"/>
+                      <a:round/>
+                      <a:headEnd type="none" w="med" len="med"/>
+                      <a:tailEnd type="none" w="med" len="med"/>
+                    </a:lnT>
+                    <a:lnB w="12700" cap="flat" cmpd="sng" algn="ctr">
+                      <a:solidFill>
+                        <a:srgbClr val="000000"/>
+                      </a:solidFill>
+                      <a:prstDash val="solid"/>
+                      <a:round/>
+                      <a:headEnd type="none" w="med" len="med"/>
+                      <a:tailEnd type="none" w="med" len="med"/>
+                    </a:lnB>
+                    <a:solidFill>
+                      <a:srgbClr val="C2D69B"/>
+                    </a:solidFill>
+                  </a:tcPr>
+                </a:tc>
+                <a:tc>
+                  <a:txBody>
+                    <a:bodyPr/>
+                    <a:lstStyle/>
+                    <a:p>
+                      <a:pPr algn="ctr">
+                        <a:lnSpc>
+                          <a:spcPct val="115000"/>
+                        </a:lnSpc>
+                        <a:spcAft>
+                          <a:spcPts val="0"/>
+                        </a:spcAft>
+                      </a:pPr>
+                      <a:r>
+                        <a:rPr lang="pl-PL" sz="1000">
+                          <a:solidFill>
+                            <a:srgbClr val="00000A"/>
+                          </a:solidFill>
+                          <a:latin typeface="Calibri"/>
+                          <a:ea typeface="Calibri"/>
+                          <a:cs typeface="Times New Roman"/>
+                        </a:rPr>
+                        <a:t>Status</a:t>
+                      </a:r>
+                      <a:endParaRPr lang="pl-PL" sz="1000">
+                        <a:solidFill>
+                          <a:srgbClr val="00000A"/>
+                        </a:solidFill>
+                        <a:latin typeface="Calibri"/>
+                        <a:ea typeface="Times New Roman"/>
+                        <a:cs typeface="Times New Roman"/>
+                      </a:endParaRPr>
+                    </a:p>
+                  </a:txBody>
+                  <a:tcPr marL="57291" marR="60072" marT="0" marB="0">
+                    <a:lnL w="12700" cap="flat" cmpd="sng" algn="ctr">
+                      <a:solidFill>
+                        <a:srgbClr val="000000"/>
+                      </a:solidFill>
+                      <a:prstDash val="solid"/>
+                      <a:round/>
+                      <a:headEnd type="none" w="med" len="med"/>
+                      <a:tailEnd type="none" w="med" len="med"/>
+                    </a:lnL>
+                    <a:lnR w="12700" cap="flat" cmpd="sng" algn="ctr">
+                      <a:solidFill>
+                        <a:srgbClr val="000000"/>
+                      </a:solidFill>
+                      <a:prstDash val="solid"/>
+                      <a:round/>
+                      <a:headEnd type="none" w="med" len="med"/>
+                      <a:tailEnd type="none" w="med" len="med"/>
+                    </a:lnR>
+                    <a:lnT w="12700" cap="flat" cmpd="sng" algn="ctr">
+                      <a:solidFill>
+                        <a:srgbClr val="000000"/>
+                      </a:solidFill>
+                      <a:prstDash val="solid"/>
+                      <a:round/>
+                      <a:headEnd type="none" w="med" len="med"/>
+                      <a:tailEnd type="none" w="med" len="med"/>
+                    </a:lnT>
+                    <a:lnB w="12700" cap="flat" cmpd="sng" algn="ctr">
+                      <a:solidFill>
+                        <a:srgbClr val="000000"/>
+                      </a:solidFill>
+                      <a:prstDash val="solid"/>
+                      <a:round/>
+                      <a:headEnd type="none" w="med" len="med"/>
+                      <a:tailEnd type="none" w="med" len="med"/>
+                    </a:lnB>
+                    <a:solidFill>
+                      <a:srgbClr val="C2D69B"/>
+                    </a:solidFill>
+                  </a:tcPr>
+                </a:tc>
+                <a:tc>
+                  <a:txBody>
+                    <a:bodyPr/>
+                    <a:lstStyle/>
+                    <a:p>
+                      <a:pPr algn="ctr">
+                        <a:lnSpc>
+                          <a:spcPct val="115000"/>
+                        </a:lnSpc>
+                        <a:spcAft>
+                          <a:spcPts val="0"/>
+                        </a:spcAft>
+                      </a:pPr>
+                      <a:r>
+                        <a:rPr lang="pl-PL" sz="1000">
+                          <a:solidFill>
+                            <a:srgbClr val="00000A"/>
+                          </a:solidFill>
+                          <a:latin typeface="Calibri"/>
+                          <a:ea typeface="Calibri"/>
+                          <a:cs typeface="Times New Roman"/>
+                        </a:rPr>
+                        <a:t>Sprint</a:t>
+                      </a:r>
+                      <a:endParaRPr lang="pl-PL" sz="1000">
+                        <a:solidFill>
+                          <a:srgbClr val="00000A"/>
+                        </a:solidFill>
+                        <a:latin typeface="Calibri"/>
+                        <a:ea typeface="Times New Roman"/>
+                        <a:cs typeface="Times New Roman"/>
+                      </a:endParaRPr>
+                    </a:p>
+                  </a:txBody>
+                  <a:tcPr marL="57291" marR="60072" marT="0" marB="0">
+                    <a:lnL w="12700" cap="flat" cmpd="sng" algn="ctr">
+                      <a:solidFill>
+                        <a:srgbClr val="000000"/>
+                      </a:solidFill>
+                      <a:prstDash val="solid"/>
+                      <a:round/>
+                      <a:headEnd type="none" w="med" len="med"/>
+                      <a:tailEnd type="none" w="med" len="med"/>
+                    </a:lnL>
+                    <a:lnR w="12700" cap="flat" cmpd="sng" algn="ctr">
+                      <a:solidFill>
+                        <a:srgbClr val="000000"/>
+                      </a:solidFill>
+                      <a:prstDash val="solid"/>
+                      <a:round/>
+                      <a:headEnd type="none" w="med" len="med"/>
+                      <a:tailEnd type="none" w="med" len="med"/>
+                    </a:lnR>
+                    <a:lnT w="12700" cap="flat" cmpd="sng" algn="ctr">
+                      <a:solidFill>
+                        <a:srgbClr val="000000"/>
+                      </a:solidFill>
+                      <a:prstDash val="solid"/>
+                      <a:round/>
+                      <a:headEnd type="none" w="med" len="med"/>
+                      <a:tailEnd type="none" w="med" len="med"/>
+                    </a:lnT>
+                    <a:lnB w="12700" cap="flat" cmpd="sng" algn="ctr">
+                      <a:solidFill>
+                        <a:srgbClr val="000000"/>
+                      </a:solidFill>
+                      <a:prstDash val="solid"/>
+                      <a:round/>
+                      <a:headEnd type="none" w="med" len="med"/>
+                      <a:tailEnd type="none" w="med" len="med"/>
+                    </a:lnB>
+                    <a:solidFill>
+                      <a:srgbClr val="C2D69B"/>
+                    </a:solidFill>
+                  </a:tcPr>
+                </a:tc>
+                <a:tc>
+                  <a:txBody>
+                    <a:bodyPr/>
+                    <a:lstStyle/>
+                    <a:p>
+                      <a:pPr algn="ctr">
+                        <a:lnSpc>
+                          <a:spcPct val="115000"/>
+                        </a:lnSpc>
+                        <a:spcAft>
+                          <a:spcPts val="0"/>
+                        </a:spcAft>
+                      </a:pPr>
+                      <a:r>
+                        <a:rPr lang="pl-PL" sz="1000">
+                          <a:solidFill>
+                            <a:srgbClr val="00000A"/>
+                          </a:solidFill>
+                          <a:latin typeface="Calibri"/>
+                          <a:ea typeface="Calibri"/>
+                          <a:cs typeface="Times New Roman"/>
+                        </a:rPr>
+                        <a:t>Priorytet</a:t>
+                      </a:r>
+                      <a:endParaRPr lang="pl-PL" sz="1000">
+                        <a:solidFill>
+                          <a:srgbClr val="00000A"/>
+                        </a:solidFill>
+                        <a:latin typeface="Calibri"/>
+                        <a:ea typeface="Times New Roman"/>
+                        <a:cs typeface="Times New Roman"/>
+                      </a:endParaRPr>
+                    </a:p>
+                  </a:txBody>
+                  <a:tcPr marL="57291" marR="60072" marT="0" marB="0">
+                    <a:lnL w="12700" cap="flat" cmpd="sng" algn="ctr">
+                      <a:solidFill>
+                        <a:srgbClr val="000000"/>
+                      </a:solidFill>
+                      <a:prstDash val="solid"/>
+                      <a:round/>
+                      <a:headEnd type="none" w="med" len="med"/>
+                      <a:tailEnd type="none" w="med" len="med"/>
+                    </a:lnL>
+                    <a:lnR w="12700" cap="flat" cmpd="sng" algn="ctr">
+                      <a:solidFill>
+                        <a:srgbClr val="000000"/>
+                      </a:solidFill>
+                      <a:prstDash val="solid"/>
+                      <a:round/>
+                      <a:headEnd type="none" w="med" len="med"/>
+                      <a:tailEnd type="none" w="med" len="med"/>
+                    </a:lnR>
+                    <a:lnT w="12700" cap="flat" cmpd="sng" algn="ctr">
+                      <a:solidFill>
+                        <a:srgbClr val="000000"/>
+                      </a:solidFill>
+                      <a:prstDash val="solid"/>
+                      <a:round/>
+                      <a:headEnd type="none" w="med" len="med"/>
+                      <a:tailEnd type="none" w="med" len="med"/>
+                    </a:lnT>
+                    <a:lnB w="12700" cap="flat" cmpd="sng" algn="ctr">
+                      <a:solidFill>
+                        <a:srgbClr val="000000"/>
+                      </a:solidFill>
+                      <a:prstDash val="solid"/>
+                      <a:round/>
+                      <a:headEnd type="none" w="med" len="med"/>
+                      <a:tailEnd type="none" w="med" len="med"/>
+                    </a:lnB>
+                    <a:solidFill>
+                      <a:srgbClr val="C2D69B"/>
+                    </a:solidFill>
+                  </a:tcPr>
+                </a:tc>
+                <a:tc>
+                  <a:txBody>
+                    <a:bodyPr/>
+                    <a:lstStyle/>
+                    <a:p>
+                      <a:pPr algn="ctr">
+                        <a:lnSpc>
+                          <a:spcPct val="115000"/>
+                        </a:lnSpc>
+                        <a:spcAft>
+                          <a:spcPts val="0"/>
+                        </a:spcAft>
+                      </a:pPr>
+                      <a:r>
+                        <a:rPr lang="pl-PL" sz="1000">
+                          <a:solidFill>
+                            <a:srgbClr val="00000A"/>
+                          </a:solidFill>
+                          <a:latin typeface="Calibri"/>
+                          <a:ea typeface="Calibri"/>
+                          <a:cs typeface="Times New Roman"/>
+                        </a:rPr>
+                        <a:t>Poziom trudności</a:t>
+                      </a:r>
+                      <a:endParaRPr lang="pl-PL" sz="1000">
+                        <a:solidFill>
+                          <a:srgbClr val="00000A"/>
+                        </a:solidFill>
+                        <a:latin typeface="Calibri"/>
+                        <a:ea typeface="Times New Roman"/>
+                        <a:cs typeface="Times New Roman"/>
+                      </a:endParaRPr>
+                    </a:p>
+                  </a:txBody>
+                  <a:tcPr marL="57291" marR="60072" marT="0" marB="0">
+                    <a:lnL w="12700" cap="flat" cmpd="sng" algn="ctr">
+                      <a:solidFill>
+                        <a:srgbClr val="000000"/>
+                      </a:solidFill>
+                      <a:prstDash val="solid"/>
+                      <a:round/>
+                      <a:headEnd type="none" w="med" len="med"/>
+                      <a:tailEnd type="none" w="med" len="med"/>
+                    </a:lnL>
+                    <a:lnR w="12700" cap="flat" cmpd="sng" algn="ctr">
+                      <a:solidFill>
+                        <a:srgbClr val="000000"/>
+                      </a:solidFill>
+                      <a:prstDash val="solid"/>
+                      <a:round/>
+                      <a:headEnd type="none" w="med" len="med"/>
+                      <a:tailEnd type="none" w="med" len="med"/>
+                    </a:lnR>
+                    <a:lnT w="12700" cap="flat" cmpd="sng" algn="ctr">
+                      <a:solidFill>
+                        <a:srgbClr val="000000"/>
+                      </a:solidFill>
+                      <a:prstDash val="solid"/>
+                      <a:round/>
+                      <a:headEnd type="none" w="med" len="med"/>
+                      <a:tailEnd type="none" w="med" len="med"/>
+                    </a:lnT>
+                    <a:lnB w="12700" cap="flat" cmpd="sng" algn="ctr">
+                      <a:solidFill>
+                        <a:srgbClr val="000000"/>
+                      </a:solidFill>
+                      <a:prstDash val="solid"/>
+                      <a:round/>
+                      <a:headEnd type="none" w="med" len="med"/>
+                      <a:tailEnd type="none" w="med" len="med"/>
+                    </a:lnB>
+                    <a:solidFill>
+                      <a:srgbClr val="C2D69B"/>
+                    </a:solidFill>
+                  </a:tcPr>
+                </a:tc>
+                <a:tc>
+                  <a:txBody>
+                    <a:bodyPr/>
+                    <a:lstStyle/>
+                    <a:p>
+                      <a:pPr algn="ctr">
+                        <a:lnSpc>
+                          <a:spcPct val="115000"/>
+                        </a:lnSpc>
+                        <a:spcAft>
+                          <a:spcPts val="0"/>
+                        </a:spcAft>
+                      </a:pPr>
+                      <a:r>
+                        <a:rPr lang="pl-PL" sz="1000">
+                          <a:solidFill>
+                            <a:srgbClr val="00000A"/>
+                          </a:solidFill>
+                          <a:latin typeface="Calibri"/>
+                          <a:ea typeface="Calibri"/>
+                          <a:cs typeface="Times New Roman"/>
+                        </a:rPr>
+                        <a:t>Zatwierdzone/Odrzucone</a:t>
+                      </a:r>
+                      <a:endParaRPr lang="pl-PL" sz="1000">
+                        <a:solidFill>
+                          <a:srgbClr val="00000A"/>
+                        </a:solidFill>
+                        <a:latin typeface="Calibri"/>
+                        <a:ea typeface="Times New Roman"/>
+                        <a:cs typeface="Times New Roman"/>
+                      </a:endParaRPr>
+                    </a:p>
+                  </a:txBody>
+                  <a:tcPr marL="57291" marR="60072" marT="0" marB="0">
+                    <a:lnL w="12700" cap="flat" cmpd="sng" algn="ctr">
+                      <a:solidFill>
+                        <a:srgbClr val="000000"/>
+                      </a:solidFill>
+                      <a:prstDash val="solid"/>
+                      <a:round/>
+                      <a:headEnd type="none" w="med" len="med"/>
+                      <a:tailEnd type="none" w="med" len="med"/>
+                    </a:lnL>
+                    <a:lnR w="12700" cap="flat" cmpd="sng" algn="ctr">
+                      <a:solidFill>
+                        <a:srgbClr val="000000"/>
+                      </a:solidFill>
+                      <a:prstDash val="solid"/>
+                      <a:round/>
+                      <a:headEnd type="none" w="med" len="med"/>
+                      <a:tailEnd type="none" w="med" len="med"/>
+                    </a:lnR>
+                    <a:lnT w="12700" cap="flat" cmpd="sng" algn="ctr">
+                      <a:solidFill>
+                        <a:srgbClr val="000000"/>
+                      </a:solidFill>
+                      <a:prstDash val="solid"/>
+                      <a:round/>
+                      <a:headEnd type="none" w="med" len="med"/>
+                      <a:tailEnd type="none" w="med" len="med"/>
+                    </a:lnT>
+                    <a:lnB w="12700" cap="flat" cmpd="sng" algn="ctr">
+                      <a:solidFill>
+                        <a:srgbClr val="000000"/>
+                      </a:solidFill>
+                      <a:prstDash val="solid"/>
+                      <a:round/>
+                      <a:headEnd type="none" w="med" len="med"/>
+                      <a:tailEnd type="none" w="med" len="med"/>
+                    </a:lnB>
+                    <a:solidFill>
+                      <a:srgbClr val="C2D69B"/>
+                    </a:solidFill>
+                  </a:tcPr>
+                </a:tc>
+                <a:tc>
+                  <a:txBody>
+                    <a:bodyPr/>
+                    <a:lstStyle/>
+                    <a:p>
+                      <a:pPr algn="ctr">
+                        <a:lnSpc>
+                          <a:spcPct val="115000"/>
+                        </a:lnSpc>
+                        <a:spcAft>
+                          <a:spcPts val="0"/>
+                        </a:spcAft>
+                      </a:pPr>
+                      <a:r>
+                        <a:rPr lang="pl-PL" sz="1000">
+                          <a:solidFill>
+                            <a:srgbClr val="00000A"/>
+                          </a:solidFill>
+                          <a:latin typeface="Calibri"/>
+                          <a:ea typeface="Calibri"/>
+                          <a:cs typeface="Times New Roman"/>
+                        </a:rPr>
+                        <a:t>Komentarz</a:t>
+                      </a:r>
+                      <a:endParaRPr lang="pl-PL" sz="1000">
+                        <a:solidFill>
+                          <a:srgbClr val="00000A"/>
+                        </a:solidFill>
+                        <a:latin typeface="Calibri"/>
+                        <a:ea typeface="Times New Roman"/>
+                        <a:cs typeface="Times New Roman"/>
+                      </a:endParaRPr>
+                    </a:p>
+                  </a:txBody>
+                  <a:tcPr marL="57291" marR="60072" marT="0" marB="0">
+                    <a:lnL w="12700" cap="flat" cmpd="sng" algn="ctr">
+                      <a:solidFill>
+                        <a:srgbClr val="000000"/>
+                      </a:solidFill>
+                      <a:prstDash val="solid"/>
+                      <a:round/>
+                      <a:headEnd type="none" w="med" len="med"/>
+                      <a:tailEnd type="none" w="med" len="med"/>
+                    </a:lnL>
+                    <a:lnR w="12700" cap="flat" cmpd="sng" algn="ctr">
+                      <a:solidFill>
+                        <a:srgbClr val="000000"/>
+                      </a:solidFill>
+                      <a:prstDash val="solid"/>
+                      <a:round/>
+                      <a:headEnd type="none" w="med" len="med"/>
+                      <a:tailEnd type="none" w="med" len="med"/>
+                    </a:lnR>
+                    <a:lnT w="12700" cap="flat" cmpd="sng" algn="ctr">
+                      <a:solidFill>
+                        <a:srgbClr val="000000"/>
+                      </a:solidFill>
+                      <a:prstDash val="solid"/>
+                      <a:round/>
+                      <a:headEnd type="none" w="med" len="med"/>
+                      <a:tailEnd type="none" w="med" len="med"/>
+                    </a:lnT>
+                    <a:lnB w="12700" cap="flat" cmpd="sng" algn="ctr">
+                      <a:solidFill>
+                        <a:srgbClr val="000000"/>
+                      </a:solidFill>
+                      <a:prstDash val="solid"/>
+                      <a:round/>
+                      <a:headEnd type="none" w="med" len="med"/>
+                      <a:tailEnd type="none" w="med" len="med"/>
+                    </a:lnB>
+                    <a:solidFill>
+                      <a:srgbClr val="C2D69B"/>
+                    </a:solidFill>
+                  </a:tcPr>
+                </a:tc>
+              </a:tr>
+              <a:tr h="1688684">
+                <a:tc>
+                  <a:txBody>
+                    <a:bodyPr/>
+                    <a:lstStyle/>
+                    <a:p>
+                      <a:pPr algn="ctr">
+                        <a:lnSpc>
+                          <a:spcPct val="115000"/>
+                        </a:lnSpc>
+                        <a:spcAft>
+                          <a:spcPts val="0"/>
+                        </a:spcAft>
+                      </a:pPr>
+                      <a:r>
+                        <a:rPr lang="pl-PL" sz="1000">
+                          <a:solidFill>
+                            <a:srgbClr val="00000A"/>
+                          </a:solidFill>
+                          <a:latin typeface="Calibri"/>
+                          <a:ea typeface="Calibri"/>
+                          <a:cs typeface="Times New Roman"/>
+                        </a:rPr>
+                        <a:t>Kontynuacja tworzenia sprawozdania, sprawowanie pieczy nad członkami zespołu, rozwiązywanie problemów w zespole.</a:t>
+                      </a:r>
+                      <a:endParaRPr lang="pl-PL" sz="1000">
+                        <a:solidFill>
+                          <a:srgbClr val="00000A"/>
+                        </a:solidFill>
+                        <a:latin typeface="Calibri"/>
+                        <a:ea typeface="Times New Roman"/>
+                        <a:cs typeface="Times New Roman"/>
+                      </a:endParaRPr>
+                    </a:p>
+                  </a:txBody>
+                  <a:tcPr marL="57291" marR="60072" marT="0" marB="0">
+                    <a:lnL w="12700" cap="flat" cmpd="sng" algn="ctr">
+                      <a:solidFill>
+                        <a:srgbClr val="000000"/>
+                      </a:solidFill>
+                      <a:prstDash val="solid"/>
+                      <a:round/>
+                      <a:headEnd type="none" w="med" len="med"/>
+                      <a:tailEnd type="none" w="med" len="med"/>
+                    </a:lnL>
+                    <a:lnR w="12700" cap="flat" cmpd="sng" algn="ctr">
+                      <a:solidFill>
+                        <a:srgbClr val="000000"/>
+                      </a:solidFill>
+                      <a:prstDash val="solid"/>
+                      <a:round/>
+                      <a:headEnd type="none" w="med" len="med"/>
+                      <a:tailEnd type="none" w="med" len="med"/>
+                    </a:lnR>
+                    <a:lnT w="12700" cap="flat" cmpd="sng" algn="ctr">
+                      <a:solidFill>
+                        <a:srgbClr val="000000"/>
+                      </a:solidFill>
+                      <a:prstDash val="solid"/>
+                      <a:round/>
+                      <a:headEnd type="none" w="med" len="med"/>
+                      <a:tailEnd type="none" w="med" len="med"/>
+                    </a:lnT>
+                    <a:lnB w="12700" cap="flat" cmpd="sng" algn="ctr">
+                      <a:solidFill>
+                        <a:srgbClr val="000000"/>
+                      </a:solidFill>
+                      <a:prstDash val="solid"/>
+                      <a:round/>
+                      <a:headEnd type="none" w="med" len="med"/>
+                      <a:tailEnd type="none" w="med" len="med"/>
+                    </a:lnB>
+                    <a:solidFill>
+                      <a:srgbClr val="FFFFFF"/>
+                    </a:solidFill>
+                  </a:tcPr>
+                </a:tc>
+                <a:tc>
+                  <a:txBody>
+                    <a:bodyPr/>
+                    <a:lstStyle/>
+                    <a:p>
+                      <a:pPr algn="ctr">
+                        <a:lnSpc>
+                          <a:spcPct val="115000"/>
+                        </a:lnSpc>
+                        <a:spcAft>
+                          <a:spcPts val="0"/>
+                        </a:spcAft>
+                      </a:pPr>
+                      <a:r>
+                        <a:rPr lang="pl-PL" sz="1000">
+                          <a:solidFill>
+                            <a:srgbClr val="00000A"/>
+                          </a:solidFill>
+                          <a:latin typeface="Calibri"/>
+                          <a:ea typeface="Calibri"/>
+                          <a:cs typeface="Times New Roman"/>
+                        </a:rPr>
+                        <a:t>AD</a:t>
+                      </a:r>
+                      <a:endParaRPr lang="pl-PL" sz="1000">
+                        <a:solidFill>
+                          <a:srgbClr val="00000A"/>
+                        </a:solidFill>
+                        <a:latin typeface="Calibri"/>
+                        <a:ea typeface="Times New Roman"/>
+                        <a:cs typeface="Times New Roman"/>
+                      </a:endParaRPr>
+                    </a:p>
+                  </a:txBody>
+                  <a:tcPr marL="57291" marR="60072" marT="0" marB="0">
+                    <a:lnL w="12700" cap="flat" cmpd="sng" algn="ctr">
+                      <a:solidFill>
+                        <a:srgbClr val="000000"/>
+                      </a:solidFill>
+                      <a:prstDash val="solid"/>
+                      <a:round/>
+                      <a:headEnd type="none" w="med" len="med"/>
+                      <a:tailEnd type="none" w="med" len="med"/>
+                    </a:lnL>
+                    <a:lnR w="12700" cap="flat" cmpd="sng" algn="ctr">
+                      <a:solidFill>
+                        <a:srgbClr val="000000"/>
+                      </a:solidFill>
+                      <a:prstDash val="solid"/>
+                      <a:round/>
+                      <a:headEnd type="none" w="med" len="med"/>
+                      <a:tailEnd type="none" w="med" len="med"/>
+                    </a:lnR>
+                    <a:lnT w="12700" cap="flat" cmpd="sng" algn="ctr">
+                      <a:solidFill>
+                        <a:srgbClr val="000000"/>
+                      </a:solidFill>
+                      <a:prstDash val="solid"/>
+                      <a:round/>
+                      <a:headEnd type="none" w="med" len="med"/>
+                      <a:tailEnd type="none" w="med" len="med"/>
+                    </a:lnT>
+                    <a:lnB w="12700" cap="flat" cmpd="sng" algn="ctr">
+                      <a:solidFill>
+                        <a:srgbClr val="000000"/>
+                      </a:solidFill>
+                      <a:prstDash val="solid"/>
+                      <a:round/>
+                      <a:headEnd type="none" w="med" len="med"/>
+                      <a:tailEnd type="none" w="med" len="med"/>
+                    </a:lnB>
+                    <a:solidFill>
+                      <a:srgbClr val="FFFFFF"/>
+                    </a:solidFill>
+                  </a:tcPr>
+                </a:tc>
+                <a:tc>
+                  <a:txBody>
+                    <a:bodyPr/>
+                    <a:lstStyle/>
+                    <a:p>
+                      <a:pPr algn="ctr">
+                        <a:lnSpc>
+                          <a:spcPct val="115000"/>
+                        </a:lnSpc>
+                        <a:spcAft>
+                          <a:spcPts val="0"/>
+                        </a:spcAft>
+                      </a:pPr>
+                      <a:r>
+                        <a:rPr lang="pl-PL" sz="1000">
+                          <a:solidFill>
+                            <a:srgbClr val="00000A"/>
+                          </a:solidFill>
+                          <a:latin typeface="Calibri"/>
+                          <a:ea typeface="Calibri"/>
+                          <a:cs typeface="Times New Roman"/>
+                        </a:rPr>
+                        <a:t>Zakończono</a:t>
+                      </a:r>
+                      <a:endParaRPr lang="pl-PL" sz="1000">
+                        <a:solidFill>
+                          <a:srgbClr val="00000A"/>
+                        </a:solidFill>
+                        <a:latin typeface="Calibri"/>
+                        <a:ea typeface="Times New Roman"/>
+                        <a:cs typeface="Times New Roman"/>
+                      </a:endParaRPr>
+                    </a:p>
+                  </a:txBody>
+                  <a:tcPr marL="57291" marR="60072" marT="0" marB="0">
+                    <a:lnL w="12700" cap="flat" cmpd="sng" algn="ctr">
+                      <a:solidFill>
+                        <a:srgbClr val="000000"/>
+                      </a:solidFill>
+                      <a:prstDash val="solid"/>
+                      <a:round/>
+                      <a:headEnd type="none" w="med" len="med"/>
+                      <a:tailEnd type="none" w="med" len="med"/>
+                    </a:lnL>
+                    <a:lnR w="12700" cap="flat" cmpd="sng" algn="ctr">
+                      <a:solidFill>
+                        <a:srgbClr val="000000"/>
+                      </a:solidFill>
+                      <a:prstDash val="solid"/>
+                      <a:round/>
+                      <a:headEnd type="none" w="med" len="med"/>
+                      <a:tailEnd type="none" w="med" len="med"/>
+                    </a:lnR>
+                    <a:lnT w="12700" cap="flat" cmpd="sng" algn="ctr">
+                      <a:solidFill>
+                        <a:srgbClr val="000000"/>
+                      </a:solidFill>
+                      <a:prstDash val="solid"/>
+                      <a:round/>
+                      <a:headEnd type="none" w="med" len="med"/>
+                      <a:tailEnd type="none" w="med" len="med"/>
+                    </a:lnT>
+                    <a:lnB w="12700" cap="flat" cmpd="sng" algn="ctr">
+                      <a:solidFill>
+                        <a:srgbClr val="000000"/>
+                      </a:solidFill>
+                      <a:prstDash val="solid"/>
+                      <a:round/>
+                      <a:headEnd type="none" w="med" len="med"/>
+                      <a:tailEnd type="none" w="med" len="med"/>
+                    </a:lnB>
+                    <a:solidFill>
+                      <a:srgbClr val="FFFFFF"/>
+                    </a:solidFill>
+                  </a:tcPr>
+                </a:tc>
+                <a:tc>
+                  <a:txBody>
+                    <a:bodyPr/>
+                    <a:lstStyle/>
+                    <a:p>
+                      <a:pPr algn="ctr">
+                        <a:lnSpc>
+                          <a:spcPct val="115000"/>
+                        </a:lnSpc>
+                        <a:spcAft>
+                          <a:spcPts val="0"/>
+                        </a:spcAft>
+                      </a:pPr>
+                      <a:r>
+                        <a:rPr lang="pl-PL" sz="1000">
+                          <a:solidFill>
+                            <a:srgbClr val="00000A"/>
+                          </a:solidFill>
+                          <a:latin typeface="Calibri"/>
+                          <a:ea typeface="Calibri"/>
+                          <a:cs typeface="Times New Roman"/>
+                        </a:rPr>
+                        <a:t>II</a:t>
+                      </a:r>
+                      <a:endParaRPr lang="pl-PL" sz="1000">
+                        <a:solidFill>
+                          <a:srgbClr val="00000A"/>
+                        </a:solidFill>
+                        <a:latin typeface="Calibri"/>
+                        <a:ea typeface="Times New Roman"/>
+                        <a:cs typeface="Times New Roman"/>
+                      </a:endParaRPr>
+                    </a:p>
+                  </a:txBody>
+                  <a:tcPr marL="57291" marR="60072" marT="0" marB="0">
+                    <a:lnL w="12700" cap="flat" cmpd="sng" algn="ctr">
+                      <a:solidFill>
+                        <a:srgbClr val="000000"/>
+                      </a:solidFill>
+                      <a:prstDash val="solid"/>
+                      <a:round/>
+                      <a:headEnd type="none" w="med" len="med"/>
+                      <a:tailEnd type="none" w="med" len="med"/>
+                    </a:lnL>
+                    <a:lnR w="12700" cap="flat" cmpd="sng" algn="ctr">
+                      <a:solidFill>
+                        <a:srgbClr val="000000"/>
+                      </a:solidFill>
+                      <a:prstDash val="solid"/>
+                      <a:round/>
+                      <a:headEnd type="none" w="med" len="med"/>
+                      <a:tailEnd type="none" w="med" len="med"/>
+                    </a:lnR>
+                    <a:lnT w="12700" cap="flat" cmpd="sng" algn="ctr">
+                      <a:solidFill>
+                        <a:srgbClr val="000000"/>
+                      </a:solidFill>
+                      <a:prstDash val="solid"/>
+                      <a:round/>
+                      <a:headEnd type="none" w="med" len="med"/>
+                      <a:tailEnd type="none" w="med" len="med"/>
+                    </a:lnT>
+                    <a:lnB w="12700" cap="flat" cmpd="sng" algn="ctr">
+                      <a:solidFill>
+                        <a:srgbClr val="000000"/>
+                      </a:solidFill>
+                      <a:prstDash val="solid"/>
+                      <a:round/>
+                      <a:headEnd type="none" w="med" len="med"/>
+                      <a:tailEnd type="none" w="med" len="med"/>
+                    </a:lnB>
+                    <a:solidFill>
+                      <a:srgbClr val="FFFFFF"/>
+                    </a:solidFill>
+                  </a:tcPr>
+                </a:tc>
+                <a:tc>
+                  <a:txBody>
+                    <a:bodyPr/>
+                    <a:lstStyle/>
+                    <a:p>
+                      <a:pPr algn="ctr">
+                        <a:lnSpc>
+                          <a:spcPct val="115000"/>
+                        </a:lnSpc>
+                        <a:spcAft>
+                          <a:spcPts val="0"/>
+                        </a:spcAft>
+                      </a:pPr>
+                      <a:r>
+                        <a:rPr lang="pl-PL" sz="1000">
+                          <a:solidFill>
+                            <a:srgbClr val="00000A"/>
+                          </a:solidFill>
+                          <a:latin typeface="Calibri"/>
+                          <a:ea typeface="Calibri"/>
+                          <a:cs typeface="Times New Roman"/>
+                        </a:rPr>
+                        <a:t>Wysoki</a:t>
+                      </a:r>
+                      <a:endParaRPr lang="pl-PL" sz="1000">
+                        <a:solidFill>
+                          <a:srgbClr val="00000A"/>
+                        </a:solidFill>
+                        <a:latin typeface="Calibri"/>
+                        <a:ea typeface="Times New Roman"/>
+                        <a:cs typeface="Times New Roman"/>
+                      </a:endParaRPr>
+                    </a:p>
+                  </a:txBody>
+                  <a:tcPr marL="57291" marR="60072" marT="0" marB="0">
+                    <a:lnL w="12700" cap="flat" cmpd="sng" algn="ctr">
+                      <a:solidFill>
+                        <a:srgbClr val="000000"/>
+                      </a:solidFill>
+                      <a:prstDash val="solid"/>
+                      <a:round/>
+                      <a:headEnd type="none" w="med" len="med"/>
+                      <a:tailEnd type="none" w="med" len="med"/>
+                    </a:lnL>
+                    <a:lnR w="12700" cap="flat" cmpd="sng" algn="ctr">
+                      <a:solidFill>
+                        <a:srgbClr val="000000"/>
+                      </a:solidFill>
+                      <a:prstDash val="solid"/>
+                      <a:round/>
+                      <a:headEnd type="none" w="med" len="med"/>
+                      <a:tailEnd type="none" w="med" len="med"/>
+                    </a:lnR>
+                    <a:lnT w="12700" cap="flat" cmpd="sng" algn="ctr">
+                      <a:solidFill>
+                        <a:srgbClr val="000000"/>
+                      </a:solidFill>
+                      <a:prstDash val="solid"/>
+                      <a:round/>
+                      <a:headEnd type="none" w="med" len="med"/>
+                      <a:tailEnd type="none" w="med" len="med"/>
+                    </a:lnT>
+                    <a:lnB w="12700" cap="flat" cmpd="sng" algn="ctr">
+                      <a:solidFill>
+                        <a:srgbClr val="000000"/>
+                      </a:solidFill>
+                      <a:prstDash val="solid"/>
+                      <a:round/>
+                      <a:headEnd type="none" w="med" len="med"/>
+                      <a:tailEnd type="none" w="med" len="med"/>
+                    </a:lnB>
+                    <a:solidFill>
+                      <a:srgbClr val="FFFFFF"/>
+                    </a:solidFill>
+                  </a:tcPr>
+                </a:tc>
+                <a:tc>
+                  <a:txBody>
+                    <a:bodyPr/>
+                    <a:lstStyle/>
+                    <a:p>
+                      <a:pPr algn="ctr">
+                        <a:lnSpc>
+                          <a:spcPct val="115000"/>
+                        </a:lnSpc>
+                        <a:spcAft>
+                          <a:spcPts val="0"/>
+                        </a:spcAft>
+                      </a:pPr>
+                      <a:r>
+                        <a:rPr lang="pl-PL" sz="1000">
+                          <a:solidFill>
+                            <a:srgbClr val="00000A"/>
+                          </a:solidFill>
+                          <a:latin typeface="Calibri"/>
+                          <a:ea typeface="Calibri"/>
+                          <a:cs typeface="Times New Roman"/>
+                        </a:rPr>
+                        <a:t>Średni</a:t>
+                      </a:r>
+                      <a:endParaRPr lang="pl-PL" sz="1000">
+                        <a:solidFill>
+                          <a:srgbClr val="00000A"/>
+                        </a:solidFill>
+                        <a:latin typeface="Calibri"/>
+                        <a:ea typeface="Times New Roman"/>
+                        <a:cs typeface="Times New Roman"/>
+                      </a:endParaRPr>
+                    </a:p>
+                  </a:txBody>
+                  <a:tcPr marL="57291" marR="60072" marT="0" marB="0">
+                    <a:lnL w="12700" cap="flat" cmpd="sng" algn="ctr">
+                      <a:solidFill>
+                        <a:srgbClr val="000000"/>
+                      </a:solidFill>
+                      <a:prstDash val="solid"/>
+                      <a:round/>
+                      <a:headEnd type="none" w="med" len="med"/>
+                      <a:tailEnd type="none" w="med" len="med"/>
+                    </a:lnL>
+                    <a:lnR w="12700" cap="flat" cmpd="sng" algn="ctr">
+                      <a:solidFill>
+                        <a:srgbClr val="000000"/>
+                      </a:solidFill>
+                      <a:prstDash val="solid"/>
+                      <a:round/>
+                      <a:headEnd type="none" w="med" len="med"/>
+                      <a:tailEnd type="none" w="med" len="med"/>
+                    </a:lnR>
+                    <a:lnT w="12700" cap="flat" cmpd="sng" algn="ctr">
+                      <a:solidFill>
+                        <a:srgbClr val="000000"/>
+                      </a:solidFill>
+                      <a:prstDash val="solid"/>
+                      <a:round/>
+                      <a:headEnd type="none" w="med" len="med"/>
+                      <a:tailEnd type="none" w="med" len="med"/>
+                    </a:lnT>
+                    <a:lnB w="12700" cap="flat" cmpd="sng" algn="ctr">
+                      <a:solidFill>
+                        <a:srgbClr val="000000"/>
+                      </a:solidFill>
+                      <a:prstDash val="solid"/>
+                      <a:round/>
+                      <a:headEnd type="none" w="med" len="med"/>
+                      <a:tailEnd type="none" w="med" len="med"/>
+                    </a:lnB>
+                    <a:solidFill>
+                      <a:srgbClr val="FFFFFF"/>
+                    </a:solidFill>
+                  </a:tcPr>
+                </a:tc>
+                <a:tc>
+                  <a:txBody>
+                    <a:bodyPr/>
+                    <a:lstStyle/>
+                    <a:p>
+                      <a:pPr algn="ctr">
+                        <a:lnSpc>
+                          <a:spcPct val="115000"/>
+                        </a:lnSpc>
+                        <a:spcAft>
+                          <a:spcPts val="0"/>
+                        </a:spcAft>
+                      </a:pPr>
+                      <a:r>
+                        <a:rPr lang="pl-PL" sz="1000">
+                          <a:solidFill>
+                            <a:srgbClr val="00000A"/>
+                          </a:solidFill>
+                          <a:latin typeface="Calibri"/>
+                          <a:ea typeface="Calibri"/>
+                          <a:cs typeface="Times New Roman"/>
+                        </a:rPr>
+                        <a:t>Zatwierdzone</a:t>
+                      </a:r>
+                      <a:endParaRPr lang="pl-PL" sz="1000">
+                        <a:solidFill>
+                          <a:srgbClr val="00000A"/>
+                        </a:solidFill>
+                        <a:latin typeface="Calibri"/>
+                        <a:ea typeface="Times New Roman"/>
+                        <a:cs typeface="Times New Roman"/>
+                      </a:endParaRPr>
+                    </a:p>
+                  </a:txBody>
+                  <a:tcPr marL="57291" marR="60072" marT="0" marB="0">
+                    <a:lnL w="12700" cap="flat" cmpd="sng" algn="ctr">
+                      <a:solidFill>
+                        <a:srgbClr val="000000"/>
+                      </a:solidFill>
+                      <a:prstDash val="solid"/>
+                      <a:round/>
+                      <a:headEnd type="none" w="med" len="med"/>
+                      <a:tailEnd type="none" w="med" len="med"/>
+                    </a:lnL>
+                    <a:lnR w="12700" cap="flat" cmpd="sng" algn="ctr">
+                      <a:solidFill>
+                        <a:srgbClr val="000000"/>
+                      </a:solidFill>
+                      <a:prstDash val="solid"/>
+                      <a:round/>
+                      <a:headEnd type="none" w="med" len="med"/>
+                      <a:tailEnd type="none" w="med" len="med"/>
+                    </a:lnR>
+                    <a:lnT w="12700" cap="flat" cmpd="sng" algn="ctr">
+                      <a:solidFill>
+                        <a:srgbClr val="000000"/>
+                      </a:solidFill>
+                      <a:prstDash val="solid"/>
+                      <a:round/>
+                      <a:headEnd type="none" w="med" len="med"/>
+                      <a:tailEnd type="none" w="med" len="med"/>
+                    </a:lnT>
+                    <a:lnB w="12700" cap="flat" cmpd="sng" algn="ctr">
+                      <a:solidFill>
+                        <a:srgbClr val="000000"/>
+                      </a:solidFill>
+                      <a:prstDash val="solid"/>
+                      <a:round/>
+                      <a:headEnd type="none" w="med" len="med"/>
+                      <a:tailEnd type="none" w="med" len="med"/>
+                    </a:lnB>
+                    <a:solidFill>
+                      <a:srgbClr val="FFFFFF"/>
+                    </a:solidFill>
+                  </a:tcPr>
+                </a:tc>
+                <a:tc>
+                  <a:txBody>
+                    <a:bodyPr/>
+                    <a:lstStyle/>
+                    <a:p>
+                      <a:pPr algn="ctr">
+                        <a:lnSpc>
+                          <a:spcPct val="115000"/>
+                        </a:lnSpc>
+                        <a:spcAft>
+                          <a:spcPts val="0"/>
+                        </a:spcAft>
+                      </a:pPr>
+                      <a:endParaRPr lang="pl-PL" sz="1000">
+                        <a:solidFill>
+                          <a:srgbClr val="00000A"/>
+                        </a:solidFill>
+                        <a:latin typeface="Calibri"/>
+                        <a:ea typeface="Calibri"/>
+                        <a:cs typeface="Times New Roman"/>
+                      </a:endParaRPr>
+                    </a:p>
+                  </a:txBody>
+                  <a:tcPr marL="57291" marR="60072" marT="0" marB="0">
+                    <a:lnL w="12700" cap="flat" cmpd="sng" algn="ctr">
+                      <a:solidFill>
+                        <a:srgbClr val="000000"/>
+                      </a:solidFill>
+                      <a:prstDash val="solid"/>
+                      <a:round/>
+                      <a:headEnd type="none" w="med" len="med"/>
+                      <a:tailEnd type="none" w="med" len="med"/>
+                    </a:lnL>
+                    <a:lnR w="12700" cap="flat" cmpd="sng" algn="ctr">
+                      <a:solidFill>
+                        <a:srgbClr val="000000"/>
+                      </a:solidFill>
+                      <a:prstDash val="solid"/>
+                      <a:round/>
+                      <a:headEnd type="none" w="med" len="med"/>
+                      <a:tailEnd type="none" w="med" len="med"/>
+                    </a:lnR>
+                    <a:lnT w="12700" cap="flat" cmpd="sng" algn="ctr">
+                      <a:solidFill>
+                        <a:srgbClr val="000000"/>
+                      </a:solidFill>
+                      <a:prstDash val="solid"/>
+                      <a:round/>
+                      <a:headEnd type="none" w="med" len="med"/>
+                      <a:tailEnd type="none" w="med" len="med"/>
+                    </a:lnT>
+                    <a:lnB w="12700" cap="flat" cmpd="sng" algn="ctr">
+                      <a:solidFill>
+                        <a:srgbClr val="000000"/>
+                      </a:solidFill>
+                      <a:prstDash val="solid"/>
+                      <a:round/>
+                      <a:headEnd type="none" w="med" len="med"/>
+                      <a:tailEnd type="none" w="med" len="med"/>
+                    </a:lnB>
+                    <a:solidFill>
+                      <a:srgbClr val="FFFFFF"/>
+                    </a:solidFill>
+                  </a:tcPr>
+                </a:tc>
+              </a:tr>
+              <a:tr h="675474">
+                <a:tc>
+                  <a:txBody>
+                    <a:bodyPr/>
+                    <a:lstStyle/>
+                    <a:p>
+                      <a:pPr algn="ctr">
+                        <a:lnSpc>
+                          <a:spcPct val="115000"/>
+                        </a:lnSpc>
+                        <a:spcAft>
+                          <a:spcPts val="0"/>
+                        </a:spcAft>
+                      </a:pPr>
+                      <a:r>
+                        <a:rPr lang="pl-PL" sz="1000">
+                          <a:solidFill>
+                            <a:srgbClr val="00000A"/>
+                          </a:solidFill>
+                          <a:latin typeface="Calibri"/>
+                          <a:ea typeface="Calibri"/>
+                          <a:cs typeface="Times New Roman"/>
+                        </a:rPr>
+                        <a:t>Napisanie header'a klasy GRA</a:t>
+                      </a:r>
+                      <a:endParaRPr lang="pl-PL" sz="1000">
+                        <a:solidFill>
+                          <a:srgbClr val="00000A"/>
+                        </a:solidFill>
+                        <a:latin typeface="Calibri"/>
+                        <a:ea typeface="Times New Roman"/>
+                        <a:cs typeface="Times New Roman"/>
+                      </a:endParaRPr>
+                    </a:p>
+                  </a:txBody>
+                  <a:tcPr marL="57291" marR="60072" marT="0" marB="0">
+                    <a:lnL w="12700" cap="flat" cmpd="sng" algn="ctr">
+                      <a:solidFill>
+                        <a:srgbClr val="000000"/>
+                      </a:solidFill>
+                      <a:prstDash val="solid"/>
+                      <a:round/>
+                      <a:headEnd type="none" w="med" len="med"/>
+                      <a:tailEnd type="none" w="med" len="med"/>
+                    </a:lnL>
+                    <a:lnR w="12700" cap="flat" cmpd="sng" algn="ctr">
+                      <a:solidFill>
+                        <a:srgbClr val="000000"/>
+                      </a:solidFill>
+                      <a:prstDash val="solid"/>
+                      <a:round/>
+                      <a:headEnd type="none" w="med" len="med"/>
+                      <a:tailEnd type="none" w="med" len="med"/>
+                    </a:lnR>
+                    <a:lnT w="12700" cap="flat" cmpd="sng" algn="ctr">
+                      <a:solidFill>
+                        <a:srgbClr val="000000"/>
+                      </a:solidFill>
+                      <a:prstDash val="solid"/>
+                      <a:round/>
+                      <a:headEnd type="none" w="med" len="med"/>
+                      <a:tailEnd type="none" w="med" len="med"/>
+                    </a:lnT>
+                    <a:lnB w="12700" cap="flat" cmpd="sng" algn="ctr">
+                      <a:solidFill>
+                        <a:srgbClr val="000000"/>
+                      </a:solidFill>
+                      <a:prstDash val="solid"/>
+                      <a:round/>
+                      <a:headEnd type="none" w="med" len="med"/>
+                      <a:tailEnd type="none" w="med" len="med"/>
+                    </a:lnB>
+                    <a:solidFill>
+                      <a:srgbClr val="FFFFFF"/>
+                    </a:solidFill>
+                  </a:tcPr>
+                </a:tc>
+                <a:tc>
+                  <a:txBody>
+                    <a:bodyPr/>
+                    <a:lstStyle/>
+                    <a:p>
+                      <a:pPr algn="ctr">
+                        <a:lnSpc>
+                          <a:spcPct val="115000"/>
+                        </a:lnSpc>
+                        <a:spcAft>
+                          <a:spcPts val="0"/>
+                        </a:spcAft>
+                      </a:pPr>
+                      <a:r>
+                        <a:rPr lang="pl-PL" sz="1000">
+                          <a:solidFill>
+                            <a:srgbClr val="00000A"/>
+                          </a:solidFill>
+                          <a:latin typeface="Calibri"/>
+                          <a:ea typeface="Calibri"/>
+                          <a:cs typeface="Times New Roman"/>
+                        </a:rPr>
+                        <a:t>MA/FG</a:t>
+                      </a:r>
+                      <a:endParaRPr lang="pl-PL" sz="1000">
+                        <a:solidFill>
+                          <a:srgbClr val="00000A"/>
+                        </a:solidFill>
+                        <a:latin typeface="Calibri"/>
+                        <a:ea typeface="Times New Roman"/>
+                        <a:cs typeface="Times New Roman"/>
+                      </a:endParaRPr>
+                    </a:p>
+                  </a:txBody>
+                  <a:tcPr marL="57291" marR="60072" marT="0" marB="0">
+                    <a:lnL w="12700" cap="flat" cmpd="sng" algn="ctr">
+                      <a:solidFill>
+                        <a:srgbClr val="000000"/>
+                      </a:solidFill>
+                      <a:prstDash val="solid"/>
+                      <a:round/>
+                      <a:headEnd type="none" w="med" len="med"/>
+                      <a:tailEnd type="none" w="med" len="med"/>
+                    </a:lnL>
+                    <a:lnR w="12700" cap="flat" cmpd="sng" algn="ctr">
+                      <a:solidFill>
+                        <a:srgbClr val="000000"/>
+                      </a:solidFill>
+                      <a:prstDash val="solid"/>
+                      <a:round/>
+                      <a:headEnd type="none" w="med" len="med"/>
+                      <a:tailEnd type="none" w="med" len="med"/>
+                    </a:lnR>
+                    <a:lnT w="12700" cap="flat" cmpd="sng" algn="ctr">
+                      <a:solidFill>
+                        <a:srgbClr val="000000"/>
+                      </a:solidFill>
+                      <a:prstDash val="solid"/>
+                      <a:round/>
+                      <a:headEnd type="none" w="med" len="med"/>
+                      <a:tailEnd type="none" w="med" len="med"/>
+                    </a:lnT>
+                    <a:lnB w="12700" cap="flat" cmpd="sng" algn="ctr">
+                      <a:solidFill>
+                        <a:srgbClr val="000000"/>
+                      </a:solidFill>
+                      <a:prstDash val="solid"/>
+                      <a:round/>
+                      <a:headEnd type="none" w="med" len="med"/>
+                      <a:tailEnd type="none" w="med" len="med"/>
+                    </a:lnB>
+                    <a:solidFill>
+                      <a:srgbClr val="FFFFFF"/>
+                    </a:solidFill>
+                  </a:tcPr>
+                </a:tc>
+                <a:tc>
+                  <a:txBody>
+                    <a:bodyPr/>
+                    <a:lstStyle/>
+                    <a:p>
+                      <a:pPr algn="ctr">
+                        <a:lnSpc>
+                          <a:spcPct val="115000"/>
+                        </a:lnSpc>
+                        <a:spcAft>
+                          <a:spcPts val="0"/>
+                        </a:spcAft>
+                      </a:pPr>
+                      <a:r>
+                        <a:rPr lang="pl-PL" sz="1000">
+                          <a:solidFill>
+                            <a:srgbClr val="00000A"/>
+                          </a:solidFill>
+                          <a:latin typeface="Calibri"/>
+                          <a:ea typeface="Calibri"/>
+                          <a:cs typeface="Times New Roman"/>
+                        </a:rPr>
+                        <a:t>Zakończono</a:t>
+                      </a:r>
+                      <a:endParaRPr lang="pl-PL" sz="1000">
+                        <a:solidFill>
+                          <a:srgbClr val="00000A"/>
+                        </a:solidFill>
+                        <a:latin typeface="Calibri"/>
+                        <a:ea typeface="Times New Roman"/>
+                        <a:cs typeface="Times New Roman"/>
+                      </a:endParaRPr>
+                    </a:p>
+                  </a:txBody>
+                  <a:tcPr marL="57291" marR="60072" marT="0" marB="0">
+                    <a:lnL w="12700" cap="flat" cmpd="sng" algn="ctr">
+                      <a:solidFill>
+                        <a:srgbClr val="000000"/>
+                      </a:solidFill>
+                      <a:prstDash val="solid"/>
+                      <a:round/>
+                      <a:headEnd type="none" w="med" len="med"/>
+                      <a:tailEnd type="none" w="med" len="med"/>
+                    </a:lnL>
+                    <a:lnR w="12700" cap="flat" cmpd="sng" algn="ctr">
+                      <a:solidFill>
+                        <a:srgbClr val="000000"/>
+                      </a:solidFill>
+                      <a:prstDash val="solid"/>
+                      <a:round/>
+                      <a:headEnd type="none" w="med" len="med"/>
+                      <a:tailEnd type="none" w="med" len="med"/>
+                    </a:lnR>
+                    <a:lnT w="12700" cap="flat" cmpd="sng" algn="ctr">
+                      <a:solidFill>
+                        <a:srgbClr val="000000"/>
+                      </a:solidFill>
+                      <a:prstDash val="solid"/>
+                      <a:round/>
+                      <a:headEnd type="none" w="med" len="med"/>
+                      <a:tailEnd type="none" w="med" len="med"/>
+                    </a:lnT>
+                    <a:lnB w="12700" cap="flat" cmpd="sng" algn="ctr">
+                      <a:solidFill>
+                        <a:srgbClr val="000000"/>
+                      </a:solidFill>
+                      <a:prstDash val="solid"/>
+                      <a:round/>
+                      <a:headEnd type="none" w="med" len="med"/>
+                      <a:tailEnd type="none" w="med" len="med"/>
+                    </a:lnB>
+                    <a:solidFill>
+                      <a:srgbClr val="FFFFFF"/>
+                    </a:solidFill>
+                  </a:tcPr>
+                </a:tc>
+                <a:tc>
+                  <a:txBody>
+                    <a:bodyPr/>
+                    <a:lstStyle/>
+                    <a:p>
+                      <a:pPr algn="ctr">
+                        <a:lnSpc>
+                          <a:spcPct val="115000"/>
+                        </a:lnSpc>
+                        <a:spcAft>
+                          <a:spcPts val="0"/>
+                        </a:spcAft>
+                      </a:pPr>
+                      <a:r>
+                        <a:rPr lang="pl-PL" sz="1000">
+                          <a:solidFill>
+                            <a:srgbClr val="00000A"/>
+                          </a:solidFill>
+                          <a:latin typeface="Calibri"/>
+                          <a:ea typeface="Calibri"/>
+                          <a:cs typeface="Times New Roman"/>
+                        </a:rPr>
+                        <a:t>II</a:t>
+                      </a:r>
+                      <a:endParaRPr lang="pl-PL" sz="1000">
+                        <a:solidFill>
+                          <a:srgbClr val="00000A"/>
+                        </a:solidFill>
+                        <a:latin typeface="Calibri"/>
+                        <a:ea typeface="Times New Roman"/>
+                        <a:cs typeface="Times New Roman"/>
+                      </a:endParaRPr>
+                    </a:p>
+                  </a:txBody>
+                  <a:tcPr marL="57291" marR="60072" marT="0" marB="0">
+                    <a:lnL w="12700" cap="flat" cmpd="sng" algn="ctr">
+                      <a:solidFill>
+                        <a:srgbClr val="000000"/>
+                      </a:solidFill>
+                      <a:prstDash val="solid"/>
+                      <a:round/>
+                      <a:headEnd type="none" w="med" len="med"/>
+                      <a:tailEnd type="none" w="med" len="med"/>
+                    </a:lnL>
+                    <a:lnR w="12700" cap="flat" cmpd="sng" algn="ctr">
+                      <a:solidFill>
+                        <a:srgbClr val="000000"/>
+                      </a:solidFill>
+                      <a:prstDash val="solid"/>
+                      <a:round/>
+                      <a:headEnd type="none" w="med" len="med"/>
+                      <a:tailEnd type="none" w="med" len="med"/>
+                    </a:lnR>
+                    <a:lnT w="12700" cap="flat" cmpd="sng" algn="ctr">
+                      <a:solidFill>
+                        <a:srgbClr val="000000"/>
+                      </a:solidFill>
+                      <a:prstDash val="solid"/>
+                      <a:round/>
+                      <a:headEnd type="none" w="med" len="med"/>
+                      <a:tailEnd type="none" w="med" len="med"/>
+                    </a:lnT>
+                    <a:lnB w="12700" cap="flat" cmpd="sng" algn="ctr">
+                      <a:solidFill>
+                        <a:srgbClr val="000000"/>
+                      </a:solidFill>
+                      <a:prstDash val="solid"/>
+                      <a:round/>
+                      <a:headEnd type="none" w="med" len="med"/>
+                      <a:tailEnd type="none" w="med" len="med"/>
+                    </a:lnB>
+                    <a:solidFill>
+                      <a:srgbClr val="FFFFFF"/>
+                    </a:solidFill>
+                  </a:tcPr>
+                </a:tc>
+                <a:tc>
+                  <a:txBody>
+                    <a:bodyPr/>
+                    <a:lstStyle/>
+                    <a:p>
+                      <a:pPr algn="ctr">
+                        <a:lnSpc>
+                          <a:spcPct val="115000"/>
+                        </a:lnSpc>
+                        <a:spcAft>
+                          <a:spcPts val="0"/>
+                        </a:spcAft>
+                      </a:pPr>
+                      <a:r>
+                        <a:rPr lang="pl-PL" sz="1000">
+                          <a:solidFill>
+                            <a:srgbClr val="00000A"/>
+                          </a:solidFill>
+                          <a:latin typeface="Calibri"/>
+                          <a:ea typeface="Calibri"/>
+                          <a:cs typeface="Times New Roman"/>
+                        </a:rPr>
+                        <a:t>Wysoki</a:t>
+                      </a:r>
+                      <a:endParaRPr lang="pl-PL" sz="1000">
+                        <a:solidFill>
+                          <a:srgbClr val="00000A"/>
+                        </a:solidFill>
+                        <a:latin typeface="Calibri"/>
+                        <a:ea typeface="Times New Roman"/>
+                        <a:cs typeface="Times New Roman"/>
+                      </a:endParaRPr>
+                    </a:p>
+                  </a:txBody>
+                  <a:tcPr marL="57291" marR="60072" marT="0" marB="0">
+                    <a:lnL w="12700" cap="flat" cmpd="sng" algn="ctr">
+                      <a:solidFill>
+                        <a:srgbClr val="000000"/>
+                      </a:solidFill>
+                      <a:prstDash val="solid"/>
+                      <a:round/>
+                      <a:headEnd type="none" w="med" len="med"/>
+                      <a:tailEnd type="none" w="med" len="med"/>
+                    </a:lnL>
+                    <a:lnR w="12700" cap="flat" cmpd="sng" algn="ctr">
+                      <a:solidFill>
+                        <a:srgbClr val="000000"/>
+                      </a:solidFill>
+                      <a:prstDash val="solid"/>
+                      <a:round/>
+                      <a:headEnd type="none" w="med" len="med"/>
+                      <a:tailEnd type="none" w="med" len="med"/>
+                    </a:lnR>
+                    <a:lnT w="12700" cap="flat" cmpd="sng" algn="ctr">
+                      <a:solidFill>
+                        <a:srgbClr val="000000"/>
+                      </a:solidFill>
+                      <a:prstDash val="solid"/>
+                      <a:round/>
+                      <a:headEnd type="none" w="med" len="med"/>
+                      <a:tailEnd type="none" w="med" len="med"/>
+                    </a:lnT>
+                    <a:lnB w="12700" cap="flat" cmpd="sng" algn="ctr">
+                      <a:solidFill>
+                        <a:srgbClr val="000000"/>
+                      </a:solidFill>
+                      <a:prstDash val="solid"/>
+                      <a:round/>
+                      <a:headEnd type="none" w="med" len="med"/>
+                      <a:tailEnd type="none" w="med" len="med"/>
+                    </a:lnB>
+                    <a:solidFill>
+                      <a:srgbClr val="FFFFFF"/>
+                    </a:solidFill>
+                  </a:tcPr>
+                </a:tc>
+                <a:tc>
+                  <a:txBody>
+                    <a:bodyPr/>
+                    <a:lstStyle/>
+                    <a:p>
+                      <a:pPr algn="ctr">
+                        <a:lnSpc>
+                          <a:spcPct val="115000"/>
+                        </a:lnSpc>
+                        <a:spcAft>
+                          <a:spcPts val="0"/>
+                        </a:spcAft>
+                      </a:pPr>
+                      <a:r>
+                        <a:rPr lang="pl-PL" sz="1000">
+                          <a:solidFill>
+                            <a:srgbClr val="00000A"/>
+                          </a:solidFill>
+                          <a:latin typeface="Calibri"/>
+                          <a:ea typeface="Calibri"/>
+                          <a:cs typeface="Times New Roman"/>
+                        </a:rPr>
+                        <a:t>Wysoki</a:t>
+                      </a:r>
+                      <a:endParaRPr lang="pl-PL" sz="1000">
+                        <a:solidFill>
+                          <a:srgbClr val="00000A"/>
+                        </a:solidFill>
+                        <a:latin typeface="Calibri"/>
+                        <a:ea typeface="Times New Roman"/>
+                        <a:cs typeface="Times New Roman"/>
+                      </a:endParaRPr>
+                    </a:p>
+                  </a:txBody>
+                  <a:tcPr marL="57291" marR="60072" marT="0" marB="0">
+                    <a:lnL w="12700" cap="flat" cmpd="sng" algn="ctr">
+                      <a:solidFill>
+                        <a:srgbClr val="000000"/>
+                      </a:solidFill>
+                      <a:prstDash val="solid"/>
+                      <a:round/>
+                      <a:headEnd type="none" w="med" len="med"/>
+                      <a:tailEnd type="none" w="med" len="med"/>
+                    </a:lnL>
+                    <a:lnR w="12700" cap="flat" cmpd="sng" algn="ctr">
+                      <a:solidFill>
+                        <a:srgbClr val="000000"/>
+                      </a:solidFill>
+                      <a:prstDash val="solid"/>
+                      <a:round/>
+                      <a:headEnd type="none" w="med" len="med"/>
+                      <a:tailEnd type="none" w="med" len="med"/>
+                    </a:lnR>
+                    <a:lnT w="12700" cap="flat" cmpd="sng" algn="ctr">
+                      <a:solidFill>
+                        <a:srgbClr val="000000"/>
+                      </a:solidFill>
+                      <a:prstDash val="solid"/>
+                      <a:round/>
+                      <a:headEnd type="none" w="med" len="med"/>
+                      <a:tailEnd type="none" w="med" len="med"/>
+                    </a:lnT>
+                    <a:lnB w="12700" cap="flat" cmpd="sng" algn="ctr">
+                      <a:solidFill>
+                        <a:srgbClr val="000000"/>
+                      </a:solidFill>
+                      <a:prstDash val="solid"/>
+                      <a:round/>
+                      <a:headEnd type="none" w="med" len="med"/>
+                      <a:tailEnd type="none" w="med" len="med"/>
+                    </a:lnB>
+                    <a:solidFill>
+                      <a:srgbClr val="FFFFFF"/>
+                    </a:solidFill>
+                  </a:tcPr>
+                </a:tc>
+                <a:tc>
+                  <a:txBody>
+                    <a:bodyPr/>
+                    <a:lstStyle/>
+                    <a:p>
+                      <a:pPr algn="ctr">
+                        <a:lnSpc>
+                          <a:spcPct val="115000"/>
+                        </a:lnSpc>
+                        <a:spcAft>
+                          <a:spcPts val="0"/>
+                        </a:spcAft>
+                      </a:pPr>
+                      <a:r>
+                        <a:rPr lang="pl-PL" sz="1000">
+                          <a:solidFill>
+                            <a:srgbClr val="00000A"/>
+                          </a:solidFill>
+                          <a:latin typeface="Calibri"/>
+                          <a:ea typeface="Calibri"/>
+                          <a:cs typeface="Times New Roman"/>
+                        </a:rPr>
+                        <a:t>Zatwierdzone</a:t>
+                      </a:r>
+                      <a:endParaRPr lang="pl-PL" sz="1000">
+                        <a:solidFill>
+                          <a:srgbClr val="00000A"/>
+                        </a:solidFill>
+                        <a:latin typeface="Calibri"/>
+                        <a:ea typeface="Times New Roman"/>
+                        <a:cs typeface="Times New Roman"/>
+                      </a:endParaRPr>
+                    </a:p>
+                  </a:txBody>
+                  <a:tcPr marL="57291" marR="60072" marT="0" marB="0">
+                    <a:lnL w="12700" cap="flat" cmpd="sng" algn="ctr">
+                      <a:solidFill>
+                        <a:srgbClr val="000000"/>
+                      </a:solidFill>
+                      <a:prstDash val="solid"/>
+                      <a:round/>
+                      <a:headEnd type="none" w="med" len="med"/>
+                      <a:tailEnd type="none" w="med" len="med"/>
+                    </a:lnL>
+                    <a:lnR w="12700" cap="flat" cmpd="sng" algn="ctr">
+                      <a:solidFill>
+                        <a:srgbClr val="000000"/>
+                      </a:solidFill>
+                      <a:prstDash val="solid"/>
+                      <a:round/>
+                      <a:headEnd type="none" w="med" len="med"/>
+                      <a:tailEnd type="none" w="med" len="med"/>
+                    </a:lnR>
+                    <a:lnT w="12700" cap="flat" cmpd="sng" algn="ctr">
+                      <a:solidFill>
+                        <a:srgbClr val="000000"/>
+                      </a:solidFill>
+                      <a:prstDash val="solid"/>
+                      <a:round/>
+                      <a:headEnd type="none" w="med" len="med"/>
+                      <a:tailEnd type="none" w="med" len="med"/>
+                    </a:lnT>
+                    <a:lnB w="12700" cap="flat" cmpd="sng" algn="ctr">
+                      <a:solidFill>
+                        <a:srgbClr val="000000"/>
+                      </a:solidFill>
+                      <a:prstDash val="solid"/>
+                      <a:round/>
+                      <a:headEnd type="none" w="med" len="med"/>
+                      <a:tailEnd type="none" w="med" len="med"/>
+                    </a:lnB>
+                    <a:solidFill>
+                      <a:srgbClr val="FFFFFF"/>
+                    </a:solidFill>
+                  </a:tcPr>
+                </a:tc>
+                <a:tc>
+                  <a:txBody>
+                    <a:bodyPr/>
+                    <a:lstStyle/>
+                    <a:p>
+                      <a:pPr algn="ctr">
+                        <a:lnSpc>
+                          <a:spcPct val="115000"/>
+                        </a:lnSpc>
+                        <a:spcAft>
+                          <a:spcPts val="0"/>
+                        </a:spcAft>
+                      </a:pPr>
+                      <a:r>
+                        <a:rPr lang="pl-PL" sz="1000">
+                          <a:solidFill>
+                            <a:srgbClr val="00000A"/>
+                          </a:solidFill>
+                          <a:latin typeface="Calibri"/>
+                          <a:ea typeface="Calibri"/>
+                          <a:cs typeface="Times New Roman"/>
+                        </a:rPr>
+                        <a:t>W razie problemów proszę o kontakt</a:t>
+                      </a:r>
+                      <a:endParaRPr lang="pl-PL" sz="1000">
+                        <a:solidFill>
+                          <a:srgbClr val="00000A"/>
+                        </a:solidFill>
+                        <a:latin typeface="Calibri"/>
+                        <a:ea typeface="Times New Roman"/>
+                        <a:cs typeface="Times New Roman"/>
+                      </a:endParaRPr>
+                    </a:p>
+                  </a:txBody>
+                  <a:tcPr marL="57291" marR="60072" marT="0" marB="0">
+                    <a:lnL w="12700" cap="flat" cmpd="sng" algn="ctr">
+                      <a:solidFill>
+                        <a:srgbClr val="000000"/>
+                      </a:solidFill>
+                      <a:prstDash val="solid"/>
+                      <a:round/>
+                      <a:headEnd type="none" w="med" len="med"/>
+                      <a:tailEnd type="none" w="med" len="med"/>
+                    </a:lnL>
+                    <a:lnR w="12700" cap="flat" cmpd="sng" algn="ctr">
+                      <a:solidFill>
+                        <a:srgbClr val="000000"/>
+                      </a:solidFill>
+                      <a:prstDash val="solid"/>
+                      <a:round/>
+                      <a:headEnd type="none" w="med" len="med"/>
+                      <a:tailEnd type="none" w="med" len="med"/>
+                    </a:lnR>
+                    <a:lnT w="12700" cap="flat" cmpd="sng" algn="ctr">
+                      <a:solidFill>
+                        <a:srgbClr val="000000"/>
+                      </a:solidFill>
+                      <a:prstDash val="solid"/>
+                      <a:round/>
+                      <a:headEnd type="none" w="med" len="med"/>
+                      <a:tailEnd type="none" w="med" len="med"/>
+                    </a:lnT>
+                    <a:lnB w="12700" cap="flat" cmpd="sng" algn="ctr">
+                      <a:solidFill>
+                        <a:srgbClr val="000000"/>
+                      </a:solidFill>
+                      <a:prstDash val="solid"/>
+                      <a:round/>
+                      <a:headEnd type="none" w="med" len="med"/>
+                      <a:tailEnd type="none" w="med" len="med"/>
+                    </a:lnB>
+                    <a:solidFill>
+                      <a:srgbClr val="FFFFFF"/>
+                    </a:solidFill>
+                  </a:tcPr>
+                </a:tc>
+              </a:tr>
+              <a:tr h="675474">
+                <a:tc>
+                  <a:txBody>
+                    <a:bodyPr/>
+                    <a:lstStyle/>
+                    <a:p>
+                      <a:pPr algn="ctr">
+                        <a:lnSpc>
+                          <a:spcPct val="115000"/>
+                        </a:lnSpc>
+                        <a:spcAft>
+                          <a:spcPts val="0"/>
+                        </a:spcAft>
+                      </a:pPr>
+                      <a:r>
+                        <a:rPr lang="pl-PL" sz="1000">
+                          <a:solidFill>
+                            <a:srgbClr val="00000A"/>
+                          </a:solidFill>
+                          <a:latin typeface="Calibri"/>
+                          <a:ea typeface="Calibri"/>
+                          <a:cs typeface="Times New Roman"/>
+                        </a:rPr>
+                        <a:t>Napisanie header'a klasy INTERFEJSU</a:t>
+                      </a:r>
+                      <a:endParaRPr lang="pl-PL" sz="1000">
+                        <a:solidFill>
+                          <a:srgbClr val="00000A"/>
+                        </a:solidFill>
+                        <a:latin typeface="Calibri"/>
+                        <a:ea typeface="Times New Roman"/>
+                        <a:cs typeface="Times New Roman"/>
+                      </a:endParaRPr>
+                    </a:p>
+                  </a:txBody>
+                  <a:tcPr marL="57291" marR="60072" marT="0" marB="0">
+                    <a:lnL w="12700" cap="flat" cmpd="sng" algn="ctr">
+                      <a:solidFill>
+                        <a:srgbClr val="000000"/>
+                      </a:solidFill>
+                      <a:prstDash val="solid"/>
+                      <a:round/>
+                      <a:headEnd type="none" w="med" len="med"/>
+                      <a:tailEnd type="none" w="med" len="med"/>
+                    </a:lnL>
+                    <a:lnR w="12700" cap="flat" cmpd="sng" algn="ctr">
+                      <a:solidFill>
+                        <a:srgbClr val="000000"/>
+                      </a:solidFill>
+                      <a:prstDash val="solid"/>
+                      <a:round/>
+                      <a:headEnd type="none" w="med" len="med"/>
+                      <a:tailEnd type="none" w="med" len="med"/>
+                    </a:lnR>
+                    <a:lnT w="12700" cap="flat" cmpd="sng" algn="ctr">
+                      <a:solidFill>
+                        <a:srgbClr val="000000"/>
+                      </a:solidFill>
+                      <a:prstDash val="solid"/>
+                      <a:round/>
+                      <a:headEnd type="none" w="med" len="med"/>
+                      <a:tailEnd type="none" w="med" len="med"/>
+                    </a:lnT>
+                    <a:lnB w="12700" cap="flat" cmpd="sng" algn="ctr">
+                      <a:solidFill>
+                        <a:srgbClr val="000000"/>
+                      </a:solidFill>
+                      <a:prstDash val="solid"/>
+                      <a:round/>
+                      <a:headEnd type="none" w="med" len="med"/>
+                      <a:tailEnd type="none" w="med" len="med"/>
+                    </a:lnB>
+                    <a:solidFill>
+                      <a:srgbClr val="FFFFFF"/>
+                    </a:solidFill>
+                  </a:tcPr>
+                </a:tc>
+                <a:tc>
+                  <a:txBody>
+                    <a:bodyPr/>
+                    <a:lstStyle/>
+                    <a:p>
+                      <a:pPr algn="ctr">
+                        <a:lnSpc>
+                          <a:spcPct val="115000"/>
+                        </a:lnSpc>
+                        <a:spcAft>
+                          <a:spcPts val="0"/>
+                        </a:spcAft>
+                      </a:pPr>
+                      <a:r>
+                        <a:rPr lang="pl-PL" sz="1000">
+                          <a:solidFill>
+                            <a:srgbClr val="00000A"/>
+                          </a:solidFill>
+                          <a:latin typeface="Calibri"/>
+                          <a:ea typeface="Calibri"/>
+                          <a:cs typeface="Times New Roman"/>
+                        </a:rPr>
+                        <a:t>KT</a:t>
+                      </a:r>
+                      <a:endParaRPr lang="pl-PL" sz="1000">
+                        <a:solidFill>
+                          <a:srgbClr val="00000A"/>
+                        </a:solidFill>
+                        <a:latin typeface="Calibri"/>
+                        <a:ea typeface="Times New Roman"/>
+                        <a:cs typeface="Times New Roman"/>
+                      </a:endParaRPr>
+                    </a:p>
+                  </a:txBody>
+                  <a:tcPr marL="57291" marR="60072" marT="0" marB="0">
+                    <a:lnL w="12700" cap="flat" cmpd="sng" algn="ctr">
+                      <a:solidFill>
+                        <a:srgbClr val="000000"/>
+                      </a:solidFill>
+                      <a:prstDash val="solid"/>
+                      <a:round/>
+                      <a:headEnd type="none" w="med" len="med"/>
+                      <a:tailEnd type="none" w="med" len="med"/>
+                    </a:lnL>
+                    <a:lnR w="12700" cap="flat" cmpd="sng" algn="ctr">
+                      <a:solidFill>
+                        <a:srgbClr val="000000"/>
+                      </a:solidFill>
+                      <a:prstDash val="solid"/>
+                      <a:round/>
+                      <a:headEnd type="none" w="med" len="med"/>
+                      <a:tailEnd type="none" w="med" len="med"/>
+                    </a:lnR>
+                    <a:lnT w="12700" cap="flat" cmpd="sng" algn="ctr">
+                      <a:solidFill>
+                        <a:srgbClr val="000000"/>
+                      </a:solidFill>
+                      <a:prstDash val="solid"/>
+                      <a:round/>
+                      <a:headEnd type="none" w="med" len="med"/>
+                      <a:tailEnd type="none" w="med" len="med"/>
+                    </a:lnT>
+                    <a:lnB w="12700" cap="flat" cmpd="sng" algn="ctr">
+                      <a:solidFill>
+                        <a:srgbClr val="000000"/>
+                      </a:solidFill>
+                      <a:prstDash val="solid"/>
+                      <a:round/>
+                      <a:headEnd type="none" w="med" len="med"/>
+                      <a:tailEnd type="none" w="med" len="med"/>
+                    </a:lnB>
+                    <a:solidFill>
+                      <a:srgbClr val="FFFFFF"/>
+                    </a:solidFill>
+                  </a:tcPr>
+                </a:tc>
+                <a:tc>
+                  <a:txBody>
+                    <a:bodyPr/>
+                    <a:lstStyle/>
+                    <a:p>
+                      <a:pPr algn="ctr">
+                        <a:lnSpc>
+                          <a:spcPct val="115000"/>
+                        </a:lnSpc>
+                        <a:spcAft>
+                          <a:spcPts val="0"/>
+                        </a:spcAft>
+                      </a:pPr>
+                      <a:r>
+                        <a:rPr lang="pl-PL" sz="1000">
+                          <a:solidFill>
+                            <a:srgbClr val="00000A"/>
+                          </a:solidFill>
+                          <a:latin typeface="Calibri"/>
+                          <a:ea typeface="Calibri"/>
+                          <a:cs typeface="Times New Roman"/>
+                        </a:rPr>
+                        <a:t>Zakończono</a:t>
+                      </a:r>
+                      <a:endParaRPr lang="pl-PL" sz="1000">
+                        <a:solidFill>
+                          <a:srgbClr val="00000A"/>
+                        </a:solidFill>
+                        <a:latin typeface="Calibri"/>
+                        <a:ea typeface="Times New Roman"/>
+                        <a:cs typeface="Times New Roman"/>
+                      </a:endParaRPr>
+                    </a:p>
+                  </a:txBody>
+                  <a:tcPr marL="57291" marR="60072" marT="0" marB="0">
+                    <a:lnL w="12700" cap="flat" cmpd="sng" algn="ctr">
+                      <a:solidFill>
+                        <a:srgbClr val="000000"/>
+                      </a:solidFill>
+                      <a:prstDash val="solid"/>
+                      <a:round/>
+                      <a:headEnd type="none" w="med" len="med"/>
+                      <a:tailEnd type="none" w="med" len="med"/>
+                    </a:lnL>
+                    <a:lnR w="12700" cap="flat" cmpd="sng" algn="ctr">
+                      <a:solidFill>
+                        <a:srgbClr val="000000"/>
+                      </a:solidFill>
+                      <a:prstDash val="solid"/>
+                      <a:round/>
+                      <a:headEnd type="none" w="med" len="med"/>
+                      <a:tailEnd type="none" w="med" len="med"/>
+                    </a:lnR>
+                    <a:lnT w="12700" cap="flat" cmpd="sng" algn="ctr">
+                      <a:solidFill>
+                        <a:srgbClr val="000000"/>
+                      </a:solidFill>
+                      <a:prstDash val="solid"/>
+                      <a:round/>
+                      <a:headEnd type="none" w="med" len="med"/>
+                      <a:tailEnd type="none" w="med" len="med"/>
+                    </a:lnT>
+                    <a:lnB w="12700" cap="flat" cmpd="sng" algn="ctr">
+                      <a:solidFill>
+                        <a:srgbClr val="000000"/>
+                      </a:solidFill>
+                      <a:prstDash val="solid"/>
+                      <a:round/>
+                      <a:headEnd type="none" w="med" len="med"/>
+                      <a:tailEnd type="none" w="med" len="med"/>
+                    </a:lnB>
+                    <a:solidFill>
+                      <a:srgbClr val="FFFFFF"/>
+                    </a:solidFill>
+                  </a:tcPr>
+                </a:tc>
+                <a:tc>
+                  <a:txBody>
+                    <a:bodyPr/>
+                    <a:lstStyle/>
+                    <a:p>
+                      <a:pPr algn="ctr">
+                        <a:lnSpc>
+                          <a:spcPct val="115000"/>
+                        </a:lnSpc>
+                        <a:spcAft>
+                          <a:spcPts val="0"/>
+                        </a:spcAft>
+                      </a:pPr>
+                      <a:r>
+                        <a:rPr lang="pl-PL" sz="1000">
+                          <a:solidFill>
+                            <a:srgbClr val="00000A"/>
+                          </a:solidFill>
+                          <a:latin typeface="Calibri"/>
+                          <a:ea typeface="Calibri"/>
+                          <a:cs typeface="Times New Roman"/>
+                        </a:rPr>
+                        <a:t>II</a:t>
+                      </a:r>
+                      <a:endParaRPr lang="pl-PL" sz="1000">
+                        <a:solidFill>
+                          <a:srgbClr val="00000A"/>
+                        </a:solidFill>
+                        <a:latin typeface="Calibri"/>
+                        <a:ea typeface="Times New Roman"/>
+                        <a:cs typeface="Times New Roman"/>
+                      </a:endParaRPr>
+                    </a:p>
+                  </a:txBody>
+                  <a:tcPr marL="57291" marR="60072" marT="0" marB="0">
+                    <a:lnL w="12700" cap="flat" cmpd="sng" algn="ctr">
+                      <a:solidFill>
+                        <a:srgbClr val="000000"/>
+                      </a:solidFill>
+                      <a:prstDash val="solid"/>
+                      <a:round/>
+                      <a:headEnd type="none" w="med" len="med"/>
+                      <a:tailEnd type="none" w="med" len="med"/>
+                    </a:lnL>
+                    <a:lnR w="12700" cap="flat" cmpd="sng" algn="ctr">
+                      <a:solidFill>
+                        <a:srgbClr val="000000"/>
+                      </a:solidFill>
+                      <a:prstDash val="solid"/>
+                      <a:round/>
+                      <a:headEnd type="none" w="med" len="med"/>
+                      <a:tailEnd type="none" w="med" len="med"/>
+                    </a:lnR>
+                    <a:lnT w="12700" cap="flat" cmpd="sng" algn="ctr">
+                      <a:solidFill>
+                        <a:srgbClr val="000000"/>
+                      </a:solidFill>
+                      <a:prstDash val="solid"/>
+                      <a:round/>
+                      <a:headEnd type="none" w="med" len="med"/>
+                      <a:tailEnd type="none" w="med" len="med"/>
+                    </a:lnT>
+                    <a:lnB w="12700" cap="flat" cmpd="sng" algn="ctr">
+                      <a:solidFill>
+                        <a:srgbClr val="000000"/>
+                      </a:solidFill>
+                      <a:prstDash val="solid"/>
+                      <a:round/>
+                      <a:headEnd type="none" w="med" len="med"/>
+                      <a:tailEnd type="none" w="med" len="med"/>
+                    </a:lnB>
+                    <a:solidFill>
+                      <a:srgbClr val="FFFFFF"/>
+                    </a:solidFill>
+                  </a:tcPr>
+                </a:tc>
+                <a:tc>
+                  <a:txBody>
+                    <a:bodyPr/>
+                    <a:lstStyle/>
+                    <a:p>
+                      <a:pPr algn="ctr">
+                        <a:lnSpc>
+                          <a:spcPct val="115000"/>
+                        </a:lnSpc>
+                        <a:spcAft>
+                          <a:spcPts val="0"/>
+                        </a:spcAft>
+                      </a:pPr>
+                      <a:r>
+                        <a:rPr lang="pl-PL" sz="1000">
+                          <a:solidFill>
+                            <a:srgbClr val="00000A"/>
+                          </a:solidFill>
+                          <a:latin typeface="Calibri"/>
+                          <a:ea typeface="Calibri"/>
+                          <a:cs typeface="Times New Roman"/>
+                        </a:rPr>
+                        <a:t>Wysoki</a:t>
+                      </a:r>
+                      <a:endParaRPr lang="pl-PL" sz="1000">
+                        <a:solidFill>
+                          <a:srgbClr val="00000A"/>
+                        </a:solidFill>
+                        <a:latin typeface="Calibri"/>
+                        <a:ea typeface="Times New Roman"/>
+                        <a:cs typeface="Times New Roman"/>
+                      </a:endParaRPr>
+                    </a:p>
+                  </a:txBody>
+                  <a:tcPr marL="57291" marR="60072" marT="0" marB="0">
+                    <a:lnL w="12700" cap="flat" cmpd="sng" algn="ctr">
+                      <a:solidFill>
+                        <a:srgbClr val="000000"/>
+                      </a:solidFill>
+                      <a:prstDash val="solid"/>
+                      <a:round/>
+                      <a:headEnd type="none" w="med" len="med"/>
+                      <a:tailEnd type="none" w="med" len="med"/>
+                    </a:lnL>
+                    <a:lnR w="12700" cap="flat" cmpd="sng" algn="ctr">
+                      <a:solidFill>
+                        <a:srgbClr val="000000"/>
+                      </a:solidFill>
+                      <a:prstDash val="solid"/>
+                      <a:round/>
+                      <a:headEnd type="none" w="med" len="med"/>
+                      <a:tailEnd type="none" w="med" len="med"/>
+                    </a:lnR>
+                    <a:lnT w="12700" cap="flat" cmpd="sng" algn="ctr">
+                      <a:solidFill>
+                        <a:srgbClr val="000000"/>
+                      </a:solidFill>
+                      <a:prstDash val="solid"/>
+                      <a:round/>
+                      <a:headEnd type="none" w="med" len="med"/>
+                      <a:tailEnd type="none" w="med" len="med"/>
+                    </a:lnT>
+                    <a:lnB w="12700" cap="flat" cmpd="sng" algn="ctr">
+                      <a:solidFill>
+                        <a:srgbClr val="000000"/>
+                      </a:solidFill>
+                      <a:prstDash val="solid"/>
+                      <a:round/>
+                      <a:headEnd type="none" w="med" len="med"/>
+                      <a:tailEnd type="none" w="med" len="med"/>
+                    </a:lnB>
+                    <a:solidFill>
+                      <a:srgbClr val="FFFFFF"/>
+                    </a:solidFill>
+                  </a:tcPr>
+                </a:tc>
+                <a:tc>
+                  <a:txBody>
+                    <a:bodyPr/>
+                    <a:lstStyle/>
+                    <a:p>
+                      <a:pPr algn="ctr">
+                        <a:lnSpc>
+                          <a:spcPct val="115000"/>
+                        </a:lnSpc>
+                        <a:spcAft>
+                          <a:spcPts val="0"/>
+                        </a:spcAft>
+                      </a:pPr>
+                      <a:r>
+                        <a:rPr lang="pl-PL" sz="1000">
+                          <a:solidFill>
+                            <a:srgbClr val="00000A"/>
+                          </a:solidFill>
+                          <a:latin typeface="Calibri"/>
+                          <a:ea typeface="Calibri"/>
+                          <a:cs typeface="Times New Roman"/>
+                        </a:rPr>
+                        <a:t>Wysoki</a:t>
+                      </a:r>
+                      <a:endParaRPr lang="pl-PL" sz="1000">
+                        <a:solidFill>
+                          <a:srgbClr val="00000A"/>
+                        </a:solidFill>
+                        <a:latin typeface="Calibri"/>
+                        <a:ea typeface="Times New Roman"/>
+                        <a:cs typeface="Times New Roman"/>
+                      </a:endParaRPr>
+                    </a:p>
+                  </a:txBody>
+                  <a:tcPr marL="57291" marR="60072" marT="0" marB="0">
+                    <a:lnL w="12700" cap="flat" cmpd="sng" algn="ctr">
+                      <a:solidFill>
+                        <a:srgbClr val="000000"/>
+                      </a:solidFill>
+                      <a:prstDash val="solid"/>
+                      <a:round/>
+                      <a:headEnd type="none" w="med" len="med"/>
+                      <a:tailEnd type="none" w="med" len="med"/>
+                    </a:lnL>
+                    <a:lnR w="12700" cap="flat" cmpd="sng" algn="ctr">
+                      <a:solidFill>
+                        <a:srgbClr val="000000"/>
+                      </a:solidFill>
+                      <a:prstDash val="solid"/>
+                      <a:round/>
+                      <a:headEnd type="none" w="med" len="med"/>
+                      <a:tailEnd type="none" w="med" len="med"/>
+                    </a:lnR>
+                    <a:lnT w="12700" cap="flat" cmpd="sng" algn="ctr">
+                      <a:solidFill>
+                        <a:srgbClr val="000000"/>
+                      </a:solidFill>
+                      <a:prstDash val="solid"/>
+                      <a:round/>
+                      <a:headEnd type="none" w="med" len="med"/>
+                      <a:tailEnd type="none" w="med" len="med"/>
+                    </a:lnT>
+                    <a:lnB w="12700" cap="flat" cmpd="sng" algn="ctr">
+                      <a:solidFill>
+                        <a:srgbClr val="000000"/>
+                      </a:solidFill>
+                      <a:prstDash val="solid"/>
+                      <a:round/>
+                      <a:headEnd type="none" w="med" len="med"/>
+                      <a:tailEnd type="none" w="med" len="med"/>
+                    </a:lnB>
+                    <a:solidFill>
+                      <a:srgbClr val="FFFFFF"/>
+                    </a:solidFill>
+                  </a:tcPr>
+                </a:tc>
+                <a:tc>
+                  <a:txBody>
+                    <a:bodyPr/>
+                    <a:lstStyle/>
+                    <a:p>
+                      <a:pPr algn="ctr">
+                        <a:lnSpc>
+                          <a:spcPct val="115000"/>
+                        </a:lnSpc>
+                        <a:spcAft>
+                          <a:spcPts val="0"/>
+                        </a:spcAft>
+                      </a:pPr>
+                      <a:r>
+                        <a:rPr lang="pl-PL" sz="1000">
+                          <a:solidFill>
+                            <a:srgbClr val="00000A"/>
+                          </a:solidFill>
+                          <a:latin typeface="Calibri"/>
+                          <a:ea typeface="Calibri"/>
+                          <a:cs typeface="Times New Roman"/>
+                        </a:rPr>
+                        <a:t>Zatwierdzone</a:t>
+                      </a:r>
+                      <a:endParaRPr lang="pl-PL" sz="1000">
+                        <a:solidFill>
+                          <a:srgbClr val="00000A"/>
+                        </a:solidFill>
+                        <a:latin typeface="Calibri"/>
+                        <a:ea typeface="Times New Roman"/>
+                        <a:cs typeface="Times New Roman"/>
+                      </a:endParaRPr>
+                    </a:p>
+                  </a:txBody>
+                  <a:tcPr marL="57291" marR="60072" marT="0" marB="0">
+                    <a:lnL w="12700" cap="flat" cmpd="sng" algn="ctr">
+                      <a:solidFill>
+                        <a:srgbClr val="000000"/>
+                      </a:solidFill>
+                      <a:prstDash val="solid"/>
+                      <a:round/>
+                      <a:headEnd type="none" w="med" len="med"/>
+                      <a:tailEnd type="none" w="med" len="med"/>
+                    </a:lnL>
+                    <a:lnR w="12700" cap="flat" cmpd="sng" algn="ctr">
+                      <a:solidFill>
+                        <a:srgbClr val="000000"/>
+                      </a:solidFill>
+                      <a:prstDash val="solid"/>
+                      <a:round/>
+                      <a:headEnd type="none" w="med" len="med"/>
+                      <a:tailEnd type="none" w="med" len="med"/>
+                    </a:lnR>
+                    <a:lnT w="12700" cap="flat" cmpd="sng" algn="ctr">
+                      <a:solidFill>
+                        <a:srgbClr val="000000"/>
+                      </a:solidFill>
+                      <a:prstDash val="solid"/>
+                      <a:round/>
+                      <a:headEnd type="none" w="med" len="med"/>
+                      <a:tailEnd type="none" w="med" len="med"/>
+                    </a:lnT>
+                    <a:lnB w="12700" cap="flat" cmpd="sng" algn="ctr">
+                      <a:solidFill>
+                        <a:srgbClr val="000000"/>
+                      </a:solidFill>
+                      <a:prstDash val="solid"/>
+                      <a:round/>
+                      <a:headEnd type="none" w="med" len="med"/>
+                      <a:tailEnd type="none" w="med" len="med"/>
+                    </a:lnB>
+                    <a:solidFill>
+                      <a:srgbClr val="FFFFFF"/>
+                    </a:solidFill>
+                  </a:tcPr>
+                </a:tc>
+                <a:tc>
+                  <a:txBody>
+                    <a:bodyPr/>
+                    <a:lstStyle/>
+                    <a:p>
+                      <a:pPr algn="ctr">
+                        <a:lnSpc>
+                          <a:spcPct val="115000"/>
+                        </a:lnSpc>
+                        <a:spcAft>
+                          <a:spcPts val="0"/>
+                        </a:spcAft>
+                      </a:pPr>
+                      <a:r>
+                        <a:rPr lang="pl-PL" sz="1000">
+                          <a:solidFill>
+                            <a:srgbClr val="00000A"/>
+                          </a:solidFill>
+                          <a:latin typeface="Calibri"/>
+                          <a:ea typeface="Calibri"/>
+                          <a:cs typeface="Times New Roman"/>
+                        </a:rPr>
+                        <a:t>W razie problemów proszę o kontakt</a:t>
+                      </a:r>
+                      <a:endParaRPr lang="pl-PL" sz="1000">
+                        <a:solidFill>
+                          <a:srgbClr val="00000A"/>
+                        </a:solidFill>
+                        <a:latin typeface="Calibri"/>
+                        <a:ea typeface="Times New Roman"/>
+                        <a:cs typeface="Times New Roman"/>
+                      </a:endParaRPr>
+                    </a:p>
+                  </a:txBody>
+                  <a:tcPr marL="57291" marR="60072" marT="0" marB="0">
+                    <a:lnL w="12700" cap="flat" cmpd="sng" algn="ctr">
+                      <a:solidFill>
+                        <a:srgbClr val="000000"/>
+                      </a:solidFill>
+                      <a:prstDash val="solid"/>
+                      <a:round/>
+                      <a:headEnd type="none" w="med" len="med"/>
+                      <a:tailEnd type="none" w="med" len="med"/>
+                    </a:lnL>
+                    <a:lnR w="12700" cap="flat" cmpd="sng" algn="ctr">
+                      <a:solidFill>
+                        <a:srgbClr val="000000"/>
+                      </a:solidFill>
+                      <a:prstDash val="solid"/>
+                      <a:round/>
+                      <a:headEnd type="none" w="med" len="med"/>
+                      <a:tailEnd type="none" w="med" len="med"/>
+                    </a:lnR>
+                    <a:lnT w="12700" cap="flat" cmpd="sng" algn="ctr">
+                      <a:solidFill>
+                        <a:srgbClr val="000000"/>
+                      </a:solidFill>
+                      <a:prstDash val="solid"/>
+                      <a:round/>
+                      <a:headEnd type="none" w="med" len="med"/>
+                      <a:tailEnd type="none" w="med" len="med"/>
+                    </a:lnT>
+                    <a:lnB w="12700" cap="flat" cmpd="sng" algn="ctr">
+                      <a:solidFill>
+                        <a:srgbClr val="000000"/>
+                      </a:solidFill>
+                      <a:prstDash val="solid"/>
+                      <a:round/>
+                      <a:headEnd type="none" w="med" len="med"/>
+                      <a:tailEnd type="none" w="med" len="med"/>
+                    </a:lnB>
+                    <a:solidFill>
+                      <a:srgbClr val="FFFFFF"/>
+                    </a:solidFill>
+                  </a:tcPr>
+                </a:tc>
+              </a:tr>
+              <a:tr h="844342">
+                <a:tc>
+                  <a:txBody>
+                    <a:bodyPr/>
+                    <a:lstStyle/>
+                    <a:p>
+                      <a:pPr algn="ctr">
+                        <a:lnSpc>
+                          <a:spcPct val="115000"/>
+                        </a:lnSpc>
+                        <a:spcAft>
+                          <a:spcPts val="0"/>
+                        </a:spcAft>
+                      </a:pPr>
+                      <a:r>
+                        <a:rPr lang="pl-PL" sz="1000">
+                          <a:solidFill>
+                            <a:srgbClr val="00000A"/>
+                          </a:solidFill>
+                          <a:latin typeface="Calibri"/>
+                          <a:ea typeface="Calibri"/>
+                          <a:cs typeface="Times New Roman"/>
+                        </a:rPr>
+                        <a:t>Ciągła nauka programowania i tworzenia grafiki w języku C++</a:t>
+                      </a:r>
+                      <a:endParaRPr lang="pl-PL" sz="1000">
+                        <a:solidFill>
+                          <a:srgbClr val="00000A"/>
+                        </a:solidFill>
+                        <a:latin typeface="Calibri"/>
+                        <a:ea typeface="Times New Roman"/>
+                        <a:cs typeface="Times New Roman"/>
+                      </a:endParaRPr>
+                    </a:p>
+                  </a:txBody>
+                  <a:tcPr marL="57291" marR="60072" marT="0" marB="0">
+                    <a:lnL w="12700" cap="flat" cmpd="sng" algn="ctr">
+                      <a:solidFill>
+                        <a:srgbClr val="000000"/>
+                      </a:solidFill>
+                      <a:prstDash val="solid"/>
+                      <a:round/>
+                      <a:headEnd type="none" w="med" len="med"/>
+                      <a:tailEnd type="none" w="med" len="med"/>
+                    </a:lnL>
+                    <a:lnR w="12700" cap="flat" cmpd="sng" algn="ctr">
+                      <a:solidFill>
+                        <a:srgbClr val="000000"/>
+                      </a:solidFill>
+                      <a:prstDash val="solid"/>
+                      <a:round/>
+                      <a:headEnd type="none" w="med" len="med"/>
+                      <a:tailEnd type="none" w="med" len="med"/>
+                    </a:lnR>
+                    <a:lnT w="12700" cap="flat" cmpd="sng" algn="ctr">
+                      <a:solidFill>
+                        <a:srgbClr val="000000"/>
+                      </a:solidFill>
+                      <a:prstDash val="solid"/>
+                      <a:round/>
+                      <a:headEnd type="none" w="med" len="med"/>
+                      <a:tailEnd type="none" w="med" len="med"/>
+                    </a:lnT>
+                    <a:lnB w="12700" cap="flat" cmpd="sng" algn="ctr">
+                      <a:solidFill>
+                        <a:srgbClr val="000000"/>
+                      </a:solidFill>
+                      <a:prstDash val="solid"/>
+                      <a:round/>
+                      <a:headEnd type="none" w="med" len="med"/>
+                      <a:tailEnd type="none" w="med" len="med"/>
+                    </a:lnB>
+                    <a:solidFill>
+                      <a:srgbClr val="FFFFFF"/>
+                    </a:solidFill>
+                  </a:tcPr>
+                </a:tc>
+                <a:tc>
+                  <a:txBody>
+                    <a:bodyPr/>
+                    <a:lstStyle/>
+                    <a:p>
+                      <a:pPr algn="ctr">
+                        <a:lnSpc>
+                          <a:spcPct val="115000"/>
+                        </a:lnSpc>
+                        <a:spcAft>
+                          <a:spcPts val="0"/>
+                        </a:spcAft>
+                      </a:pPr>
+                      <a:r>
+                        <a:rPr lang="pl-PL" sz="1000">
+                          <a:solidFill>
+                            <a:srgbClr val="00000A"/>
+                          </a:solidFill>
+                          <a:latin typeface="Calibri"/>
+                          <a:ea typeface="Calibri"/>
+                          <a:cs typeface="Times New Roman"/>
+                        </a:rPr>
+                        <a:t>AD/MA/KT/FG</a:t>
+                      </a:r>
+                      <a:endParaRPr lang="pl-PL" sz="1000">
+                        <a:solidFill>
+                          <a:srgbClr val="00000A"/>
+                        </a:solidFill>
+                        <a:latin typeface="Calibri"/>
+                        <a:ea typeface="Times New Roman"/>
+                        <a:cs typeface="Times New Roman"/>
+                      </a:endParaRPr>
+                    </a:p>
+                  </a:txBody>
+                  <a:tcPr marL="57291" marR="60072" marT="0" marB="0">
+                    <a:lnL w="12700" cap="flat" cmpd="sng" algn="ctr">
+                      <a:solidFill>
+                        <a:srgbClr val="000000"/>
+                      </a:solidFill>
+                      <a:prstDash val="solid"/>
+                      <a:round/>
+                      <a:headEnd type="none" w="med" len="med"/>
+                      <a:tailEnd type="none" w="med" len="med"/>
+                    </a:lnL>
+                    <a:lnR w="12700" cap="flat" cmpd="sng" algn="ctr">
+                      <a:solidFill>
+                        <a:srgbClr val="000000"/>
+                      </a:solidFill>
+                      <a:prstDash val="solid"/>
+                      <a:round/>
+                      <a:headEnd type="none" w="med" len="med"/>
+                      <a:tailEnd type="none" w="med" len="med"/>
+                    </a:lnR>
+                    <a:lnT w="12700" cap="flat" cmpd="sng" algn="ctr">
+                      <a:solidFill>
+                        <a:srgbClr val="000000"/>
+                      </a:solidFill>
+                      <a:prstDash val="solid"/>
+                      <a:round/>
+                      <a:headEnd type="none" w="med" len="med"/>
+                      <a:tailEnd type="none" w="med" len="med"/>
+                    </a:lnT>
+                    <a:lnB w="12700" cap="flat" cmpd="sng" algn="ctr">
+                      <a:solidFill>
+                        <a:srgbClr val="000000"/>
+                      </a:solidFill>
+                      <a:prstDash val="solid"/>
+                      <a:round/>
+                      <a:headEnd type="none" w="med" len="med"/>
+                      <a:tailEnd type="none" w="med" len="med"/>
+                    </a:lnB>
+                    <a:solidFill>
+                      <a:srgbClr val="FFFFFF"/>
+                    </a:solidFill>
+                  </a:tcPr>
+                </a:tc>
+                <a:tc>
+                  <a:txBody>
+                    <a:bodyPr/>
+                    <a:lstStyle/>
+                    <a:p>
+                      <a:pPr algn="ctr">
+                        <a:lnSpc>
+                          <a:spcPct val="115000"/>
+                        </a:lnSpc>
+                        <a:spcAft>
+                          <a:spcPts val="0"/>
+                        </a:spcAft>
+                      </a:pPr>
+                      <a:r>
+                        <a:rPr lang="pl-PL" sz="1000">
+                          <a:solidFill>
+                            <a:srgbClr val="00000A"/>
+                          </a:solidFill>
+                          <a:latin typeface="Calibri"/>
+                          <a:ea typeface="Calibri"/>
+                          <a:cs typeface="Times New Roman"/>
+                        </a:rPr>
+                        <a:t>Zakończono</a:t>
+                      </a:r>
+                      <a:endParaRPr lang="pl-PL" sz="1000">
+                        <a:solidFill>
+                          <a:srgbClr val="00000A"/>
+                        </a:solidFill>
+                        <a:latin typeface="Calibri"/>
+                        <a:ea typeface="Times New Roman"/>
+                        <a:cs typeface="Times New Roman"/>
+                      </a:endParaRPr>
+                    </a:p>
+                  </a:txBody>
+                  <a:tcPr marL="57291" marR="60072" marT="0" marB="0">
+                    <a:lnL w="12700" cap="flat" cmpd="sng" algn="ctr">
+                      <a:solidFill>
+                        <a:srgbClr val="000000"/>
+                      </a:solidFill>
+                      <a:prstDash val="solid"/>
+                      <a:round/>
+                      <a:headEnd type="none" w="med" len="med"/>
+                      <a:tailEnd type="none" w="med" len="med"/>
+                    </a:lnL>
+                    <a:lnR w="12700" cap="flat" cmpd="sng" algn="ctr">
+                      <a:solidFill>
+                        <a:srgbClr val="000000"/>
+                      </a:solidFill>
+                      <a:prstDash val="solid"/>
+                      <a:round/>
+                      <a:headEnd type="none" w="med" len="med"/>
+                      <a:tailEnd type="none" w="med" len="med"/>
+                    </a:lnR>
+                    <a:lnT w="12700" cap="flat" cmpd="sng" algn="ctr">
+                      <a:solidFill>
+                        <a:srgbClr val="000000"/>
+                      </a:solidFill>
+                      <a:prstDash val="solid"/>
+                      <a:round/>
+                      <a:headEnd type="none" w="med" len="med"/>
+                      <a:tailEnd type="none" w="med" len="med"/>
+                    </a:lnT>
+                    <a:lnB w="12700" cap="flat" cmpd="sng" algn="ctr">
+                      <a:solidFill>
+                        <a:srgbClr val="000000"/>
+                      </a:solidFill>
+                      <a:prstDash val="solid"/>
+                      <a:round/>
+                      <a:headEnd type="none" w="med" len="med"/>
+                      <a:tailEnd type="none" w="med" len="med"/>
+                    </a:lnB>
+                    <a:solidFill>
+                      <a:srgbClr val="FFFFFF"/>
+                    </a:solidFill>
+                  </a:tcPr>
+                </a:tc>
+                <a:tc>
+                  <a:txBody>
+                    <a:bodyPr/>
+                    <a:lstStyle/>
+                    <a:p>
+                      <a:pPr algn="ctr">
+                        <a:lnSpc>
+                          <a:spcPct val="115000"/>
+                        </a:lnSpc>
+                        <a:spcAft>
+                          <a:spcPts val="0"/>
+                        </a:spcAft>
+                      </a:pPr>
+                      <a:r>
+                        <a:rPr lang="pl-PL" sz="1000">
+                          <a:solidFill>
+                            <a:srgbClr val="00000A"/>
+                          </a:solidFill>
+                          <a:latin typeface="Calibri"/>
+                          <a:ea typeface="Calibri"/>
+                          <a:cs typeface="Times New Roman"/>
+                        </a:rPr>
+                        <a:t>II</a:t>
+                      </a:r>
+                      <a:endParaRPr lang="pl-PL" sz="1000">
+                        <a:solidFill>
+                          <a:srgbClr val="00000A"/>
+                        </a:solidFill>
+                        <a:latin typeface="Calibri"/>
+                        <a:ea typeface="Times New Roman"/>
+                        <a:cs typeface="Times New Roman"/>
+                      </a:endParaRPr>
+                    </a:p>
+                  </a:txBody>
+                  <a:tcPr marL="57291" marR="60072" marT="0" marB="0">
+                    <a:lnL w="12700" cap="flat" cmpd="sng" algn="ctr">
+                      <a:solidFill>
+                        <a:srgbClr val="000000"/>
+                      </a:solidFill>
+                      <a:prstDash val="solid"/>
+                      <a:round/>
+                      <a:headEnd type="none" w="med" len="med"/>
+                      <a:tailEnd type="none" w="med" len="med"/>
+                    </a:lnL>
+                    <a:lnR w="12700" cap="flat" cmpd="sng" algn="ctr">
+                      <a:solidFill>
+                        <a:srgbClr val="000000"/>
+                      </a:solidFill>
+                      <a:prstDash val="solid"/>
+                      <a:round/>
+                      <a:headEnd type="none" w="med" len="med"/>
+                      <a:tailEnd type="none" w="med" len="med"/>
+                    </a:lnR>
+                    <a:lnT w="12700" cap="flat" cmpd="sng" algn="ctr">
+                      <a:solidFill>
+                        <a:srgbClr val="000000"/>
+                      </a:solidFill>
+                      <a:prstDash val="solid"/>
+                      <a:round/>
+                      <a:headEnd type="none" w="med" len="med"/>
+                      <a:tailEnd type="none" w="med" len="med"/>
+                    </a:lnT>
+                    <a:lnB w="12700" cap="flat" cmpd="sng" algn="ctr">
+                      <a:solidFill>
+                        <a:srgbClr val="000000"/>
+                      </a:solidFill>
+                      <a:prstDash val="solid"/>
+                      <a:round/>
+                      <a:headEnd type="none" w="med" len="med"/>
+                      <a:tailEnd type="none" w="med" len="med"/>
+                    </a:lnB>
+                    <a:solidFill>
+                      <a:srgbClr val="FFFFFF"/>
+                    </a:solidFill>
+                  </a:tcPr>
+                </a:tc>
+                <a:tc>
+                  <a:txBody>
+                    <a:bodyPr/>
+                    <a:lstStyle/>
+                    <a:p>
+                      <a:pPr algn="ctr">
+                        <a:lnSpc>
+                          <a:spcPct val="115000"/>
+                        </a:lnSpc>
+                        <a:spcAft>
+                          <a:spcPts val="0"/>
+                        </a:spcAft>
+                      </a:pPr>
+                      <a:r>
+                        <a:rPr lang="pl-PL" sz="1000">
+                          <a:solidFill>
+                            <a:srgbClr val="00000A"/>
+                          </a:solidFill>
+                          <a:latin typeface="Calibri"/>
+                          <a:ea typeface="Calibri"/>
+                          <a:cs typeface="Times New Roman"/>
+                        </a:rPr>
+                        <a:t>Wysoki</a:t>
+                      </a:r>
+                      <a:endParaRPr lang="pl-PL" sz="1000">
+                        <a:solidFill>
+                          <a:srgbClr val="00000A"/>
+                        </a:solidFill>
+                        <a:latin typeface="Calibri"/>
+                        <a:ea typeface="Times New Roman"/>
+                        <a:cs typeface="Times New Roman"/>
+                      </a:endParaRPr>
+                    </a:p>
+                  </a:txBody>
+                  <a:tcPr marL="57291" marR="60072" marT="0" marB="0">
+                    <a:lnL w="12700" cap="flat" cmpd="sng" algn="ctr">
+                      <a:solidFill>
+                        <a:srgbClr val="000000"/>
+                      </a:solidFill>
+                      <a:prstDash val="solid"/>
+                      <a:round/>
+                      <a:headEnd type="none" w="med" len="med"/>
+                      <a:tailEnd type="none" w="med" len="med"/>
+                    </a:lnL>
+                    <a:lnR w="12700" cap="flat" cmpd="sng" algn="ctr">
+                      <a:solidFill>
+                        <a:srgbClr val="000000"/>
+                      </a:solidFill>
+                      <a:prstDash val="solid"/>
+                      <a:round/>
+                      <a:headEnd type="none" w="med" len="med"/>
+                      <a:tailEnd type="none" w="med" len="med"/>
+                    </a:lnR>
+                    <a:lnT w="12700" cap="flat" cmpd="sng" algn="ctr">
+                      <a:solidFill>
+                        <a:srgbClr val="000000"/>
+                      </a:solidFill>
+                      <a:prstDash val="solid"/>
+                      <a:round/>
+                      <a:headEnd type="none" w="med" len="med"/>
+                      <a:tailEnd type="none" w="med" len="med"/>
+                    </a:lnT>
+                    <a:lnB w="12700" cap="flat" cmpd="sng" algn="ctr">
+                      <a:solidFill>
+                        <a:srgbClr val="000000"/>
+                      </a:solidFill>
+                      <a:prstDash val="solid"/>
+                      <a:round/>
+                      <a:headEnd type="none" w="med" len="med"/>
+                      <a:tailEnd type="none" w="med" len="med"/>
+                    </a:lnB>
+                    <a:solidFill>
+                      <a:srgbClr val="FFFFFF"/>
+                    </a:solidFill>
+                  </a:tcPr>
+                </a:tc>
+                <a:tc>
+                  <a:txBody>
+                    <a:bodyPr/>
+                    <a:lstStyle/>
+                    <a:p>
+                      <a:pPr algn="ctr">
+                        <a:lnSpc>
+                          <a:spcPct val="115000"/>
+                        </a:lnSpc>
+                        <a:spcAft>
+                          <a:spcPts val="0"/>
+                        </a:spcAft>
+                      </a:pPr>
+                      <a:r>
+                        <a:rPr lang="pl-PL" sz="1000">
+                          <a:solidFill>
+                            <a:srgbClr val="00000A"/>
+                          </a:solidFill>
+                          <a:latin typeface="Calibri"/>
+                          <a:ea typeface="Calibri"/>
+                          <a:cs typeface="Times New Roman"/>
+                        </a:rPr>
+                        <a:t>Wysoki</a:t>
+                      </a:r>
+                      <a:endParaRPr lang="pl-PL" sz="1000">
+                        <a:solidFill>
+                          <a:srgbClr val="00000A"/>
+                        </a:solidFill>
+                        <a:latin typeface="Calibri"/>
+                        <a:ea typeface="Times New Roman"/>
+                        <a:cs typeface="Times New Roman"/>
+                      </a:endParaRPr>
+                    </a:p>
+                  </a:txBody>
+                  <a:tcPr marL="57291" marR="60072" marT="0" marB="0">
+                    <a:lnL w="12700" cap="flat" cmpd="sng" algn="ctr">
+                      <a:solidFill>
+                        <a:srgbClr val="000000"/>
+                      </a:solidFill>
+                      <a:prstDash val="solid"/>
+                      <a:round/>
+                      <a:headEnd type="none" w="med" len="med"/>
+                      <a:tailEnd type="none" w="med" len="med"/>
+                    </a:lnL>
+                    <a:lnR w="12700" cap="flat" cmpd="sng" algn="ctr">
+                      <a:solidFill>
+                        <a:srgbClr val="000000"/>
+                      </a:solidFill>
+                      <a:prstDash val="solid"/>
+                      <a:round/>
+                      <a:headEnd type="none" w="med" len="med"/>
+                      <a:tailEnd type="none" w="med" len="med"/>
+                    </a:lnR>
+                    <a:lnT w="12700" cap="flat" cmpd="sng" algn="ctr">
+                      <a:solidFill>
+                        <a:srgbClr val="000000"/>
+                      </a:solidFill>
+                      <a:prstDash val="solid"/>
+                      <a:round/>
+                      <a:headEnd type="none" w="med" len="med"/>
+                      <a:tailEnd type="none" w="med" len="med"/>
+                    </a:lnT>
+                    <a:lnB w="12700" cap="flat" cmpd="sng" algn="ctr">
+                      <a:solidFill>
+                        <a:srgbClr val="000000"/>
+                      </a:solidFill>
+                      <a:prstDash val="solid"/>
+                      <a:round/>
+                      <a:headEnd type="none" w="med" len="med"/>
+                      <a:tailEnd type="none" w="med" len="med"/>
+                    </a:lnB>
+                    <a:solidFill>
+                      <a:srgbClr val="FFFFFF"/>
+                    </a:solidFill>
+                  </a:tcPr>
+                </a:tc>
+                <a:tc>
+                  <a:txBody>
+                    <a:bodyPr/>
+                    <a:lstStyle/>
+                    <a:p>
+                      <a:pPr algn="ctr">
+                        <a:lnSpc>
+                          <a:spcPct val="115000"/>
+                        </a:lnSpc>
+                        <a:spcAft>
+                          <a:spcPts val="0"/>
+                        </a:spcAft>
+                      </a:pPr>
+                      <a:r>
+                        <a:rPr lang="pl-PL" sz="1000">
+                          <a:solidFill>
+                            <a:srgbClr val="00000A"/>
+                          </a:solidFill>
+                          <a:latin typeface="Calibri"/>
+                          <a:ea typeface="Calibri"/>
+                          <a:cs typeface="Times New Roman"/>
+                        </a:rPr>
+                        <a:t>Zatwierdzone</a:t>
+                      </a:r>
+                      <a:endParaRPr lang="pl-PL" sz="1000">
+                        <a:solidFill>
+                          <a:srgbClr val="00000A"/>
+                        </a:solidFill>
+                        <a:latin typeface="Calibri"/>
+                        <a:ea typeface="Times New Roman"/>
+                        <a:cs typeface="Times New Roman"/>
+                      </a:endParaRPr>
+                    </a:p>
+                  </a:txBody>
+                  <a:tcPr marL="57291" marR="60072" marT="0" marB="0">
+                    <a:lnL w="12700" cap="flat" cmpd="sng" algn="ctr">
+                      <a:solidFill>
+                        <a:srgbClr val="000000"/>
+                      </a:solidFill>
+                      <a:prstDash val="solid"/>
+                      <a:round/>
+                      <a:headEnd type="none" w="med" len="med"/>
+                      <a:tailEnd type="none" w="med" len="med"/>
+                    </a:lnL>
+                    <a:lnR w="12700" cap="flat" cmpd="sng" algn="ctr">
+                      <a:solidFill>
+                        <a:srgbClr val="000000"/>
+                      </a:solidFill>
+                      <a:prstDash val="solid"/>
+                      <a:round/>
+                      <a:headEnd type="none" w="med" len="med"/>
+                      <a:tailEnd type="none" w="med" len="med"/>
+                    </a:lnR>
+                    <a:lnT w="12700" cap="flat" cmpd="sng" algn="ctr">
+                      <a:solidFill>
+                        <a:srgbClr val="000000"/>
+                      </a:solidFill>
+                      <a:prstDash val="solid"/>
+                      <a:round/>
+                      <a:headEnd type="none" w="med" len="med"/>
+                      <a:tailEnd type="none" w="med" len="med"/>
+                    </a:lnT>
+                    <a:lnB w="12700" cap="flat" cmpd="sng" algn="ctr">
+                      <a:solidFill>
+                        <a:srgbClr val="000000"/>
+                      </a:solidFill>
+                      <a:prstDash val="solid"/>
+                      <a:round/>
+                      <a:headEnd type="none" w="med" len="med"/>
+                      <a:tailEnd type="none" w="med" len="med"/>
+                    </a:lnB>
+                    <a:solidFill>
+                      <a:srgbClr val="FFFFFF"/>
+                    </a:solidFill>
+                  </a:tcPr>
+                </a:tc>
+                <a:tc>
+                  <a:txBody>
+                    <a:bodyPr/>
+                    <a:lstStyle/>
+                    <a:p>
+                      <a:pPr algn="ctr">
+                        <a:lnSpc>
+                          <a:spcPct val="115000"/>
+                        </a:lnSpc>
+                        <a:spcAft>
+                          <a:spcPts val="0"/>
+                        </a:spcAft>
+                      </a:pPr>
+                      <a:endParaRPr lang="pl-PL" sz="1000" dirty="0">
+                        <a:solidFill>
+                          <a:srgbClr val="00000A"/>
+                        </a:solidFill>
+                        <a:latin typeface="Calibri"/>
+                        <a:ea typeface="Calibri"/>
+                        <a:cs typeface="Times New Roman"/>
+                      </a:endParaRPr>
+                    </a:p>
+                  </a:txBody>
+                  <a:tcPr marL="57291" marR="60072" marT="0" marB="0">
+                    <a:lnL w="12700" cap="flat" cmpd="sng" algn="ctr">
+                      <a:solidFill>
+                        <a:srgbClr val="000000"/>
+                      </a:solidFill>
+                      <a:prstDash val="solid"/>
+                      <a:round/>
+                      <a:headEnd type="none" w="med" len="med"/>
+                      <a:tailEnd type="none" w="med" len="med"/>
+                    </a:lnL>
+                    <a:lnR w="12700" cap="flat" cmpd="sng" algn="ctr">
+                      <a:solidFill>
+                        <a:srgbClr val="000000"/>
+                      </a:solidFill>
+                      <a:prstDash val="solid"/>
+                      <a:round/>
+                      <a:headEnd type="none" w="med" len="med"/>
+                      <a:tailEnd type="none" w="med" len="med"/>
+                    </a:lnR>
+                    <a:lnT w="12700" cap="flat" cmpd="sng" algn="ctr">
+                      <a:solidFill>
+                        <a:srgbClr val="000000"/>
+                      </a:solidFill>
+                      <a:prstDash val="solid"/>
+                      <a:round/>
+                      <a:headEnd type="none" w="med" len="med"/>
+                      <a:tailEnd type="none" w="med" len="med"/>
+                    </a:lnT>
+                    <a:lnB w="12700" cap="flat" cmpd="sng" algn="ctr">
+                      <a:solidFill>
+                        <a:srgbClr val="000000"/>
+                      </a:solidFill>
+                      <a:prstDash val="solid"/>
+                      <a:round/>
+                      <a:headEnd type="none" w="med" len="med"/>
+                      <a:tailEnd type="none" w="med" len="med"/>
+                    </a:lnB>
+                    <a:solidFill>
+                      <a:srgbClr val="FFFFFF"/>
+                    </a:solidFill>
+                  </a:tcPr>
+                </a:tc>
+              </a:tr>
+            </a:tbl>
+          </a:graphicData>
+        </a:graphic>
+      </p:graphicFrame>
       <p:sp>
         <p:nvSpPr>
           <p:cNvPr id="4" name="Symbol zastępczy daty 3"/>
@@ -6209,7 +10350,7 @@
             <a:fld id="{DEBB8349-9EFE-4CF4-A443-9D73D6C5CDDC}" type="datetime1">
               <a:rPr lang="pl-PL" smtClean="0"/>
               <a:pPr/>
-              <a:t>30.05.2017</a:t>
+              <a:t>2017-05-31</a:t>
             </a:fld>
             <a:endParaRPr lang="pl-PL"/>
           </a:p>
@@ -6262,87 +10403,11 @@
           </a:p>
         </p:txBody>
       </p:sp>
-      <p:pic>
-        <p:nvPicPr>
-          <p:cNvPr id="3074" name="Picture 2"/>
-          <p:cNvPicPr>
-            <a:picLocks noChangeAspect="1" noChangeArrowheads="1"/>
-          </p:cNvPicPr>
-          <p:nvPr/>
-        </p:nvPicPr>
-        <p:blipFill>
-          <a:blip r:embed="rId2">
-            <a:extLst>
-              <a:ext uri="{28A0092B-C50C-407E-A947-70E740481C1C}">
-                <a14:useLocalDpi xmlns:a14="http://schemas.microsoft.com/office/drawing/2010/main" xmlns="" val="0"/>
-              </a:ext>
-            </a:extLst>
-          </a:blip>
-          <a:srcRect/>
-          <a:stretch>
-            <a:fillRect/>
-          </a:stretch>
-        </p:blipFill>
-        <p:spPr bwMode="auto">
-          <a:xfrm>
-            <a:off x="838200" y="1340768"/>
-            <a:ext cx="7467600" cy="4622800"/>
-          </a:xfrm>
-          <a:prstGeom prst="rect">
-            <a:avLst/>
-          </a:prstGeom>
-          <a:noFill/>
-          <a:ln>
-            <a:noFill/>
-          </a:ln>
-          <a:effectLst/>
-          <a:extLst>
-            <a:ext uri="{909E8E84-426E-40DD-AFC4-6F175D3DCCD1}">
-              <a14:hiddenFill xmlns:a14="http://schemas.microsoft.com/office/drawing/2010/main" xmlns="">
-                <a:solidFill>
-                  <a:schemeClr val="accent1"/>
-                </a:solidFill>
-              </a14:hiddenFill>
-            </a:ext>
-            <a:ext uri="{91240B29-F687-4F45-9708-019B960494DF}">
-              <a14:hiddenLine xmlns:a14="http://schemas.microsoft.com/office/drawing/2010/main" xmlns="" w="9525">
-                <a:solidFill>
-                  <a:schemeClr val="tx1"/>
-                </a:solidFill>
-                <a:miter lim="800000"/>
-                <a:headEnd/>
-                <a:tailEnd/>
-              </a14:hiddenLine>
-            </a:ext>
-            <a:ext uri="{AF507438-7753-43E0-B8FC-AC1667EBCBE1}">
-              <a14:hiddenEffects xmlns:a14="http://schemas.microsoft.com/office/drawing/2010/main" xmlns="">
-                <a:effectLst>
-                  <a:outerShdw dist="35921" dir="2700000" algn="ctr" rotWithShape="0">
-                    <a:schemeClr val="bg2"/>
-                  </a:outerShdw>
-                </a:effectLst>
-              </a14:hiddenEffects>
-            </a:ext>
-          </a:extLst>
-        </p:spPr>
-      </p:pic>
     </p:spTree>
-    <p:extLst>
-      <p:ext uri="{BB962C8B-B14F-4D97-AF65-F5344CB8AC3E}">
-        <p14:creationId xmlns:p14="http://schemas.microsoft.com/office/powerpoint/2010/main" xmlns="" val="1524689310"/>
-      </p:ext>
-    </p:extLst>
   </p:cSld>
   <p:clrMapOvr>
     <a:masterClrMapping/>
   </p:clrMapOvr>
-  <p:timing>
-    <p:tnLst>
-      <p:par>
-        <p:cTn id="1" dur="indefinite" restart="never" nodeType="tmRoot"/>
-      </p:par>
-    </p:tnLst>
-  </p:timing>
 </p:sld>
 </file>
 
@@ -6380,16 +10445,3425 @@
           <a:p>
             <a:r>
               <a:rPr lang="pl-PL" dirty="0" smtClean="0"/>
-              <a:t>Statystyka </a:t>
-            </a:r>
-            <a:r>
-              <a:rPr lang="pl-PL" dirty="0" err="1" smtClean="0"/>
-              <a:t>commitów</a:t>
+              <a:t>III Sprint</a:t>
             </a:r>
             <a:endParaRPr lang="pl-PL" dirty="0"/>
           </a:p>
         </p:txBody>
       </p:sp>
+      <p:graphicFrame>
+        <p:nvGraphicFramePr>
+          <p:cNvPr id="7" name="Symbol zastępczy zawartości 6"/>
+          <p:cNvGraphicFramePr>
+            <a:graphicFrameLocks noGrp="1"/>
+          </p:cNvGraphicFramePr>
+          <p:nvPr>
+            <p:ph idx="1"/>
+          </p:nvPr>
+        </p:nvGraphicFramePr>
+        <p:xfrm>
+          <a:off x="1071538" y="1566061"/>
+          <a:ext cx="7072362" cy="4565792"/>
+        </p:xfrm>
+        <a:graphic>
+          <a:graphicData uri="http://schemas.openxmlformats.org/drawingml/2006/table">
+            <a:tbl>
+              <a:tblPr/>
+              <a:tblGrid>
+                <a:gridCol w="994682"/>
+                <a:gridCol w="966800"/>
+                <a:gridCol w="749578"/>
+                <a:gridCol w="534950"/>
+                <a:gridCol w="683440"/>
+                <a:gridCol w="714563"/>
+                <a:gridCol w="1618467"/>
+                <a:gridCol w="809882"/>
+              </a:tblGrid>
+              <a:tr h="279065">
+                <a:tc gridSpan="8">
+                  <a:txBody>
+                    <a:bodyPr/>
+                    <a:lstStyle/>
+                    <a:p>
+                      <a:pPr algn="ctr">
+                        <a:lnSpc>
+                          <a:spcPct val="115000"/>
+                        </a:lnSpc>
+                        <a:spcAft>
+                          <a:spcPts val="1000"/>
+                        </a:spcAft>
+                      </a:pPr>
+                      <a:r>
+                        <a:rPr lang="pl-PL" sz="900" dirty="0">
+                          <a:solidFill>
+                            <a:srgbClr val="00000A"/>
+                          </a:solidFill>
+                          <a:latin typeface="Calibri"/>
+                          <a:ea typeface="Calibri"/>
+                          <a:cs typeface="Times New Roman"/>
+                        </a:rPr>
+                        <a:t>III SPRINT SCRUM MASTER: KINGA TALAGA, FILIP GARBACIK</a:t>
+                      </a:r>
+                      <a:endParaRPr lang="pl-PL" sz="900" dirty="0">
+                        <a:solidFill>
+                          <a:srgbClr val="00000A"/>
+                        </a:solidFill>
+                        <a:latin typeface="Calibri"/>
+                        <a:ea typeface="Times New Roman"/>
+                        <a:cs typeface="Times New Roman"/>
+                      </a:endParaRPr>
+                    </a:p>
+                  </a:txBody>
+                  <a:tcPr marL="55099" marR="55099" marT="0" marB="0">
+                    <a:lnL w="12700" cap="flat" cmpd="sng" algn="ctr">
+                      <a:solidFill>
+                        <a:srgbClr val="000000"/>
+                      </a:solidFill>
+                      <a:prstDash val="solid"/>
+                      <a:round/>
+                      <a:headEnd type="none" w="med" len="med"/>
+                      <a:tailEnd type="none" w="med" len="med"/>
+                    </a:lnL>
+                    <a:lnR w="12700" cap="flat" cmpd="sng" algn="ctr">
+                      <a:solidFill>
+                        <a:srgbClr val="000000"/>
+                      </a:solidFill>
+                      <a:prstDash val="solid"/>
+                      <a:round/>
+                      <a:headEnd type="none" w="med" len="med"/>
+                      <a:tailEnd type="none" w="med" len="med"/>
+                    </a:lnR>
+                    <a:lnT w="12700" cap="flat" cmpd="sng" algn="ctr">
+                      <a:solidFill>
+                        <a:srgbClr val="000000"/>
+                      </a:solidFill>
+                      <a:prstDash val="solid"/>
+                      <a:round/>
+                      <a:headEnd type="none" w="med" len="med"/>
+                      <a:tailEnd type="none" w="med" len="med"/>
+                    </a:lnT>
+                    <a:lnB w="12700" cap="flat" cmpd="sng" algn="ctr">
+                      <a:solidFill>
+                        <a:srgbClr val="000000"/>
+                      </a:solidFill>
+                      <a:prstDash val="solid"/>
+                      <a:round/>
+                      <a:headEnd type="none" w="med" len="med"/>
+                      <a:tailEnd type="none" w="med" len="med"/>
+                    </a:lnB>
+                    <a:pattFill prst="pct5">
+                      <a:fgClr>
+                        <a:srgbClr val="FFFFFF"/>
+                      </a:fgClr>
+                      <a:bgClr>
+                        <a:srgbClr val="D99594"/>
+                      </a:bgClr>
+                    </a:pattFill>
+                  </a:tcPr>
+                </a:tc>
+                <a:tc hMerge="1">
+                  <a:txBody>
+                    <a:bodyPr/>
+                    <a:lstStyle/>
+                    <a:p>
+                      <a:endParaRPr lang="pl-PL"/>
+                    </a:p>
+                  </a:txBody>
+                  <a:tcPr/>
+                </a:tc>
+                <a:tc hMerge="1">
+                  <a:txBody>
+                    <a:bodyPr/>
+                    <a:lstStyle/>
+                    <a:p>
+                      <a:endParaRPr lang="pl-PL"/>
+                    </a:p>
+                  </a:txBody>
+                  <a:tcPr/>
+                </a:tc>
+                <a:tc hMerge="1">
+                  <a:txBody>
+                    <a:bodyPr/>
+                    <a:lstStyle/>
+                    <a:p>
+                      <a:endParaRPr lang="pl-PL"/>
+                    </a:p>
+                  </a:txBody>
+                  <a:tcPr/>
+                </a:tc>
+                <a:tc hMerge="1">
+                  <a:txBody>
+                    <a:bodyPr/>
+                    <a:lstStyle/>
+                    <a:p>
+                      <a:endParaRPr lang="pl-PL"/>
+                    </a:p>
+                  </a:txBody>
+                  <a:tcPr/>
+                </a:tc>
+                <a:tc hMerge="1">
+                  <a:txBody>
+                    <a:bodyPr/>
+                    <a:lstStyle/>
+                    <a:p>
+                      <a:endParaRPr lang="pl-PL"/>
+                    </a:p>
+                  </a:txBody>
+                  <a:tcPr/>
+                </a:tc>
+                <a:tc hMerge="1">
+                  <a:txBody>
+                    <a:bodyPr/>
+                    <a:lstStyle/>
+                    <a:p>
+                      <a:endParaRPr lang="pl-PL"/>
+                    </a:p>
+                  </a:txBody>
+                  <a:tcPr/>
+                </a:tc>
+                <a:tc hMerge="1">
+                  <a:txBody>
+                    <a:bodyPr/>
+                    <a:lstStyle/>
+                    <a:p>
+                      <a:endParaRPr lang="pl-PL"/>
+                    </a:p>
+                  </a:txBody>
+                  <a:tcPr/>
+                </a:tc>
+              </a:tr>
+              <a:tr h="309778">
+                <a:tc>
+                  <a:txBody>
+                    <a:bodyPr/>
+                    <a:lstStyle/>
+                    <a:p>
+                      <a:pPr algn="ctr">
+                        <a:lnSpc>
+                          <a:spcPct val="115000"/>
+                        </a:lnSpc>
+                        <a:spcAft>
+                          <a:spcPts val="1000"/>
+                        </a:spcAft>
+                      </a:pPr>
+                      <a:r>
+                        <a:rPr lang="pl-PL" sz="900">
+                          <a:solidFill>
+                            <a:srgbClr val="00000A"/>
+                          </a:solidFill>
+                          <a:latin typeface="Calibri"/>
+                          <a:ea typeface="Calibri"/>
+                          <a:cs typeface="Times New Roman"/>
+                        </a:rPr>
+                        <a:t>Nazwa</a:t>
+                      </a:r>
+                      <a:endParaRPr lang="pl-PL" sz="900">
+                        <a:solidFill>
+                          <a:srgbClr val="00000A"/>
+                        </a:solidFill>
+                        <a:latin typeface="Calibri"/>
+                        <a:ea typeface="Times New Roman"/>
+                        <a:cs typeface="Times New Roman"/>
+                      </a:endParaRPr>
+                    </a:p>
+                  </a:txBody>
+                  <a:tcPr marL="55099" marR="55099" marT="0" marB="0">
+                    <a:lnL w="12700" cap="flat" cmpd="sng" algn="ctr">
+                      <a:solidFill>
+                        <a:srgbClr val="000000"/>
+                      </a:solidFill>
+                      <a:prstDash val="solid"/>
+                      <a:round/>
+                      <a:headEnd type="none" w="med" len="med"/>
+                      <a:tailEnd type="none" w="med" len="med"/>
+                    </a:lnL>
+                    <a:lnR w="12700" cap="flat" cmpd="sng" algn="ctr">
+                      <a:solidFill>
+                        <a:srgbClr val="000000"/>
+                      </a:solidFill>
+                      <a:prstDash val="solid"/>
+                      <a:round/>
+                      <a:headEnd type="none" w="med" len="med"/>
+                      <a:tailEnd type="none" w="med" len="med"/>
+                    </a:lnR>
+                    <a:lnT w="12700" cap="flat" cmpd="sng" algn="ctr">
+                      <a:solidFill>
+                        <a:srgbClr val="000000"/>
+                      </a:solidFill>
+                      <a:prstDash val="solid"/>
+                      <a:round/>
+                      <a:headEnd type="none" w="med" len="med"/>
+                      <a:tailEnd type="none" w="med" len="med"/>
+                    </a:lnT>
+                    <a:lnB w="12700" cap="flat" cmpd="sng" algn="ctr">
+                      <a:solidFill>
+                        <a:srgbClr val="000000"/>
+                      </a:solidFill>
+                      <a:prstDash val="solid"/>
+                      <a:round/>
+                      <a:headEnd type="none" w="med" len="med"/>
+                      <a:tailEnd type="none" w="med" len="med"/>
+                    </a:lnB>
+                    <a:pattFill prst="pct5">
+                      <a:fgClr>
+                        <a:srgbClr val="FFFFFF"/>
+                      </a:fgClr>
+                      <a:bgClr>
+                        <a:srgbClr val="C2D69B"/>
+                      </a:bgClr>
+                    </a:pattFill>
+                  </a:tcPr>
+                </a:tc>
+                <a:tc>
+                  <a:txBody>
+                    <a:bodyPr/>
+                    <a:lstStyle/>
+                    <a:p>
+                      <a:pPr algn="ctr">
+                        <a:lnSpc>
+                          <a:spcPct val="115000"/>
+                        </a:lnSpc>
+                        <a:spcAft>
+                          <a:spcPts val="1000"/>
+                        </a:spcAft>
+                      </a:pPr>
+                      <a:r>
+                        <a:rPr lang="pl-PL" sz="900">
+                          <a:solidFill>
+                            <a:srgbClr val="00000A"/>
+                          </a:solidFill>
+                          <a:latin typeface="Calibri"/>
+                          <a:ea typeface="Calibri"/>
+                          <a:cs typeface="Times New Roman"/>
+                        </a:rPr>
+                        <a:t>Wykonawca</a:t>
+                      </a:r>
+                      <a:endParaRPr lang="pl-PL" sz="900">
+                        <a:solidFill>
+                          <a:srgbClr val="00000A"/>
+                        </a:solidFill>
+                        <a:latin typeface="Calibri"/>
+                        <a:ea typeface="Times New Roman"/>
+                        <a:cs typeface="Times New Roman"/>
+                      </a:endParaRPr>
+                    </a:p>
+                  </a:txBody>
+                  <a:tcPr marL="55099" marR="55099" marT="0" marB="0">
+                    <a:lnL w="12700" cap="flat" cmpd="sng" algn="ctr">
+                      <a:solidFill>
+                        <a:srgbClr val="000000"/>
+                      </a:solidFill>
+                      <a:prstDash val="solid"/>
+                      <a:round/>
+                      <a:headEnd type="none" w="med" len="med"/>
+                      <a:tailEnd type="none" w="med" len="med"/>
+                    </a:lnL>
+                    <a:lnR w="12700" cap="flat" cmpd="sng" algn="ctr">
+                      <a:solidFill>
+                        <a:srgbClr val="000000"/>
+                      </a:solidFill>
+                      <a:prstDash val="solid"/>
+                      <a:round/>
+                      <a:headEnd type="none" w="med" len="med"/>
+                      <a:tailEnd type="none" w="med" len="med"/>
+                    </a:lnR>
+                    <a:lnT w="12700" cap="flat" cmpd="sng" algn="ctr">
+                      <a:solidFill>
+                        <a:srgbClr val="000000"/>
+                      </a:solidFill>
+                      <a:prstDash val="solid"/>
+                      <a:round/>
+                      <a:headEnd type="none" w="med" len="med"/>
+                      <a:tailEnd type="none" w="med" len="med"/>
+                    </a:lnT>
+                    <a:lnB w="12700" cap="flat" cmpd="sng" algn="ctr">
+                      <a:solidFill>
+                        <a:srgbClr val="000000"/>
+                      </a:solidFill>
+                      <a:prstDash val="solid"/>
+                      <a:round/>
+                      <a:headEnd type="none" w="med" len="med"/>
+                      <a:tailEnd type="none" w="med" len="med"/>
+                    </a:lnB>
+                    <a:pattFill prst="pct5">
+                      <a:fgClr>
+                        <a:srgbClr val="FFFFFF"/>
+                      </a:fgClr>
+                      <a:bgClr>
+                        <a:srgbClr val="C2D69B"/>
+                      </a:bgClr>
+                    </a:pattFill>
+                  </a:tcPr>
+                </a:tc>
+                <a:tc>
+                  <a:txBody>
+                    <a:bodyPr/>
+                    <a:lstStyle/>
+                    <a:p>
+                      <a:pPr algn="ctr">
+                        <a:lnSpc>
+                          <a:spcPct val="115000"/>
+                        </a:lnSpc>
+                        <a:spcAft>
+                          <a:spcPts val="1000"/>
+                        </a:spcAft>
+                      </a:pPr>
+                      <a:r>
+                        <a:rPr lang="pl-PL" sz="900">
+                          <a:solidFill>
+                            <a:srgbClr val="00000A"/>
+                          </a:solidFill>
+                          <a:latin typeface="Calibri"/>
+                          <a:ea typeface="Calibri"/>
+                          <a:cs typeface="Times New Roman"/>
+                        </a:rPr>
+                        <a:t>Status</a:t>
+                      </a:r>
+                      <a:endParaRPr lang="pl-PL" sz="900">
+                        <a:solidFill>
+                          <a:srgbClr val="00000A"/>
+                        </a:solidFill>
+                        <a:latin typeface="Calibri"/>
+                        <a:ea typeface="Times New Roman"/>
+                        <a:cs typeface="Times New Roman"/>
+                      </a:endParaRPr>
+                    </a:p>
+                  </a:txBody>
+                  <a:tcPr marL="55099" marR="55099" marT="0" marB="0">
+                    <a:lnL w="12700" cap="flat" cmpd="sng" algn="ctr">
+                      <a:solidFill>
+                        <a:srgbClr val="000000"/>
+                      </a:solidFill>
+                      <a:prstDash val="solid"/>
+                      <a:round/>
+                      <a:headEnd type="none" w="med" len="med"/>
+                      <a:tailEnd type="none" w="med" len="med"/>
+                    </a:lnL>
+                    <a:lnR w="12700" cap="flat" cmpd="sng" algn="ctr">
+                      <a:solidFill>
+                        <a:srgbClr val="000000"/>
+                      </a:solidFill>
+                      <a:prstDash val="solid"/>
+                      <a:round/>
+                      <a:headEnd type="none" w="med" len="med"/>
+                      <a:tailEnd type="none" w="med" len="med"/>
+                    </a:lnR>
+                    <a:lnT w="12700" cap="flat" cmpd="sng" algn="ctr">
+                      <a:solidFill>
+                        <a:srgbClr val="000000"/>
+                      </a:solidFill>
+                      <a:prstDash val="solid"/>
+                      <a:round/>
+                      <a:headEnd type="none" w="med" len="med"/>
+                      <a:tailEnd type="none" w="med" len="med"/>
+                    </a:lnT>
+                    <a:lnB w="12700" cap="flat" cmpd="sng" algn="ctr">
+                      <a:solidFill>
+                        <a:srgbClr val="000000"/>
+                      </a:solidFill>
+                      <a:prstDash val="solid"/>
+                      <a:round/>
+                      <a:headEnd type="none" w="med" len="med"/>
+                      <a:tailEnd type="none" w="med" len="med"/>
+                    </a:lnB>
+                    <a:pattFill prst="pct5">
+                      <a:fgClr>
+                        <a:srgbClr val="FFFFFF"/>
+                      </a:fgClr>
+                      <a:bgClr>
+                        <a:srgbClr val="C2D69B"/>
+                      </a:bgClr>
+                    </a:pattFill>
+                  </a:tcPr>
+                </a:tc>
+                <a:tc>
+                  <a:txBody>
+                    <a:bodyPr/>
+                    <a:lstStyle/>
+                    <a:p>
+                      <a:pPr algn="ctr">
+                        <a:lnSpc>
+                          <a:spcPct val="115000"/>
+                        </a:lnSpc>
+                        <a:spcAft>
+                          <a:spcPts val="1000"/>
+                        </a:spcAft>
+                      </a:pPr>
+                      <a:r>
+                        <a:rPr lang="pl-PL" sz="900">
+                          <a:solidFill>
+                            <a:srgbClr val="00000A"/>
+                          </a:solidFill>
+                          <a:latin typeface="Calibri"/>
+                          <a:ea typeface="Calibri"/>
+                          <a:cs typeface="Times New Roman"/>
+                        </a:rPr>
+                        <a:t>Sprint</a:t>
+                      </a:r>
+                      <a:endParaRPr lang="pl-PL" sz="900">
+                        <a:solidFill>
+                          <a:srgbClr val="00000A"/>
+                        </a:solidFill>
+                        <a:latin typeface="Calibri"/>
+                        <a:ea typeface="Times New Roman"/>
+                        <a:cs typeface="Times New Roman"/>
+                      </a:endParaRPr>
+                    </a:p>
+                  </a:txBody>
+                  <a:tcPr marL="55099" marR="55099" marT="0" marB="0">
+                    <a:lnL w="12700" cap="flat" cmpd="sng" algn="ctr">
+                      <a:solidFill>
+                        <a:srgbClr val="000000"/>
+                      </a:solidFill>
+                      <a:prstDash val="solid"/>
+                      <a:round/>
+                      <a:headEnd type="none" w="med" len="med"/>
+                      <a:tailEnd type="none" w="med" len="med"/>
+                    </a:lnL>
+                    <a:lnR w="12700" cap="flat" cmpd="sng" algn="ctr">
+                      <a:solidFill>
+                        <a:srgbClr val="000000"/>
+                      </a:solidFill>
+                      <a:prstDash val="solid"/>
+                      <a:round/>
+                      <a:headEnd type="none" w="med" len="med"/>
+                      <a:tailEnd type="none" w="med" len="med"/>
+                    </a:lnR>
+                    <a:lnT w="12700" cap="flat" cmpd="sng" algn="ctr">
+                      <a:solidFill>
+                        <a:srgbClr val="000000"/>
+                      </a:solidFill>
+                      <a:prstDash val="solid"/>
+                      <a:round/>
+                      <a:headEnd type="none" w="med" len="med"/>
+                      <a:tailEnd type="none" w="med" len="med"/>
+                    </a:lnT>
+                    <a:lnB w="12700" cap="flat" cmpd="sng" algn="ctr">
+                      <a:solidFill>
+                        <a:srgbClr val="000000"/>
+                      </a:solidFill>
+                      <a:prstDash val="solid"/>
+                      <a:round/>
+                      <a:headEnd type="none" w="med" len="med"/>
+                      <a:tailEnd type="none" w="med" len="med"/>
+                    </a:lnB>
+                    <a:pattFill prst="pct5">
+                      <a:fgClr>
+                        <a:srgbClr val="FFFFFF"/>
+                      </a:fgClr>
+                      <a:bgClr>
+                        <a:srgbClr val="C2D69B"/>
+                      </a:bgClr>
+                    </a:pattFill>
+                  </a:tcPr>
+                </a:tc>
+                <a:tc>
+                  <a:txBody>
+                    <a:bodyPr/>
+                    <a:lstStyle/>
+                    <a:p>
+                      <a:pPr algn="ctr">
+                        <a:lnSpc>
+                          <a:spcPct val="115000"/>
+                        </a:lnSpc>
+                        <a:spcAft>
+                          <a:spcPts val="1000"/>
+                        </a:spcAft>
+                      </a:pPr>
+                      <a:r>
+                        <a:rPr lang="pl-PL" sz="900">
+                          <a:solidFill>
+                            <a:srgbClr val="00000A"/>
+                          </a:solidFill>
+                          <a:latin typeface="Calibri"/>
+                          <a:ea typeface="Calibri"/>
+                          <a:cs typeface="Times New Roman"/>
+                        </a:rPr>
+                        <a:t>Priorytet</a:t>
+                      </a:r>
+                      <a:endParaRPr lang="pl-PL" sz="900">
+                        <a:solidFill>
+                          <a:srgbClr val="00000A"/>
+                        </a:solidFill>
+                        <a:latin typeface="Calibri"/>
+                        <a:ea typeface="Times New Roman"/>
+                        <a:cs typeface="Times New Roman"/>
+                      </a:endParaRPr>
+                    </a:p>
+                  </a:txBody>
+                  <a:tcPr marL="55099" marR="55099" marT="0" marB="0">
+                    <a:lnL w="12700" cap="flat" cmpd="sng" algn="ctr">
+                      <a:solidFill>
+                        <a:srgbClr val="000000"/>
+                      </a:solidFill>
+                      <a:prstDash val="solid"/>
+                      <a:round/>
+                      <a:headEnd type="none" w="med" len="med"/>
+                      <a:tailEnd type="none" w="med" len="med"/>
+                    </a:lnL>
+                    <a:lnR w="12700" cap="flat" cmpd="sng" algn="ctr">
+                      <a:solidFill>
+                        <a:srgbClr val="000000"/>
+                      </a:solidFill>
+                      <a:prstDash val="solid"/>
+                      <a:round/>
+                      <a:headEnd type="none" w="med" len="med"/>
+                      <a:tailEnd type="none" w="med" len="med"/>
+                    </a:lnR>
+                    <a:lnT w="12700" cap="flat" cmpd="sng" algn="ctr">
+                      <a:solidFill>
+                        <a:srgbClr val="000000"/>
+                      </a:solidFill>
+                      <a:prstDash val="solid"/>
+                      <a:round/>
+                      <a:headEnd type="none" w="med" len="med"/>
+                      <a:tailEnd type="none" w="med" len="med"/>
+                    </a:lnT>
+                    <a:lnB w="12700" cap="flat" cmpd="sng" algn="ctr">
+                      <a:solidFill>
+                        <a:srgbClr val="000000"/>
+                      </a:solidFill>
+                      <a:prstDash val="solid"/>
+                      <a:round/>
+                      <a:headEnd type="none" w="med" len="med"/>
+                      <a:tailEnd type="none" w="med" len="med"/>
+                    </a:lnB>
+                    <a:pattFill prst="pct5">
+                      <a:fgClr>
+                        <a:srgbClr val="FFFFFF"/>
+                      </a:fgClr>
+                      <a:bgClr>
+                        <a:srgbClr val="C2D69B"/>
+                      </a:bgClr>
+                    </a:pattFill>
+                  </a:tcPr>
+                </a:tc>
+                <a:tc>
+                  <a:txBody>
+                    <a:bodyPr/>
+                    <a:lstStyle/>
+                    <a:p>
+                      <a:pPr algn="ctr">
+                        <a:lnSpc>
+                          <a:spcPct val="115000"/>
+                        </a:lnSpc>
+                        <a:spcAft>
+                          <a:spcPts val="1000"/>
+                        </a:spcAft>
+                      </a:pPr>
+                      <a:r>
+                        <a:rPr lang="pl-PL" sz="900">
+                          <a:solidFill>
+                            <a:srgbClr val="00000A"/>
+                          </a:solidFill>
+                          <a:latin typeface="Calibri"/>
+                          <a:ea typeface="Calibri"/>
+                          <a:cs typeface="Times New Roman"/>
+                        </a:rPr>
+                        <a:t>Poziom trudności</a:t>
+                      </a:r>
+                      <a:endParaRPr lang="pl-PL" sz="900">
+                        <a:solidFill>
+                          <a:srgbClr val="00000A"/>
+                        </a:solidFill>
+                        <a:latin typeface="Calibri"/>
+                        <a:ea typeface="Times New Roman"/>
+                        <a:cs typeface="Times New Roman"/>
+                      </a:endParaRPr>
+                    </a:p>
+                  </a:txBody>
+                  <a:tcPr marL="55099" marR="55099" marT="0" marB="0">
+                    <a:lnL w="12700" cap="flat" cmpd="sng" algn="ctr">
+                      <a:solidFill>
+                        <a:srgbClr val="000000"/>
+                      </a:solidFill>
+                      <a:prstDash val="solid"/>
+                      <a:round/>
+                      <a:headEnd type="none" w="med" len="med"/>
+                      <a:tailEnd type="none" w="med" len="med"/>
+                    </a:lnL>
+                    <a:lnR w="12700" cap="flat" cmpd="sng" algn="ctr">
+                      <a:solidFill>
+                        <a:srgbClr val="000000"/>
+                      </a:solidFill>
+                      <a:prstDash val="solid"/>
+                      <a:round/>
+                      <a:headEnd type="none" w="med" len="med"/>
+                      <a:tailEnd type="none" w="med" len="med"/>
+                    </a:lnR>
+                    <a:lnT w="12700" cap="flat" cmpd="sng" algn="ctr">
+                      <a:solidFill>
+                        <a:srgbClr val="000000"/>
+                      </a:solidFill>
+                      <a:prstDash val="solid"/>
+                      <a:round/>
+                      <a:headEnd type="none" w="med" len="med"/>
+                      <a:tailEnd type="none" w="med" len="med"/>
+                    </a:lnT>
+                    <a:lnB w="12700" cap="flat" cmpd="sng" algn="ctr">
+                      <a:solidFill>
+                        <a:srgbClr val="000000"/>
+                      </a:solidFill>
+                      <a:prstDash val="solid"/>
+                      <a:round/>
+                      <a:headEnd type="none" w="med" len="med"/>
+                      <a:tailEnd type="none" w="med" len="med"/>
+                    </a:lnB>
+                    <a:pattFill prst="pct5">
+                      <a:fgClr>
+                        <a:srgbClr val="FFFFFF"/>
+                      </a:fgClr>
+                      <a:bgClr>
+                        <a:srgbClr val="C2D69B"/>
+                      </a:bgClr>
+                    </a:pattFill>
+                  </a:tcPr>
+                </a:tc>
+                <a:tc>
+                  <a:txBody>
+                    <a:bodyPr/>
+                    <a:lstStyle/>
+                    <a:p>
+                      <a:pPr algn="ctr">
+                        <a:lnSpc>
+                          <a:spcPct val="115000"/>
+                        </a:lnSpc>
+                        <a:spcAft>
+                          <a:spcPts val="1000"/>
+                        </a:spcAft>
+                      </a:pPr>
+                      <a:r>
+                        <a:rPr lang="pl-PL" sz="900">
+                          <a:solidFill>
+                            <a:srgbClr val="00000A"/>
+                          </a:solidFill>
+                          <a:latin typeface="Calibri"/>
+                          <a:ea typeface="Calibri"/>
+                          <a:cs typeface="Times New Roman"/>
+                        </a:rPr>
+                        <a:t>Zatwierdzone/Odrzucone</a:t>
+                      </a:r>
+                      <a:endParaRPr lang="pl-PL" sz="900">
+                        <a:solidFill>
+                          <a:srgbClr val="00000A"/>
+                        </a:solidFill>
+                        <a:latin typeface="Calibri"/>
+                        <a:ea typeface="Times New Roman"/>
+                        <a:cs typeface="Times New Roman"/>
+                      </a:endParaRPr>
+                    </a:p>
+                  </a:txBody>
+                  <a:tcPr marL="55099" marR="55099" marT="0" marB="0">
+                    <a:lnL w="12700" cap="flat" cmpd="sng" algn="ctr">
+                      <a:solidFill>
+                        <a:srgbClr val="000000"/>
+                      </a:solidFill>
+                      <a:prstDash val="solid"/>
+                      <a:round/>
+                      <a:headEnd type="none" w="med" len="med"/>
+                      <a:tailEnd type="none" w="med" len="med"/>
+                    </a:lnL>
+                    <a:lnR w="12700" cap="flat" cmpd="sng" algn="ctr">
+                      <a:solidFill>
+                        <a:srgbClr val="000000"/>
+                      </a:solidFill>
+                      <a:prstDash val="solid"/>
+                      <a:round/>
+                      <a:headEnd type="none" w="med" len="med"/>
+                      <a:tailEnd type="none" w="med" len="med"/>
+                    </a:lnR>
+                    <a:lnT w="12700" cap="flat" cmpd="sng" algn="ctr">
+                      <a:solidFill>
+                        <a:srgbClr val="000000"/>
+                      </a:solidFill>
+                      <a:prstDash val="solid"/>
+                      <a:round/>
+                      <a:headEnd type="none" w="med" len="med"/>
+                      <a:tailEnd type="none" w="med" len="med"/>
+                    </a:lnT>
+                    <a:lnB w="12700" cap="flat" cmpd="sng" algn="ctr">
+                      <a:solidFill>
+                        <a:srgbClr val="000000"/>
+                      </a:solidFill>
+                      <a:prstDash val="solid"/>
+                      <a:round/>
+                      <a:headEnd type="none" w="med" len="med"/>
+                      <a:tailEnd type="none" w="med" len="med"/>
+                    </a:lnB>
+                    <a:pattFill prst="pct5">
+                      <a:fgClr>
+                        <a:srgbClr val="FFFFFF"/>
+                      </a:fgClr>
+                      <a:bgClr>
+                        <a:srgbClr val="C2D69B"/>
+                      </a:bgClr>
+                    </a:pattFill>
+                  </a:tcPr>
+                </a:tc>
+                <a:tc>
+                  <a:txBody>
+                    <a:bodyPr/>
+                    <a:lstStyle/>
+                    <a:p>
+                      <a:pPr algn="ctr">
+                        <a:lnSpc>
+                          <a:spcPct val="115000"/>
+                        </a:lnSpc>
+                        <a:spcAft>
+                          <a:spcPts val="1000"/>
+                        </a:spcAft>
+                      </a:pPr>
+                      <a:r>
+                        <a:rPr lang="pl-PL" sz="900">
+                          <a:solidFill>
+                            <a:srgbClr val="00000A"/>
+                          </a:solidFill>
+                          <a:latin typeface="Calibri"/>
+                          <a:ea typeface="Calibri"/>
+                          <a:cs typeface="Times New Roman"/>
+                        </a:rPr>
+                        <a:t>Komentarz</a:t>
+                      </a:r>
+                      <a:endParaRPr lang="pl-PL" sz="900">
+                        <a:solidFill>
+                          <a:srgbClr val="00000A"/>
+                        </a:solidFill>
+                        <a:latin typeface="Calibri"/>
+                        <a:ea typeface="Times New Roman"/>
+                        <a:cs typeface="Times New Roman"/>
+                      </a:endParaRPr>
+                    </a:p>
+                  </a:txBody>
+                  <a:tcPr marL="55099" marR="55099" marT="0" marB="0">
+                    <a:lnL w="12700" cap="flat" cmpd="sng" algn="ctr">
+                      <a:solidFill>
+                        <a:srgbClr val="000000"/>
+                      </a:solidFill>
+                      <a:prstDash val="solid"/>
+                      <a:round/>
+                      <a:headEnd type="none" w="med" len="med"/>
+                      <a:tailEnd type="none" w="med" len="med"/>
+                    </a:lnL>
+                    <a:lnR w="12700" cap="flat" cmpd="sng" algn="ctr">
+                      <a:solidFill>
+                        <a:srgbClr val="000000"/>
+                      </a:solidFill>
+                      <a:prstDash val="solid"/>
+                      <a:round/>
+                      <a:headEnd type="none" w="med" len="med"/>
+                      <a:tailEnd type="none" w="med" len="med"/>
+                    </a:lnR>
+                    <a:lnT w="12700" cap="flat" cmpd="sng" algn="ctr">
+                      <a:solidFill>
+                        <a:srgbClr val="000000"/>
+                      </a:solidFill>
+                      <a:prstDash val="solid"/>
+                      <a:round/>
+                      <a:headEnd type="none" w="med" len="med"/>
+                      <a:tailEnd type="none" w="med" len="med"/>
+                    </a:lnT>
+                    <a:lnB w="12700" cap="flat" cmpd="sng" algn="ctr">
+                      <a:solidFill>
+                        <a:srgbClr val="000000"/>
+                      </a:solidFill>
+                      <a:prstDash val="solid"/>
+                      <a:round/>
+                      <a:headEnd type="none" w="med" len="med"/>
+                      <a:tailEnd type="none" w="med" len="med"/>
+                    </a:lnB>
+                    <a:pattFill prst="pct5">
+                      <a:fgClr>
+                        <a:srgbClr val="FFFFFF"/>
+                      </a:fgClr>
+                      <a:bgClr>
+                        <a:srgbClr val="C2D69B"/>
+                      </a:bgClr>
+                    </a:pattFill>
+                  </a:tcPr>
+                </a:tc>
+              </a:tr>
+              <a:tr h="1548890">
+                <a:tc>
+                  <a:txBody>
+                    <a:bodyPr/>
+                    <a:lstStyle/>
+                    <a:p>
+                      <a:pPr algn="ctr">
+                        <a:lnSpc>
+                          <a:spcPct val="115000"/>
+                        </a:lnSpc>
+                        <a:spcAft>
+                          <a:spcPts val="1000"/>
+                        </a:spcAft>
+                      </a:pPr>
+                      <a:r>
+                        <a:rPr lang="pl-PL" sz="900">
+                          <a:solidFill>
+                            <a:srgbClr val="00000A"/>
+                          </a:solidFill>
+                          <a:latin typeface="Calibri"/>
+                          <a:ea typeface="Calibri"/>
+                          <a:cs typeface="Times New Roman"/>
+                        </a:rPr>
+                        <a:t>Kontynuacja tworzenia sprawozdania, sprawowanie pieczy nad członkami zespołu, rozwiązywanie problemów w zespole.</a:t>
+                      </a:r>
+                      <a:endParaRPr lang="pl-PL" sz="900">
+                        <a:solidFill>
+                          <a:srgbClr val="00000A"/>
+                        </a:solidFill>
+                        <a:latin typeface="Calibri"/>
+                        <a:ea typeface="Times New Roman"/>
+                        <a:cs typeface="Times New Roman"/>
+                      </a:endParaRPr>
+                    </a:p>
+                  </a:txBody>
+                  <a:tcPr marL="55099" marR="55099" marT="0" marB="0">
+                    <a:lnL w="12700" cap="flat" cmpd="sng" algn="ctr">
+                      <a:solidFill>
+                        <a:srgbClr val="000000"/>
+                      </a:solidFill>
+                      <a:prstDash val="solid"/>
+                      <a:round/>
+                      <a:headEnd type="none" w="med" len="med"/>
+                      <a:tailEnd type="none" w="med" len="med"/>
+                    </a:lnL>
+                    <a:lnR w="12700" cap="flat" cmpd="sng" algn="ctr">
+                      <a:solidFill>
+                        <a:srgbClr val="000000"/>
+                      </a:solidFill>
+                      <a:prstDash val="solid"/>
+                      <a:round/>
+                      <a:headEnd type="none" w="med" len="med"/>
+                      <a:tailEnd type="none" w="med" len="med"/>
+                    </a:lnR>
+                    <a:lnT w="12700" cap="flat" cmpd="sng" algn="ctr">
+                      <a:solidFill>
+                        <a:srgbClr val="000000"/>
+                      </a:solidFill>
+                      <a:prstDash val="solid"/>
+                      <a:round/>
+                      <a:headEnd type="none" w="med" len="med"/>
+                      <a:tailEnd type="none" w="med" len="med"/>
+                    </a:lnT>
+                    <a:lnB w="12700" cap="flat" cmpd="sng" algn="ctr">
+                      <a:solidFill>
+                        <a:srgbClr val="000000"/>
+                      </a:solidFill>
+                      <a:prstDash val="solid"/>
+                      <a:round/>
+                      <a:headEnd type="none" w="med" len="med"/>
+                      <a:tailEnd type="none" w="med" len="med"/>
+                    </a:lnB>
+                    <a:pattFill prst="pct5">
+                      <a:fgClr>
+                        <a:srgbClr val="FFFFFF"/>
+                      </a:fgClr>
+                      <a:bgClr>
+                        <a:srgbClr val="FFFFFF"/>
+                      </a:bgClr>
+                    </a:pattFill>
+                  </a:tcPr>
+                </a:tc>
+                <a:tc>
+                  <a:txBody>
+                    <a:bodyPr/>
+                    <a:lstStyle/>
+                    <a:p>
+                      <a:pPr algn="ctr">
+                        <a:lnSpc>
+                          <a:spcPct val="115000"/>
+                        </a:lnSpc>
+                        <a:spcAft>
+                          <a:spcPts val="1000"/>
+                        </a:spcAft>
+                      </a:pPr>
+                      <a:r>
+                        <a:rPr lang="pl-PL" sz="900" dirty="0">
+                          <a:solidFill>
+                            <a:srgbClr val="00000A"/>
+                          </a:solidFill>
+                          <a:latin typeface="Calibri"/>
+                          <a:ea typeface="Calibri"/>
+                          <a:cs typeface="Times New Roman"/>
+                        </a:rPr>
+                        <a:t>KT/FG</a:t>
+                      </a:r>
+                      <a:endParaRPr lang="pl-PL" sz="900" dirty="0">
+                        <a:solidFill>
+                          <a:srgbClr val="00000A"/>
+                        </a:solidFill>
+                        <a:latin typeface="Calibri"/>
+                        <a:ea typeface="Times New Roman"/>
+                        <a:cs typeface="Times New Roman"/>
+                      </a:endParaRPr>
+                    </a:p>
+                  </a:txBody>
+                  <a:tcPr marL="55099" marR="55099" marT="0" marB="0">
+                    <a:lnL w="12700" cap="flat" cmpd="sng" algn="ctr">
+                      <a:solidFill>
+                        <a:srgbClr val="000000"/>
+                      </a:solidFill>
+                      <a:prstDash val="solid"/>
+                      <a:round/>
+                      <a:headEnd type="none" w="med" len="med"/>
+                      <a:tailEnd type="none" w="med" len="med"/>
+                    </a:lnL>
+                    <a:lnR w="12700" cap="flat" cmpd="sng" algn="ctr">
+                      <a:solidFill>
+                        <a:srgbClr val="000000"/>
+                      </a:solidFill>
+                      <a:prstDash val="solid"/>
+                      <a:round/>
+                      <a:headEnd type="none" w="med" len="med"/>
+                      <a:tailEnd type="none" w="med" len="med"/>
+                    </a:lnR>
+                    <a:lnT w="12700" cap="flat" cmpd="sng" algn="ctr">
+                      <a:solidFill>
+                        <a:srgbClr val="000000"/>
+                      </a:solidFill>
+                      <a:prstDash val="solid"/>
+                      <a:round/>
+                      <a:headEnd type="none" w="med" len="med"/>
+                      <a:tailEnd type="none" w="med" len="med"/>
+                    </a:lnT>
+                    <a:lnB w="12700" cap="flat" cmpd="sng" algn="ctr">
+                      <a:solidFill>
+                        <a:srgbClr val="000000"/>
+                      </a:solidFill>
+                      <a:prstDash val="solid"/>
+                      <a:round/>
+                      <a:headEnd type="none" w="med" len="med"/>
+                      <a:tailEnd type="none" w="med" len="med"/>
+                    </a:lnB>
+                    <a:pattFill prst="pct5">
+                      <a:fgClr>
+                        <a:srgbClr val="FFFFFF"/>
+                      </a:fgClr>
+                      <a:bgClr>
+                        <a:srgbClr val="FFFFFF"/>
+                      </a:bgClr>
+                    </a:pattFill>
+                  </a:tcPr>
+                </a:tc>
+                <a:tc>
+                  <a:txBody>
+                    <a:bodyPr/>
+                    <a:lstStyle/>
+                    <a:p>
+                      <a:pPr algn="ctr">
+                        <a:lnSpc>
+                          <a:spcPct val="115000"/>
+                        </a:lnSpc>
+                        <a:spcAft>
+                          <a:spcPts val="1000"/>
+                        </a:spcAft>
+                      </a:pPr>
+                      <a:r>
+                        <a:rPr lang="pl-PL" sz="900">
+                          <a:solidFill>
+                            <a:srgbClr val="00000A"/>
+                          </a:solidFill>
+                          <a:latin typeface="Calibri"/>
+                          <a:ea typeface="Calibri"/>
+                          <a:cs typeface="Times New Roman"/>
+                        </a:rPr>
+                        <a:t>Wykonane</a:t>
+                      </a:r>
+                      <a:endParaRPr lang="pl-PL" sz="900">
+                        <a:solidFill>
+                          <a:srgbClr val="00000A"/>
+                        </a:solidFill>
+                        <a:latin typeface="Calibri"/>
+                        <a:ea typeface="Times New Roman"/>
+                        <a:cs typeface="Times New Roman"/>
+                      </a:endParaRPr>
+                    </a:p>
+                  </a:txBody>
+                  <a:tcPr marL="55099" marR="55099" marT="0" marB="0">
+                    <a:lnL w="12700" cap="flat" cmpd="sng" algn="ctr">
+                      <a:solidFill>
+                        <a:srgbClr val="000000"/>
+                      </a:solidFill>
+                      <a:prstDash val="solid"/>
+                      <a:round/>
+                      <a:headEnd type="none" w="med" len="med"/>
+                      <a:tailEnd type="none" w="med" len="med"/>
+                    </a:lnL>
+                    <a:lnR w="12700" cap="flat" cmpd="sng" algn="ctr">
+                      <a:solidFill>
+                        <a:srgbClr val="000000"/>
+                      </a:solidFill>
+                      <a:prstDash val="solid"/>
+                      <a:round/>
+                      <a:headEnd type="none" w="med" len="med"/>
+                      <a:tailEnd type="none" w="med" len="med"/>
+                    </a:lnR>
+                    <a:lnT w="12700" cap="flat" cmpd="sng" algn="ctr">
+                      <a:solidFill>
+                        <a:srgbClr val="000000"/>
+                      </a:solidFill>
+                      <a:prstDash val="solid"/>
+                      <a:round/>
+                      <a:headEnd type="none" w="med" len="med"/>
+                      <a:tailEnd type="none" w="med" len="med"/>
+                    </a:lnT>
+                    <a:lnB w="12700" cap="flat" cmpd="sng" algn="ctr">
+                      <a:solidFill>
+                        <a:srgbClr val="000000"/>
+                      </a:solidFill>
+                      <a:prstDash val="solid"/>
+                      <a:round/>
+                      <a:headEnd type="none" w="med" len="med"/>
+                      <a:tailEnd type="none" w="med" len="med"/>
+                    </a:lnB>
+                    <a:pattFill prst="pct5">
+                      <a:fgClr>
+                        <a:srgbClr val="FFFFFF"/>
+                      </a:fgClr>
+                      <a:bgClr>
+                        <a:srgbClr val="FFFFFF"/>
+                      </a:bgClr>
+                    </a:pattFill>
+                  </a:tcPr>
+                </a:tc>
+                <a:tc>
+                  <a:txBody>
+                    <a:bodyPr/>
+                    <a:lstStyle/>
+                    <a:p>
+                      <a:pPr algn="ctr">
+                        <a:lnSpc>
+                          <a:spcPct val="115000"/>
+                        </a:lnSpc>
+                        <a:spcAft>
+                          <a:spcPts val="1000"/>
+                        </a:spcAft>
+                      </a:pPr>
+                      <a:r>
+                        <a:rPr lang="pl-PL" sz="900">
+                          <a:solidFill>
+                            <a:srgbClr val="00000A"/>
+                          </a:solidFill>
+                          <a:latin typeface="Calibri"/>
+                          <a:ea typeface="Calibri"/>
+                          <a:cs typeface="Times New Roman"/>
+                        </a:rPr>
+                        <a:t>III</a:t>
+                      </a:r>
+                      <a:endParaRPr lang="pl-PL" sz="900">
+                        <a:solidFill>
+                          <a:srgbClr val="00000A"/>
+                        </a:solidFill>
+                        <a:latin typeface="Calibri"/>
+                        <a:ea typeface="Times New Roman"/>
+                        <a:cs typeface="Times New Roman"/>
+                      </a:endParaRPr>
+                    </a:p>
+                  </a:txBody>
+                  <a:tcPr marL="55099" marR="55099" marT="0" marB="0">
+                    <a:lnL w="12700" cap="flat" cmpd="sng" algn="ctr">
+                      <a:solidFill>
+                        <a:srgbClr val="000000"/>
+                      </a:solidFill>
+                      <a:prstDash val="solid"/>
+                      <a:round/>
+                      <a:headEnd type="none" w="med" len="med"/>
+                      <a:tailEnd type="none" w="med" len="med"/>
+                    </a:lnL>
+                    <a:lnR w="12700" cap="flat" cmpd="sng" algn="ctr">
+                      <a:solidFill>
+                        <a:srgbClr val="000000"/>
+                      </a:solidFill>
+                      <a:prstDash val="solid"/>
+                      <a:round/>
+                      <a:headEnd type="none" w="med" len="med"/>
+                      <a:tailEnd type="none" w="med" len="med"/>
+                    </a:lnR>
+                    <a:lnT w="12700" cap="flat" cmpd="sng" algn="ctr">
+                      <a:solidFill>
+                        <a:srgbClr val="000000"/>
+                      </a:solidFill>
+                      <a:prstDash val="solid"/>
+                      <a:round/>
+                      <a:headEnd type="none" w="med" len="med"/>
+                      <a:tailEnd type="none" w="med" len="med"/>
+                    </a:lnT>
+                    <a:lnB w="12700" cap="flat" cmpd="sng" algn="ctr">
+                      <a:solidFill>
+                        <a:srgbClr val="000000"/>
+                      </a:solidFill>
+                      <a:prstDash val="solid"/>
+                      <a:round/>
+                      <a:headEnd type="none" w="med" len="med"/>
+                      <a:tailEnd type="none" w="med" len="med"/>
+                    </a:lnB>
+                    <a:pattFill prst="pct5">
+                      <a:fgClr>
+                        <a:srgbClr val="FFFFFF"/>
+                      </a:fgClr>
+                      <a:bgClr>
+                        <a:srgbClr val="FFFFFF"/>
+                      </a:bgClr>
+                    </a:pattFill>
+                  </a:tcPr>
+                </a:tc>
+                <a:tc>
+                  <a:txBody>
+                    <a:bodyPr/>
+                    <a:lstStyle/>
+                    <a:p>
+                      <a:pPr algn="ctr">
+                        <a:lnSpc>
+                          <a:spcPct val="115000"/>
+                        </a:lnSpc>
+                        <a:spcAft>
+                          <a:spcPts val="1000"/>
+                        </a:spcAft>
+                      </a:pPr>
+                      <a:r>
+                        <a:rPr lang="pl-PL" sz="900">
+                          <a:solidFill>
+                            <a:srgbClr val="00000A"/>
+                          </a:solidFill>
+                          <a:latin typeface="Calibri"/>
+                          <a:ea typeface="Calibri"/>
+                          <a:cs typeface="Times New Roman"/>
+                        </a:rPr>
+                        <a:t>Wysoki</a:t>
+                      </a:r>
+                      <a:endParaRPr lang="pl-PL" sz="900">
+                        <a:solidFill>
+                          <a:srgbClr val="00000A"/>
+                        </a:solidFill>
+                        <a:latin typeface="Calibri"/>
+                        <a:ea typeface="Times New Roman"/>
+                        <a:cs typeface="Times New Roman"/>
+                      </a:endParaRPr>
+                    </a:p>
+                  </a:txBody>
+                  <a:tcPr marL="55099" marR="55099" marT="0" marB="0">
+                    <a:lnL w="12700" cap="flat" cmpd="sng" algn="ctr">
+                      <a:solidFill>
+                        <a:srgbClr val="000000"/>
+                      </a:solidFill>
+                      <a:prstDash val="solid"/>
+                      <a:round/>
+                      <a:headEnd type="none" w="med" len="med"/>
+                      <a:tailEnd type="none" w="med" len="med"/>
+                    </a:lnL>
+                    <a:lnR w="12700" cap="flat" cmpd="sng" algn="ctr">
+                      <a:solidFill>
+                        <a:srgbClr val="000000"/>
+                      </a:solidFill>
+                      <a:prstDash val="solid"/>
+                      <a:round/>
+                      <a:headEnd type="none" w="med" len="med"/>
+                      <a:tailEnd type="none" w="med" len="med"/>
+                    </a:lnR>
+                    <a:lnT w="12700" cap="flat" cmpd="sng" algn="ctr">
+                      <a:solidFill>
+                        <a:srgbClr val="000000"/>
+                      </a:solidFill>
+                      <a:prstDash val="solid"/>
+                      <a:round/>
+                      <a:headEnd type="none" w="med" len="med"/>
+                      <a:tailEnd type="none" w="med" len="med"/>
+                    </a:lnT>
+                    <a:lnB w="12700" cap="flat" cmpd="sng" algn="ctr">
+                      <a:solidFill>
+                        <a:srgbClr val="000000"/>
+                      </a:solidFill>
+                      <a:prstDash val="solid"/>
+                      <a:round/>
+                      <a:headEnd type="none" w="med" len="med"/>
+                      <a:tailEnd type="none" w="med" len="med"/>
+                    </a:lnB>
+                    <a:pattFill prst="pct5">
+                      <a:fgClr>
+                        <a:srgbClr val="FFFFFF"/>
+                      </a:fgClr>
+                      <a:bgClr>
+                        <a:srgbClr val="FFFFFF"/>
+                      </a:bgClr>
+                    </a:pattFill>
+                  </a:tcPr>
+                </a:tc>
+                <a:tc>
+                  <a:txBody>
+                    <a:bodyPr/>
+                    <a:lstStyle/>
+                    <a:p>
+                      <a:pPr algn="ctr">
+                        <a:lnSpc>
+                          <a:spcPct val="115000"/>
+                        </a:lnSpc>
+                        <a:spcAft>
+                          <a:spcPts val="1000"/>
+                        </a:spcAft>
+                      </a:pPr>
+                      <a:r>
+                        <a:rPr lang="pl-PL" sz="900">
+                          <a:solidFill>
+                            <a:srgbClr val="00000A"/>
+                          </a:solidFill>
+                          <a:latin typeface="Calibri"/>
+                          <a:ea typeface="Calibri"/>
+                          <a:cs typeface="Times New Roman"/>
+                        </a:rPr>
+                        <a:t>Średni</a:t>
+                      </a:r>
+                      <a:endParaRPr lang="pl-PL" sz="900">
+                        <a:solidFill>
+                          <a:srgbClr val="00000A"/>
+                        </a:solidFill>
+                        <a:latin typeface="Calibri"/>
+                        <a:ea typeface="Times New Roman"/>
+                        <a:cs typeface="Times New Roman"/>
+                      </a:endParaRPr>
+                    </a:p>
+                  </a:txBody>
+                  <a:tcPr marL="55099" marR="55099" marT="0" marB="0">
+                    <a:lnL w="12700" cap="flat" cmpd="sng" algn="ctr">
+                      <a:solidFill>
+                        <a:srgbClr val="000000"/>
+                      </a:solidFill>
+                      <a:prstDash val="solid"/>
+                      <a:round/>
+                      <a:headEnd type="none" w="med" len="med"/>
+                      <a:tailEnd type="none" w="med" len="med"/>
+                    </a:lnL>
+                    <a:lnR w="12700" cap="flat" cmpd="sng" algn="ctr">
+                      <a:solidFill>
+                        <a:srgbClr val="000000"/>
+                      </a:solidFill>
+                      <a:prstDash val="solid"/>
+                      <a:round/>
+                      <a:headEnd type="none" w="med" len="med"/>
+                      <a:tailEnd type="none" w="med" len="med"/>
+                    </a:lnR>
+                    <a:lnT w="12700" cap="flat" cmpd="sng" algn="ctr">
+                      <a:solidFill>
+                        <a:srgbClr val="000000"/>
+                      </a:solidFill>
+                      <a:prstDash val="solid"/>
+                      <a:round/>
+                      <a:headEnd type="none" w="med" len="med"/>
+                      <a:tailEnd type="none" w="med" len="med"/>
+                    </a:lnT>
+                    <a:lnB w="12700" cap="flat" cmpd="sng" algn="ctr">
+                      <a:solidFill>
+                        <a:srgbClr val="000000"/>
+                      </a:solidFill>
+                      <a:prstDash val="solid"/>
+                      <a:round/>
+                      <a:headEnd type="none" w="med" len="med"/>
+                      <a:tailEnd type="none" w="med" len="med"/>
+                    </a:lnB>
+                    <a:pattFill prst="pct5">
+                      <a:fgClr>
+                        <a:srgbClr val="FFFFFF"/>
+                      </a:fgClr>
+                      <a:bgClr>
+                        <a:srgbClr val="FFFFFF"/>
+                      </a:bgClr>
+                    </a:pattFill>
+                  </a:tcPr>
+                </a:tc>
+                <a:tc>
+                  <a:txBody>
+                    <a:bodyPr/>
+                    <a:lstStyle/>
+                    <a:p>
+                      <a:pPr algn="ctr">
+                        <a:lnSpc>
+                          <a:spcPct val="115000"/>
+                        </a:lnSpc>
+                        <a:spcAft>
+                          <a:spcPts val="1000"/>
+                        </a:spcAft>
+                      </a:pPr>
+                      <a:r>
+                        <a:rPr lang="pl-PL" sz="900">
+                          <a:solidFill>
+                            <a:srgbClr val="00000A"/>
+                          </a:solidFill>
+                          <a:latin typeface="Calibri"/>
+                          <a:ea typeface="Calibri"/>
+                          <a:cs typeface="Times New Roman"/>
+                        </a:rPr>
+                        <a:t>Zatwierdzone</a:t>
+                      </a:r>
+                      <a:endParaRPr lang="pl-PL" sz="900">
+                        <a:solidFill>
+                          <a:srgbClr val="00000A"/>
+                        </a:solidFill>
+                        <a:latin typeface="Calibri"/>
+                        <a:ea typeface="Times New Roman"/>
+                        <a:cs typeface="Times New Roman"/>
+                      </a:endParaRPr>
+                    </a:p>
+                  </a:txBody>
+                  <a:tcPr marL="55099" marR="55099" marT="0" marB="0">
+                    <a:lnL w="12700" cap="flat" cmpd="sng" algn="ctr">
+                      <a:solidFill>
+                        <a:srgbClr val="000000"/>
+                      </a:solidFill>
+                      <a:prstDash val="solid"/>
+                      <a:round/>
+                      <a:headEnd type="none" w="med" len="med"/>
+                      <a:tailEnd type="none" w="med" len="med"/>
+                    </a:lnL>
+                    <a:lnR w="12700" cap="flat" cmpd="sng" algn="ctr">
+                      <a:solidFill>
+                        <a:srgbClr val="000000"/>
+                      </a:solidFill>
+                      <a:prstDash val="solid"/>
+                      <a:round/>
+                      <a:headEnd type="none" w="med" len="med"/>
+                      <a:tailEnd type="none" w="med" len="med"/>
+                    </a:lnR>
+                    <a:lnT w="12700" cap="flat" cmpd="sng" algn="ctr">
+                      <a:solidFill>
+                        <a:srgbClr val="000000"/>
+                      </a:solidFill>
+                      <a:prstDash val="solid"/>
+                      <a:round/>
+                      <a:headEnd type="none" w="med" len="med"/>
+                      <a:tailEnd type="none" w="med" len="med"/>
+                    </a:lnT>
+                    <a:lnB w="12700" cap="flat" cmpd="sng" algn="ctr">
+                      <a:solidFill>
+                        <a:srgbClr val="000000"/>
+                      </a:solidFill>
+                      <a:prstDash val="solid"/>
+                      <a:round/>
+                      <a:headEnd type="none" w="med" len="med"/>
+                      <a:tailEnd type="none" w="med" len="med"/>
+                    </a:lnB>
+                    <a:pattFill prst="pct5">
+                      <a:fgClr>
+                        <a:srgbClr val="FFFFFF"/>
+                      </a:fgClr>
+                      <a:bgClr>
+                        <a:srgbClr val="FFFFFF"/>
+                      </a:bgClr>
+                    </a:pattFill>
+                  </a:tcPr>
+                </a:tc>
+                <a:tc>
+                  <a:txBody>
+                    <a:bodyPr/>
+                    <a:lstStyle/>
+                    <a:p>
+                      <a:pPr algn="ctr">
+                        <a:lnSpc>
+                          <a:spcPct val="115000"/>
+                        </a:lnSpc>
+                        <a:spcAft>
+                          <a:spcPts val="1000"/>
+                        </a:spcAft>
+                      </a:pPr>
+                      <a:endParaRPr lang="pl-PL" sz="900">
+                        <a:solidFill>
+                          <a:srgbClr val="00000A"/>
+                        </a:solidFill>
+                        <a:latin typeface="Calibri"/>
+                        <a:ea typeface="Calibri"/>
+                        <a:cs typeface="Times New Roman"/>
+                      </a:endParaRPr>
+                    </a:p>
+                  </a:txBody>
+                  <a:tcPr marL="55099" marR="55099" marT="0" marB="0">
+                    <a:lnL w="12700" cap="flat" cmpd="sng" algn="ctr">
+                      <a:solidFill>
+                        <a:srgbClr val="000000"/>
+                      </a:solidFill>
+                      <a:prstDash val="solid"/>
+                      <a:round/>
+                      <a:headEnd type="none" w="med" len="med"/>
+                      <a:tailEnd type="none" w="med" len="med"/>
+                    </a:lnL>
+                    <a:lnR w="12700" cap="flat" cmpd="sng" algn="ctr">
+                      <a:solidFill>
+                        <a:srgbClr val="000000"/>
+                      </a:solidFill>
+                      <a:prstDash val="solid"/>
+                      <a:round/>
+                      <a:headEnd type="none" w="med" len="med"/>
+                      <a:tailEnd type="none" w="med" len="med"/>
+                    </a:lnR>
+                    <a:lnT w="12700" cap="flat" cmpd="sng" algn="ctr">
+                      <a:solidFill>
+                        <a:srgbClr val="000000"/>
+                      </a:solidFill>
+                      <a:prstDash val="solid"/>
+                      <a:round/>
+                      <a:headEnd type="none" w="med" len="med"/>
+                      <a:tailEnd type="none" w="med" len="med"/>
+                    </a:lnT>
+                    <a:lnB w="12700" cap="flat" cmpd="sng" algn="ctr">
+                      <a:solidFill>
+                        <a:srgbClr val="000000"/>
+                      </a:solidFill>
+                      <a:prstDash val="solid"/>
+                      <a:round/>
+                      <a:headEnd type="none" w="med" len="med"/>
+                      <a:tailEnd type="none" w="med" len="med"/>
+                    </a:lnB>
+                    <a:pattFill prst="pct5">
+                      <a:fgClr>
+                        <a:srgbClr val="FFFFFF"/>
+                      </a:fgClr>
+                      <a:bgClr>
+                        <a:srgbClr val="FFFFFF"/>
+                      </a:bgClr>
+                    </a:pattFill>
+                  </a:tcPr>
+                </a:tc>
+              </a:tr>
+              <a:tr h="1239112">
+                <a:tc>
+                  <a:txBody>
+                    <a:bodyPr/>
+                    <a:lstStyle/>
+                    <a:p>
+                      <a:pPr algn="ctr">
+                        <a:lnSpc>
+                          <a:spcPct val="115000"/>
+                        </a:lnSpc>
+                        <a:spcAft>
+                          <a:spcPts val="1000"/>
+                        </a:spcAft>
+                      </a:pPr>
+                      <a:r>
+                        <a:rPr lang="pl-PL" sz="900">
+                          <a:solidFill>
+                            <a:srgbClr val="00000A"/>
+                          </a:solidFill>
+                          <a:latin typeface="Calibri"/>
+                          <a:ea typeface="Calibri"/>
+                          <a:cs typeface="Times New Roman"/>
+                        </a:rPr>
+                        <a:t>Instalacja programu Qt Creator, nauka obsługi, przygotowywanie się do implementacji kodu.</a:t>
+                      </a:r>
+                      <a:endParaRPr lang="pl-PL" sz="900">
+                        <a:solidFill>
+                          <a:srgbClr val="00000A"/>
+                        </a:solidFill>
+                        <a:latin typeface="Calibri"/>
+                        <a:ea typeface="Times New Roman"/>
+                        <a:cs typeface="Times New Roman"/>
+                      </a:endParaRPr>
+                    </a:p>
+                  </a:txBody>
+                  <a:tcPr marL="55099" marR="55099" marT="0" marB="0">
+                    <a:lnL w="12700" cap="flat" cmpd="sng" algn="ctr">
+                      <a:solidFill>
+                        <a:srgbClr val="000000"/>
+                      </a:solidFill>
+                      <a:prstDash val="solid"/>
+                      <a:round/>
+                      <a:headEnd type="none" w="med" len="med"/>
+                      <a:tailEnd type="none" w="med" len="med"/>
+                    </a:lnL>
+                    <a:lnR w="12700" cap="flat" cmpd="sng" algn="ctr">
+                      <a:solidFill>
+                        <a:srgbClr val="000000"/>
+                      </a:solidFill>
+                      <a:prstDash val="solid"/>
+                      <a:round/>
+                      <a:headEnd type="none" w="med" len="med"/>
+                      <a:tailEnd type="none" w="med" len="med"/>
+                    </a:lnR>
+                    <a:lnT w="12700" cap="flat" cmpd="sng" algn="ctr">
+                      <a:solidFill>
+                        <a:srgbClr val="000000"/>
+                      </a:solidFill>
+                      <a:prstDash val="solid"/>
+                      <a:round/>
+                      <a:headEnd type="none" w="med" len="med"/>
+                      <a:tailEnd type="none" w="med" len="med"/>
+                    </a:lnT>
+                    <a:lnB w="12700" cap="flat" cmpd="sng" algn="ctr">
+                      <a:solidFill>
+                        <a:srgbClr val="000000"/>
+                      </a:solidFill>
+                      <a:prstDash val="solid"/>
+                      <a:round/>
+                      <a:headEnd type="none" w="med" len="med"/>
+                      <a:tailEnd type="none" w="med" len="med"/>
+                    </a:lnB>
+                    <a:pattFill prst="pct5">
+                      <a:fgClr>
+                        <a:srgbClr val="FFFFFF"/>
+                      </a:fgClr>
+                      <a:bgClr>
+                        <a:srgbClr val="FFFFFF"/>
+                      </a:bgClr>
+                    </a:pattFill>
+                  </a:tcPr>
+                </a:tc>
+                <a:tc>
+                  <a:txBody>
+                    <a:bodyPr/>
+                    <a:lstStyle/>
+                    <a:p>
+                      <a:pPr algn="ctr">
+                        <a:lnSpc>
+                          <a:spcPct val="115000"/>
+                        </a:lnSpc>
+                        <a:spcAft>
+                          <a:spcPts val="1000"/>
+                        </a:spcAft>
+                      </a:pPr>
+                      <a:r>
+                        <a:rPr lang="pl-PL" sz="900">
+                          <a:solidFill>
+                            <a:srgbClr val="00000A"/>
+                          </a:solidFill>
+                          <a:latin typeface="Calibri"/>
+                          <a:ea typeface="Calibri"/>
+                          <a:cs typeface="Times New Roman"/>
+                        </a:rPr>
+                        <a:t>AD/MA/KT/FG</a:t>
+                      </a:r>
+                      <a:endParaRPr lang="pl-PL" sz="900">
+                        <a:solidFill>
+                          <a:srgbClr val="00000A"/>
+                        </a:solidFill>
+                        <a:latin typeface="Calibri"/>
+                        <a:ea typeface="Times New Roman"/>
+                        <a:cs typeface="Times New Roman"/>
+                      </a:endParaRPr>
+                    </a:p>
+                  </a:txBody>
+                  <a:tcPr marL="55099" marR="55099" marT="0" marB="0">
+                    <a:lnL w="12700" cap="flat" cmpd="sng" algn="ctr">
+                      <a:solidFill>
+                        <a:srgbClr val="000000"/>
+                      </a:solidFill>
+                      <a:prstDash val="solid"/>
+                      <a:round/>
+                      <a:headEnd type="none" w="med" len="med"/>
+                      <a:tailEnd type="none" w="med" len="med"/>
+                    </a:lnL>
+                    <a:lnR w="12700" cap="flat" cmpd="sng" algn="ctr">
+                      <a:solidFill>
+                        <a:srgbClr val="000000"/>
+                      </a:solidFill>
+                      <a:prstDash val="solid"/>
+                      <a:round/>
+                      <a:headEnd type="none" w="med" len="med"/>
+                      <a:tailEnd type="none" w="med" len="med"/>
+                    </a:lnR>
+                    <a:lnT w="12700" cap="flat" cmpd="sng" algn="ctr">
+                      <a:solidFill>
+                        <a:srgbClr val="000000"/>
+                      </a:solidFill>
+                      <a:prstDash val="solid"/>
+                      <a:round/>
+                      <a:headEnd type="none" w="med" len="med"/>
+                      <a:tailEnd type="none" w="med" len="med"/>
+                    </a:lnT>
+                    <a:lnB w="12700" cap="flat" cmpd="sng" algn="ctr">
+                      <a:solidFill>
+                        <a:srgbClr val="000000"/>
+                      </a:solidFill>
+                      <a:prstDash val="solid"/>
+                      <a:round/>
+                      <a:headEnd type="none" w="med" len="med"/>
+                      <a:tailEnd type="none" w="med" len="med"/>
+                    </a:lnB>
+                    <a:pattFill prst="pct5">
+                      <a:fgClr>
+                        <a:srgbClr val="FFFFFF"/>
+                      </a:fgClr>
+                      <a:bgClr>
+                        <a:srgbClr val="FFFFFF"/>
+                      </a:bgClr>
+                    </a:pattFill>
+                  </a:tcPr>
+                </a:tc>
+                <a:tc>
+                  <a:txBody>
+                    <a:bodyPr/>
+                    <a:lstStyle/>
+                    <a:p>
+                      <a:pPr algn="ctr">
+                        <a:lnSpc>
+                          <a:spcPct val="115000"/>
+                        </a:lnSpc>
+                        <a:spcAft>
+                          <a:spcPts val="1000"/>
+                        </a:spcAft>
+                      </a:pPr>
+                      <a:r>
+                        <a:rPr lang="pl-PL" sz="900">
+                          <a:solidFill>
+                            <a:srgbClr val="00000A"/>
+                          </a:solidFill>
+                          <a:latin typeface="Calibri"/>
+                          <a:ea typeface="Calibri"/>
+                          <a:cs typeface="Times New Roman"/>
+                        </a:rPr>
+                        <a:t>Wykonane</a:t>
+                      </a:r>
+                      <a:endParaRPr lang="pl-PL" sz="900">
+                        <a:solidFill>
+                          <a:srgbClr val="00000A"/>
+                        </a:solidFill>
+                        <a:latin typeface="Calibri"/>
+                        <a:ea typeface="Times New Roman"/>
+                        <a:cs typeface="Times New Roman"/>
+                      </a:endParaRPr>
+                    </a:p>
+                  </a:txBody>
+                  <a:tcPr marL="55099" marR="55099" marT="0" marB="0">
+                    <a:lnL w="12700" cap="flat" cmpd="sng" algn="ctr">
+                      <a:solidFill>
+                        <a:srgbClr val="000000"/>
+                      </a:solidFill>
+                      <a:prstDash val="solid"/>
+                      <a:round/>
+                      <a:headEnd type="none" w="med" len="med"/>
+                      <a:tailEnd type="none" w="med" len="med"/>
+                    </a:lnL>
+                    <a:lnR w="12700" cap="flat" cmpd="sng" algn="ctr">
+                      <a:solidFill>
+                        <a:srgbClr val="000000"/>
+                      </a:solidFill>
+                      <a:prstDash val="solid"/>
+                      <a:round/>
+                      <a:headEnd type="none" w="med" len="med"/>
+                      <a:tailEnd type="none" w="med" len="med"/>
+                    </a:lnR>
+                    <a:lnT w="12700" cap="flat" cmpd="sng" algn="ctr">
+                      <a:solidFill>
+                        <a:srgbClr val="000000"/>
+                      </a:solidFill>
+                      <a:prstDash val="solid"/>
+                      <a:round/>
+                      <a:headEnd type="none" w="med" len="med"/>
+                      <a:tailEnd type="none" w="med" len="med"/>
+                    </a:lnT>
+                    <a:lnB w="12700" cap="flat" cmpd="sng" algn="ctr">
+                      <a:solidFill>
+                        <a:srgbClr val="000000"/>
+                      </a:solidFill>
+                      <a:prstDash val="solid"/>
+                      <a:round/>
+                      <a:headEnd type="none" w="med" len="med"/>
+                      <a:tailEnd type="none" w="med" len="med"/>
+                    </a:lnB>
+                    <a:pattFill prst="pct5">
+                      <a:fgClr>
+                        <a:srgbClr val="FFFFFF"/>
+                      </a:fgClr>
+                      <a:bgClr>
+                        <a:srgbClr val="FFFFFF"/>
+                      </a:bgClr>
+                    </a:pattFill>
+                  </a:tcPr>
+                </a:tc>
+                <a:tc>
+                  <a:txBody>
+                    <a:bodyPr/>
+                    <a:lstStyle/>
+                    <a:p>
+                      <a:pPr algn="ctr">
+                        <a:lnSpc>
+                          <a:spcPct val="115000"/>
+                        </a:lnSpc>
+                        <a:spcAft>
+                          <a:spcPts val="1000"/>
+                        </a:spcAft>
+                      </a:pPr>
+                      <a:r>
+                        <a:rPr lang="pl-PL" sz="900">
+                          <a:solidFill>
+                            <a:srgbClr val="00000A"/>
+                          </a:solidFill>
+                          <a:latin typeface="Calibri"/>
+                          <a:ea typeface="Calibri"/>
+                          <a:cs typeface="Times New Roman"/>
+                        </a:rPr>
+                        <a:t>III</a:t>
+                      </a:r>
+                      <a:endParaRPr lang="pl-PL" sz="900">
+                        <a:solidFill>
+                          <a:srgbClr val="00000A"/>
+                        </a:solidFill>
+                        <a:latin typeface="Calibri"/>
+                        <a:ea typeface="Times New Roman"/>
+                        <a:cs typeface="Times New Roman"/>
+                      </a:endParaRPr>
+                    </a:p>
+                  </a:txBody>
+                  <a:tcPr marL="55099" marR="55099" marT="0" marB="0">
+                    <a:lnL w="12700" cap="flat" cmpd="sng" algn="ctr">
+                      <a:solidFill>
+                        <a:srgbClr val="000000"/>
+                      </a:solidFill>
+                      <a:prstDash val="solid"/>
+                      <a:round/>
+                      <a:headEnd type="none" w="med" len="med"/>
+                      <a:tailEnd type="none" w="med" len="med"/>
+                    </a:lnL>
+                    <a:lnR w="12700" cap="flat" cmpd="sng" algn="ctr">
+                      <a:solidFill>
+                        <a:srgbClr val="000000"/>
+                      </a:solidFill>
+                      <a:prstDash val="solid"/>
+                      <a:round/>
+                      <a:headEnd type="none" w="med" len="med"/>
+                      <a:tailEnd type="none" w="med" len="med"/>
+                    </a:lnR>
+                    <a:lnT w="12700" cap="flat" cmpd="sng" algn="ctr">
+                      <a:solidFill>
+                        <a:srgbClr val="000000"/>
+                      </a:solidFill>
+                      <a:prstDash val="solid"/>
+                      <a:round/>
+                      <a:headEnd type="none" w="med" len="med"/>
+                      <a:tailEnd type="none" w="med" len="med"/>
+                    </a:lnT>
+                    <a:lnB w="12700" cap="flat" cmpd="sng" algn="ctr">
+                      <a:solidFill>
+                        <a:srgbClr val="000000"/>
+                      </a:solidFill>
+                      <a:prstDash val="solid"/>
+                      <a:round/>
+                      <a:headEnd type="none" w="med" len="med"/>
+                      <a:tailEnd type="none" w="med" len="med"/>
+                    </a:lnB>
+                    <a:pattFill prst="pct5">
+                      <a:fgClr>
+                        <a:srgbClr val="FFFFFF"/>
+                      </a:fgClr>
+                      <a:bgClr>
+                        <a:srgbClr val="FFFFFF"/>
+                      </a:bgClr>
+                    </a:pattFill>
+                  </a:tcPr>
+                </a:tc>
+                <a:tc>
+                  <a:txBody>
+                    <a:bodyPr/>
+                    <a:lstStyle/>
+                    <a:p>
+                      <a:pPr algn="ctr">
+                        <a:lnSpc>
+                          <a:spcPct val="115000"/>
+                        </a:lnSpc>
+                        <a:spcAft>
+                          <a:spcPts val="1000"/>
+                        </a:spcAft>
+                      </a:pPr>
+                      <a:r>
+                        <a:rPr lang="pl-PL" sz="900">
+                          <a:solidFill>
+                            <a:srgbClr val="00000A"/>
+                          </a:solidFill>
+                          <a:latin typeface="Calibri"/>
+                          <a:ea typeface="Calibri"/>
+                          <a:cs typeface="Times New Roman"/>
+                        </a:rPr>
+                        <a:t>Wysoki</a:t>
+                      </a:r>
+                      <a:endParaRPr lang="pl-PL" sz="900">
+                        <a:solidFill>
+                          <a:srgbClr val="00000A"/>
+                        </a:solidFill>
+                        <a:latin typeface="Calibri"/>
+                        <a:ea typeface="Times New Roman"/>
+                        <a:cs typeface="Times New Roman"/>
+                      </a:endParaRPr>
+                    </a:p>
+                  </a:txBody>
+                  <a:tcPr marL="55099" marR="55099" marT="0" marB="0">
+                    <a:lnL w="12700" cap="flat" cmpd="sng" algn="ctr">
+                      <a:solidFill>
+                        <a:srgbClr val="000000"/>
+                      </a:solidFill>
+                      <a:prstDash val="solid"/>
+                      <a:round/>
+                      <a:headEnd type="none" w="med" len="med"/>
+                      <a:tailEnd type="none" w="med" len="med"/>
+                    </a:lnL>
+                    <a:lnR w="12700" cap="flat" cmpd="sng" algn="ctr">
+                      <a:solidFill>
+                        <a:srgbClr val="000000"/>
+                      </a:solidFill>
+                      <a:prstDash val="solid"/>
+                      <a:round/>
+                      <a:headEnd type="none" w="med" len="med"/>
+                      <a:tailEnd type="none" w="med" len="med"/>
+                    </a:lnR>
+                    <a:lnT w="12700" cap="flat" cmpd="sng" algn="ctr">
+                      <a:solidFill>
+                        <a:srgbClr val="000000"/>
+                      </a:solidFill>
+                      <a:prstDash val="solid"/>
+                      <a:round/>
+                      <a:headEnd type="none" w="med" len="med"/>
+                      <a:tailEnd type="none" w="med" len="med"/>
+                    </a:lnT>
+                    <a:lnB w="12700" cap="flat" cmpd="sng" algn="ctr">
+                      <a:solidFill>
+                        <a:srgbClr val="000000"/>
+                      </a:solidFill>
+                      <a:prstDash val="solid"/>
+                      <a:round/>
+                      <a:headEnd type="none" w="med" len="med"/>
+                      <a:tailEnd type="none" w="med" len="med"/>
+                    </a:lnB>
+                    <a:pattFill prst="pct5">
+                      <a:fgClr>
+                        <a:srgbClr val="FFFFFF"/>
+                      </a:fgClr>
+                      <a:bgClr>
+                        <a:srgbClr val="FFFFFF"/>
+                      </a:bgClr>
+                    </a:pattFill>
+                  </a:tcPr>
+                </a:tc>
+                <a:tc>
+                  <a:txBody>
+                    <a:bodyPr/>
+                    <a:lstStyle/>
+                    <a:p>
+                      <a:pPr algn="ctr">
+                        <a:lnSpc>
+                          <a:spcPct val="115000"/>
+                        </a:lnSpc>
+                        <a:spcAft>
+                          <a:spcPts val="1000"/>
+                        </a:spcAft>
+                      </a:pPr>
+                      <a:r>
+                        <a:rPr lang="pl-PL" sz="900">
+                          <a:solidFill>
+                            <a:srgbClr val="00000A"/>
+                          </a:solidFill>
+                          <a:latin typeface="Calibri"/>
+                          <a:ea typeface="Calibri"/>
+                          <a:cs typeface="Times New Roman"/>
+                        </a:rPr>
+                        <a:t>Średni</a:t>
+                      </a:r>
+                      <a:endParaRPr lang="pl-PL" sz="900">
+                        <a:solidFill>
+                          <a:srgbClr val="00000A"/>
+                        </a:solidFill>
+                        <a:latin typeface="Calibri"/>
+                        <a:ea typeface="Times New Roman"/>
+                        <a:cs typeface="Times New Roman"/>
+                      </a:endParaRPr>
+                    </a:p>
+                  </a:txBody>
+                  <a:tcPr marL="55099" marR="55099" marT="0" marB="0">
+                    <a:lnL w="12700" cap="flat" cmpd="sng" algn="ctr">
+                      <a:solidFill>
+                        <a:srgbClr val="000000"/>
+                      </a:solidFill>
+                      <a:prstDash val="solid"/>
+                      <a:round/>
+                      <a:headEnd type="none" w="med" len="med"/>
+                      <a:tailEnd type="none" w="med" len="med"/>
+                    </a:lnL>
+                    <a:lnR w="12700" cap="flat" cmpd="sng" algn="ctr">
+                      <a:solidFill>
+                        <a:srgbClr val="000000"/>
+                      </a:solidFill>
+                      <a:prstDash val="solid"/>
+                      <a:round/>
+                      <a:headEnd type="none" w="med" len="med"/>
+                      <a:tailEnd type="none" w="med" len="med"/>
+                    </a:lnR>
+                    <a:lnT w="12700" cap="flat" cmpd="sng" algn="ctr">
+                      <a:solidFill>
+                        <a:srgbClr val="000000"/>
+                      </a:solidFill>
+                      <a:prstDash val="solid"/>
+                      <a:round/>
+                      <a:headEnd type="none" w="med" len="med"/>
+                      <a:tailEnd type="none" w="med" len="med"/>
+                    </a:lnT>
+                    <a:lnB w="12700" cap="flat" cmpd="sng" algn="ctr">
+                      <a:solidFill>
+                        <a:srgbClr val="000000"/>
+                      </a:solidFill>
+                      <a:prstDash val="solid"/>
+                      <a:round/>
+                      <a:headEnd type="none" w="med" len="med"/>
+                      <a:tailEnd type="none" w="med" len="med"/>
+                    </a:lnB>
+                    <a:pattFill prst="pct5">
+                      <a:fgClr>
+                        <a:srgbClr val="FFFFFF"/>
+                      </a:fgClr>
+                      <a:bgClr>
+                        <a:srgbClr val="FFFFFF"/>
+                      </a:bgClr>
+                    </a:pattFill>
+                  </a:tcPr>
+                </a:tc>
+                <a:tc>
+                  <a:txBody>
+                    <a:bodyPr/>
+                    <a:lstStyle/>
+                    <a:p>
+                      <a:pPr algn="ctr">
+                        <a:lnSpc>
+                          <a:spcPct val="115000"/>
+                        </a:lnSpc>
+                        <a:spcAft>
+                          <a:spcPts val="1000"/>
+                        </a:spcAft>
+                      </a:pPr>
+                      <a:r>
+                        <a:rPr lang="pl-PL" sz="900">
+                          <a:solidFill>
+                            <a:srgbClr val="00000A"/>
+                          </a:solidFill>
+                          <a:latin typeface="Calibri"/>
+                          <a:ea typeface="Calibri"/>
+                          <a:cs typeface="Times New Roman"/>
+                        </a:rPr>
+                        <a:t>Zatwierdzone</a:t>
+                      </a:r>
+                      <a:endParaRPr lang="pl-PL" sz="900">
+                        <a:solidFill>
+                          <a:srgbClr val="00000A"/>
+                        </a:solidFill>
+                        <a:latin typeface="Calibri"/>
+                        <a:ea typeface="Times New Roman"/>
+                        <a:cs typeface="Times New Roman"/>
+                      </a:endParaRPr>
+                    </a:p>
+                  </a:txBody>
+                  <a:tcPr marL="55099" marR="55099" marT="0" marB="0">
+                    <a:lnL w="12700" cap="flat" cmpd="sng" algn="ctr">
+                      <a:solidFill>
+                        <a:srgbClr val="000000"/>
+                      </a:solidFill>
+                      <a:prstDash val="solid"/>
+                      <a:round/>
+                      <a:headEnd type="none" w="med" len="med"/>
+                      <a:tailEnd type="none" w="med" len="med"/>
+                    </a:lnL>
+                    <a:lnR w="12700" cap="flat" cmpd="sng" algn="ctr">
+                      <a:solidFill>
+                        <a:srgbClr val="000000"/>
+                      </a:solidFill>
+                      <a:prstDash val="solid"/>
+                      <a:round/>
+                      <a:headEnd type="none" w="med" len="med"/>
+                      <a:tailEnd type="none" w="med" len="med"/>
+                    </a:lnR>
+                    <a:lnT w="12700" cap="flat" cmpd="sng" algn="ctr">
+                      <a:solidFill>
+                        <a:srgbClr val="000000"/>
+                      </a:solidFill>
+                      <a:prstDash val="solid"/>
+                      <a:round/>
+                      <a:headEnd type="none" w="med" len="med"/>
+                      <a:tailEnd type="none" w="med" len="med"/>
+                    </a:lnT>
+                    <a:lnB w="12700" cap="flat" cmpd="sng" algn="ctr">
+                      <a:solidFill>
+                        <a:srgbClr val="000000"/>
+                      </a:solidFill>
+                      <a:prstDash val="solid"/>
+                      <a:round/>
+                      <a:headEnd type="none" w="med" len="med"/>
+                      <a:tailEnd type="none" w="med" len="med"/>
+                    </a:lnB>
+                    <a:pattFill prst="pct5">
+                      <a:fgClr>
+                        <a:srgbClr val="FFFFFF"/>
+                      </a:fgClr>
+                      <a:bgClr>
+                        <a:srgbClr val="FFFFFF"/>
+                      </a:bgClr>
+                    </a:pattFill>
+                  </a:tcPr>
+                </a:tc>
+                <a:tc>
+                  <a:txBody>
+                    <a:bodyPr/>
+                    <a:lstStyle/>
+                    <a:p>
+                      <a:pPr algn="ctr">
+                        <a:lnSpc>
+                          <a:spcPct val="115000"/>
+                        </a:lnSpc>
+                        <a:spcAft>
+                          <a:spcPts val="1000"/>
+                        </a:spcAft>
+                      </a:pPr>
+                      <a:r>
+                        <a:rPr lang="pl-PL" sz="900">
+                          <a:solidFill>
+                            <a:srgbClr val="00000A"/>
+                          </a:solidFill>
+                          <a:latin typeface="Calibri"/>
+                          <a:ea typeface="Calibri"/>
+                          <a:cs typeface="Times New Roman"/>
+                        </a:rPr>
+                        <a:t>W razie problemów proszę o kontakt</a:t>
+                      </a:r>
+                      <a:endParaRPr lang="pl-PL" sz="900">
+                        <a:solidFill>
+                          <a:srgbClr val="00000A"/>
+                        </a:solidFill>
+                        <a:latin typeface="Calibri"/>
+                        <a:ea typeface="Times New Roman"/>
+                        <a:cs typeface="Times New Roman"/>
+                      </a:endParaRPr>
+                    </a:p>
+                  </a:txBody>
+                  <a:tcPr marL="55099" marR="55099" marT="0" marB="0">
+                    <a:lnL w="12700" cap="flat" cmpd="sng" algn="ctr">
+                      <a:solidFill>
+                        <a:srgbClr val="000000"/>
+                      </a:solidFill>
+                      <a:prstDash val="solid"/>
+                      <a:round/>
+                      <a:headEnd type="none" w="med" len="med"/>
+                      <a:tailEnd type="none" w="med" len="med"/>
+                    </a:lnL>
+                    <a:lnR w="12700" cap="flat" cmpd="sng" algn="ctr">
+                      <a:solidFill>
+                        <a:srgbClr val="000000"/>
+                      </a:solidFill>
+                      <a:prstDash val="solid"/>
+                      <a:round/>
+                      <a:headEnd type="none" w="med" len="med"/>
+                      <a:tailEnd type="none" w="med" len="med"/>
+                    </a:lnR>
+                    <a:lnT w="12700" cap="flat" cmpd="sng" algn="ctr">
+                      <a:solidFill>
+                        <a:srgbClr val="000000"/>
+                      </a:solidFill>
+                      <a:prstDash val="solid"/>
+                      <a:round/>
+                      <a:headEnd type="none" w="med" len="med"/>
+                      <a:tailEnd type="none" w="med" len="med"/>
+                    </a:lnT>
+                    <a:lnB w="12700" cap="flat" cmpd="sng" algn="ctr">
+                      <a:solidFill>
+                        <a:srgbClr val="000000"/>
+                      </a:solidFill>
+                      <a:prstDash val="solid"/>
+                      <a:round/>
+                      <a:headEnd type="none" w="med" len="med"/>
+                      <a:tailEnd type="none" w="med" len="med"/>
+                    </a:lnB>
+                    <a:pattFill prst="pct5">
+                      <a:fgClr>
+                        <a:srgbClr val="FFFFFF"/>
+                      </a:fgClr>
+                      <a:bgClr>
+                        <a:srgbClr val="FFFFFF"/>
+                      </a:bgClr>
+                    </a:pattFill>
+                  </a:tcPr>
+                </a:tc>
+              </a:tr>
+              <a:tr h="619556">
+                <a:tc>
+                  <a:txBody>
+                    <a:bodyPr/>
+                    <a:lstStyle/>
+                    <a:p>
+                      <a:pPr algn="ctr">
+                        <a:lnSpc>
+                          <a:spcPct val="115000"/>
+                        </a:lnSpc>
+                        <a:spcAft>
+                          <a:spcPts val="1000"/>
+                        </a:spcAft>
+                      </a:pPr>
+                      <a:r>
+                        <a:rPr lang="pl-PL" sz="900">
+                          <a:solidFill>
+                            <a:srgbClr val="00000A"/>
+                          </a:solidFill>
+                          <a:latin typeface="Calibri"/>
+                          <a:ea typeface="Calibri"/>
+                          <a:cs typeface="Times New Roman"/>
+                        </a:rPr>
+                        <a:t>Pisanie kodu programu.</a:t>
+                      </a:r>
+                      <a:endParaRPr lang="pl-PL" sz="900">
+                        <a:solidFill>
+                          <a:srgbClr val="00000A"/>
+                        </a:solidFill>
+                        <a:latin typeface="Calibri"/>
+                        <a:ea typeface="Times New Roman"/>
+                        <a:cs typeface="Times New Roman"/>
+                      </a:endParaRPr>
+                    </a:p>
+                  </a:txBody>
+                  <a:tcPr marL="55099" marR="55099" marT="0" marB="0">
+                    <a:lnL w="12700" cap="flat" cmpd="sng" algn="ctr">
+                      <a:solidFill>
+                        <a:srgbClr val="000000"/>
+                      </a:solidFill>
+                      <a:prstDash val="solid"/>
+                      <a:round/>
+                      <a:headEnd type="none" w="med" len="med"/>
+                      <a:tailEnd type="none" w="med" len="med"/>
+                    </a:lnL>
+                    <a:lnR w="12700" cap="flat" cmpd="sng" algn="ctr">
+                      <a:solidFill>
+                        <a:srgbClr val="000000"/>
+                      </a:solidFill>
+                      <a:prstDash val="solid"/>
+                      <a:round/>
+                      <a:headEnd type="none" w="med" len="med"/>
+                      <a:tailEnd type="none" w="med" len="med"/>
+                    </a:lnR>
+                    <a:lnT w="12700" cap="flat" cmpd="sng" algn="ctr">
+                      <a:solidFill>
+                        <a:srgbClr val="000000"/>
+                      </a:solidFill>
+                      <a:prstDash val="solid"/>
+                      <a:round/>
+                      <a:headEnd type="none" w="med" len="med"/>
+                      <a:tailEnd type="none" w="med" len="med"/>
+                    </a:lnT>
+                    <a:lnB w="12700" cap="flat" cmpd="sng" algn="ctr">
+                      <a:solidFill>
+                        <a:srgbClr val="000000"/>
+                      </a:solidFill>
+                      <a:prstDash val="solid"/>
+                      <a:round/>
+                      <a:headEnd type="none" w="med" len="med"/>
+                      <a:tailEnd type="none" w="med" len="med"/>
+                    </a:lnB>
+                    <a:pattFill prst="pct5">
+                      <a:fgClr>
+                        <a:srgbClr val="FFFFFF"/>
+                      </a:fgClr>
+                      <a:bgClr>
+                        <a:srgbClr val="FFFFFF"/>
+                      </a:bgClr>
+                    </a:pattFill>
+                  </a:tcPr>
+                </a:tc>
+                <a:tc>
+                  <a:txBody>
+                    <a:bodyPr/>
+                    <a:lstStyle/>
+                    <a:p>
+                      <a:pPr algn="ctr">
+                        <a:lnSpc>
+                          <a:spcPct val="115000"/>
+                        </a:lnSpc>
+                        <a:spcAft>
+                          <a:spcPts val="1000"/>
+                        </a:spcAft>
+                      </a:pPr>
+                      <a:r>
+                        <a:rPr lang="pl-PL" sz="900">
+                          <a:solidFill>
+                            <a:srgbClr val="00000A"/>
+                          </a:solidFill>
+                          <a:latin typeface="Calibri"/>
+                          <a:ea typeface="Calibri"/>
+                          <a:cs typeface="Times New Roman"/>
+                        </a:rPr>
+                        <a:t>AD/MA/KT/FG</a:t>
+                      </a:r>
+                      <a:endParaRPr lang="pl-PL" sz="900">
+                        <a:solidFill>
+                          <a:srgbClr val="00000A"/>
+                        </a:solidFill>
+                        <a:latin typeface="Calibri"/>
+                        <a:ea typeface="Times New Roman"/>
+                        <a:cs typeface="Times New Roman"/>
+                      </a:endParaRPr>
+                    </a:p>
+                  </a:txBody>
+                  <a:tcPr marL="55099" marR="55099" marT="0" marB="0">
+                    <a:lnL w="12700" cap="flat" cmpd="sng" algn="ctr">
+                      <a:solidFill>
+                        <a:srgbClr val="000000"/>
+                      </a:solidFill>
+                      <a:prstDash val="solid"/>
+                      <a:round/>
+                      <a:headEnd type="none" w="med" len="med"/>
+                      <a:tailEnd type="none" w="med" len="med"/>
+                    </a:lnL>
+                    <a:lnR w="12700" cap="flat" cmpd="sng" algn="ctr">
+                      <a:solidFill>
+                        <a:srgbClr val="000000"/>
+                      </a:solidFill>
+                      <a:prstDash val="solid"/>
+                      <a:round/>
+                      <a:headEnd type="none" w="med" len="med"/>
+                      <a:tailEnd type="none" w="med" len="med"/>
+                    </a:lnR>
+                    <a:lnT w="12700" cap="flat" cmpd="sng" algn="ctr">
+                      <a:solidFill>
+                        <a:srgbClr val="000000"/>
+                      </a:solidFill>
+                      <a:prstDash val="solid"/>
+                      <a:round/>
+                      <a:headEnd type="none" w="med" len="med"/>
+                      <a:tailEnd type="none" w="med" len="med"/>
+                    </a:lnT>
+                    <a:lnB w="12700" cap="flat" cmpd="sng" algn="ctr">
+                      <a:solidFill>
+                        <a:srgbClr val="000000"/>
+                      </a:solidFill>
+                      <a:prstDash val="solid"/>
+                      <a:round/>
+                      <a:headEnd type="none" w="med" len="med"/>
+                      <a:tailEnd type="none" w="med" len="med"/>
+                    </a:lnB>
+                    <a:pattFill prst="pct5">
+                      <a:fgClr>
+                        <a:srgbClr val="FFFFFF"/>
+                      </a:fgClr>
+                      <a:bgClr>
+                        <a:srgbClr val="FFFFFF"/>
+                      </a:bgClr>
+                    </a:pattFill>
+                  </a:tcPr>
+                </a:tc>
+                <a:tc>
+                  <a:txBody>
+                    <a:bodyPr/>
+                    <a:lstStyle/>
+                    <a:p>
+                      <a:pPr algn="ctr">
+                        <a:lnSpc>
+                          <a:spcPct val="115000"/>
+                        </a:lnSpc>
+                        <a:spcAft>
+                          <a:spcPts val="1000"/>
+                        </a:spcAft>
+                      </a:pPr>
+                      <a:r>
+                        <a:rPr lang="pl-PL" sz="900">
+                          <a:solidFill>
+                            <a:srgbClr val="00000A"/>
+                          </a:solidFill>
+                          <a:latin typeface="Calibri"/>
+                          <a:ea typeface="Calibri"/>
+                          <a:cs typeface="Times New Roman"/>
+                        </a:rPr>
+                        <a:t>W trakcie</a:t>
+                      </a:r>
+                      <a:endParaRPr lang="pl-PL" sz="900">
+                        <a:solidFill>
+                          <a:srgbClr val="00000A"/>
+                        </a:solidFill>
+                        <a:latin typeface="Calibri"/>
+                        <a:ea typeface="Times New Roman"/>
+                        <a:cs typeface="Times New Roman"/>
+                      </a:endParaRPr>
+                    </a:p>
+                  </a:txBody>
+                  <a:tcPr marL="55099" marR="55099" marT="0" marB="0">
+                    <a:lnL w="12700" cap="flat" cmpd="sng" algn="ctr">
+                      <a:solidFill>
+                        <a:srgbClr val="000000"/>
+                      </a:solidFill>
+                      <a:prstDash val="solid"/>
+                      <a:round/>
+                      <a:headEnd type="none" w="med" len="med"/>
+                      <a:tailEnd type="none" w="med" len="med"/>
+                    </a:lnL>
+                    <a:lnR w="12700" cap="flat" cmpd="sng" algn="ctr">
+                      <a:solidFill>
+                        <a:srgbClr val="000000"/>
+                      </a:solidFill>
+                      <a:prstDash val="solid"/>
+                      <a:round/>
+                      <a:headEnd type="none" w="med" len="med"/>
+                      <a:tailEnd type="none" w="med" len="med"/>
+                    </a:lnR>
+                    <a:lnT w="12700" cap="flat" cmpd="sng" algn="ctr">
+                      <a:solidFill>
+                        <a:srgbClr val="000000"/>
+                      </a:solidFill>
+                      <a:prstDash val="solid"/>
+                      <a:round/>
+                      <a:headEnd type="none" w="med" len="med"/>
+                      <a:tailEnd type="none" w="med" len="med"/>
+                    </a:lnT>
+                    <a:lnB w="12700" cap="flat" cmpd="sng" algn="ctr">
+                      <a:solidFill>
+                        <a:srgbClr val="000000"/>
+                      </a:solidFill>
+                      <a:prstDash val="solid"/>
+                      <a:round/>
+                      <a:headEnd type="none" w="med" len="med"/>
+                      <a:tailEnd type="none" w="med" len="med"/>
+                    </a:lnB>
+                    <a:pattFill prst="pct5">
+                      <a:fgClr>
+                        <a:srgbClr val="FFFFFF"/>
+                      </a:fgClr>
+                      <a:bgClr>
+                        <a:srgbClr val="FFFFFF"/>
+                      </a:bgClr>
+                    </a:pattFill>
+                  </a:tcPr>
+                </a:tc>
+                <a:tc>
+                  <a:txBody>
+                    <a:bodyPr/>
+                    <a:lstStyle/>
+                    <a:p>
+                      <a:pPr algn="ctr">
+                        <a:lnSpc>
+                          <a:spcPct val="115000"/>
+                        </a:lnSpc>
+                        <a:spcAft>
+                          <a:spcPts val="1000"/>
+                        </a:spcAft>
+                      </a:pPr>
+                      <a:r>
+                        <a:rPr lang="pl-PL" sz="900">
+                          <a:solidFill>
+                            <a:srgbClr val="00000A"/>
+                          </a:solidFill>
+                          <a:latin typeface="Calibri"/>
+                          <a:ea typeface="Calibri"/>
+                          <a:cs typeface="Times New Roman"/>
+                        </a:rPr>
+                        <a:t>III</a:t>
+                      </a:r>
+                      <a:endParaRPr lang="pl-PL" sz="900">
+                        <a:solidFill>
+                          <a:srgbClr val="00000A"/>
+                        </a:solidFill>
+                        <a:latin typeface="Calibri"/>
+                        <a:ea typeface="Times New Roman"/>
+                        <a:cs typeface="Times New Roman"/>
+                      </a:endParaRPr>
+                    </a:p>
+                  </a:txBody>
+                  <a:tcPr marL="55099" marR="55099" marT="0" marB="0">
+                    <a:lnL w="12700" cap="flat" cmpd="sng" algn="ctr">
+                      <a:solidFill>
+                        <a:srgbClr val="000000"/>
+                      </a:solidFill>
+                      <a:prstDash val="solid"/>
+                      <a:round/>
+                      <a:headEnd type="none" w="med" len="med"/>
+                      <a:tailEnd type="none" w="med" len="med"/>
+                    </a:lnL>
+                    <a:lnR w="12700" cap="flat" cmpd="sng" algn="ctr">
+                      <a:solidFill>
+                        <a:srgbClr val="000000"/>
+                      </a:solidFill>
+                      <a:prstDash val="solid"/>
+                      <a:round/>
+                      <a:headEnd type="none" w="med" len="med"/>
+                      <a:tailEnd type="none" w="med" len="med"/>
+                    </a:lnR>
+                    <a:lnT w="12700" cap="flat" cmpd="sng" algn="ctr">
+                      <a:solidFill>
+                        <a:srgbClr val="000000"/>
+                      </a:solidFill>
+                      <a:prstDash val="solid"/>
+                      <a:round/>
+                      <a:headEnd type="none" w="med" len="med"/>
+                      <a:tailEnd type="none" w="med" len="med"/>
+                    </a:lnT>
+                    <a:lnB w="12700" cap="flat" cmpd="sng" algn="ctr">
+                      <a:solidFill>
+                        <a:srgbClr val="000000"/>
+                      </a:solidFill>
+                      <a:prstDash val="solid"/>
+                      <a:round/>
+                      <a:headEnd type="none" w="med" len="med"/>
+                      <a:tailEnd type="none" w="med" len="med"/>
+                    </a:lnB>
+                    <a:pattFill prst="pct5">
+                      <a:fgClr>
+                        <a:srgbClr val="FFFFFF"/>
+                      </a:fgClr>
+                      <a:bgClr>
+                        <a:srgbClr val="FFFFFF"/>
+                      </a:bgClr>
+                    </a:pattFill>
+                  </a:tcPr>
+                </a:tc>
+                <a:tc>
+                  <a:txBody>
+                    <a:bodyPr/>
+                    <a:lstStyle/>
+                    <a:p>
+                      <a:pPr algn="ctr">
+                        <a:lnSpc>
+                          <a:spcPct val="115000"/>
+                        </a:lnSpc>
+                        <a:spcAft>
+                          <a:spcPts val="1000"/>
+                        </a:spcAft>
+                      </a:pPr>
+                      <a:r>
+                        <a:rPr lang="pl-PL" sz="900">
+                          <a:solidFill>
+                            <a:srgbClr val="00000A"/>
+                          </a:solidFill>
+                          <a:latin typeface="Calibri"/>
+                          <a:ea typeface="Calibri"/>
+                          <a:cs typeface="Times New Roman"/>
+                        </a:rPr>
+                        <a:t>Wysoki</a:t>
+                      </a:r>
+                      <a:endParaRPr lang="pl-PL" sz="900">
+                        <a:solidFill>
+                          <a:srgbClr val="00000A"/>
+                        </a:solidFill>
+                        <a:latin typeface="Calibri"/>
+                        <a:ea typeface="Times New Roman"/>
+                        <a:cs typeface="Times New Roman"/>
+                      </a:endParaRPr>
+                    </a:p>
+                  </a:txBody>
+                  <a:tcPr marL="55099" marR="55099" marT="0" marB="0">
+                    <a:lnL w="12700" cap="flat" cmpd="sng" algn="ctr">
+                      <a:solidFill>
+                        <a:srgbClr val="000000"/>
+                      </a:solidFill>
+                      <a:prstDash val="solid"/>
+                      <a:round/>
+                      <a:headEnd type="none" w="med" len="med"/>
+                      <a:tailEnd type="none" w="med" len="med"/>
+                    </a:lnL>
+                    <a:lnR w="12700" cap="flat" cmpd="sng" algn="ctr">
+                      <a:solidFill>
+                        <a:srgbClr val="000000"/>
+                      </a:solidFill>
+                      <a:prstDash val="solid"/>
+                      <a:round/>
+                      <a:headEnd type="none" w="med" len="med"/>
+                      <a:tailEnd type="none" w="med" len="med"/>
+                    </a:lnR>
+                    <a:lnT w="12700" cap="flat" cmpd="sng" algn="ctr">
+                      <a:solidFill>
+                        <a:srgbClr val="000000"/>
+                      </a:solidFill>
+                      <a:prstDash val="solid"/>
+                      <a:round/>
+                      <a:headEnd type="none" w="med" len="med"/>
+                      <a:tailEnd type="none" w="med" len="med"/>
+                    </a:lnT>
+                    <a:lnB w="12700" cap="flat" cmpd="sng" algn="ctr">
+                      <a:solidFill>
+                        <a:srgbClr val="000000"/>
+                      </a:solidFill>
+                      <a:prstDash val="solid"/>
+                      <a:round/>
+                      <a:headEnd type="none" w="med" len="med"/>
+                      <a:tailEnd type="none" w="med" len="med"/>
+                    </a:lnB>
+                    <a:pattFill prst="pct5">
+                      <a:fgClr>
+                        <a:srgbClr val="FFFFFF"/>
+                      </a:fgClr>
+                      <a:bgClr>
+                        <a:srgbClr val="FFFFFF"/>
+                      </a:bgClr>
+                    </a:pattFill>
+                  </a:tcPr>
+                </a:tc>
+                <a:tc>
+                  <a:txBody>
+                    <a:bodyPr/>
+                    <a:lstStyle/>
+                    <a:p>
+                      <a:pPr algn="ctr">
+                        <a:lnSpc>
+                          <a:spcPct val="115000"/>
+                        </a:lnSpc>
+                        <a:spcAft>
+                          <a:spcPts val="1000"/>
+                        </a:spcAft>
+                      </a:pPr>
+                      <a:r>
+                        <a:rPr lang="pl-PL" sz="900">
+                          <a:solidFill>
+                            <a:srgbClr val="00000A"/>
+                          </a:solidFill>
+                          <a:latin typeface="Calibri"/>
+                          <a:ea typeface="Calibri"/>
+                          <a:cs typeface="Times New Roman"/>
+                        </a:rPr>
+                        <a:t>Wysoki</a:t>
+                      </a:r>
+                      <a:endParaRPr lang="pl-PL" sz="900">
+                        <a:solidFill>
+                          <a:srgbClr val="00000A"/>
+                        </a:solidFill>
+                        <a:latin typeface="Calibri"/>
+                        <a:ea typeface="Times New Roman"/>
+                        <a:cs typeface="Times New Roman"/>
+                      </a:endParaRPr>
+                    </a:p>
+                  </a:txBody>
+                  <a:tcPr marL="55099" marR="55099" marT="0" marB="0">
+                    <a:lnL w="12700" cap="flat" cmpd="sng" algn="ctr">
+                      <a:solidFill>
+                        <a:srgbClr val="000000"/>
+                      </a:solidFill>
+                      <a:prstDash val="solid"/>
+                      <a:round/>
+                      <a:headEnd type="none" w="med" len="med"/>
+                      <a:tailEnd type="none" w="med" len="med"/>
+                    </a:lnL>
+                    <a:lnR w="12700" cap="flat" cmpd="sng" algn="ctr">
+                      <a:solidFill>
+                        <a:srgbClr val="000000"/>
+                      </a:solidFill>
+                      <a:prstDash val="solid"/>
+                      <a:round/>
+                      <a:headEnd type="none" w="med" len="med"/>
+                      <a:tailEnd type="none" w="med" len="med"/>
+                    </a:lnR>
+                    <a:lnT w="12700" cap="flat" cmpd="sng" algn="ctr">
+                      <a:solidFill>
+                        <a:srgbClr val="000000"/>
+                      </a:solidFill>
+                      <a:prstDash val="solid"/>
+                      <a:round/>
+                      <a:headEnd type="none" w="med" len="med"/>
+                      <a:tailEnd type="none" w="med" len="med"/>
+                    </a:lnT>
+                    <a:lnB w="12700" cap="flat" cmpd="sng" algn="ctr">
+                      <a:solidFill>
+                        <a:srgbClr val="000000"/>
+                      </a:solidFill>
+                      <a:prstDash val="solid"/>
+                      <a:round/>
+                      <a:headEnd type="none" w="med" len="med"/>
+                      <a:tailEnd type="none" w="med" len="med"/>
+                    </a:lnB>
+                    <a:pattFill prst="pct5">
+                      <a:fgClr>
+                        <a:srgbClr val="FFFFFF"/>
+                      </a:fgClr>
+                      <a:bgClr>
+                        <a:srgbClr val="FFFFFF"/>
+                      </a:bgClr>
+                    </a:pattFill>
+                  </a:tcPr>
+                </a:tc>
+                <a:tc>
+                  <a:txBody>
+                    <a:bodyPr/>
+                    <a:lstStyle/>
+                    <a:p>
+                      <a:pPr algn="ctr">
+                        <a:lnSpc>
+                          <a:spcPct val="115000"/>
+                        </a:lnSpc>
+                        <a:spcAft>
+                          <a:spcPts val="1000"/>
+                        </a:spcAft>
+                      </a:pPr>
+                      <a:r>
+                        <a:rPr lang="pl-PL" sz="900">
+                          <a:solidFill>
+                            <a:srgbClr val="00000A"/>
+                          </a:solidFill>
+                          <a:latin typeface="Calibri"/>
+                          <a:ea typeface="Calibri"/>
+                          <a:cs typeface="Times New Roman"/>
+                        </a:rPr>
+                        <a:t>Zatwierdzone</a:t>
+                      </a:r>
+                      <a:endParaRPr lang="pl-PL" sz="900">
+                        <a:solidFill>
+                          <a:srgbClr val="00000A"/>
+                        </a:solidFill>
+                        <a:latin typeface="Calibri"/>
+                        <a:ea typeface="Times New Roman"/>
+                        <a:cs typeface="Times New Roman"/>
+                      </a:endParaRPr>
+                    </a:p>
+                  </a:txBody>
+                  <a:tcPr marL="55099" marR="55099" marT="0" marB="0">
+                    <a:lnL w="12700" cap="flat" cmpd="sng" algn="ctr">
+                      <a:solidFill>
+                        <a:srgbClr val="000000"/>
+                      </a:solidFill>
+                      <a:prstDash val="solid"/>
+                      <a:round/>
+                      <a:headEnd type="none" w="med" len="med"/>
+                      <a:tailEnd type="none" w="med" len="med"/>
+                    </a:lnL>
+                    <a:lnR w="12700" cap="flat" cmpd="sng" algn="ctr">
+                      <a:solidFill>
+                        <a:srgbClr val="000000"/>
+                      </a:solidFill>
+                      <a:prstDash val="solid"/>
+                      <a:round/>
+                      <a:headEnd type="none" w="med" len="med"/>
+                      <a:tailEnd type="none" w="med" len="med"/>
+                    </a:lnR>
+                    <a:lnT w="12700" cap="flat" cmpd="sng" algn="ctr">
+                      <a:solidFill>
+                        <a:srgbClr val="000000"/>
+                      </a:solidFill>
+                      <a:prstDash val="solid"/>
+                      <a:round/>
+                      <a:headEnd type="none" w="med" len="med"/>
+                      <a:tailEnd type="none" w="med" len="med"/>
+                    </a:lnT>
+                    <a:lnB w="12700" cap="flat" cmpd="sng" algn="ctr">
+                      <a:solidFill>
+                        <a:srgbClr val="000000"/>
+                      </a:solidFill>
+                      <a:prstDash val="solid"/>
+                      <a:round/>
+                      <a:headEnd type="none" w="med" len="med"/>
+                      <a:tailEnd type="none" w="med" len="med"/>
+                    </a:lnB>
+                    <a:pattFill prst="pct5">
+                      <a:fgClr>
+                        <a:srgbClr val="FFFFFF"/>
+                      </a:fgClr>
+                      <a:bgClr>
+                        <a:srgbClr val="FFFFFF"/>
+                      </a:bgClr>
+                    </a:pattFill>
+                  </a:tcPr>
+                </a:tc>
+                <a:tc>
+                  <a:txBody>
+                    <a:bodyPr/>
+                    <a:lstStyle/>
+                    <a:p>
+                      <a:pPr algn="ctr">
+                        <a:lnSpc>
+                          <a:spcPct val="115000"/>
+                        </a:lnSpc>
+                        <a:spcAft>
+                          <a:spcPts val="1000"/>
+                        </a:spcAft>
+                      </a:pPr>
+                      <a:r>
+                        <a:rPr lang="pl-PL" sz="900">
+                          <a:solidFill>
+                            <a:srgbClr val="00000A"/>
+                          </a:solidFill>
+                          <a:latin typeface="Calibri"/>
+                          <a:ea typeface="Calibri"/>
+                          <a:cs typeface="Times New Roman"/>
+                        </a:rPr>
+                        <a:t>W razie problemów proszę o kontakt</a:t>
+                      </a:r>
+                      <a:endParaRPr lang="pl-PL" sz="900">
+                        <a:solidFill>
+                          <a:srgbClr val="00000A"/>
+                        </a:solidFill>
+                        <a:latin typeface="Calibri"/>
+                        <a:ea typeface="Times New Roman"/>
+                        <a:cs typeface="Times New Roman"/>
+                      </a:endParaRPr>
+                    </a:p>
+                  </a:txBody>
+                  <a:tcPr marL="55099" marR="55099" marT="0" marB="0">
+                    <a:lnL w="12700" cap="flat" cmpd="sng" algn="ctr">
+                      <a:solidFill>
+                        <a:srgbClr val="000000"/>
+                      </a:solidFill>
+                      <a:prstDash val="solid"/>
+                      <a:round/>
+                      <a:headEnd type="none" w="med" len="med"/>
+                      <a:tailEnd type="none" w="med" len="med"/>
+                    </a:lnL>
+                    <a:lnR w="12700" cap="flat" cmpd="sng" algn="ctr">
+                      <a:solidFill>
+                        <a:srgbClr val="000000"/>
+                      </a:solidFill>
+                      <a:prstDash val="solid"/>
+                      <a:round/>
+                      <a:headEnd type="none" w="med" len="med"/>
+                      <a:tailEnd type="none" w="med" len="med"/>
+                    </a:lnR>
+                    <a:lnT w="12700" cap="flat" cmpd="sng" algn="ctr">
+                      <a:solidFill>
+                        <a:srgbClr val="000000"/>
+                      </a:solidFill>
+                      <a:prstDash val="solid"/>
+                      <a:round/>
+                      <a:headEnd type="none" w="med" len="med"/>
+                      <a:tailEnd type="none" w="med" len="med"/>
+                    </a:lnT>
+                    <a:lnB w="12700" cap="flat" cmpd="sng" algn="ctr">
+                      <a:solidFill>
+                        <a:srgbClr val="000000"/>
+                      </a:solidFill>
+                      <a:prstDash val="solid"/>
+                      <a:round/>
+                      <a:headEnd type="none" w="med" len="med"/>
+                      <a:tailEnd type="none" w="med" len="med"/>
+                    </a:lnB>
+                    <a:pattFill prst="pct5">
+                      <a:fgClr>
+                        <a:srgbClr val="FFFFFF"/>
+                      </a:fgClr>
+                      <a:bgClr>
+                        <a:srgbClr val="FFFFFF"/>
+                      </a:bgClr>
+                    </a:pattFill>
+                  </a:tcPr>
+                </a:tc>
+              </a:tr>
+              <a:tr h="529561">
+                <a:tc>
+                  <a:txBody>
+                    <a:bodyPr/>
+                    <a:lstStyle/>
+                    <a:p>
+                      <a:pPr algn="ctr">
+                        <a:lnSpc>
+                          <a:spcPct val="115000"/>
+                        </a:lnSpc>
+                        <a:spcAft>
+                          <a:spcPts val="1000"/>
+                        </a:spcAft>
+                      </a:pPr>
+                      <a:r>
+                        <a:rPr lang="pl-PL" sz="900">
+                          <a:solidFill>
+                            <a:srgbClr val="00000A"/>
+                          </a:solidFill>
+                          <a:latin typeface="Calibri"/>
+                          <a:ea typeface="Calibri"/>
+                          <a:cs typeface="Times New Roman"/>
+                        </a:rPr>
+                        <a:t>Przeprowadzenie testów działania gry.</a:t>
+                      </a:r>
+                      <a:endParaRPr lang="pl-PL" sz="900">
+                        <a:solidFill>
+                          <a:srgbClr val="00000A"/>
+                        </a:solidFill>
+                        <a:latin typeface="Calibri"/>
+                        <a:ea typeface="Times New Roman"/>
+                        <a:cs typeface="Times New Roman"/>
+                      </a:endParaRPr>
+                    </a:p>
+                  </a:txBody>
+                  <a:tcPr marL="55099" marR="55099" marT="0" marB="0">
+                    <a:lnL w="12700" cap="flat" cmpd="sng" algn="ctr">
+                      <a:solidFill>
+                        <a:srgbClr val="000000"/>
+                      </a:solidFill>
+                      <a:prstDash val="solid"/>
+                      <a:round/>
+                      <a:headEnd type="none" w="med" len="med"/>
+                      <a:tailEnd type="none" w="med" len="med"/>
+                    </a:lnL>
+                    <a:lnR w="12700" cap="flat" cmpd="sng" algn="ctr">
+                      <a:solidFill>
+                        <a:srgbClr val="000000"/>
+                      </a:solidFill>
+                      <a:prstDash val="solid"/>
+                      <a:round/>
+                      <a:headEnd type="none" w="med" len="med"/>
+                      <a:tailEnd type="none" w="med" len="med"/>
+                    </a:lnR>
+                    <a:lnT w="12700" cap="flat" cmpd="sng" algn="ctr">
+                      <a:solidFill>
+                        <a:srgbClr val="000000"/>
+                      </a:solidFill>
+                      <a:prstDash val="solid"/>
+                      <a:round/>
+                      <a:headEnd type="none" w="med" len="med"/>
+                      <a:tailEnd type="none" w="med" len="med"/>
+                    </a:lnT>
+                    <a:lnB w="12700" cap="flat" cmpd="sng" algn="ctr">
+                      <a:solidFill>
+                        <a:srgbClr val="000000"/>
+                      </a:solidFill>
+                      <a:prstDash val="solid"/>
+                      <a:round/>
+                      <a:headEnd type="none" w="med" len="med"/>
+                      <a:tailEnd type="none" w="med" len="med"/>
+                    </a:lnB>
+                    <a:pattFill prst="pct5">
+                      <a:fgClr>
+                        <a:srgbClr val="FFFFFF"/>
+                      </a:fgClr>
+                      <a:bgClr>
+                        <a:srgbClr val="FFFFFF"/>
+                      </a:bgClr>
+                    </a:pattFill>
+                  </a:tcPr>
+                </a:tc>
+                <a:tc>
+                  <a:txBody>
+                    <a:bodyPr/>
+                    <a:lstStyle/>
+                    <a:p>
+                      <a:pPr algn="ctr">
+                        <a:lnSpc>
+                          <a:spcPct val="115000"/>
+                        </a:lnSpc>
+                        <a:spcAft>
+                          <a:spcPts val="1000"/>
+                        </a:spcAft>
+                      </a:pPr>
+                      <a:r>
+                        <a:rPr lang="pl-PL" sz="900">
+                          <a:solidFill>
+                            <a:srgbClr val="00000A"/>
+                          </a:solidFill>
+                          <a:latin typeface="Calibri"/>
+                          <a:ea typeface="Calibri"/>
+                          <a:cs typeface="Times New Roman"/>
+                        </a:rPr>
+                        <a:t>AD/MA/KT/FG</a:t>
+                      </a:r>
+                      <a:endParaRPr lang="pl-PL" sz="900">
+                        <a:solidFill>
+                          <a:srgbClr val="00000A"/>
+                        </a:solidFill>
+                        <a:latin typeface="Calibri"/>
+                        <a:ea typeface="Times New Roman"/>
+                        <a:cs typeface="Times New Roman"/>
+                      </a:endParaRPr>
+                    </a:p>
+                  </a:txBody>
+                  <a:tcPr marL="55099" marR="55099" marT="0" marB="0">
+                    <a:lnL w="12700" cap="flat" cmpd="sng" algn="ctr">
+                      <a:solidFill>
+                        <a:srgbClr val="000000"/>
+                      </a:solidFill>
+                      <a:prstDash val="solid"/>
+                      <a:round/>
+                      <a:headEnd type="none" w="med" len="med"/>
+                      <a:tailEnd type="none" w="med" len="med"/>
+                    </a:lnL>
+                    <a:lnR w="12700" cap="flat" cmpd="sng" algn="ctr">
+                      <a:solidFill>
+                        <a:srgbClr val="000000"/>
+                      </a:solidFill>
+                      <a:prstDash val="solid"/>
+                      <a:round/>
+                      <a:headEnd type="none" w="med" len="med"/>
+                      <a:tailEnd type="none" w="med" len="med"/>
+                    </a:lnR>
+                    <a:lnT w="12700" cap="flat" cmpd="sng" algn="ctr">
+                      <a:solidFill>
+                        <a:srgbClr val="000000"/>
+                      </a:solidFill>
+                      <a:prstDash val="solid"/>
+                      <a:round/>
+                      <a:headEnd type="none" w="med" len="med"/>
+                      <a:tailEnd type="none" w="med" len="med"/>
+                    </a:lnT>
+                    <a:lnB w="12700" cap="flat" cmpd="sng" algn="ctr">
+                      <a:solidFill>
+                        <a:srgbClr val="000000"/>
+                      </a:solidFill>
+                      <a:prstDash val="solid"/>
+                      <a:round/>
+                      <a:headEnd type="none" w="med" len="med"/>
+                      <a:tailEnd type="none" w="med" len="med"/>
+                    </a:lnB>
+                    <a:pattFill prst="pct5">
+                      <a:fgClr>
+                        <a:srgbClr val="FFFFFF"/>
+                      </a:fgClr>
+                      <a:bgClr>
+                        <a:srgbClr val="FFFFFF"/>
+                      </a:bgClr>
+                    </a:pattFill>
+                  </a:tcPr>
+                </a:tc>
+                <a:tc>
+                  <a:txBody>
+                    <a:bodyPr/>
+                    <a:lstStyle/>
+                    <a:p>
+                      <a:pPr algn="ctr">
+                        <a:lnSpc>
+                          <a:spcPct val="115000"/>
+                        </a:lnSpc>
+                        <a:spcAft>
+                          <a:spcPts val="1000"/>
+                        </a:spcAft>
+                      </a:pPr>
+                      <a:r>
+                        <a:rPr lang="pl-PL" sz="900">
+                          <a:solidFill>
+                            <a:srgbClr val="00000A"/>
+                          </a:solidFill>
+                          <a:latin typeface="Calibri"/>
+                          <a:ea typeface="Calibri"/>
+                          <a:cs typeface="Times New Roman"/>
+                        </a:rPr>
+                        <a:t>W trakcie</a:t>
+                      </a:r>
+                      <a:endParaRPr lang="pl-PL" sz="900">
+                        <a:solidFill>
+                          <a:srgbClr val="00000A"/>
+                        </a:solidFill>
+                        <a:latin typeface="Calibri"/>
+                        <a:ea typeface="Times New Roman"/>
+                        <a:cs typeface="Times New Roman"/>
+                      </a:endParaRPr>
+                    </a:p>
+                  </a:txBody>
+                  <a:tcPr marL="55099" marR="55099" marT="0" marB="0">
+                    <a:lnL w="12700" cap="flat" cmpd="sng" algn="ctr">
+                      <a:solidFill>
+                        <a:srgbClr val="000000"/>
+                      </a:solidFill>
+                      <a:prstDash val="solid"/>
+                      <a:round/>
+                      <a:headEnd type="none" w="med" len="med"/>
+                      <a:tailEnd type="none" w="med" len="med"/>
+                    </a:lnL>
+                    <a:lnR w="12700" cap="flat" cmpd="sng" algn="ctr">
+                      <a:solidFill>
+                        <a:srgbClr val="000000"/>
+                      </a:solidFill>
+                      <a:prstDash val="solid"/>
+                      <a:round/>
+                      <a:headEnd type="none" w="med" len="med"/>
+                      <a:tailEnd type="none" w="med" len="med"/>
+                    </a:lnR>
+                    <a:lnT w="12700" cap="flat" cmpd="sng" algn="ctr">
+                      <a:solidFill>
+                        <a:srgbClr val="000000"/>
+                      </a:solidFill>
+                      <a:prstDash val="solid"/>
+                      <a:round/>
+                      <a:headEnd type="none" w="med" len="med"/>
+                      <a:tailEnd type="none" w="med" len="med"/>
+                    </a:lnT>
+                    <a:lnB w="12700" cap="flat" cmpd="sng" algn="ctr">
+                      <a:solidFill>
+                        <a:srgbClr val="000000"/>
+                      </a:solidFill>
+                      <a:prstDash val="solid"/>
+                      <a:round/>
+                      <a:headEnd type="none" w="med" len="med"/>
+                      <a:tailEnd type="none" w="med" len="med"/>
+                    </a:lnB>
+                    <a:pattFill prst="pct5">
+                      <a:fgClr>
+                        <a:srgbClr val="FFFFFF"/>
+                      </a:fgClr>
+                      <a:bgClr>
+                        <a:srgbClr val="FFFFFF"/>
+                      </a:bgClr>
+                    </a:pattFill>
+                  </a:tcPr>
+                </a:tc>
+                <a:tc>
+                  <a:txBody>
+                    <a:bodyPr/>
+                    <a:lstStyle/>
+                    <a:p>
+                      <a:pPr algn="ctr">
+                        <a:lnSpc>
+                          <a:spcPct val="115000"/>
+                        </a:lnSpc>
+                        <a:spcAft>
+                          <a:spcPts val="1000"/>
+                        </a:spcAft>
+                      </a:pPr>
+                      <a:r>
+                        <a:rPr lang="pl-PL" sz="900">
+                          <a:solidFill>
+                            <a:srgbClr val="00000A"/>
+                          </a:solidFill>
+                          <a:latin typeface="Calibri"/>
+                          <a:ea typeface="Calibri"/>
+                          <a:cs typeface="Times New Roman"/>
+                        </a:rPr>
+                        <a:t>III</a:t>
+                      </a:r>
+                      <a:endParaRPr lang="pl-PL" sz="900">
+                        <a:solidFill>
+                          <a:srgbClr val="00000A"/>
+                        </a:solidFill>
+                        <a:latin typeface="Calibri"/>
+                        <a:ea typeface="Times New Roman"/>
+                        <a:cs typeface="Times New Roman"/>
+                      </a:endParaRPr>
+                    </a:p>
+                  </a:txBody>
+                  <a:tcPr marL="55099" marR="55099" marT="0" marB="0">
+                    <a:lnL w="12700" cap="flat" cmpd="sng" algn="ctr">
+                      <a:solidFill>
+                        <a:srgbClr val="000000"/>
+                      </a:solidFill>
+                      <a:prstDash val="solid"/>
+                      <a:round/>
+                      <a:headEnd type="none" w="med" len="med"/>
+                      <a:tailEnd type="none" w="med" len="med"/>
+                    </a:lnL>
+                    <a:lnR w="12700" cap="flat" cmpd="sng" algn="ctr">
+                      <a:solidFill>
+                        <a:srgbClr val="000000"/>
+                      </a:solidFill>
+                      <a:prstDash val="solid"/>
+                      <a:round/>
+                      <a:headEnd type="none" w="med" len="med"/>
+                      <a:tailEnd type="none" w="med" len="med"/>
+                    </a:lnR>
+                    <a:lnT w="12700" cap="flat" cmpd="sng" algn="ctr">
+                      <a:solidFill>
+                        <a:srgbClr val="000000"/>
+                      </a:solidFill>
+                      <a:prstDash val="solid"/>
+                      <a:round/>
+                      <a:headEnd type="none" w="med" len="med"/>
+                      <a:tailEnd type="none" w="med" len="med"/>
+                    </a:lnT>
+                    <a:lnB w="12700" cap="flat" cmpd="sng" algn="ctr">
+                      <a:solidFill>
+                        <a:srgbClr val="000000"/>
+                      </a:solidFill>
+                      <a:prstDash val="solid"/>
+                      <a:round/>
+                      <a:headEnd type="none" w="med" len="med"/>
+                      <a:tailEnd type="none" w="med" len="med"/>
+                    </a:lnB>
+                    <a:pattFill prst="pct5">
+                      <a:fgClr>
+                        <a:srgbClr val="FFFFFF"/>
+                      </a:fgClr>
+                      <a:bgClr>
+                        <a:srgbClr val="FFFFFF"/>
+                      </a:bgClr>
+                    </a:pattFill>
+                  </a:tcPr>
+                </a:tc>
+                <a:tc>
+                  <a:txBody>
+                    <a:bodyPr/>
+                    <a:lstStyle/>
+                    <a:p>
+                      <a:pPr algn="ctr">
+                        <a:lnSpc>
+                          <a:spcPct val="115000"/>
+                        </a:lnSpc>
+                        <a:spcAft>
+                          <a:spcPts val="1000"/>
+                        </a:spcAft>
+                      </a:pPr>
+                      <a:r>
+                        <a:rPr lang="pl-PL" sz="900">
+                          <a:solidFill>
+                            <a:srgbClr val="00000A"/>
+                          </a:solidFill>
+                          <a:latin typeface="Calibri"/>
+                          <a:ea typeface="Calibri"/>
+                          <a:cs typeface="Times New Roman"/>
+                        </a:rPr>
+                        <a:t>Wysoki</a:t>
+                      </a:r>
+                      <a:endParaRPr lang="pl-PL" sz="900">
+                        <a:solidFill>
+                          <a:srgbClr val="00000A"/>
+                        </a:solidFill>
+                        <a:latin typeface="Calibri"/>
+                        <a:ea typeface="Times New Roman"/>
+                        <a:cs typeface="Times New Roman"/>
+                      </a:endParaRPr>
+                    </a:p>
+                  </a:txBody>
+                  <a:tcPr marL="55099" marR="55099" marT="0" marB="0">
+                    <a:lnL w="12700" cap="flat" cmpd="sng" algn="ctr">
+                      <a:solidFill>
+                        <a:srgbClr val="000000"/>
+                      </a:solidFill>
+                      <a:prstDash val="solid"/>
+                      <a:round/>
+                      <a:headEnd type="none" w="med" len="med"/>
+                      <a:tailEnd type="none" w="med" len="med"/>
+                    </a:lnL>
+                    <a:lnR w="12700" cap="flat" cmpd="sng" algn="ctr">
+                      <a:solidFill>
+                        <a:srgbClr val="000000"/>
+                      </a:solidFill>
+                      <a:prstDash val="solid"/>
+                      <a:round/>
+                      <a:headEnd type="none" w="med" len="med"/>
+                      <a:tailEnd type="none" w="med" len="med"/>
+                    </a:lnR>
+                    <a:lnT w="12700" cap="flat" cmpd="sng" algn="ctr">
+                      <a:solidFill>
+                        <a:srgbClr val="000000"/>
+                      </a:solidFill>
+                      <a:prstDash val="solid"/>
+                      <a:round/>
+                      <a:headEnd type="none" w="med" len="med"/>
+                      <a:tailEnd type="none" w="med" len="med"/>
+                    </a:lnT>
+                    <a:lnB w="12700" cap="flat" cmpd="sng" algn="ctr">
+                      <a:solidFill>
+                        <a:srgbClr val="000000"/>
+                      </a:solidFill>
+                      <a:prstDash val="solid"/>
+                      <a:round/>
+                      <a:headEnd type="none" w="med" len="med"/>
+                      <a:tailEnd type="none" w="med" len="med"/>
+                    </a:lnB>
+                    <a:pattFill prst="pct5">
+                      <a:fgClr>
+                        <a:srgbClr val="FFFFFF"/>
+                      </a:fgClr>
+                      <a:bgClr>
+                        <a:srgbClr val="FFFFFF"/>
+                      </a:bgClr>
+                    </a:pattFill>
+                  </a:tcPr>
+                </a:tc>
+                <a:tc>
+                  <a:txBody>
+                    <a:bodyPr/>
+                    <a:lstStyle/>
+                    <a:p>
+                      <a:pPr algn="ctr">
+                        <a:lnSpc>
+                          <a:spcPct val="115000"/>
+                        </a:lnSpc>
+                        <a:spcAft>
+                          <a:spcPts val="1000"/>
+                        </a:spcAft>
+                      </a:pPr>
+                      <a:r>
+                        <a:rPr lang="pl-PL" sz="900">
+                          <a:solidFill>
+                            <a:srgbClr val="00000A"/>
+                          </a:solidFill>
+                          <a:latin typeface="Calibri"/>
+                          <a:ea typeface="Calibri"/>
+                          <a:cs typeface="Times New Roman"/>
+                        </a:rPr>
+                        <a:t>Wysoki</a:t>
+                      </a:r>
+                      <a:endParaRPr lang="pl-PL" sz="900">
+                        <a:solidFill>
+                          <a:srgbClr val="00000A"/>
+                        </a:solidFill>
+                        <a:latin typeface="Calibri"/>
+                        <a:ea typeface="Times New Roman"/>
+                        <a:cs typeface="Times New Roman"/>
+                      </a:endParaRPr>
+                    </a:p>
+                  </a:txBody>
+                  <a:tcPr marL="55099" marR="55099" marT="0" marB="0">
+                    <a:lnL w="12700" cap="flat" cmpd="sng" algn="ctr">
+                      <a:solidFill>
+                        <a:srgbClr val="000000"/>
+                      </a:solidFill>
+                      <a:prstDash val="solid"/>
+                      <a:round/>
+                      <a:headEnd type="none" w="med" len="med"/>
+                      <a:tailEnd type="none" w="med" len="med"/>
+                    </a:lnL>
+                    <a:lnR w="12700" cap="flat" cmpd="sng" algn="ctr">
+                      <a:solidFill>
+                        <a:srgbClr val="000000"/>
+                      </a:solidFill>
+                      <a:prstDash val="solid"/>
+                      <a:round/>
+                      <a:headEnd type="none" w="med" len="med"/>
+                      <a:tailEnd type="none" w="med" len="med"/>
+                    </a:lnR>
+                    <a:lnT w="12700" cap="flat" cmpd="sng" algn="ctr">
+                      <a:solidFill>
+                        <a:srgbClr val="000000"/>
+                      </a:solidFill>
+                      <a:prstDash val="solid"/>
+                      <a:round/>
+                      <a:headEnd type="none" w="med" len="med"/>
+                      <a:tailEnd type="none" w="med" len="med"/>
+                    </a:lnT>
+                    <a:lnB w="12700" cap="flat" cmpd="sng" algn="ctr">
+                      <a:solidFill>
+                        <a:srgbClr val="000000"/>
+                      </a:solidFill>
+                      <a:prstDash val="solid"/>
+                      <a:round/>
+                      <a:headEnd type="none" w="med" len="med"/>
+                      <a:tailEnd type="none" w="med" len="med"/>
+                    </a:lnB>
+                    <a:pattFill prst="pct5">
+                      <a:fgClr>
+                        <a:srgbClr val="FFFFFF"/>
+                      </a:fgClr>
+                      <a:bgClr>
+                        <a:srgbClr val="FFFFFF"/>
+                      </a:bgClr>
+                    </a:pattFill>
+                  </a:tcPr>
+                </a:tc>
+                <a:tc>
+                  <a:txBody>
+                    <a:bodyPr/>
+                    <a:lstStyle/>
+                    <a:p>
+                      <a:pPr algn="ctr">
+                        <a:lnSpc>
+                          <a:spcPct val="115000"/>
+                        </a:lnSpc>
+                        <a:spcAft>
+                          <a:spcPts val="1000"/>
+                        </a:spcAft>
+                      </a:pPr>
+                      <a:r>
+                        <a:rPr lang="pl-PL" sz="900">
+                          <a:solidFill>
+                            <a:srgbClr val="00000A"/>
+                          </a:solidFill>
+                          <a:latin typeface="Calibri"/>
+                          <a:ea typeface="Calibri"/>
+                          <a:cs typeface="Times New Roman"/>
+                        </a:rPr>
+                        <a:t>Zatwierdzone</a:t>
+                      </a:r>
+                      <a:endParaRPr lang="pl-PL" sz="900">
+                        <a:solidFill>
+                          <a:srgbClr val="00000A"/>
+                        </a:solidFill>
+                        <a:latin typeface="Calibri"/>
+                        <a:ea typeface="Times New Roman"/>
+                        <a:cs typeface="Times New Roman"/>
+                      </a:endParaRPr>
+                    </a:p>
+                  </a:txBody>
+                  <a:tcPr marL="55099" marR="55099" marT="0" marB="0">
+                    <a:lnL w="12700" cap="flat" cmpd="sng" algn="ctr">
+                      <a:solidFill>
+                        <a:srgbClr val="000000"/>
+                      </a:solidFill>
+                      <a:prstDash val="solid"/>
+                      <a:round/>
+                      <a:headEnd type="none" w="med" len="med"/>
+                      <a:tailEnd type="none" w="med" len="med"/>
+                    </a:lnL>
+                    <a:lnR w="12700" cap="flat" cmpd="sng" algn="ctr">
+                      <a:solidFill>
+                        <a:srgbClr val="000000"/>
+                      </a:solidFill>
+                      <a:prstDash val="solid"/>
+                      <a:round/>
+                      <a:headEnd type="none" w="med" len="med"/>
+                      <a:tailEnd type="none" w="med" len="med"/>
+                    </a:lnR>
+                    <a:lnT w="12700" cap="flat" cmpd="sng" algn="ctr">
+                      <a:solidFill>
+                        <a:srgbClr val="000000"/>
+                      </a:solidFill>
+                      <a:prstDash val="solid"/>
+                      <a:round/>
+                      <a:headEnd type="none" w="med" len="med"/>
+                      <a:tailEnd type="none" w="med" len="med"/>
+                    </a:lnT>
+                    <a:lnB w="12700" cap="flat" cmpd="sng" algn="ctr">
+                      <a:solidFill>
+                        <a:srgbClr val="000000"/>
+                      </a:solidFill>
+                      <a:prstDash val="solid"/>
+                      <a:round/>
+                      <a:headEnd type="none" w="med" len="med"/>
+                      <a:tailEnd type="none" w="med" len="med"/>
+                    </a:lnB>
+                    <a:pattFill prst="pct5">
+                      <a:fgClr>
+                        <a:srgbClr val="FFFFFF"/>
+                      </a:fgClr>
+                      <a:bgClr>
+                        <a:srgbClr val="FFFFFF"/>
+                      </a:bgClr>
+                    </a:pattFill>
+                  </a:tcPr>
+                </a:tc>
+                <a:tc>
+                  <a:txBody>
+                    <a:bodyPr/>
+                    <a:lstStyle/>
+                    <a:p>
+                      <a:pPr algn="ctr">
+                        <a:lnSpc>
+                          <a:spcPct val="115000"/>
+                        </a:lnSpc>
+                        <a:spcAft>
+                          <a:spcPts val="1000"/>
+                        </a:spcAft>
+                      </a:pPr>
+                      <a:endParaRPr lang="pl-PL" sz="900" dirty="0">
+                        <a:solidFill>
+                          <a:srgbClr val="00000A"/>
+                        </a:solidFill>
+                        <a:latin typeface="Calibri"/>
+                        <a:ea typeface="Calibri"/>
+                        <a:cs typeface="Times New Roman"/>
+                      </a:endParaRPr>
+                    </a:p>
+                  </a:txBody>
+                  <a:tcPr marL="55099" marR="55099" marT="0" marB="0">
+                    <a:lnL w="12700" cap="flat" cmpd="sng" algn="ctr">
+                      <a:solidFill>
+                        <a:srgbClr val="000000"/>
+                      </a:solidFill>
+                      <a:prstDash val="solid"/>
+                      <a:round/>
+                      <a:headEnd type="none" w="med" len="med"/>
+                      <a:tailEnd type="none" w="med" len="med"/>
+                    </a:lnL>
+                    <a:lnR w="12700" cap="flat" cmpd="sng" algn="ctr">
+                      <a:solidFill>
+                        <a:srgbClr val="000000"/>
+                      </a:solidFill>
+                      <a:prstDash val="solid"/>
+                      <a:round/>
+                      <a:headEnd type="none" w="med" len="med"/>
+                      <a:tailEnd type="none" w="med" len="med"/>
+                    </a:lnR>
+                    <a:lnT w="12700" cap="flat" cmpd="sng" algn="ctr">
+                      <a:solidFill>
+                        <a:srgbClr val="000000"/>
+                      </a:solidFill>
+                      <a:prstDash val="solid"/>
+                      <a:round/>
+                      <a:headEnd type="none" w="med" len="med"/>
+                      <a:tailEnd type="none" w="med" len="med"/>
+                    </a:lnT>
+                    <a:lnB w="12700" cap="flat" cmpd="sng" algn="ctr">
+                      <a:solidFill>
+                        <a:srgbClr val="000000"/>
+                      </a:solidFill>
+                      <a:prstDash val="solid"/>
+                      <a:round/>
+                      <a:headEnd type="none" w="med" len="med"/>
+                      <a:tailEnd type="none" w="med" len="med"/>
+                    </a:lnB>
+                    <a:pattFill prst="pct5">
+                      <a:fgClr>
+                        <a:srgbClr val="FFFFFF"/>
+                      </a:fgClr>
+                      <a:bgClr>
+                        <a:srgbClr val="FFFFFF"/>
+                      </a:bgClr>
+                    </a:pattFill>
+                  </a:tcPr>
+                </a:tc>
+              </a:tr>
+            </a:tbl>
+          </a:graphicData>
+        </a:graphic>
+      </p:graphicFrame>
       <p:sp>
         <p:nvSpPr>
           <p:cNvPr id="4" name="Symbol zastępczy daty 3"/>
@@ -6408,7 +13882,7 @@
             <a:fld id="{DEBB8349-9EFE-4CF4-A443-9D73D6C5CDDC}" type="datetime1">
               <a:rPr lang="pl-PL" smtClean="0"/>
               <a:pPr/>
-              <a:t>30.05.2017</a:t>
+              <a:t>2017-05-31</a:t>
             </a:fld>
             <a:endParaRPr lang="pl-PL"/>
           </a:p>
@@ -6461,87 +13935,11 @@
           </a:p>
         </p:txBody>
       </p:sp>
-      <p:pic>
-        <p:nvPicPr>
-          <p:cNvPr id="4098" name="Picture 2"/>
-          <p:cNvPicPr>
-            <a:picLocks noChangeAspect="1" noChangeArrowheads="1"/>
-          </p:cNvPicPr>
-          <p:nvPr/>
-        </p:nvPicPr>
-        <p:blipFill>
-          <a:blip r:embed="rId2">
-            <a:extLst>
-              <a:ext uri="{28A0092B-C50C-407E-A947-70E740481C1C}">
-                <a14:useLocalDpi xmlns:a14="http://schemas.microsoft.com/office/drawing/2010/main" xmlns="" val="0"/>
-              </a:ext>
-            </a:extLst>
-          </a:blip>
-          <a:srcRect/>
-          <a:stretch>
-            <a:fillRect/>
-          </a:stretch>
-        </p:blipFill>
-        <p:spPr bwMode="auto">
-          <a:xfrm>
-            <a:off x="587375" y="1692275"/>
-            <a:ext cx="7969250" cy="3473450"/>
-          </a:xfrm>
-          <a:prstGeom prst="rect">
-            <a:avLst/>
-          </a:prstGeom>
-          <a:noFill/>
-          <a:ln>
-            <a:noFill/>
-          </a:ln>
-          <a:effectLst/>
-          <a:extLst>
-            <a:ext uri="{909E8E84-426E-40DD-AFC4-6F175D3DCCD1}">
-              <a14:hiddenFill xmlns:a14="http://schemas.microsoft.com/office/drawing/2010/main" xmlns="">
-                <a:solidFill>
-                  <a:schemeClr val="accent1"/>
-                </a:solidFill>
-              </a14:hiddenFill>
-            </a:ext>
-            <a:ext uri="{91240B29-F687-4F45-9708-019B960494DF}">
-              <a14:hiddenLine xmlns:a14="http://schemas.microsoft.com/office/drawing/2010/main" xmlns="" w="9525">
-                <a:solidFill>
-                  <a:schemeClr val="tx1"/>
-                </a:solidFill>
-                <a:miter lim="800000"/>
-                <a:headEnd/>
-                <a:tailEnd/>
-              </a14:hiddenLine>
-            </a:ext>
-            <a:ext uri="{AF507438-7753-43E0-B8FC-AC1667EBCBE1}">
-              <a14:hiddenEffects xmlns:a14="http://schemas.microsoft.com/office/drawing/2010/main" xmlns="">
-                <a:effectLst>
-                  <a:outerShdw dist="35921" dir="2700000" algn="ctr" rotWithShape="0">
-                    <a:schemeClr val="bg2"/>
-                  </a:outerShdw>
-                </a:effectLst>
-              </a14:hiddenEffects>
-            </a:ext>
-          </a:extLst>
-        </p:spPr>
-      </p:pic>
     </p:spTree>
-    <p:extLst>
-      <p:ext uri="{BB962C8B-B14F-4D97-AF65-F5344CB8AC3E}">
-        <p14:creationId xmlns:p14="http://schemas.microsoft.com/office/powerpoint/2010/main" xmlns="" val="1948775304"/>
-      </p:ext>
-    </p:extLst>
   </p:cSld>
   <p:clrMapOvr>
     <a:masterClrMapping/>
   </p:clrMapOvr>
-  <p:timing>
-    <p:tnLst>
-      <p:par>
-        <p:cTn id="1" dur="indefinite" restart="never" nodeType="tmRoot"/>
-      </p:par>
-    </p:tnLst>
-  </p:timing>
 </p:sld>
 </file>
 

--- a/Dokumentacja/prezentacja_sprawozdanie.pptx
+++ b/Dokumentacja/prezentacja_sprawozdanie.pptx
@@ -5,27 +5,26 @@
     <p:sldMasterId id="2147483672" r:id="rId1"/>
   </p:sldMasterIdLst>
   <p:notesMasterIdLst>
-    <p:notesMasterId r:id="rId20"/>
+    <p:notesMasterId r:id="rId19"/>
   </p:notesMasterIdLst>
   <p:sldIdLst>
     <p:sldId id="256" r:id="rId2"/>
-    <p:sldId id="257" r:id="rId3"/>
-    <p:sldId id="264" r:id="rId4"/>
-    <p:sldId id="265" r:id="rId5"/>
-    <p:sldId id="266" r:id="rId6"/>
-    <p:sldId id="258" r:id="rId7"/>
-    <p:sldId id="259" r:id="rId8"/>
-    <p:sldId id="271" r:id="rId9"/>
-    <p:sldId id="272" r:id="rId10"/>
-    <p:sldId id="260" r:id="rId11"/>
-    <p:sldId id="261" r:id="rId12"/>
-    <p:sldId id="262" r:id="rId13"/>
-    <p:sldId id="263" r:id="rId14"/>
-    <p:sldId id="268" r:id="rId15"/>
-    <p:sldId id="269" r:id="rId16"/>
-    <p:sldId id="270" r:id="rId17"/>
-    <p:sldId id="273" r:id="rId18"/>
-    <p:sldId id="274" r:id="rId19"/>
+    <p:sldId id="264" r:id="rId3"/>
+    <p:sldId id="265" r:id="rId4"/>
+    <p:sldId id="266" r:id="rId5"/>
+    <p:sldId id="258" r:id="rId6"/>
+    <p:sldId id="259" r:id="rId7"/>
+    <p:sldId id="271" r:id="rId8"/>
+    <p:sldId id="272" r:id="rId9"/>
+    <p:sldId id="260" r:id="rId10"/>
+    <p:sldId id="261" r:id="rId11"/>
+    <p:sldId id="262" r:id="rId12"/>
+    <p:sldId id="263" r:id="rId13"/>
+    <p:sldId id="268" r:id="rId14"/>
+    <p:sldId id="269" r:id="rId15"/>
+    <p:sldId id="270" r:id="rId16"/>
+    <p:sldId id="273" r:id="rId17"/>
+    <p:sldId id="274" r:id="rId18"/>
   </p:sldIdLst>
   <p:sldSz cx="9144000" cy="6858000" type="screen4x3"/>
   <p:notesSz cx="6858000" cy="9144000"/>
@@ -210,7 +209,7 @@
             <a:fld id="{276F9C06-F346-48AB-9FE8-2C890CABB23A}" type="datetimeFigureOut">
               <a:rPr lang="pl-PL" smtClean="0"/>
               <a:pPr/>
-              <a:t>2017-05-31</a:t>
+              <a:t>31.05.2017</a:t>
             </a:fld>
             <a:endParaRPr lang="pl-PL"/>
           </a:p>
@@ -379,7 +378,7 @@
     </p:spTree>
     <p:extLst>
       <p:ext uri="{BB962C8B-B14F-4D97-AF65-F5344CB8AC3E}">
-        <p14:creationId xmlns:p14="http://schemas.microsoft.com/office/powerpoint/2010/main" xmlns="" val="300443393"/>
+        <p14:creationId xmlns="" xmlns:p14="http://schemas.microsoft.com/office/powerpoint/2010/main" val="300443393"/>
       </p:ext>
     </p:extLst>
   </p:cSld>
@@ -751,7 +750,7 @@
             <a:fld id="{C6D6AD2A-B395-4591-8551-E45590CDA7A3}" type="datetime1">
               <a:rPr lang="pl-PL" smtClean="0"/>
               <a:pPr/>
-              <a:t>2017-05-31</a:t>
+              <a:t>31.05.2017</a:t>
             </a:fld>
             <a:endParaRPr lang="pl-PL"/>
           </a:p>
@@ -857,7 +856,7 @@
     </p:spTree>
     <p:extLst>
       <p:ext uri="{BB962C8B-B14F-4D97-AF65-F5344CB8AC3E}">
-        <p14:creationId xmlns:p14="http://schemas.microsoft.com/office/powerpoint/2010/main" xmlns="" val="3756253045"/>
+        <p14:creationId xmlns="" xmlns:p14="http://schemas.microsoft.com/office/powerpoint/2010/main" val="3756253045"/>
       </p:ext>
     </p:extLst>
   </p:cSld>
@@ -988,7 +987,7 @@
             <a:fld id="{7033813A-C126-486A-91C4-3E17A8B31910}" type="datetime1">
               <a:rPr lang="pl-PL" smtClean="0"/>
               <a:pPr/>
-              <a:t>2017-05-31</a:t>
+              <a:t>31.05.2017</a:t>
             </a:fld>
             <a:endParaRPr lang="pl-PL"/>
           </a:p>
@@ -1044,7 +1043,7 @@
     </p:spTree>
     <p:extLst>
       <p:ext uri="{BB962C8B-B14F-4D97-AF65-F5344CB8AC3E}">
-        <p14:creationId xmlns:p14="http://schemas.microsoft.com/office/powerpoint/2010/main" xmlns="" val="1309881333"/>
+        <p14:creationId xmlns="" xmlns:p14="http://schemas.microsoft.com/office/powerpoint/2010/main" val="1309881333"/>
       </p:ext>
     </p:extLst>
   </p:cSld>
@@ -1185,7 +1184,7 @@
             <a:fld id="{D6852117-7846-49D2-8028-7D3037F12DB6}" type="datetime1">
               <a:rPr lang="pl-PL" smtClean="0"/>
               <a:pPr/>
-              <a:t>2017-05-31</a:t>
+              <a:t>31.05.2017</a:t>
             </a:fld>
             <a:endParaRPr lang="pl-PL"/>
           </a:p>
@@ -1241,7 +1240,7 @@
     </p:spTree>
     <p:extLst>
       <p:ext uri="{BB962C8B-B14F-4D97-AF65-F5344CB8AC3E}">
-        <p14:creationId xmlns:p14="http://schemas.microsoft.com/office/powerpoint/2010/main" xmlns="" val="329151347"/>
+        <p14:creationId xmlns="" xmlns:p14="http://schemas.microsoft.com/office/powerpoint/2010/main" val="329151347"/>
       </p:ext>
     </p:extLst>
   </p:cSld>
@@ -1368,7 +1367,7 @@
             <a:fld id="{DEBB8349-9EFE-4CF4-A443-9D73D6C5CDDC}" type="datetime1">
               <a:rPr lang="pl-PL" smtClean="0"/>
               <a:pPr/>
-              <a:t>2017-05-31</a:t>
+              <a:t>31.05.2017</a:t>
             </a:fld>
             <a:endParaRPr lang="pl-PL"/>
           </a:p>
@@ -1424,7 +1423,7 @@
     </p:spTree>
     <p:extLst>
       <p:ext uri="{BB962C8B-B14F-4D97-AF65-F5344CB8AC3E}">
-        <p14:creationId xmlns:p14="http://schemas.microsoft.com/office/powerpoint/2010/main" xmlns="" val="1011440719"/>
+        <p14:creationId xmlns="" xmlns:p14="http://schemas.microsoft.com/office/powerpoint/2010/main" val="1011440719"/>
       </p:ext>
     </p:extLst>
   </p:cSld>
@@ -1625,7 +1624,7 @@
             <a:fld id="{155A78FA-0EB8-40D3-9CDC-E0736B0C4C35}" type="datetime1">
               <a:rPr lang="pl-PL" smtClean="0"/>
               <a:pPr/>
-              <a:t>2017-05-31</a:t>
+              <a:t>31.05.2017</a:t>
             </a:fld>
             <a:endParaRPr lang="pl-PL"/>
           </a:p>
@@ -1727,7 +1726,7 @@
     </p:spTree>
     <p:extLst>
       <p:ext uri="{BB962C8B-B14F-4D97-AF65-F5344CB8AC3E}">
-        <p14:creationId xmlns:p14="http://schemas.microsoft.com/office/powerpoint/2010/main" xmlns="" val="3200326934"/>
+        <p14:creationId xmlns="" xmlns:p14="http://schemas.microsoft.com/office/powerpoint/2010/main" val="3200326934"/>
       </p:ext>
     </p:extLst>
   </p:cSld>
@@ -1972,7 +1971,7 @@
             <a:fld id="{28B319BA-7EF1-4ED5-AF1A-099C54F8F7B4}" type="datetime1">
               <a:rPr lang="pl-PL" smtClean="0"/>
               <a:pPr/>
-              <a:t>2017-05-31</a:t>
+              <a:t>31.05.2017</a:t>
             </a:fld>
             <a:endParaRPr lang="pl-PL"/>
           </a:p>
@@ -2028,7 +2027,7 @@
     </p:spTree>
     <p:extLst>
       <p:ext uri="{BB962C8B-B14F-4D97-AF65-F5344CB8AC3E}">
-        <p14:creationId xmlns:p14="http://schemas.microsoft.com/office/powerpoint/2010/main" xmlns="" val="270095441"/>
+        <p14:creationId xmlns="" xmlns:p14="http://schemas.microsoft.com/office/powerpoint/2010/main" val="270095441"/>
       </p:ext>
     </p:extLst>
   </p:cSld>
@@ -2419,7 +2418,7 @@
             <a:fld id="{0B40057B-584C-474C-A081-F65F5E7966C6}" type="datetime1">
               <a:rPr lang="pl-PL" smtClean="0"/>
               <a:pPr/>
-              <a:t>2017-05-31</a:t>
+              <a:t>31.05.2017</a:t>
             </a:fld>
             <a:endParaRPr lang="pl-PL"/>
           </a:p>
@@ -2510,7 +2509,7 @@
     </p:spTree>
     <p:extLst>
       <p:ext uri="{BB962C8B-B14F-4D97-AF65-F5344CB8AC3E}">
-        <p14:creationId xmlns:p14="http://schemas.microsoft.com/office/powerpoint/2010/main" xmlns="" val="3242026738"/>
+        <p14:creationId xmlns="" xmlns:p14="http://schemas.microsoft.com/office/powerpoint/2010/main" val="3242026738"/>
       </p:ext>
     </p:extLst>
   </p:cSld>
@@ -2585,7 +2584,7 @@
             <a:fld id="{5C25B5B1-0ACD-4764-A2A3-0251308FEF1C}" type="datetime1">
               <a:rPr lang="pl-PL" smtClean="0"/>
               <a:pPr/>
-              <a:t>2017-05-31</a:t>
+              <a:t>31.05.2017</a:t>
             </a:fld>
             <a:endParaRPr lang="pl-PL"/>
           </a:p>
@@ -2641,7 +2640,7 @@
     </p:spTree>
     <p:extLst>
       <p:ext uri="{BB962C8B-B14F-4D97-AF65-F5344CB8AC3E}">
-        <p14:creationId xmlns:p14="http://schemas.microsoft.com/office/powerpoint/2010/main" xmlns="" val="2047916407"/>
+        <p14:creationId xmlns="" xmlns:p14="http://schemas.microsoft.com/office/powerpoint/2010/main" val="2047916407"/>
       </p:ext>
     </p:extLst>
   </p:cSld>
@@ -2693,7 +2692,7 @@
             <a:fld id="{A1E66213-6C40-449F-977E-0A6E121EC626}" type="datetime1">
               <a:rPr lang="pl-PL" smtClean="0"/>
               <a:pPr/>
-              <a:t>2017-05-31</a:t>
+              <a:t>31.05.2017</a:t>
             </a:fld>
             <a:endParaRPr lang="pl-PL"/>
           </a:p>
@@ -2749,7 +2748,7 @@
     </p:spTree>
     <p:extLst>
       <p:ext uri="{BB962C8B-B14F-4D97-AF65-F5344CB8AC3E}">
-        <p14:creationId xmlns:p14="http://schemas.microsoft.com/office/powerpoint/2010/main" xmlns="" val="672770679"/>
+        <p14:creationId xmlns="" xmlns:p14="http://schemas.microsoft.com/office/powerpoint/2010/main" val="672770679"/>
       </p:ext>
     </p:extLst>
   </p:cSld>
@@ -2991,7 +2990,7 @@
             <a:fld id="{95E477D7-A444-4B68-96AE-1126F450C109}" type="datetime1">
               <a:rPr lang="pl-PL" smtClean="0"/>
               <a:pPr/>
-              <a:t>2017-05-31</a:t>
+              <a:t>31.05.2017</a:t>
             </a:fld>
             <a:endParaRPr lang="pl-PL"/>
           </a:p>
@@ -3047,7 +3046,7 @@
     </p:spTree>
     <p:extLst>
       <p:ext uri="{BB962C8B-B14F-4D97-AF65-F5344CB8AC3E}">
-        <p14:creationId xmlns:p14="http://schemas.microsoft.com/office/powerpoint/2010/main" xmlns="" val="1397882822"/>
+        <p14:creationId xmlns="" xmlns:p14="http://schemas.microsoft.com/office/powerpoint/2010/main" val="1397882822"/>
       </p:ext>
     </p:extLst>
   </p:cSld>
@@ -3269,7 +3268,7 @@
             <a:fld id="{1330AA89-61BC-4543-9C29-7BF2580DF5BB}" type="datetime1">
               <a:rPr lang="pl-PL" smtClean="0"/>
               <a:pPr/>
-              <a:t>2017-05-31</a:t>
+              <a:t>31.05.2017</a:t>
             </a:fld>
             <a:endParaRPr lang="pl-PL"/>
           </a:p>
@@ -3325,7 +3324,7 @@
     </p:spTree>
     <p:extLst>
       <p:ext uri="{BB962C8B-B14F-4D97-AF65-F5344CB8AC3E}">
-        <p14:creationId xmlns:p14="http://schemas.microsoft.com/office/powerpoint/2010/main" xmlns="" val="1944213113"/>
+        <p14:creationId xmlns="" xmlns:p14="http://schemas.microsoft.com/office/powerpoint/2010/main" val="1944213113"/>
       </p:ext>
     </p:extLst>
   </p:cSld>
@@ -3622,7 +3621,7 @@
             <a:fld id="{284D8F3B-99C0-4D59-90E1-0B93D14B583D}" type="datetime1">
               <a:rPr lang="pl-PL" smtClean="0"/>
               <a:pPr/>
-              <a:t>2017-05-31</a:t>
+              <a:t>31.05.2017</a:t>
             </a:fld>
             <a:endParaRPr lang="pl-PL"/>
           </a:p>
@@ -3725,7 +3724,7 @@
           <a:blip r:embed="rId13" cstate="print">
             <a:extLst>
               <a:ext uri="{28A0092B-C50C-407E-A947-70E740481C1C}">
-                <a14:useLocalDpi xmlns:a14="http://schemas.microsoft.com/office/drawing/2010/main" xmlns="" val="0"/>
+                <a14:useLocalDpi xmlns="" xmlns:a14="http://schemas.microsoft.com/office/drawing/2010/main" val="0"/>
               </a:ext>
             </a:extLst>
           </a:blip>
@@ -3755,7 +3754,7 @@
           <a:blip r:embed="rId14" cstate="print">
             <a:extLst>
               <a:ext uri="{28A0092B-C50C-407E-A947-70E740481C1C}">
-                <a14:useLocalDpi xmlns:a14="http://schemas.microsoft.com/office/drawing/2010/main" xmlns="" val="0"/>
+                <a14:useLocalDpi xmlns="" xmlns:a14="http://schemas.microsoft.com/office/drawing/2010/main" val="0"/>
               </a:ext>
             </a:extLst>
           </a:blip>
@@ -3869,7 +3868,7 @@
     </p:spTree>
     <p:extLst>
       <p:ext uri="{BB962C8B-B14F-4D97-AF65-F5344CB8AC3E}">
-        <p14:creationId xmlns:p14="http://schemas.microsoft.com/office/powerpoint/2010/main" xmlns="" val="468329777"/>
+        <p14:creationId xmlns="" xmlns:p14="http://schemas.microsoft.com/office/powerpoint/2010/main" val="468329777"/>
       </p:ext>
     </p:extLst>
   </p:cSld>
@@ -4279,7 +4278,7 @@
     </p:spTree>
     <p:extLst>
       <p:ext uri="{BB962C8B-B14F-4D97-AF65-F5344CB8AC3E}">
-        <p14:creationId xmlns:p14="http://schemas.microsoft.com/office/powerpoint/2010/main" xmlns="" val="1354103417"/>
+        <p14:creationId xmlns="" xmlns:p14="http://schemas.microsoft.com/office/powerpoint/2010/main" val="1354103417"/>
       </p:ext>
     </p:extLst>
   </p:cSld>
@@ -4330,7 +4329,11 @@
           <a:p>
             <a:r>
               <a:rPr lang="pl-PL" dirty="0" smtClean="0"/>
-              <a:t>Raporty</a:t>
+              <a:t>Statystyka </a:t>
+            </a:r>
+            <a:r>
+              <a:rPr lang="pl-PL" dirty="0" err="1" smtClean="0"/>
+              <a:t>commitów</a:t>
             </a:r>
             <a:endParaRPr lang="pl-PL" dirty="0"/>
           </a:p>
@@ -4354,7 +4357,7 @@
             <a:fld id="{DEBB8349-9EFE-4CF4-A443-9D73D6C5CDDC}" type="datetime1">
               <a:rPr lang="pl-PL" smtClean="0"/>
               <a:pPr/>
-              <a:t>2017-05-31</a:t>
+              <a:t>31.05.2017</a:t>
             </a:fld>
             <a:endParaRPr lang="pl-PL"/>
           </a:p>
@@ -4409,7 +4412,7 @@
       </p:sp>
       <p:pic>
         <p:nvPicPr>
-          <p:cNvPr id="3074" name="Picture 2"/>
+          <p:cNvPr id="4098" name="Picture 2"/>
           <p:cNvPicPr>
             <a:picLocks noChangeAspect="1" noChangeArrowheads="1"/>
           </p:cNvPicPr>
@@ -4419,7 +4422,7 @@
           <a:blip r:embed="rId2">
             <a:extLst>
               <a:ext uri="{28A0092B-C50C-407E-A947-70E740481C1C}">
-                <a14:useLocalDpi xmlns:a14="http://schemas.microsoft.com/office/drawing/2010/main" xmlns="" val="0"/>
+                <a14:useLocalDpi xmlns="" xmlns:a14="http://schemas.microsoft.com/office/drawing/2010/main" val="0"/>
               </a:ext>
             </a:extLst>
           </a:blip>
@@ -4430,8 +4433,8 @@
         </p:blipFill>
         <p:spPr bwMode="auto">
           <a:xfrm>
-            <a:off x="838200" y="1340768"/>
-            <a:ext cx="7467600" cy="4622800"/>
+            <a:off x="587375" y="1692275"/>
+            <a:ext cx="7969250" cy="3473450"/>
           </a:xfrm>
           <a:prstGeom prst="rect">
             <a:avLst/>
@@ -4443,14 +4446,14 @@
           <a:effectLst/>
           <a:extLst>
             <a:ext uri="{909E8E84-426E-40DD-AFC4-6F175D3DCCD1}">
-              <a14:hiddenFill xmlns:a14="http://schemas.microsoft.com/office/drawing/2010/main" xmlns="">
+              <a14:hiddenFill xmlns="" xmlns:a14="http://schemas.microsoft.com/office/drawing/2010/main">
                 <a:solidFill>
                   <a:schemeClr val="accent1"/>
                 </a:solidFill>
               </a14:hiddenFill>
             </a:ext>
             <a:ext uri="{91240B29-F687-4F45-9708-019B960494DF}">
-              <a14:hiddenLine xmlns:a14="http://schemas.microsoft.com/office/drawing/2010/main" xmlns="" w="9525">
+              <a14:hiddenLine xmlns="" xmlns:a14="http://schemas.microsoft.com/office/drawing/2010/main" w="9525">
                 <a:solidFill>
                   <a:schemeClr val="tx1"/>
                 </a:solidFill>
@@ -4460,7 +4463,7 @@
               </a14:hiddenLine>
             </a:ext>
             <a:ext uri="{AF507438-7753-43E0-B8FC-AC1667EBCBE1}">
-              <a14:hiddenEffects xmlns:a14="http://schemas.microsoft.com/office/drawing/2010/main" xmlns="">
+              <a14:hiddenEffects xmlns="" xmlns:a14="http://schemas.microsoft.com/office/drawing/2010/main">
                 <a:effectLst>
                   <a:outerShdw dist="35921" dir="2700000" algn="ctr" rotWithShape="0">
                     <a:schemeClr val="bg2"/>
@@ -4474,7 +4477,7 @@
     </p:spTree>
     <p:extLst>
       <p:ext uri="{BB962C8B-B14F-4D97-AF65-F5344CB8AC3E}">
-        <p14:creationId xmlns:p14="http://schemas.microsoft.com/office/powerpoint/2010/main" xmlns="" val="1524689310"/>
+        <p14:creationId xmlns="" xmlns:p14="http://schemas.microsoft.com/office/powerpoint/2010/main" val="1948775304"/>
       </p:ext>
     </p:extLst>
   </p:cSld>
@@ -4525,11 +4528,11 @@
           <a:p>
             <a:r>
               <a:rPr lang="pl-PL" dirty="0" smtClean="0"/>
-              <a:t>Statystyka </a:t>
+              <a:t>Założenie </a:t>
             </a:r>
             <a:r>
               <a:rPr lang="pl-PL" dirty="0" err="1" smtClean="0"/>
-              <a:t>commitów</a:t>
+              <a:t>Trello</a:t>
             </a:r>
             <a:endParaRPr lang="pl-PL" dirty="0"/>
           </a:p>
@@ -4553,7 +4556,7 @@
             <a:fld id="{DEBB8349-9EFE-4CF4-A443-9D73D6C5CDDC}" type="datetime1">
               <a:rPr lang="pl-PL" smtClean="0"/>
               <a:pPr/>
-              <a:t>2017-05-31</a:t>
+              <a:t>31.05.2017</a:t>
             </a:fld>
             <a:endParaRPr lang="pl-PL"/>
           </a:p>
@@ -4608,7 +4611,7 @@
       </p:sp>
       <p:pic>
         <p:nvPicPr>
-          <p:cNvPr id="4098" name="Picture 2"/>
+          <p:cNvPr id="5122" name="Picture 2"/>
           <p:cNvPicPr>
             <a:picLocks noChangeAspect="1" noChangeArrowheads="1"/>
           </p:cNvPicPr>
@@ -4618,7 +4621,7 @@
           <a:blip r:embed="rId2">
             <a:extLst>
               <a:ext uri="{28A0092B-C50C-407E-A947-70E740481C1C}">
-                <a14:useLocalDpi xmlns:a14="http://schemas.microsoft.com/office/drawing/2010/main" xmlns="" val="0"/>
+                <a14:useLocalDpi xmlns="" xmlns:a14="http://schemas.microsoft.com/office/drawing/2010/main" val="0"/>
               </a:ext>
             </a:extLst>
           </a:blip>
@@ -4629,8 +4632,8 @@
         </p:blipFill>
         <p:spPr bwMode="auto">
           <a:xfrm>
-            <a:off x="587375" y="1692275"/>
-            <a:ext cx="7969250" cy="3473450"/>
+            <a:off x="251520" y="1628800"/>
+            <a:ext cx="8660292" cy="4032448"/>
           </a:xfrm>
           <a:prstGeom prst="rect">
             <a:avLst/>
@@ -4642,14 +4645,14 @@
           <a:effectLst/>
           <a:extLst>
             <a:ext uri="{909E8E84-426E-40DD-AFC4-6F175D3DCCD1}">
-              <a14:hiddenFill xmlns:a14="http://schemas.microsoft.com/office/drawing/2010/main" xmlns="">
+              <a14:hiddenFill xmlns="" xmlns:a14="http://schemas.microsoft.com/office/drawing/2010/main">
                 <a:solidFill>
                   <a:schemeClr val="accent1"/>
                 </a:solidFill>
               </a14:hiddenFill>
             </a:ext>
             <a:ext uri="{91240B29-F687-4F45-9708-019B960494DF}">
-              <a14:hiddenLine xmlns:a14="http://schemas.microsoft.com/office/drawing/2010/main" xmlns="" w="9525">
+              <a14:hiddenLine xmlns="" xmlns:a14="http://schemas.microsoft.com/office/drawing/2010/main" w="9525">
                 <a:solidFill>
                   <a:schemeClr val="tx1"/>
                 </a:solidFill>
@@ -4659,7 +4662,7 @@
               </a14:hiddenLine>
             </a:ext>
             <a:ext uri="{AF507438-7753-43E0-B8FC-AC1667EBCBE1}">
-              <a14:hiddenEffects xmlns:a14="http://schemas.microsoft.com/office/drawing/2010/main" xmlns="">
+              <a14:hiddenEffects xmlns="" xmlns:a14="http://schemas.microsoft.com/office/drawing/2010/main">
                 <a:effectLst>
                   <a:outerShdw dist="35921" dir="2700000" algn="ctr" rotWithShape="0">
                     <a:schemeClr val="bg2"/>
@@ -4673,7 +4676,7 @@
     </p:spTree>
     <p:extLst>
       <p:ext uri="{BB962C8B-B14F-4D97-AF65-F5344CB8AC3E}">
-        <p14:creationId xmlns:p14="http://schemas.microsoft.com/office/powerpoint/2010/main" xmlns="" val="1948775304"/>
+        <p14:creationId xmlns="" xmlns:p14="http://schemas.microsoft.com/office/powerpoint/2010/main" val="2501508212"/>
       </p:ext>
     </p:extLst>
   </p:cSld>
@@ -4724,11 +4727,7 @@
           <a:p>
             <a:r>
               <a:rPr lang="pl-PL" dirty="0" smtClean="0"/>
-              <a:t>Założenie </a:t>
-            </a:r>
-            <a:r>
-              <a:rPr lang="pl-PL" dirty="0" err="1" smtClean="0"/>
-              <a:t>Trello</a:t>
+              <a:t>Instalacja oprogramowania</a:t>
             </a:r>
             <a:endParaRPr lang="pl-PL" dirty="0"/>
           </a:p>
@@ -4752,7 +4751,7 @@
             <a:fld id="{DEBB8349-9EFE-4CF4-A443-9D73D6C5CDDC}" type="datetime1">
               <a:rPr lang="pl-PL" smtClean="0"/>
               <a:pPr/>
-              <a:t>2017-05-31</a:t>
+              <a:t>31.05.2017</a:t>
             </a:fld>
             <a:endParaRPr lang="pl-PL"/>
           </a:p>
@@ -4800,201 +4799,6 @@
               <a:rPr lang="pl-PL" smtClean="0"/>
               <a:pPr/>
               <a:t>12</a:t>
-            </a:fld>
-            <a:endParaRPr lang="pl-PL"/>
-          </a:p>
-        </p:txBody>
-      </p:sp>
-      <p:pic>
-        <p:nvPicPr>
-          <p:cNvPr id="5122" name="Picture 2"/>
-          <p:cNvPicPr>
-            <a:picLocks noChangeAspect="1" noChangeArrowheads="1"/>
-          </p:cNvPicPr>
-          <p:nvPr/>
-        </p:nvPicPr>
-        <p:blipFill>
-          <a:blip r:embed="rId2">
-            <a:extLst>
-              <a:ext uri="{28A0092B-C50C-407E-A947-70E740481C1C}">
-                <a14:useLocalDpi xmlns:a14="http://schemas.microsoft.com/office/drawing/2010/main" xmlns="" val="0"/>
-              </a:ext>
-            </a:extLst>
-          </a:blip>
-          <a:srcRect/>
-          <a:stretch>
-            <a:fillRect/>
-          </a:stretch>
-        </p:blipFill>
-        <p:spPr bwMode="auto">
-          <a:xfrm>
-            <a:off x="251520" y="1628800"/>
-            <a:ext cx="8660292" cy="4032448"/>
-          </a:xfrm>
-          <a:prstGeom prst="rect">
-            <a:avLst/>
-          </a:prstGeom>
-          <a:noFill/>
-          <a:ln>
-            <a:noFill/>
-          </a:ln>
-          <a:effectLst/>
-          <a:extLst>
-            <a:ext uri="{909E8E84-426E-40DD-AFC4-6F175D3DCCD1}">
-              <a14:hiddenFill xmlns:a14="http://schemas.microsoft.com/office/drawing/2010/main" xmlns="">
-                <a:solidFill>
-                  <a:schemeClr val="accent1"/>
-                </a:solidFill>
-              </a14:hiddenFill>
-            </a:ext>
-            <a:ext uri="{91240B29-F687-4F45-9708-019B960494DF}">
-              <a14:hiddenLine xmlns:a14="http://schemas.microsoft.com/office/drawing/2010/main" xmlns="" w="9525">
-                <a:solidFill>
-                  <a:schemeClr val="tx1"/>
-                </a:solidFill>
-                <a:miter lim="800000"/>
-                <a:headEnd/>
-                <a:tailEnd/>
-              </a14:hiddenLine>
-            </a:ext>
-            <a:ext uri="{AF507438-7753-43E0-B8FC-AC1667EBCBE1}">
-              <a14:hiddenEffects xmlns:a14="http://schemas.microsoft.com/office/drawing/2010/main" xmlns="">
-                <a:effectLst>
-                  <a:outerShdw dist="35921" dir="2700000" algn="ctr" rotWithShape="0">
-                    <a:schemeClr val="bg2"/>
-                  </a:outerShdw>
-                </a:effectLst>
-              </a14:hiddenEffects>
-            </a:ext>
-          </a:extLst>
-        </p:spPr>
-      </p:pic>
-    </p:spTree>
-    <p:extLst>
-      <p:ext uri="{BB962C8B-B14F-4D97-AF65-F5344CB8AC3E}">
-        <p14:creationId xmlns:p14="http://schemas.microsoft.com/office/powerpoint/2010/main" xmlns="" val="2501508212"/>
-      </p:ext>
-    </p:extLst>
-  </p:cSld>
-  <p:clrMapOvr>
-    <a:masterClrMapping/>
-  </p:clrMapOvr>
-  <p:timing>
-    <p:tnLst>
-      <p:par>
-        <p:cTn id="1" dur="indefinite" restart="never" nodeType="tmRoot"/>
-      </p:par>
-    </p:tnLst>
-  </p:timing>
-</p:sld>
-</file>
-
-<file path=ppt/slides/slide13.xml><?xml version="1.0" encoding="utf-8"?>
-<p:sld xmlns:a="http://schemas.openxmlformats.org/drawingml/2006/main" xmlns:r="http://schemas.openxmlformats.org/officeDocument/2006/relationships" xmlns:p="http://schemas.openxmlformats.org/presentationml/2006/main">
-  <p:cSld>
-    <p:spTree>
-      <p:nvGrpSpPr>
-        <p:cNvPr id="1" name=""/>
-        <p:cNvGrpSpPr/>
-        <p:nvPr/>
-      </p:nvGrpSpPr>
-      <p:grpSpPr>
-        <a:xfrm>
-          <a:off x="0" y="0"/>
-          <a:ext cx="0" cy="0"/>
-          <a:chOff x="0" y="0"/>
-          <a:chExt cx="0" cy="0"/>
-        </a:xfrm>
-      </p:grpSpPr>
-      <p:sp>
-        <p:nvSpPr>
-          <p:cNvPr id="2" name="Tytuł 1"/>
-          <p:cNvSpPr>
-            <a:spLocks noGrp="1"/>
-          </p:cNvSpPr>
-          <p:nvPr>
-            <p:ph type="title"/>
-          </p:nvPr>
-        </p:nvSpPr>
-        <p:spPr/>
-        <p:txBody>
-          <a:bodyPr/>
-          <a:lstStyle/>
-          <a:p>
-            <a:r>
-              <a:rPr lang="pl-PL" dirty="0" smtClean="0"/>
-              <a:t>Instalacja oprogramowania</a:t>
-            </a:r>
-            <a:endParaRPr lang="pl-PL" dirty="0"/>
-          </a:p>
-        </p:txBody>
-      </p:sp>
-      <p:sp>
-        <p:nvSpPr>
-          <p:cNvPr id="4" name="Symbol zastępczy daty 3"/>
-          <p:cNvSpPr>
-            <a:spLocks noGrp="1"/>
-          </p:cNvSpPr>
-          <p:nvPr>
-            <p:ph type="dt" sz="half" idx="10"/>
-          </p:nvPr>
-        </p:nvSpPr>
-        <p:spPr/>
-        <p:txBody>
-          <a:bodyPr/>
-          <a:lstStyle/>
-          <a:p>
-            <a:fld id="{DEBB8349-9EFE-4CF4-A443-9D73D6C5CDDC}" type="datetime1">
-              <a:rPr lang="pl-PL" smtClean="0"/>
-              <a:pPr/>
-              <a:t>2017-05-31</a:t>
-            </a:fld>
-            <a:endParaRPr lang="pl-PL"/>
-          </a:p>
-        </p:txBody>
-      </p:sp>
-      <p:sp>
-        <p:nvSpPr>
-          <p:cNvPr id="5" name="Symbol zastępczy stopki 4"/>
-          <p:cNvSpPr>
-            <a:spLocks noGrp="1"/>
-          </p:cNvSpPr>
-          <p:nvPr>
-            <p:ph type="ftr" sz="quarter" idx="11"/>
-          </p:nvPr>
-        </p:nvSpPr>
-        <p:spPr/>
-        <p:txBody>
-          <a:bodyPr/>
-          <a:lstStyle/>
-          <a:p>
-            <a:r>
-              <a:rPr lang="pl-PL" smtClean="0"/>
-              <a:t>Sprawozdanie z projektu INPG</a:t>
-            </a:r>
-            <a:endParaRPr lang="pl-PL"/>
-          </a:p>
-        </p:txBody>
-      </p:sp>
-      <p:sp>
-        <p:nvSpPr>
-          <p:cNvPr id="6" name="Symbol zastępczy numeru slajdu 5"/>
-          <p:cNvSpPr>
-            <a:spLocks noGrp="1"/>
-          </p:cNvSpPr>
-          <p:nvPr>
-            <p:ph type="sldNum" sz="quarter" idx="12"/>
-          </p:nvPr>
-        </p:nvSpPr>
-        <p:spPr/>
-        <p:txBody>
-          <a:bodyPr/>
-          <a:lstStyle/>
-          <a:p>
-            <a:fld id="{7ABA60A5-3177-43D4-9934-32BA489A924D}" type="slidenum">
-              <a:rPr lang="pl-PL" smtClean="0"/>
-              <a:pPr/>
-              <a:t>13</a:t>
             </a:fld>
             <a:endParaRPr lang="pl-PL"/>
           </a:p>
@@ -5012,7 +4816,7 @@
           <a:blip r:embed="rId2">
             <a:extLst>
               <a:ext uri="{28A0092B-C50C-407E-A947-70E740481C1C}">
-                <a14:useLocalDpi xmlns:a14="http://schemas.microsoft.com/office/drawing/2010/main" xmlns="" val="0"/>
+                <a14:useLocalDpi xmlns="" xmlns:a14="http://schemas.microsoft.com/office/drawing/2010/main" val="0"/>
               </a:ext>
             </a:extLst>
           </a:blip>
@@ -5036,14 +4840,14 @@
           <a:effectLst/>
           <a:extLst>
             <a:ext uri="{909E8E84-426E-40DD-AFC4-6F175D3DCCD1}">
-              <a14:hiddenFill xmlns:a14="http://schemas.microsoft.com/office/drawing/2010/main" xmlns="">
+              <a14:hiddenFill xmlns="" xmlns:a14="http://schemas.microsoft.com/office/drawing/2010/main">
                 <a:solidFill>
                   <a:schemeClr val="accent1"/>
                 </a:solidFill>
               </a14:hiddenFill>
             </a:ext>
             <a:ext uri="{91240B29-F687-4F45-9708-019B960494DF}">
-              <a14:hiddenLine xmlns:a14="http://schemas.microsoft.com/office/drawing/2010/main" xmlns="" w="9525">
+              <a14:hiddenLine xmlns="" xmlns:a14="http://schemas.microsoft.com/office/drawing/2010/main" w="9525">
                 <a:solidFill>
                   <a:schemeClr val="tx1"/>
                 </a:solidFill>
@@ -5053,7 +4857,7 @@
               </a14:hiddenLine>
             </a:ext>
             <a:ext uri="{AF507438-7753-43E0-B8FC-AC1667EBCBE1}">
-              <a14:hiddenEffects xmlns:a14="http://schemas.microsoft.com/office/drawing/2010/main" xmlns="">
+              <a14:hiddenEffects xmlns="" xmlns:a14="http://schemas.microsoft.com/office/drawing/2010/main">
                 <a:effectLst>
                   <a:outerShdw dist="35921" dir="2700000" algn="ctr" rotWithShape="0">
                     <a:schemeClr val="bg2"/>
@@ -5076,7 +4880,7 @@
           <a:blip r:embed="rId3" cstate="print">
             <a:extLst>
               <a:ext uri="{28A0092B-C50C-407E-A947-70E740481C1C}">
-                <a14:useLocalDpi xmlns:a14="http://schemas.microsoft.com/office/drawing/2010/main" xmlns="" val="0"/>
+                <a14:useLocalDpi xmlns="" xmlns:a14="http://schemas.microsoft.com/office/drawing/2010/main" val="0"/>
               </a:ext>
             </a:extLst>
           </a:blip>
@@ -5096,7 +4900,7 @@
           <a:noFill/>
           <a:extLst>
             <a:ext uri="{909E8E84-426E-40DD-AFC4-6F175D3DCCD1}">
-              <a14:hiddenFill xmlns:a14="http://schemas.microsoft.com/office/drawing/2010/main" xmlns="">
+              <a14:hiddenFill xmlns="" xmlns:a14="http://schemas.microsoft.com/office/drawing/2010/main">
                 <a:solidFill>
                   <a:srgbClr val="FFFFFF"/>
                 </a:solidFill>
@@ -5141,7 +4945,7 @@
     </p:spTree>
     <p:extLst>
       <p:ext uri="{BB962C8B-B14F-4D97-AF65-F5344CB8AC3E}">
-        <p14:creationId xmlns:p14="http://schemas.microsoft.com/office/powerpoint/2010/main" xmlns="" val="2505419348"/>
+        <p14:creationId xmlns="" xmlns:p14="http://schemas.microsoft.com/office/powerpoint/2010/main" val="2505419348"/>
       </p:ext>
     </p:extLst>
   </p:cSld>
@@ -5155,6 +4959,166 @@
       </p:par>
     </p:tnLst>
   </p:timing>
+</p:sld>
+</file>
+
+<file path=ppt/slides/slide13.xml><?xml version="1.0" encoding="utf-8"?>
+<p:sld xmlns:a="http://schemas.openxmlformats.org/drawingml/2006/main" xmlns:r="http://schemas.openxmlformats.org/officeDocument/2006/relationships" xmlns:p="http://schemas.openxmlformats.org/presentationml/2006/main">
+  <p:cSld>
+    <p:spTree>
+      <p:nvGrpSpPr>
+        <p:cNvPr id="1" name=""/>
+        <p:cNvGrpSpPr/>
+        <p:nvPr/>
+      </p:nvGrpSpPr>
+      <p:grpSpPr>
+        <a:xfrm>
+          <a:off x="0" y="0"/>
+          <a:ext cx="0" cy="0"/>
+          <a:chOff x="0" y="0"/>
+          <a:chExt cx="0" cy="0"/>
+        </a:xfrm>
+      </p:grpSpPr>
+      <p:sp>
+        <p:nvSpPr>
+          <p:cNvPr id="2" name="Tytuł 1"/>
+          <p:cNvSpPr>
+            <a:spLocks noGrp="1"/>
+          </p:cNvSpPr>
+          <p:nvPr>
+            <p:ph type="title"/>
+          </p:nvPr>
+        </p:nvSpPr>
+        <p:spPr/>
+        <p:txBody>
+          <a:bodyPr>
+            <a:normAutofit fontScale="90000"/>
+          </a:bodyPr>
+          <a:lstStyle/>
+          <a:p>
+            <a:r>
+              <a:rPr lang="pl-PL" dirty="0" err="1" smtClean="0"/>
+              <a:t>Trello</a:t>
+            </a:r>
+            <a:r>
+              <a:rPr lang="pl-PL" dirty="0" smtClean="0"/>
+              <a:t> okazało się być bardzo pomocne w pracy.</a:t>
+            </a:r>
+            <a:endParaRPr lang="pl-PL" dirty="0"/>
+          </a:p>
+        </p:txBody>
+      </p:sp>
+      <p:sp>
+        <p:nvSpPr>
+          <p:cNvPr id="4" name="Symbol zastępczy daty 3"/>
+          <p:cNvSpPr>
+            <a:spLocks noGrp="1"/>
+          </p:cNvSpPr>
+          <p:nvPr>
+            <p:ph type="dt" sz="half" idx="10"/>
+          </p:nvPr>
+        </p:nvSpPr>
+        <p:spPr/>
+        <p:txBody>
+          <a:bodyPr/>
+          <a:lstStyle/>
+          <a:p>
+            <a:fld id="{DEBB8349-9EFE-4CF4-A443-9D73D6C5CDDC}" type="datetime1">
+              <a:rPr lang="pl-PL" smtClean="0"/>
+              <a:pPr/>
+              <a:t>31.05.2017</a:t>
+            </a:fld>
+            <a:endParaRPr lang="pl-PL"/>
+          </a:p>
+        </p:txBody>
+      </p:sp>
+      <p:sp>
+        <p:nvSpPr>
+          <p:cNvPr id="5" name="Symbol zastępczy stopki 4"/>
+          <p:cNvSpPr>
+            <a:spLocks noGrp="1"/>
+          </p:cNvSpPr>
+          <p:nvPr>
+            <p:ph type="ftr" sz="quarter" idx="11"/>
+          </p:nvPr>
+        </p:nvSpPr>
+        <p:spPr/>
+        <p:txBody>
+          <a:bodyPr/>
+          <a:lstStyle/>
+          <a:p>
+            <a:r>
+              <a:rPr lang="pl-PL" smtClean="0"/>
+              <a:t>Sprawozdanie z projektu INPG</a:t>
+            </a:r>
+            <a:endParaRPr lang="pl-PL"/>
+          </a:p>
+        </p:txBody>
+      </p:sp>
+      <p:sp>
+        <p:nvSpPr>
+          <p:cNvPr id="6" name="Symbol zastępczy numeru slajdu 5"/>
+          <p:cNvSpPr>
+            <a:spLocks noGrp="1"/>
+          </p:cNvSpPr>
+          <p:nvPr>
+            <p:ph type="sldNum" sz="quarter" idx="12"/>
+          </p:nvPr>
+        </p:nvSpPr>
+        <p:spPr/>
+        <p:txBody>
+          <a:bodyPr/>
+          <a:lstStyle/>
+          <a:p>
+            <a:fld id="{7ABA60A5-3177-43D4-9934-32BA489A924D}" type="slidenum">
+              <a:rPr lang="pl-PL" smtClean="0"/>
+              <a:pPr/>
+              <a:t>13</a:t>
+            </a:fld>
+            <a:endParaRPr lang="pl-PL"/>
+          </a:p>
+        </p:txBody>
+      </p:sp>
+      <p:pic>
+        <p:nvPicPr>
+          <p:cNvPr id="1026" name="Picture 2"/>
+          <p:cNvPicPr>
+            <a:picLocks noGrp="1" noChangeAspect="1" noChangeArrowheads="1"/>
+          </p:cNvPicPr>
+          <p:nvPr>
+            <p:ph idx="1"/>
+          </p:nvPr>
+        </p:nvPicPr>
+        <p:blipFill>
+          <a:blip r:embed="rId2"/>
+          <a:srcRect/>
+          <a:stretch>
+            <a:fillRect/>
+          </a:stretch>
+        </p:blipFill>
+        <p:spPr bwMode="auto">
+          <a:xfrm>
+            <a:off x="127890" y="1714488"/>
+            <a:ext cx="8558910" cy="4138167"/>
+          </a:xfrm>
+          <a:prstGeom prst="rect">
+            <a:avLst/>
+          </a:prstGeom>
+          <a:noFill/>
+          <a:ln w="9525">
+            <a:noFill/>
+            <a:miter lim="800000"/>
+            <a:headEnd/>
+            <a:tailEnd/>
+          </a:ln>
+          <a:effectLst/>
+        </p:spPr>
+      </p:pic>
+    </p:spTree>
+  </p:cSld>
+  <p:clrMapOvr>
+    <a:masterClrMapping/>
+  </p:clrMapOvr>
 </p:sld>
 </file>
 
@@ -5193,12 +5157,8 @@
           <a:lstStyle/>
           <a:p>
             <a:r>
-              <a:rPr lang="pl-PL" dirty="0" err="1" smtClean="0"/>
-              <a:t>Trello</a:t>
-            </a:r>
-            <a:r>
               <a:rPr lang="pl-PL" dirty="0" smtClean="0"/>
-              <a:t> okazało się być bardzo pomocne w pracy.</a:t>
+              <a:t>Repozytorium stale się rozrastało i aktualizowało</a:t>
             </a:r>
             <a:endParaRPr lang="pl-PL" dirty="0"/>
           </a:p>
@@ -5222,7 +5182,7 @@
             <a:fld id="{DEBB8349-9EFE-4CF4-A443-9D73D6C5CDDC}" type="datetime1">
               <a:rPr lang="pl-PL" smtClean="0"/>
               <a:pPr/>
-              <a:t>2017-05-31</a:t>
+              <a:t>31.05.2017</a:t>
             </a:fld>
             <a:endParaRPr lang="pl-PL"/>
           </a:p>
@@ -5277,7 +5237,7 @@
       </p:sp>
       <p:pic>
         <p:nvPicPr>
-          <p:cNvPr id="1026" name="Picture 2"/>
+          <p:cNvPr id="3074" name="Picture 2"/>
           <p:cNvPicPr>
             <a:picLocks noGrp="1" noChangeAspect="1" noChangeArrowheads="1"/>
           </p:cNvPicPr>
@@ -5294,8 +5254,8 @@
         </p:blipFill>
         <p:spPr bwMode="auto">
           <a:xfrm>
-            <a:off x="127890" y="1714488"/>
-            <a:ext cx="8558910" cy="4138167"/>
+            <a:off x="457200" y="1937984"/>
+            <a:ext cx="8229600" cy="3850395"/>
           </a:xfrm>
           <a:prstGeom prst="rect">
             <a:avLst/>
@@ -5347,162 +5307,6 @@
         </p:nvSpPr>
         <p:spPr/>
         <p:txBody>
-          <a:bodyPr>
-            <a:normAutofit fontScale="90000"/>
-          </a:bodyPr>
-          <a:lstStyle/>
-          <a:p>
-            <a:r>
-              <a:rPr lang="pl-PL" dirty="0" smtClean="0"/>
-              <a:t>Repozytorium stale się rozrastało i aktualizowało</a:t>
-            </a:r>
-            <a:endParaRPr lang="pl-PL" dirty="0"/>
-          </a:p>
-        </p:txBody>
-      </p:sp>
-      <p:sp>
-        <p:nvSpPr>
-          <p:cNvPr id="4" name="Symbol zastępczy daty 3"/>
-          <p:cNvSpPr>
-            <a:spLocks noGrp="1"/>
-          </p:cNvSpPr>
-          <p:nvPr>
-            <p:ph type="dt" sz="half" idx="10"/>
-          </p:nvPr>
-        </p:nvSpPr>
-        <p:spPr/>
-        <p:txBody>
-          <a:bodyPr/>
-          <a:lstStyle/>
-          <a:p>
-            <a:fld id="{DEBB8349-9EFE-4CF4-A443-9D73D6C5CDDC}" type="datetime1">
-              <a:rPr lang="pl-PL" smtClean="0"/>
-              <a:pPr/>
-              <a:t>2017-05-31</a:t>
-            </a:fld>
-            <a:endParaRPr lang="pl-PL"/>
-          </a:p>
-        </p:txBody>
-      </p:sp>
-      <p:sp>
-        <p:nvSpPr>
-          <p:cNvPr id="5" name="Symbol zastępczy stopki 4"/>
-          <p:cNvSpPr>
-            <a:spLocks noGrp="1"/>
-          </p:cNvSpPr>
-          <p:nvPr>
-            <p:ph type="ftr" sz="quarter" idx="11"/>
-          </p:nvPr>
-        </p:nvSpPr>
-        <p:spPr/>
-        <p:txBody>
-          <a:bodyPr/>
-          <a:lstStyle/>
-          <a:p>
-            <a:r>
-              <a:rPr lang="pl-PL" smtClean="0"/>
-              <a:t>Sprawozdanie z projektu INPG</a:t>
-            </a:r>
-            <a:endParaRPr lang="pl-PL"/>
-          </a:p>
-        </p:txBody>
-      </p:sp>
-      <p:sp>
-        <p:nvSpPr>
-          <p:cNvPr id="6" name="Symbol zastępczy numeru slajdu 5"/>
-          <p:cNvSpPr>
-            <a:spLocks noGrp="1"/>
-          </p:cNvSpPr>
-          <p:nvPr>
-            <p:ph type="sldNum" sz="quarter" idx="12"/>
-          </p:nvPr>
-        </p:nvSpPr>
-        <p:spPr/>
-        <p:txBody>
-          <a:bodyPr/>
-          <a:lstStyle/>
-          <a:p>
-            <a:fld id="{7ABA60A5-3177-43D4-9934-32BA489A924D}" type="slidenum">
-              <a:rPr lang="pl-PL" smtClean="0"/>
-              <a:pPr/>
-              <a:t>15</a:t>
-            </a:fld>
-            <a:endParaRPr lang="pl-PL"/>
-          </a:p>
-        </p:txBody>
-      </p:sp>
-      <p:pic>
-        <p:nvPicPr>
-          <p:cNvPr id="3074" name="Picture 2"/>
-          <p:cNvPicPr>
-            <a:picLocks noGrp="1" noChangeAspect="1" noChangeArrowheads="1"/>
-          </p:cNvPicPr>
-          <p:nvPr>
-            <p:ph idx="1"/>
-          </p:nvPr>
-        </p:nvPicPr>
-        <p:blipFill>
-          <a:blip r:embed="rId2"/>
-          <a:srcRect/>
-          <a:stretch>
-            <a:fillRect/>
-          </a:stretch>
-        </p:blipFill>
-        <p:spPr bwMode="auto">
-          <a:xfrm>
-            <a:off x="457200" y="1937984"/>
-            <a:ext cx="8229600" cy="3850395"/>
-          </a:xfrm>
-          <a:prstGeom prst="rect">
-            <a:avLst/>
-          </a:prstGeom>
-          <a:noFill/>
-          <a:ln w="9525">
-            <a:noFill/>
-            <a:miter lim="800000"/>
-            <a:headEnd/>
-            <a:tailEnd/>
-          </a:ln>
-          <a:effectLst/>
-        </p:spPr>
-      </p:pic>
-    </p:spTree>
-  </p:cSld>
-  <p:clrMapOvr>
-    <a:masterClrMapping/>
-  </p:clrMapOvr>
-</p:sld>
-</file>
-
-<file path=ppt/slides/slide16.xml><?xml version="1.0" encoding="utf-8"?>
-<p:sld xmlns:a="http://schemas.openxmlformats.org/drawingml/2006/main" xmlns:r="http://schemas.openxmlformats.org/officeDocument/2006/relationships" xmlns:p="http://schemas.openxmlformats.org/presentationml/2006/main">
-  <p:cSld>
-    <p:spTree>
-      <p:nvGrpSpPr>
-        <p:cNvPr id="1" name=""/>
-        <p:cNvGrpSpPr/>
-        <p:nvPr/>
-      </p:nvGrpSpPr>
-      <p:grpSpPr>
-        <a:xfrm>
-          <a:off x="0" y="0"/>
-          <a:ext cx="0" cy="0"/>
-          <a:chOff x="0" y="0"/>
-          <a:chExt cx="0" cy="0"/>
-        </a:xfrm>
-      </p:grpSpPr>
-      <p:sp>
-        <p:nvSpPr>
-          <p:cNvPr id="2" name="Tytuł 1"/>
-          <p:cNvSpPr>
-            <a:spLocks noGrp="1"/>
-          </p:cNvSpPr>
-          <p:nvPr>
-            <p:ph type="title"/>
-          </p:nvPr>
-        </p:nvSpPr>
-        <p:spPr/>
-        <p:txBody>
           <a:bodyPr/>
           <a:lstStyle/>
           <a:p>
@@ -5563,7 +5367,7 @@
             <a:fld id="{DEBB8349-9EFE-4CF4-A443-9D73D6C5CDDC}" type="datetime1">
               <a:rPr lang="pl-PL" smtClean="0"/>
               <a:pPr/>
-              <a:t>2017-05-31</a:t>
+              <a:t>31.05.2017</a:t>
             </a:fld>
             <a:endParaRPr lang="pl-PL"/>
           </a:p>
@@ -5610,7 +5414,7 @@
             <a:fld id="{7ABA60A5-3177-43D4-9934-32BA489A924D}" type="slidenum">
               <a:rPr lang="pl-PL" smtClean="0"/>
               <a:pPr/>
-              <a:t>16</a:t>
+              <a:t>15</a:t>
             </a:fld>
             <a:endParaRPr lang="pl-PL"/>
           </a:p>
@@ -5657,7 +5461,7 @@
 </p:sld>
 </file>
 
-<file path=ppt/slides/slide17.xml><?xml version="1.0" encoding="utf-8"?>
+<file path=ppt/slides/slide16.xml><?xml version="1.0" encoding="utf-8"?>
 <p:sld xmlns:a="http://schemas.openxmlformats.org/drawingml/2006/main" xmlns:r="http://schemas.openxmlformats.org/officeDocument/2006/relationships" xmlns:p="http://schemas.openxmlformats.org/presentationml/2006/main">
   <p:cSld>
     <p:spTree>
@@ -5686,9 +5490,15 @@
         </p:nvSpPr>
         <p:spPr/>
         <p:txBody>
-          <a:bodyPr/>
+          <a:bodyPr>
+            <a:normAutofit fontScale="90000"/>
+          </a:bodyPr>
           <a:lstStyle/>
           <a:p>
+            <a:r>
+              <a:rPr lang="pl-PL" dirty="0" smtClean="0"/>
+              <a:t>Staraliśmy się regularnie pracować</a:t>
+            </a:r>
             <a:endParaRPr lang="pl-PL" dirty="0"/>
           </a:p>
         </p:txBody>
@@ -5713,10 +5523,9 @@
           <a:bodyPr/>
           <a:lstStyle/>
           <a:p>
-            <a:r>
-              <a:rPr lang="pl-PL" dirty="0" smtClean="0"/>
-              <a:t>Staraliśmy się regularnie pracować </a:t>
-            </a:r>
+            <a:pPr>
+              <a:buNone/>
+            </a:pPr>
             <a:endParaRPr lang="pl-PL" dirty="0"/>
           </a:p>
         </p:txBody>
@@ -5739,7 +5548,7 @@
             <a:fld id="{DEBB8349-9EFE-4CF4-A443-9D73D6C5CDDC}" type="datetime1">
               <a:rPr lang="pl-PL" smtClean="0"/>
               <a:pPr/>
-              <a:t>2017-05-31</a:t>
+              <a:t>31.05.2017</a:t>
             </a:fld>
             <a:endParaRPr lang="pl-PL"/>
           </a:p>
@@ -5786,7 +5595,7 @@
             <a:fld id="{7ABA60A5-3177-43D4-9934-32BA489A924D}" type="slidenum">
               <a:rPr lang="pl-PL" smtClean="0"/>
               <a:pPr/>
-              <a:t>17</a:t>
+              <a:t>16</a:t>
             </a:fld>
             <a:endParaRPr lang="pl-PL"/>
           </a:p>
@@ -5833,7 +5642,7 @@
 </p:sld>
 </file>
 
-<file path=ppt/slides/slide18.xml><?xml version="1.0" encoding="utf-8"?>
+<file path=ppt/slides/slide17.xml><?xml version="1.0" encoding="utf-8"?>
 <p:sld xmlns:a="http://schemas.openxmlformats.org/drawingml/2006/main" xmlns:r="http://schemas.openxmlformats.org/officeDocument/2006/relationships" xmlns:p="http://schemas.openxmlformats.org/presentationml/2006/main">
   <p:cSld>
     <p:spTree>
@@ -5914,7 +5723,7 @@
             <a:fld id="{DEBB8349-9EFE-4CF4-A443-9D73D6C5CDDC}" type="datetime1">
               <a:rPr lang="pl-PL" smtClean="0"/>
               <a:pPr/>
-              <a:t>2017-05-31</a:t>
+              <a:t>31.05.2017</a:t>
             </a:fld>
             <a:endParaRPr lang="pl-PL"/>
           </a:p>
@@ -5961,7 +5770,7 @@
             <a:fld id="{7ABA60A5-3177-43D4-9934-32BA489A924D}" type="slidenum">
               <a:rPr lang="pl-PL" smtClean="0"/>
               <a:pPr/>
-              <a:t>18</a:t>
+              <a:t>17</a:t>
             </a:fld>
             <a:endParaRPr lang="pl-PL"/>
           </a:p>
@@ -6037,156 +5846,6 @@
         </p:nvSpPr>
         <p:spPr/>
         <p:txBody>
-          <a:bodyPr/>
-          <a:lstStyle/>
-          <a:p>
-            <a:r>
-              <a:rPr lang="pl-PL" dirty="0" smtClean="0"/>
-              <a:t>SPIS TREŚCI</a:t>
-            </a:r>
-            <a:endParaRPr lang="pl-PL" dirty="0"/>
-          </a:p>
-        </p:txBody>
-      </p:sp>
-      <p:sp>
-        <p:nvSpPr>
-          <p:cNvPr id="3" name="Symbol zastępczy zawartości 2"/>
-          <p:cNvSpPr>
-            <a:spLocks noGrp="1"/>
-          </p:cNvSpPr>
-          <p:nvPr>
-            <p:ph idx="1"/>
-          </p:nvPr>
-        </p:nvSpPr>
-        <p:spPr/>
-        <p:txBody>
-          <a:bodyPr/>
-          <a:lstStyle/>
-          <a:p>
-            <a:endParaRPr lang="pl-PL" dirty="0"/>
-          </a:p>
-        </p:txBody>
-      </p:sp>
-      <p:sp>
-        <p:nvSpPr>
-          <p:cNvPr id="4" name="Symbol zastępczy daty 3"/>
-          <p:cNvSpPr>
-            <a:spLocks noGrp="1"/>
-          </p:cNvSpPr>
-          <p:nvPr>
-            <p:ph type="dt" sz="half" idx="10"/>
-          </p:nvPr>
-        </p:nvSpPr>
-        <p:spPr/>
-        <p:txBody>
-          <a:bodyPr/>
-          <a:lstStyle/>
-          <a:p>
-            <a:fld id="{90F0A293-143E-49F8-AB74-8BE42FB9E430}" type="datetime1">
-              <a:rPr lang="pl-PL" smtClean="0"/>
-              <a:pPr/>
-              <a:t>2017-05-31</a:t>
-            </a:fld>
-            <a:endParaRPr lang="pl-PL"/>
-          </a:p>
-        </p:txBody>
-      </p:sp>
-      <p:sp>
-        <p:nvSpPr>
-          <p:cNvPr id="5" name="Symbol zastępczy stopki 4"/>
-          <p:cNvSpPr>
-            <a:spLocks noGrp="1"/>
-          </p:cNvSpPr>
-          <p:nvPr>
-            <p:ph type="ftr" sz="quarter" idx="11"/>
-          </p:nvPr>
-        </p:nvSpPr>
-        <p:spPr/>
-        <p:txBody>
-          <a:bodyPr/>
-          <a:lstStyle/>
-          <a:p>
-            <a:r>
-              <a:rPr lang="pl-PL" smtClean="0"/>
-              <a:t>Sprawozdanie z projektu INPG</a:t>
-            </a:r>
-            <a:endParaRPr lang="pl-PL"/>
-          </a:p>
-        </p:txBody>
-      </p:sp>
-      <p:sp>
-        <p:nvSpPr>
-          <p:cNvPr id="6" name="Symbol zastępczy numeru slajdu 5"/>
-          <p:cNvSpPr>
-            <a:spLocks noGrp="1"/>
-          </p:cNvSpPr>
-          <p:nvPr>
-            <p:ph type="sldNum" sz="quarter" idx="12"/>
-          </p:nvPr>
-        </p:nvSpPr>
-        <p:spPr/>
-        <p:txBody>
-          <a:bodyPr/>
-          <a:lstStyle/>
-          <a:p>
-            <a:fld id="{7ABA60A5-3177-43D4-9934-32BA489A924D}" type="slidenum">
-              <a:rPr lang="pl-PL" smtClean="0"/>
-              <a:pPr/>
-              <a:t>2</a:t>
-            </a:fld>
-            <a:endParaRPr lang="pl-PL"/>
-          </a:p>
-        </p:txBody>
-      </p:sp>
-    </p:spTree>
-    <p:extLst>
-      <p:ext uri="{BB962C8B-B14F-4D97-AF65-F5344CB8AC3E}">
-        <p14:creationId xmlns:p14="http://schemas.microsoft.com/office/powerpoint/2010/main" xmlns="" val="1679218770"/>
-      </p:ext>
-    </p:extLst>
-  </p:cSld>
-  <p:clrMapOvr>
-    <a:masterClrMapping/>
-  </p:clrMapOvr>
-  <p:timing>
-    <p:tnLst>
-      <p:par>
-        <p:cTn id="1" dur="indefinite" restart="never" nodeType="tmRoot"/>
-      </p:par>
-    </p:tnLst>
-  </p:timing>
-</p:sld>
-</file>
-
-<file path=ppt/slides/slide3.xml><?xml version="1.0" encoding="utf-8"?>
-<p:sld xmlns:a="http://schemas.openxmlformats.org/drawingml/2006/main" xmlns:r="http://schemas.openxmlformats.org/officeDocument/2006/relationships" xmlns:p="http://schemas.openxmlformats.org/presentationml/2006/main">
-  <p:cSld>
-    <p:spTree>
-      <p:nvGrpSpPr>
-        <p:cNvPr id="1" name=""/>
-        <p:cNvGrpSpPr/>
-        <p:nvPr/>
-      </p:nvGrpSpPr>
-      <p:grpSpPr>
-        <a:xfrm>
-          <a:off x="0" y="0"/>
-          <a:ext cx="0" cy="0"/>
-          <a:chOff x="0" y="0"/>
-          <a:chExt cx="0" cy="0"/>
-        </a:xfrm>
-      </p:grpSpPr>
-      <p:sp>
-        <p:nvSpPr>
-          <p:cNvPr id="2" name="Tytuł 1"/>
-          <p:cNvSpPr>
-            <a:spLocks noGrp="1"/>
-          </p:cNvSpPr>
-          <p:nvPr>
-            <p:ph type="title"/>
-          </p:nvPr>
-        </p:nvSpPr>
-        <p:spPr/>
-        <p:txBody>
           <a:bodyPr>
             <a:normAutofit fontScale="90000"/>
           </a:bodyPr>
@@ -6218,7 +5877,7 @@
             <a:fld id="{DEBB8349-9EFE-4CF4-A443-9D73D6C5CDDC}" type="datetime1">
               <a:rPr lang="pl-PL" smtClean="0"/>
               <a:pPr/>
-              <a:t>2017-05-31</a:t>
+              <a:t>31.05.2017</a:t>
             </a:fld>
             <a:endParaRPr lang="pl-PL"/>
           </a:p>
@@ -6265,7 +5924,7 @@
             <a:fld id="{7ABA60A5-3177-43D4-9934-32BA489A924D}" type="slidenum">
               <a:rPr lang="pl-PL" smtClean="0"/>
               <a:pPr/>
-              <a:t>3</a:t>
+              <a:t>2</a:t>
             </a:fld>
             <a:endParaRPr lang="pl-PL"/>
           </a:p>
@@ -6314,6 +5973,161 @@
 </p:sld>
 </file>
 
+<file path=ppt/slides/slide3.xml><?xml version="1.0" encoding="utf-8"?>
+<p:sld xmlns:a="http://schemas.openxmlformats.org/drawingml/2006/main" xmlns:r="http://schemas.openxmlformats.org/officeDocument/2006/relationships" xmlns:p="http://schemas.openxmlformats.org/presentationml/2006/main">
+  <p:cSld>
+    <p:spTree>
+      <p:nvGrpSpPr>
+        <p:cNvPr id="1" name=""/>
+        <p:cNvGrpSpPr/>
+        <p:nvPr/>
+      </p:nvGrpSpPr>
+      <p:grpSpPr>
+        <a:xfrm>
+          <a:off x="0" y="0"/>
+          <a:ext cx="0" cy="0"/>
+          <a:chOff x="0" y="0"/>
+          <a:chExt cx="0" cy="0"/>
+        </a:xfrm>
+      </p:grpSpPr>
+      <p:sp>
+        <p:nvSpPr>
+          <p:cNvPr id="2" name="Tytuł 1"/>
+          <p:cNvSpPr>
+            <a:spLocks noGrp="1"/>
+          </p:cNvSpPr>
+          <p:nvPr>
+            <p:ph type="title"/>
+          </p:nvPr>
+        </p:nvSpPr>
+        <p:spPr/>
+        <p:txBody>
+          <a:bodyPr/>
+          <a:lstStyle/>
+          <a:p>
+            <a:endParaRPr lang="pl-PL"/>
+          </a:p>
+        </p:txBody>
+      </p:sp>
+      <p:sp>
+        <p:nvSpPr>
+          <p:cNvPr id="3" name="Symbol zastępczy zawartości 2"/>
+          <p:cNvSpPr>
+            <a:spLocks noGrp="1"/>
+          </p:cNvSpPr>
+          <p:nvPr>
+            <p:ph idx="1"/>
+          </p:nvPr>
+        </p:nvSpPr>
+        <p:spPr/>
+        <p:txBody>
+          <a:bodyPr>
+            <a:normAutofit/>
+          </a:bodyPr>
+          <a:lstStyle/>
+          <a:p>
+            <a:pPr algn="ctr"/>
+            <a:r>
+              <a:rPr lang="pl-PL" sz="5400" dirty="0" smtClean="0"/>
+              <a:t>Przejrzystość</a:t>
+            </a:r>
+          </a:p>
+          <a:p>
+            <a:pPr algn="ctr"/>
+            <a:r>
+              <a:rPr lang="pl-PL" sz="5400" dirty="0" smtClean="0"/>
+              <a:t>Inspekcja </a:t>
+            </a:r>
+          </a:p>
+          <a:p>
+            <a:pPr algn="ctr"/>
+            <a:r>
+              <a:rPr lang="pl-PL" sz="5400" dirty="0" smtClean="0"/>
+              <a:t>Adaptacja</a:t>
+            </a:r>
+            <a:endParaRPr lang="pl-PL" sz="5400" dirty="0"/>
+          </a:p>
+        </p:txBody>
+      </p:sp>
+      <p:sp>
+        <p:nvSpPr>
+          <p:cNvPr id="4" name="Symbol zastępczy daty 3"/>
+          <p:cNvSpPr>
+            <a:spLocks noGrp="1"/>
+          </p:cNvSpPr>
+          <p:nvPr>
+            <p:ph type="dt" sz="half" idx="10"/>
+          </p:nvPr>
+        </p:nvSpPr>
+        <p:spPr/>
+        <p:txBody>
+          <a:bodyPr/>
+          <a:lstStyle/>
+          <a:p>
+            <a:fld id="{DEBB8349-9EFE-4CF4-A443-9D73D6C5CDDC}" type="datetime1">
+              <a:rPr lang="pl-PL" smtClean="0"/>
+              <a:pPr/>
+              <a:t>31.05.2017</a:t>
+            </a:fld>
+            <a:endParaRPr lang="pl-PL"/>
+          </a:p>
+        </p:txBody>
+      </p:sp>
+      <p:sp>
+        <p:nvSpPr>
+          <p:cNvPr id="5" name="Symbol zastępczy stopki 4"/>
+          <p:cNvSpPr>
+            <a:spLocks noGrp="1"/>
+          </p:cNvSpPr>
+          <p:nvPr>
+            <p:ph type="ftr" sz="quarter" idx="11"/>
+          </p:nvPr>
+        </p:nvSpPr>
+        <p:spPr/>
+        <p:txBody>
+          <a:bodyPr/>
+          <a:lstStyle/>
+          <a:p>
+            <a:r>
+              <a:rPr lang="pl-PL" smtClean="0"/>
+              <a:t>Sprawozdanie z projektu INPG</a:t>
+            </a:r>
+            <a:endParaRPr lang="pl-PL"/>
+          </a:p>
+        </p:txBody>
+      </p:sp>
+      <p:sp>
+        <p:nvSpPr>
+          <p:cNvPr id="6" name="Symbol zastępczy numeru slajdu 5"/>
+          <p:cNvSpPr>
+            <a:spLocks noGrp="1"/>
+          </p:cNvSpPr>
+          <p:nvPr>
+            <p:ph type="sldNum" sz="quarter" idx="12"/>
+          </p:nvPr>
+        </p:nvSpPr>
+        <p:spPr/>
+        <p:txBody>
+          <a:bodyPr/>
+          <a:lstStyle/>
+          <a:p>
+            <a:fld id="{7ABA60A5-3177-43D4-9934-32BA489A924D}" type="slidenum">
+              <a:rPr lang="pl-PL" smtClean="0"/>
+              <a:pPr/>
+              <a:t>3</a:t>
+            </a:fld>
+            <a:endParaRPr lang="pl-PL"/>
+          </a:p>
+        </p:txBody>
+      </p:sp>
+    </p:spTree>
+  </p:cSld>
+  <p:clrMapOvr>
+    <a:masterClrMapping/>
+  </p:clrMapOvr>
+</p:sld>
+</file>
+
 <file path=ppt/slides/slide4.xml><?xml version="1.0" encoding="utf-8"?>
 <p:sld xmlns:a="http://schemas.openxmlformats.org/drawingml/2006/main" xmlns:r="http://schemas.openxmlformats.org/officeDocument/2006/relationships" xmlns:p="http://schemas.openxmlformats.org/presentationml/2006/main">
   <p:cSld>
@@ -6360,33 +6174,103 @@
             <p:ph idx="1"/>
           </p:nvPr>
         </p:nvSpPr>
-        <p:spPr/>
-        <p:txBody>
-          <a:bodyPr>
-            <a:normAutofit/>
-          </a:bodyPr>
+        <p:spPr>
+          <a:xfrm>
+            <a:off x="428596" y="428604"/>
+            <a:ext cx="8258204" cy="5697559"/>
+          </a:xfrm>
+        </p:spPr>
+        <p:txBody>
+          <a:bodyPr/>
           <a:lstStyle/>
+          <a:p>
+            <a:pPr algn="ctr">
+              <a:buNone/>
+            </a:pPr>
+            <a:endParaRPr lang="pl-PL" dirty="0" smtClean="0"/>
+          </a:p>
+          <a:p>
+            <a:pPr algn="ctr">
+              <a:buNone/>
+            </a:pPr>
+            <a:r>
+              <a:rPr lang="pl-PL" dirty="0" smtClean="0"/>
+              <a:t>Zespół </a:t>
+            </a:r>
+            <a:r>
+              <a:rPr lang="pl-PL" dirty="0" err="1" smtClean="0"/>
+              <a:t>Scrumowy</a:t>
+            </a:r>
+            <a:endParaRPr lang="pl-PL" dirty="0" smtClean="0"/>
+          </a:p>
           <a:p>
             <a:pPr algn="ctr"/>
             <a:r>
-              <a:rPr lang="pl-PL" sz="5400" dirty="0" smtClean="0"/>
-              <a:t>Przejrzystość</a:t>
+              <a:rPr lang="pl-PL" dirty="0" smtClean="0"/>
+              <a:t>Właściciel Produktu</a:t>
             </a:r>
           </a:p>
           <a:p>
             <a:pPr algn="ctr"/>
             <a:r>
-              <a:rPr lang="pl-PL" sz="5400" dirty="0" smtClean="0"/>
-              <a:t>Inspekcja </a:t>
+              <a:rPr lang="pl-PL" dirty="0" smtClean="0"/>
+              <a:t>Zespół Deweloperski</a:t>
             </a:r>
           </a:p>
           <a:p>
             <a:pPr algn="ctr"/>
             <a:r>
-              <a:rPr lang="pl-PL" sz="5400" dirty="0" smtClean="0"/>
-              <a:t>Adaptacja</a:t>
+              <a:rPr lang="pl-PL" dirty="0" err="1" smtClean="0"/>
+              <a:t>Scrum</a:t>
             </a:r>
-            <a:endParaRPr lang="pl-PL" sz="5400" dirty="0"/>
+            <a:r>
+              <a:rPr lang="pl-PL" dirty="0" smtClean="0"/>
+              <a:t> Master</a:t>
+            </a:r>
+          </a:p>
+          <a:p>
+            <a:pPr algn="ctr">
+              <a:buNone/>
+            </a:pPr>
+            <a:endParaRPr lang="pl-PL" dirty="0" smtClean="0"/>
+          </a:p>
+          <a:p>
+            <a:pPr algn="ctr">
+              <a:buNone/>
+            </a:pPr>
+            <a:r>
+              <a:rPr lang="pl-PL" dirty="0" smtClean="0"/>
+              <a:t>Inne pojęcia</a:t>
+            </a:r>
+          </a:p>
+          <a:p>
+            <a:pPr algn="ctr"/>
+            <a:r>
+              <a:rPr lang="pl-PL" dirty="0" smtClean="0"/>
+              <a:t>Sprint</a:t>
+            </a:r>
+          </a:p>
+          <a:p>
+            <a:pPr algn="ctr"/>
+            <a:r>
+              <a:rPr lang="pl-PL" dirty="0" err="1" smtClean="0"/>
+              <a:t>Backlog</a:t>
+            </a:r>
+            <a:r>
+              <a:rPr lang="pl-PL" dirty="0" smtClean="0"/>
+              <a:t> Produktu</a:t>
+            </a:r>
+          </a:p>
+          <a:p>
+            <a:pPr algn="ctr"/>
+            <a:r>
+              <a:rPr lang="pl-PL" dirty="0" smtClean="0"/>
+              <a:t>Definicja ukończenia</a:t>
+            </a:r>
+          </a:p>
+          <a:p>
+            <a:pPr algn="ctr"/>
+            <a:endParaRPr lang="pl-PL" dirty="0"/>
           </a:p>
         </p:txBody>
       </p:sp>
@@ -6408,7 +6292,7 @@
             <a:fld id="{DEBB8349-9EFE-4CF4-A443-9D73D6C5CDDC}" type="datetime1">
               <a:rPr lang="pl-PL" smtClean="0"/>
               <a:pPr/>
-              <a:t>2017-05-31</a:t>
+              <a:t>31.05.2017</a:t>
             </a:fld>
             <a:endParaRPr lang="pl-PL"/>
           </a:p>
@@ -6501,231 +6385,6 @@
           <a:bodyPr/>
           <a:lstStyle/>
           <a:p>
-            <a:endParaRPr lang="pl-PL"/>
-          </a:p>
-        </p:txBody>
-      </p:sp>
-      <p:sp>
-        <p:nvSpPr>
-          <p:cNvPr id="3" name="Symbol zastępczy zawartości 2"/>
-          <p:cNvSpPr>
-            <a:spLocks noGrp="1"/>
-          </p:cNvSpPr>
-          <p:nvPr>
-            <p:ph idx="1"/>
-          </p:nvPr>
-        </p:nvSpPr>
-        <p:spPr>
-          <a:xfrm>
-            <a:off x="428596" y="428604"/>
-            <a:ext cx="8258204" cy="5697559"/>
-          </a:xfrm>
-        </p:spPr>
-        <p:txBody>
-          <a:bodyPr/>
-          <a:lstStyle/>
-          <a:p>
-            <a:pPr algn="ctr">
-              <a:buNone/>
-            </a:pPr>
-            <a:endParaRPr lang="pl-PL" dirty="0" smtClean="0"/>
-          </a:p>
-          <a:p>
-            <a:pPr algn="ctr">
-              <a:buNone/>
-            </a:pPr>
-            <a:r>
-              <a:rPr lang="pl-PL" dirty="0" smtClean="0"/>
-              <a:t>Zespół </a:t>
-            </a:r>
-            <a:r>
-              <a:rPr lang="pl-PL" dirty="0" err="1" smtClean="0"/>
-              <a:t>Scrumowy</a:t>
-            </a:r>
-            <a:endParaRPr lang="pl-PL" dirty="0" smtClean="0"/>
-          </a:p>
-          <a:p>
-            <a:pPr algn="ctr"/>
-            <a:r>
-              <a:rPr lang="pl-PL" dirty="0" smtClean="0"/>
-              <a:t>Właściciel Produktu</a:t>
-            </a:r>
-          </a:p>
-          <a:p>
-            <a:pPr algn="ctr"/>
-            <a:r>
-              <a:rPr lang="pl-PL" dirty="0" smtClean="0"/>
-              <a:t>Zespół Deweloperski</a:t>
-            </a:r>
-          </a:p>
-          <a:p>
-            <a:pPr algn="ctr"/>
-            <a:r>
-              <a:rPr lang="pl-PL" dirty="0" err="1" smtClean="0"/>
-              <a:t>Scrum</a:t>
-            </a:r>
-            <a:r>
-              <a:rPr lang="pl-PL" dirty="0" smtClean="0"/>
-              <a:t> Master</a:t>
-            </a:r>
-          </a:p>
-          <a:p>
-            <a:pPr algn="ctr">
-              <a:buNone/>
-            </a:pPr>
-            <a:endParaRPr lang="pl-PL" dirty="0" smtClean="0"/>
-          </a:p>
-          <a:p>
-            <a:pPr algn="ctr">
-              <a:buNone/>
-            </a:pPr>
-            <a:r>
-              <a:rPr lang="pl-PL" dirty="0" smtClean="0"/>
-              <a:t>Inne pojęcia</a:t>
-            </a:r>
-          </a:p>
-          <a:p>
-            <a:pPr algn="ctr"/>
-            <a:r>
-              <a:rPr lang="pl-PL" dirty="0" smtClean="0"/>
-              <a:t>Sprint</a:t>
-            </a:r>
-          </a:p>
-          <a:p>
-            <a:pPr algn="ctr"/>
-            <a:r>
-              <a:rPr lang="pl-PL" dirty="0" err="1" smtClean="0"/>
-              <a:t>Backlog</a:t>
-            </a:r>
-            <a:r>
-              <a:rPr lang="pl-PL" dirty="0" smtClean="0"/>
-              <a:t> Produktu</a:t>
-            </a:r>
-          </a:p>
-          <a:p>
-            <a:pPr algn="ctr"/>
-            <a:r>
-              <a:rPr lang="pl-PL" dirty="0" smtClean="0"/>
-              <a:t>Definicja ukończenia</a:t>
-            </a:r>
-          </a:p>
-          <a:p>
-            <a:pPr algn="ctr"/>
-            <a:endParaRPr lang="pl-PL" dirty="0"/>
-          </a:p>
-        </p:txBody>
-      </p:sp>
-      <p:sp>
-        <p:nvSpPr>
-          <p:cNvPr id="4" name="Symbol zastępczy daty 3"/>
-          <p:cNvSpPr>
-            <a:spLocks noGrp="1"/>
-          </p:cNvSpPr>
-          <p:nvPr>
-            <p:ph type="dt" sz="half" idx="10"/>
-          </p:nvPr>
-        </p:nvSpPr>
-        <p:spPr/>
-        <p:txBody>
-          <a:bodyPr/>
-          <a:lstStyle/>
-          <a:p>
-            <a:fld id="{DEBB8349-9EFE-4CF4-A443-9D73D6C5CDDC}" type="datetime1">
-              <a:rPr lang="pl-PL" smtClean="0"/>
-              <a:pPr/>
-              <a:t>2017-05-31</a:t>
-            </a:fld>
-            <a:endParaRPr lang="pl-PL"/>
-          </a:p>
-        </p:txBody>
-      </p:sp>
-      <p:sp>
-        <p:nvSpPr>
-          <p:cNvPr id="5" name="Symbol zastępczy stopki 4"/>
-          <p:cNvSpPr>
-            <a:spLocks noGrp="1"/>
-          </p:cNvSpPr>
-          <p:nvPr>
-            <p:ph type="ftr" sz="quarter" idx="11"/>
-          </p:nvPr>
-        </p:nvSpPr>
-        <p:spPr/>
-        <p:txBody>
-          <a:bodyPr/>
-          <a:lstStyle/>
-          <a:p>
-            <a:r>
-              <a:rPr lang="pl-PL" smtClean="0"/>
-              <a:t>Sprawozdanie z projektu INPG</a:t>
-            </a:r>
-            <a:endParaRPr lang="pl-PL"/>
-          </a:p>
-        </p:txBody>
-      </p:sp>
-      <p:sp>
-        <p:nvSpPr>
-          <p:cNvPr id="6" name="Symbol zastępczy numeru slajdu 5"/>
-          <p:cNvSpPr>
-            <a:spLocks noGrp="1"/>
-          </p:cNvSpPr>
-          <p:nvPr>
-            <p:ph type="sldNum" sz="quarter" idx="12"/>
-          </p:nvPr>
-        </p:nvSpPr>
-        <p:spPr/>
-        <p:txBody>
-          <a:bodyPr/>
-          <a:lstStyle/>
-          <a:p>
-            <a:fld id="{7ABA60A5-3177-43D4-9934-32BA489A924D}" type="slidenum">
-              <a:rPr lang="pl-PL" smtClean="0"/>
-              <a:pPr/>
-              <a:t>5</a:t>
-            </a:fld>
-            <a:endParaRPr lang="pl-PL"/>
-          </a:p>
-        </p:txBody>
-      </p:sp>
-    </p:spTree>
-  </p:cSld>
-  <p:clrMapOvr>
-    <a:masterClrMapping/>
-  </p:clrMapOvr>
-</p:sld>
-</file>
-
-<file path=ppt/slides/slide6.xml><?xml version="1.0" encoding="utf-8"?>
-<p:sld xmlns:a="http://schemas.openxmlformats.org/drawingml/2006/main" xmlns:r="http://schemas.openxmlformats.org/officeDocument/2006/relationships" xmlns:p="http://schemas.openxmlformats.org/presentationml/2006/main">
-  <p:cSld>
-    <p:spTree>
-      <p:nvGrpSpPr>
-        <p:cNvPr id="1" name=""/>
-        <p:cNvGrpSpPr/>
-        <p:nvPr/>
-      </p:nvGrpSpPr>
-      <p:grpSpPr>
-        <a:xfrm>
-          <a:off x="0" y="0"/>
-          <a:ext cx="0" cy="0"/>
-          <a:chOff x="0" y="0"/>
-          <a:chExt cx="0" cy="0"/>
-        </a:xfrm>
-      </p:grpSpPr>
-      <p:sp>
-        <p:nvSpPr>
-          <p:cNvPr id="2" name="Tytuł 1"/>
-          <p:cNvSpPr>
-            <a:spLocks noGrp="1"/>
-          </p:cNvSpPr>
-          <p:nvPr>
-            <p:ph type="title"/>
-          </p:nvPr>
-        </p:nvSpPr>
-        <p:spPr/>
-        <p:txBody>
-          <a:bodyPr/>
-          <a:lstStyle/>
-          <a:p>
             <a:r>
               <a:rPr lang="pl-PL" dirty="0" err="1" smtClean="0"/>
               <a:t>Backlog</a:t>
@@ -6752,7 +6411,7 @@
             <a:fld id="{DEBB8349-9EFE-4CF4-A443-9D73D6C5CDDC}" type="datetime1">
               <a:rPr lang="pl-PL" smtClean="0"/>
               <a:pPr/>
-              <a:t>2017-05-31</a:t>
+              <a:t>31.05.2017</a:t>
             </a:fld>
             <a:endParaRPr lang="pl-PL"/>
           </a:p>
@@ -6799,7 +6458,7 @@
             <a:fld id="{7ABA60A5-3177-43D4-9934-32BA489A924D}" type="slidenum">
               <a:rPr lang="pl-PL" smtClean="0"/>
               <a:pPr/>
-              <a:t>6</a:t>
+              <a:t>5</a:t>
             </a:fld>
             <a:endParaRPr lang="pl-PL"/>
           </a:p>
@@ -6817,7 +6476,7 @@
           <a:blip r:embed="rId2">
             <a:extLst>
               <a:ext uri="{28A0092B-C50C-407E-A947-70E740481C1C}">
-                <a14:useLocalDpi xmlns:a14="http://schemas.microsoft.com/office/drawing/2010/main" xmlns="" val="0"/>
+                <a14:useLocalDpi xmlns="" xmlns:a14="http://schemas.microsoft.com/office/drawing/2010/main" val="0"/>
               </a:ext>
             </a:extLst>
           </a:blip>
@@ -6841,14 +6500,14 @@
           <a:effectLst/>
           <a:extLst>
             <a:ext uri="{909E8E84-426E-40DD-AFC4-6F175D3DCCD1}">
-              <a14:hiddenFill xmlns:a14="http://schemas.microsoft.com/office/drawing/2010/main" xmlns="">
+              <a14:hiddenFill xmlns="" xmlns:a14="http://schemas.microsoft.com/office/drawing/2010/main">
                 <a:solidFill>
                   <a:schemeClr val="accent1"/>
                 </a:solidFill>
               </a14:hiddenFill>
             </a:ext>
             <a:ext uri="{91240B29-F687-4F45-9708-019B960494DF}">
-              <a14:hiddenLine xmlns:a14="http://schemas.microsoft.com/office/drawing/2010/main" xmlns="" w="9525">
+              <a14:hiddenLine xmlns="" xmlns:a14="http://schemas.microsoft.com/office/drawing/2010/main" w="9525">
                 <a:solidFill>
                   <a:schemeClr val="tx1"/>
                 </a:solidFill>
@@ -6858,7 +6517,7 @@
               </a14:hiddenLine>
             </a:ext>
             <a:ext uri="{AF507438-7753-43E0-B8FC-AC1667EBCBE1}">
-              <a14:hiddenEffects xmlns:a14="http://schemas.microsoft.com/office/drawing/2010/main" xmlns="">
+              <a14:hiddenEffects xmlns="" xmlns:a14="http://schemas.microsoft.com/office/drawing/2010/main">
                 <a:effectLst>
                   <a:outerShdw dist="35921" dir="2700000" algn="ctr" rotWithShape="0">
                     <a:schemeClr val="bg2"/>
@@ -6872,7 +6531,7 @@
     </p:spTree>
     <p:extLst>
       <p:ext uri="{BB962C8B-B14F-4D97-AF65-F5344CB8AC3E}">
-        <p14:creationId xmlns:p14="http://schemas.microsoft.com/office/powerpoint/2010/main" xmlns="" val="982657965"/>
+        <p14:creationId xmlns="" xmlns:p14="http://schemas.microsoft.com/office/powerpoint/2010/main" val="982657965"/>
       </p:ext>
     </p:extLst>
   </p:cSld>
@@ -6889,7 +6548,7 @@
 </p:sld>
 </file>
 
-<file path=ppt/slides/slide7.xml><?xml version="1.0" encoding="utf-8"?>
+<file path=ppt/slides/slide6.xml><?xml version="1.0" encoding="utf-8"?>
 <p:sld xmlns:a="http://schemas.openxmlformats.org/drawingml/2006/main" xmlns:r="http://schemas.openxmlformats.org/officeDocument/2006/relationships" xmlns:p="http://schemas.openxmlformats.org/presentationml/2006/main">
   <p:cSld>
     <p:spTree>
@@ -6947,7 +6606,7 @@
             <a:fld id="{DEBB8349-9EFE-4CF4-A443-9D73D6C5CDDC}" type="datetime1">
               <a:rPr lang="pl-PL" smtClean="0"/>
               <a:pPr/>
-              <a:t>2017-05-31</a:t>
+              <a:t>31.05.2017</a:t>
             </a:fld>
             <a:endParaRPr lang="pl-PL"/>
           </a:p>
@@ -6994,7 +6653,7 @@
             <a:fld id="{7ABA60A5-3177-43D4-9934-32BA489A924D}" type="slidenum">
               <a:rPr lang="pl-PL" smtClean="0"/>
               <a:pPr/>
-              <a:t>7</a:t>
+              <a:t>6</a:t>
             </a:fld>
             <a:endParaRPr lang="pl-PL"/>
           </a:p>
@@ -7012,7 +6671,7 @@
           <a:blip r:embed="rId2">
             <a:extLst>
               <a:ext uri="{28A0092B-C50C-407E-A947-70E740481C1C}">
-                <a14:useLocalDpi xmlns:a14="http://schemas.microsoft.com/office/drawing/2010/main" xmlns="" val="0"/>
+                <a14:useLocalDpi xmlns="" xmlns:a14="http://schemas.microsoft.com/office/drawing/2010/main" val="0"/>
               </a:ext>
             </a:extLst>
           </a:blip>
@@ -7036,14 +6695,14 @@
           <a:effectLst/>
           <a:extLst>
             <a:ext uri="{909E8E84-426E-40DD-AFC4-6F175D3DCCD1}">
-              <a14:hiddenFill xmlns:a14="http://schemas.microsoft.com/office/drawing/2010/main" xmlns="">
+              <a14:hiddenFill xmlns="" xmlns:a14="http://schemas.microsoft.com/office/drawing/2010/main">
                 <a:solidFill>
                   <a:schemeClr val="accent1"/>
                 </a:solidFill>
               </a14:hiddenFill>
             </a:ext>
             <a:ext uri="{91240B29-F687-4F45-9708-019B960494DF}">
-              <a14:hiddenLine xmlns:a14="http://schemas.microsoft.com/office/drawing/2010/main" xmlns="" w="9525">
+              <a14:hiddenLine xmlns="" xmlns:a14="http://schemas.microsoft.com/office/drawing/2010/main" w="9525">
                 <a:solidFill>
                   <a:schemeClr val="tx1"/>
                 </a:solidFill>
@@ -7053,7 +6712,7 @@
               </a14:hiddenLine>
             </a:ext>
             <a:ext uri="{AF507438-7753-43E0-B8FC-AC1667EBCBE1}">
-              <a14:hiddenEffects xmlns:a14="http://schemas.microsoft.com/office/drawing/2010/main" xmlns="">
+              <a14:hiddenEffects xmlns="" xmlns:a14="http://schemas.microsoft.com/office/drawing/2010/main">
                 <a:effectLst>
                   <a:outerShdw dist="35921" dir="2700000" algn="ctr" rotWithShape="0">
                     <a:schemeClr val="bg2"/>
@@ -7067,7 +6726,7 @@
     </p:spTree>
     <p:extLst>
       <p:ext uri="{BB962C8B-B14F-4D97-AF65-F5344CB8AC3E}">
-        <p14:creationId xmlns:p14="http://schemas.microsoft.com/office/powerpoint/2010/main" xmlns="" val="2774064168"/>
+        <p14:creationId xmlns="" xmlns:p14="http://schemas.microsoft.com/office/powerpoint/2010/main" val="2774064168"/>
       </p:ext>
     </p:extLst>
   </p:cSld>
@@ -7084,7 +6743,7 @@
 </p:sld>
 </file>
 
-<file path=ppt/slides/slide8.xml><?xml version="1.0" encoding="utf-8"?>
+<file path=ppt/slides/slide7.xml><?xml version="1.0" encoding="utf-8"?>
 <p:sld xmlns:a="http://schemas.openxmlformats.org/drawingml/2006/main" xmlns:r="http://schemas.openxmlformats.org/officeDocument/2006/relationships" xmlns:p="http://schemas.openxmlformats.org/presentationml/2006/main">
   <p:cSld>
     <p:spTree>
@@ -10350,7 +10009,7 @@
             <a:fld id="{DEBB8349-9EFE-4CF4-A443-9D73D6C5CDDC}" type="datetime1">
               <a:rPr lang="pl-PL" smtClean="0"/>
               <a:pPr/>
-              <a:t>2017-05-31</a:t>
+              <a:t>31.05.2017</a:t>
             </a:fld>
             <a:endParaRPr lang="pl-PL"/>
           </a:p>
@@ -10397,7 +10056,7 @@
             <a:fld id="{7ABA60A5-3177-43D4-9934-32BA489A924D}" type="slidenum">
               <a:rPr lang="pl-PL" smtClean="0"/>
               <a:pPr/>
-              <a:t>8</a:t>
+              <a:t>7</a:t>
             </a:fld>
             <a:endParaRPr lang="pl-PL"/>
           </a:p>
@@ -10411,7 +10070,7 @@
 </p:sld>
 </file>
 
-<file path=ppt/slides/slide9.xml><?xml version="1.0" encoding="utf-8"?>
+<file path=ppt/slides/slide8.xml><?xml version="1.0" encoding="utf-8"?>
 <p:sld xmlns:a="http://schemas.openxmlformats.org/drawingml/2006/main" xmlns:r="http://schemas.openxmlformats.org/officeDocument/2006/relationships" xmlns:p="http://schemas.openxmlformats.org/presentationml/2006/main">
   <p:cSld>
     <p:spTree>
@@ -13882,7 +13541,7 @@
             <a:fld id="{DEBB8349-9EFE-4CF4-A443-9D73D6C5CDDC}" type="datetime1">
               <a:rPr lang="pl-PL" smtClean="0"/>
               <a:pPr/>
-              <a:t>2017-05-31</a:t>
+              <a:t>31.05.2017</a:t>
             </a:fld>
             <a:endParaRPr lang="pl-PL"/>
           </a:p>
@@ -13929,7 +13588,7 @@
             <a:fld id="{7ABA60A5-3177-43D4-9934-32BA489A924D}" type="slidenum">
               <a:rPr lang="pl-PL" smtClean="0"/>
               <a:pPr/>
-              <a:t>9</a:t>
+              <a:t>8</a:t>
             </a:fld>
             <a:endParaRPr lang="pl-PL"/>
           </a:p>
@@ -13940,6 +13599,201 @@
   <p:clrMapOvr>
     <a:masterClrMapping/>
   </p:clrMapOvr>
+</p:sld>
+</file>
+
+<file path=ppt/slides/slide9.xml><?xml version="1.0" encoding="utf-8"?>
+<p:sld xmlns:a="http://schemas.openxmlformats.org/drawingml/2006/main" xmlns:r="http://schemas.openxmlformats.org/officeDocument/2006/relationships" xmlns:p="http://schemas.openxmlformats.org/presentationml/2006/main">
+  <p:cSld>
+    <p:spTree>
+      <p:nvGrpSpPr>
+        <p:cNvPr id="1" name=""/>
+        <p:cNvGrpSpPr/>
+        <p:nvPr/>
+      </p:nvGrpSpPr>
+      <p:grpSpPr>
+        <a:xfrm>
+          <a:off x="0" y="0"/>
+          <a:ext cx="0" cy="0"/>
+          <a:chOff x="0" y="0"/>
+          <a:chExt cx="0" cy="0"/>
+        </a:xfrm>
+      </p:grpSpPr>
+      <p:sp>
+        <p:nvSpPr>
+          <p:cNvPr id="2" name="Tytuł 1"/>
+          <p:cNvSpPr>
+            <a:spLocks noGrp="1"/>
+          </p:cNvSpPr>
+          <p:nvPr>
+            <p:ph type="title"/>
+          </p:nvPr>
+        </p:nvSpPr>
+        <p:spPr/>
+        <p:txBody>
+          <a:bodyPr/>
+          <a:lstStyle/>
+          <a:p>
+            <a:r>
+              <a:rPr lang="pl-PL" dirty="0" smtClean="0"/>
+              <a:t>Raporty</a:t>
+            </a:r>
+            <a:endParaRPr lang="pl-PL" dirty="0"/>
+          </a:p>
+        </p:txBody>
+      </p:sp>
+      <p:sp>
+        <p:nvSpPr>
+          <p:cNvPr id="4" name="Symbol zastępczy daty 3"/>
+          <p:cNvSpPr>
+            <a:spLocks noGrp="1"/>
+          </p:cNvSpPr>
+          <p:nvPr>
+            <p:ph type="dt" sz="half" idx="10"/>
+          </p:nvPr>
+        </p:nvSpPr>
+        <p:spPr/>
+        <p:txBody>
+          <a:bodyPr/>
+          <a:lstStyle/>
+          <a:p>
+            <a:fld id="{DEBB8349-9EFE-4CF4-A443-9D73D6C5CDDC}" type="datetime1">
+              <a:rPr lang="pl-PL" smtClean="0"/>
+              <a:pPr/>
+              <a:t>31.05.2017</a:t>
+            </a:fld>
+            <a:endParaRPr lang="pl-PL"/>
+          </a:p>
+        </p:txBody>
+      </p:sp>
+      <p:sp>
+        <p:nvSpPr>
+          <p:cNvPr id="5" name="Symbol zastępczy stopki 4"/>
+          <p:cNvSpPr>
+            <a:spLocks noGrp="1"/>
+          </p:cNvSpPr>
+          <p:nvPr>
+            <p:ph type="ftr" sz="quarter" idx="11"/>
+          </p:nvPr>
+        </p:nvSpPr>
+        <p:spPr/>
+        <p:txBody>
+          <a:bodyPr/>
+          <a:lstStyle/>
+          <a:p>
+            <a:r>
+              <a:rPr lang="pl-PL" smtClean="0"/>
+              <a:t>Sprawozdanie z projektu INPG</a:t>
+            </a:r>
+            <a:endParaRPr lang="pl-PL"/>
+          </a:p>
+        </p:txBody>
+      </p:sp>
+      <p:sp>
+        <p:nvSpPr>
+          <p:cNvPr id="6" name="Symbol zastępczy numeru slajdu 5"/>
+          <p:cNvSpPr>
+            <a:spLocks noGrp="1"/>
+          </p:cNvSpPr>
+          <p:nvPr>
+            <p:ph type="sldNum" sz="quarter" idx="12"/>
+          </p:nvPr>
+        </p:nvSpPr>
+        <p:spPr/>
+        <p:txBody>
+          <a:bodyPr/>
+          <a:lstStyle/>
+          <a:p>
+            <a:fld id="{7ABA60A5-3177-43D4-9934-32BA489A924D}" type="slidenum">
+              <a:rPr lang="pl-PL" smtClean="0"/>
+              <a:pPr/>
+              <a:t>9</a:t>
+            </a:fld>
+            <a:endParaRPr lang="pl-PL"/>
+          </a:p>
+        </p:txBody>
+      </p:sp>
+      <p:pic>
+        <p:nvPicPr>
+          <p:cNvPr id="3074" name="Picture 2"/>
+          <p:cNvPicPr>
+            <a:picLocks noChangeAspect="1" noChangeArrowheads="1"/>
+          </p:cNvPicPr>
+          <p:nvPr/>
+        </p:nvPicPr>
+        <p:blipFill>
+          <a:blip r:embed="rId2">
+            <a:extLst>
+              <a:ext uri="{28A0092B-C50C-407E-A947-70E740481C1C}">
+                <a14:useLocalDpi xmlns="" xmlns:a14="http://schemas.microsoft.com/office/drawing/2010/main" val="0"/>
+              </a:ext>
+            </a:extLst>
+          </a:blip>
+          <a:srcRect/>
+          <a:stretch>
+            <a:fillRect/>
+          </a:stretch>
+        </p:blipFill>
+        <p:spPr bwMode="auto">
+          <a:xfrm>
+            <a:off x="838200" y="1340768"/>
+            <a:ext cx="7467600" cy="4622800"/>
+          </a:xfrm>
+          <a:prstGeom prst="rect">
+            <a:avLst/>
+          </a:prstGeom>
+          <a:noFill/>
+          <a:ln>
+            <a:noFill/>
+          </a:ln>
+          <a:effectLst/>
+          <a:extLst>
+            <a:ext uri="{909E8E84-426E-40DD-AFC4-6F175D3DCCD1}">
+              <a14:hiddenFill xmlns="" xmlns:a14="http://schemas.microsoft.com/office/drawing/2010/main">
+                <a:solidFill>
+                  <a:schemeClr val="accent1"/>
+                </a:solidFill>
+              </a14:hiddenFill>
+            </a:ext>
+            <a:ext uri="{91240B29-F687-4F45-9708-019B960494DF}">
+              <a14:hiddenLine xmlns="" xmlns:a14="http://schemas.microsoft.com/office/drawing/2010/main" w="9525">
+                <a:solidFill>
+                  <a:schemeClr val="tx1"/>
+                </a:solidFill>
+                <a:miter lim="800000"/>
+                <a:headEnd/>
+                <a:tailEnd/>
+              </a14:hiddenLine>
+            </a:ext>
+            <a:ext uri="{AF507438-7753-43E0-B8FC-AC1667EBCBE1}">
+              <a14:hiddenEffects xmlns="" xmlns:a14="http://schemas.microsoft.com/office/drawing/2010/main">
+                <a:effectLst>
+                  <a:outerShdw dist="35921" dir="2700000" algn="ctr" rotWithShape="0">
+                    <a:schemeClr val="bg2"/>
+                  </a:outerShdw>
+                </a:effectLst>
+              </a14:hiddenEffects>
+            </a:ext>
+          </a:extLst>
+        </p:spPr>
+      </p:pic>
+    </p:spTree>
+    <p:extLst>
+      <p:ext uri="{BB962C8B-B14F-4D97-AF65-F5344CB8AC3E}">
+        <p14:creationId xmlns="" xmlns:p14="http://schemas.microsoft.com/office/powerpoint/2010/main" val="1524689310"/>
+      </p:ext>
+    </p:extLst>
+  </p:cSld>
+  <p:clrMapOvr>
+    <a:masterClrMapping/>
+  </p:clrMapOvr>
+  <p:timing>
+    <p:tnLst>
+      <p:par>
+        <p:cTn id="1" dur="indefinite" restart="never" nodeType="tmRoot"/>
+      </p:par>
+    </p:tnLst>
+  </p:timing>
 </p:sld>
 </file>
 
